--- a/doc/Mo ta bai toan v5.0.pptx
+++ b/doc/Mo ta bai toan v5.0.pptx
@@ -5,23 +5,22 @@
     <p:sldMasterId id="2147483742" r:id="rId1"/>
   </p:sldMasterIdLst>
   <p:sldIdLst>
-    <p:sldId id="276" r:id="rId2"/>
-    <p:sldId id="256" r:id="rId3"/>
-    <p:sldId id="258" r:id="rId4"/>
-    <p:sldId id="257" r:id="rId5"/>
-    <p:sldId id="259" r:id="rId6"/>
-    <p:sldId id="261" r:id="rId7"/>
-    <p:sldId id="263" r:id="rId8"/>
-    <p:sldId id="264" r:id="rId9"/>
-    <p:sldId id="265" r:id="rId10"/>
-    <p:sldId id="266" r:id="rId11"/>
-    <p:sldId id="267" r:id="rId12"/>
-    <p:sldId id="268" r:id="rId13"/>
-    <p:sldId id="269" r:id="rId14"/>
-    <p:sldId id="270" r:id="rId15"/>
-    <p:sldId id="274" r:id="rId16"/>
-    <p:sldId id="273" r:id="rId17"/>
-    <p:sldId id="275" r:id="rId18"/>
+    <p:sldId id="256" r:id="rId2"/>
+    <p:sldId id="258" r:id="rId3"/>
+    <p:sldId id="257" r:id="rId4"/>
+    <p:sldId id="259" r:id="rId5"/>
+    <p:sldId id="261" r:id="rId6"/>
+    <p:sldId id="263" r:id="rId7"/>
+    <p:sldId id="264" r:id="rId8"/>
+    <p:sldId id="265" r:id="rId9"/>
+    <p:sldId id="266" r:id="rId10"/>
+    <p:sldId id="267" r:id="rId11"/>
+    <p:sldId id="268" r:id="rId12"/>
+    <p:sldId id="269" r:id="rId13"/>
+    <p:sldId id="270" r:id="rId14"/>
+    <p:sldId id="274" r:id="rId15"/>
+    <p:sldId id="273" r:id="rId16"/>
+    <p:sldId id="275" r:id="rId17"/>
   </p:sldIdLst>
   <p:sldSz cx="12192000" cy="6858000"/>
   <p:notesSz cx="6858000" cy="9144000"/>
@@ -2417,7 +2416,7 @@
           <p:cNvPr id="2" name="Title 1">
             <a:extLst>
               <a:ext uri="{FF2B5EF4-FFF2-40B4-BE49-F238E27FC236}">
-                <a16:creationId xmlns:a16="http://schemas.microsoft.com/office/drawing/2014/main" xmlns="" id="{BF53B052-A59B-4AE3-A89A-E7748630C15B}"/>
+                <a16:creationId xmlns="" xmlns:a16="http://schemas.microsoft.com/office/drawing/2014/main" id="{BF53B052-A59B-4AE3-A89A-E7748630C15B}"/>
               </a:ext>
             </a:extLst>
           </p:cNvPr>
@@ -2455,7 +2454,7 @@
           <p:cNvPr id="3" name="Subtitle 2">
             <a:extLst>
               <a:ext uri="{FF2B5EF4-FFF2-40B4-BE49-F238E27FC236}">
-                <a16:creationId xmlns:a16="http://schemas.microsoft.com/office/drawing/2014/main" xmlns="" id="{FBDA9EC4-FEA9-41D2-BE8D-F709F01D3750}"/>
+                <a16:creationId xmlns="" xmlns:a16="http://schemas.microsoft.com/office/drawing/2014/main" id="{FBDA9EC4-FEA9-41D2-BE8D-F709F01D3750}"/>
               </a:ext>
             </a:extLst>
           </p:cNvPr>
@@ -2525,7 +2524,7 @@
           <p:cNvPr id="4" name="Date Placeholder 3">
             <a:extLst>
               <a:ext uri="{FF2B5EF4-FFF2-40B4-BE49-F238E27FC236}">
-                <a16:creationId xmlns:a16="http://schemas.microsoft.com/office/drawing/2014/main" xmlns="" id="{C6E155CF-52F5-4879-B7F3-D05812AC4A6D}"/>
+                <a16:creationId xmlns="" xmlns:a16="http://schemas.microsoft.com/office/drawing/2014/main" id="{C6E155CF-52F5-4879-B7F3-D05812AC4A6D}"/>
               </a:ext>
             </a:extLst>
           </p:cNvPr>
@@ -2543,7 +2542,7 @@
           <a:p>
             <a:fld id="{AA70F276-1833-4A75-9C1D-A56E2295A68D}" type="datetimeFigureOut">
               <a:rPr lang="en-US" smtClean="0"/>
-              <a:t>10/2/2021</a:t>
+              <a:t>10/4/2021</a:t>
             </a:fld>
             <a:endParaRPr lang="en-US"/>
           </a:p>
@@ -2554,7 +2553,7 @@
           <p:cNvPr id="5" name="Footer Placeholder 4">
             <a:extLst>
               <a:ext uri="{FF2B5EF4-FFF2-40B4-BE49-F238E27FC236}">
-                <a16:creationId xmlns:a16="http://schemas.microsoft.com/office/drawing/2014/main" xmlns="" id="{80D053AC-61ED-4C2F-90BF-D4A916545107}"/>
+                <a16:creationId xmlns="" xmlns:a16="http://schemas.microsoft.com/office/drawing/2014/main" id="{80D053AC-61ED-4C2F-90BF-D4A916545107}"/>
               </a:ext>
             </a:extLst>
           </p:cNvPr>
@@ -2579,7 +2578,7 @@
           <p:cNvPr id="6" name="Slide Number Placeholder 5">
             <a:extLst>
               <a:ext uri="{FF2B5EF4-FFF2-40B4-BE49-F238E27FC236}">
-                <a16:creationId xmlns:a16="http://schemas.microsoft.com/office/drawing/2014/main" xmlns="" id="{138B2ED7-A198-4613-B8C9-EE02BAE24FA4}"/>
+                <a16:creationId xmlns="" xmlns:a16="http://schemas.microsoft.com/office/drawing/2014/main" id="{138B2ED7-A198-4613-B8C9-EE02BAE24FA4}"/>
               </a:ext>
             </a:extLst>
           </p:cNvPr>
@@ -2638,7 +2637,7 @@
           <p:cNvPr id="2" name="Title 1">
             <a:extLst>
               <a:ext uri="{FF2B5EF4-FFF2-40B4-BE49-F238E27FC236}">
-                <a16:creationId xmlns:a16="http://schemas.microsoft.com/office/drawing/2014/main" xmlns="" id="{877B47DD-81F8-4128-9E50-04A9F2D3DCD8}"/>
+                <a16:creationId xmlns="" xmlns:a16="http://schemas.microsoft.com/office/drawing/2014/main" id="{877B47DD-81F8-4128-9E50-04A9F2D3DCD8}"/>
               </a:ext>
             </a:extLst>
           </p:cNvPr>
@@ -2666,7 +2665,7 @@
           <p:cNvPr id="3" name="Vertical Text Placeholder 2">
             <a:extLst>
               <a:ext uri="{FF2B5EF4-FFF2-40B4-BE49-F238E27FC236}">
-                <a16:creationId xmlns:a16="http://schemas.microsoft.com/office/drawing/2014/main" xmlns="" id="{656564D1-2B83-4C0F-ACBA-E91472C50A3D}"/>
+                <a16:creationId xmlns="" xmlns:a16="http://schemas.microsoft.com/office/drawing/2014/main" id="{656564D1-2B83-4C0F-ACBA-E91472C50A3D}"/>
               </a:ext>
             </a:extLst>
           </p:cNvPr>
@@ -2723,7 +2722,7 @@
           <p:cNvPr id="4" name="Date Placeholder 3">
             <a:extLst>
               <a:ext uri="{FF2B5EF4-FFF2-40B4-BE49-F238E27FC236}">
-                <a16:creationId xmlns:a16="http://schemas.microsoft.com/office/drawing/2014/main" xmlns="" id="{96FA1D7D-D2EC-4ADB-9C65-191DEC82DDF4}"/>
+                <a16:creationId xmlns="" xmlns:a16="http://schemas.microsoft.com/office/drawing/2014/main" id="{96FA1D7D-D2EC-4ADB-9C65-191DEC82DDF4}"/>
               </a:ext>
             </a:extLst>
           </p:cNvPr>
@@ -2741,7 +2740,7 @@
           <a:p>
             <a:fld id="{AA70F276-1833-4A75-9C1D-A56E2295A68D}" type="datetimeFigureOut">
               <a:rPr lang="en-US" smtClean="0"/>
-              <a:t>10/2/2021</a:t>
+              <a:t>10/4/2021</a:t>
             </a:fld>
             <a:endParaRPr lang="en-US"/>
           </a:p>
@@ -2752,7 +2751,7 @@
           <p:cNvPr id="5" name="Footer Placeholder 4">
             <a:extLst>
               <a:ext uri="{FF2B5EF4-FFF2-40B4-BE49-F238E27FC236}">
-                <a16:creationId xmlns:a16="http://schemas.microsoft.com/office/drawing/2014/main" xmlns="" id="{534CB571-86F9-474A-826A-75CC21C8832B}"/>
+                <a16:creationId xmlns="" xmlns:a16="http://schemas.microsoft.com/office/drawing/2014/main" id="{534CB571-86F9-474A-826A-75CC21C8832B}"/>
               </a:ext>
             </a:extLst>
           </p:cNvPr>
@@ -2777,7 +2776,7 @@
           <p:cNvPr id="6" name="Slide Number Placeholder 5">
             <a:extLst>
               <a:ext uri="{FF2B5EF4-FFF2-40B4-BE49-F238E27FC236}">
-                <a16:creationId xmlns:a16="http://schemas.microsoft.com/office/drawing/2014/main" xmlns="" id="{A1384F5F-50E6-4BB9-B848-EE2302C02ABE}"/>
+                <a16:creationId xmlns="" xmlns:a16="http://schemas.microsoft.com/office/drawing/2014/main" id="{A1384F5F-50E6-4BB9-B848-EE2302C02ABE}"/>
               </a:ext>
             </a:extLst>
           </p:cNvPr>
@@ -2836,7 +2835,7 @@
           <p:cNvPr id="2" name="Vertical Title 1">
             <a:extLst>
               <a:ext uri="{FF2B5EF4-FFF2-40B4-BE49-F238E27FC236}">
-                <a16:creationId xmlns:a16="http://schemas.microsoft.com/office/drawing/2014/main" xmlns="" id="{9E3F08DF-1C0D-4F53-A3AB-95D7B55FA063}"/>
+                <a16:creationId xmlns="" xmlns:a16="http://schemas.microsoft.com/office/drawing/2014/main" id="{9E3F08DF-1C0D-4F53-A3AB-95D7B55FA063}"/>
               </a:ext>
             </a:extLst>
           </p:cNvPr>
@@ -2869,7 +2868,7 @@
           <p:cNvPr id="3" name="Vertical Text Placeholder 2">
             <a:extLst>
               <a:ext uri="{FF2B5EF4-FFF2-40B4-BE49-F238E27FC236}">
-                <a16:creationId xmlns:a16="http://schemas.microsoft.com/office/drawing/2014/main" xmlns="" id="{1C0D3BBD-C494-4E94-B189-319802A93E38}"/>
+                <a16:creationId xmlns="" xmlns:a16="http://schemas.microsoft.com/office/drawing/2014/main" id="{1C0D3BBD-C494-4E94-B189-319802A93E38}"/>
               </a:ext>
             </a:extLst>
           </p:cNvPr>
@@ -2931,7 +2930,7 @@
           <p:cNvPr id="4" name="Date Placeholder 3">
             <a:extLst>
               <a:ext uri="{FF2B5EF4-FFF2-40B4-BE49-F238E27FC236}">
-                <a16:creationId xmlns:a16="http://schemas.microsoft.com/office/drawing/2014/main" xmlns="" id="{D63C0BD9-4BED-43D3-852F-B74B949A2287}"/>
+                <a16:creationId xmlns="" xmlns:a16="http://schemas.microsoft.com/office/drawing/2014/main" id="{D63C0BD9-4BED-43D3-852F-B74B949A2287}"/>
               </a:ext>
             </a:extLst>
           </p:cNvPr>
@@ -2949,7 +2948,7 @@
           <a:p>
             <a:fld id="{AA70F276-1833-4A75-9C1D-A56E2295A68D}" type="datetimeFigureOut">
               <a:rPr lang="en-US" smtClean="0"/>
-              <a:t>10/2/2021</a:t>
+              <a:t>10/4/2021</a:t>
             </a:fld>
             <a:endParaRPr lang="en-US"/>
           </a:p>
@@ -2960,7 +2959,7 @@
           <p:cNvPr id="5" name="Footer Placeholder 4">
             <a:extLst>
               <a:ext uri="{FF2B5EF4-FFF2-40B4-BE49-F238E27FC236}">
-                <a16:creationId xmlns:a16="http://schemas.microsoft.com/office/drawing/2014/main" xmlns="" id="{BB7811DC-C725-4462-B622-DB96A8987673}"/>
+                <a16:creationId xmlns="" xmlns:a16="http://schemas.microsoft.com/office/drawing/2014/main" id="{BB7811DC-C725-4462-B622-DB96A8987673}"/>
               </a:ext>
             </a:extLst>
           </p:cNvPr>
@@ -2985,7 +2984,7 @@
           <p:cNvPr id="6" name="Slide Number Placeholder 5">
             <a:extLst>
               <a:ext uri="{FF2B5EF4-FFF2-40B4-BE49-F238E27FC236}">
-                <a16:creationId xmlns:a16="http://schemas.microsoft.com/office/drawing/2014/main" xmlns="" id="{67C42D06-438F-4150-9238-E2FAEE5E28D9}"/>
+                <a16:creationId xmlns="" xmlns:a16="http://schemas.microsoft.com/office/drawing/2014/main" id="{67C42D06-438F-4150-9238-E2FAEE5E28D9}"/>
               </a:ext>
             </a:extLst>
           </p:cNvPr>
@@ -3044,7 +3043,7 @@
           <p:cNvPr id="2" name="Title 1">
             <a:extLst>
               <a:ext uri="{FF2B5EF4-FFF2-40B4-BE49-F238E27FC236}">
-                <a16:creationId xmlns:a16="http://schemas.microsoft.com/office/drawing/2014/main" xmlns="" id="{77B98991-AEF1-4F19-AAB8-436EAD58C282}"/>
+                <a16:creationId xmlns="" xmlns:a16="http://schemas.microsoft.com/office/drawing/2014/main" id="{77B98991-AEF1-4F19-AAB8-436EAD58C282}"/>
               </a:ext>
             </a:extLst>
           </p:cNvPr>
@@ -3073,7 +3072,7 @@
           <p:cNvPr id="3" name="Content Placeholder 2">
             <a:extLst>
               <a:ext uri="{FF2B5EF4-FFF2-40B4-BE49-F238E27FC236}">
-                <a16:creationId xmlns:a16="http://schemas.microsoft.com/office/drawing/2014/main" xmlns="" id="{0D25B44F-E7DA-40C6-8B44-71EAB6BDFC98}"/>
+                <a16:creationId xmlns="" xmlns:a16="http://schemas.microsoft.com/office/drawing/2014/main" id="{0D25B44F-E7DA-40C6-8B44-71EAB6BDFC98}"/>
               </a:ext>
             </a:extLst>
           </p:cNvPr>
@@ -3156,7 +3155,7 @@
           <p:cNvPr id="4" name="Date Placeholder 3">
             <a:extLst>
               <a:ext uri="{FF2B5EF4-FFF2-40B4-BE49-F238E27FC236}">
-                <a16:creationId xmlns:a16="http://schemas.microsoft.com/office/drawing/2014/main" xmlns="" id="{A1F71817-A045-48C0-975B-CBEF88E9561E}"/>
+                <a16:creationId xmlns="" xmlns:a16="http://schemas.microsoft.com/office/drawing/2014/main" id="{A1F71817-A045-48C0-975B-CBEF88E9561E}"/>
               </a:ext>
             </a:extLst>
           </p:cNvPr>
@@ -3174,7 +3173,7 @@
           <a:p>
             <a:fld id="{AA70F276-1833-4A75-9C1D-A56E2295A68D}" type="datetimeFigureOut">
               <a:rPr lang="en-US" smtClean="0"/>
-              <a:t>10/2/2021</a:t>
+              <a:t>10/4/2021</a:t>
             </a:fld>
             <a:endParaRPr lang="en-US"/>
           </a:p>
@@ -3185,7 +3184,7 @@
           <p:cNvPr id="5" name="Footer Placeholder 4">
             <a:extLst>
               <a:ext uri="{FF2B5EF4-FFF2-40B4-BE49-F238E27FC236}">
-                <a16:creationId xmlns:a16="http://schemas.microsoft.com/office/drawing/2014/main" xmlns="" id="{B61C39F0-32D4-407C-8BCA-97F2D9E500C9}"/>
+                <a16:creationId xmlns="" xmlns:a16="http://schemas.microsoft.com/office/drawing/2014/main" id="{B61C39F0-32D4-407C-8BCA-97F2D9E500C9}"/>
               </a:ext>
             </a:extLst>
           </p:cNvPr>
@@ -3210,7 +3209,7 @@
           <p:cNvPr id="6" name="Slide Number Placeholder 5">
             <a:extLst>
               <a:ext uri="{FF2B5EF4-FFF2-40B4-BE49-F238E27FC236}">
-                <a16:creationId xmlns:a16="http://schemas.microsoft.com/office/drawing/2014/main" xmlns="" id="{99CF4459-37B2-4F87-B508-DB04D4332067}"/>
+                <a16:creationId xmlns="" xmlns:a16="http://schemas.microsoft.com/office/drawing/2014/main" id="{99CF4459-37B2-4F87-B508-DB04D4332067}"/>
               </a:ext>
             </a:extLst>
           </p:cNvPr>
@@ -3269,7 +3268,7 @@
           <p:cNvPr id="2" name="Title 1">
             <a:extLst>
               <a:ext uri="{FF2B5EF4-FFF2-40B4-BE49-F238E27FC236}">
-                <a16:creationId xmlns:a16="http://schemas.microsoft.com/office/drawing/2014/main" xmlns="" id="{D5CBBD03-9D57-48E9-8B43-688B72997276}"/>
+                <a16:creationId xmlns="" xmlns:a16="http://schemas.microsoft.com/office/drawing/2014/main" id="{D5CBBD03-9D57-48E9-8B43-688B72997276}"/>
               </a:ext>
             </a:extLst>
           </p:cNvPr>
@@ -3307,7 +3306,7 @@
           <p:cNvPr id="3" name="Text Placeholder 2">
             <a:extLst>
               <a:ext uri="{FF2B5EF4-FFF2-40B4-BE49-F238E27FC236}">
-                <a16:creationId xmlns:a16="http://schemas.microsoft.com/office/drawing/2014/main" xmlns="" id="{783F376C-8A2F-4BE5-9669-4A6DA21B771A}"/>
+                <a16:creationId xmlns="" xmlns:a16="http://schemas.microsoft.com/office/drawing/2014/main" id="{783F376C-8A2F-4BE5-9669-4A6DA21B771A}"/>
               </a:ext>
             </a:extLst>
           </p:cNvPr>
@@ -3432,7 +3431,7 @@
           <p:cNvPr id="4" name="Date Placeholder 3">
             <a:extLst>
               <a:ext uri="{FF2B5EF4-FFF2-40B4-BE49-F238E27FC236}">
-                <a16:creationId xmlns:a16="http://schemas.microsoft.com/office/drawing/2014/main" xmlns="" id="{52654893-212E-4450-8F7A-27256B31F9FB}"/>
+                <a16:creationId xmlns="" xmlns:a16="http://schemas.microsoft.com/office/drawing/2014/main" id="{52654893-212E-4450-8F7A-27256B31F9FB}"/>
               </a:ext>
             </a:extLst>
           </p:cNvPr>
@@ -3450,7 +3449,7 @@
           <a:p>
             <a:fld id="{AA70F276-1833-4A75-9C1D-A56E2295A68D}" type="datetimeFigureOut">
               <a:rPr lang="en-US" smtClean="0"/>
-              <a:t>10/2/2021</a:t>
+              <a:t>10/4/2021</a:t>
             </a:fld>
             <a:endParaRPr lang="en-US"/>
           </a:p>
@@ -3461,7 +3460,7 @@
           <p:cNvPr id="5" name="Footer Placeholder 4">
             <a:extLst>
               <a:ext uri="{FF2B5EF4-FFF2-40B4-BE49-F238E27FC236}">
-                <a16:creationId xmlns:a16="http://schemas.microsoft.com/office/drawing/2014/main" xmlns="" id="{600E881A-3958-44A9-9EDB-D86F4E4144C0}"/>
+                <a16:creationId xmlns="" xmlns:a16="http://schemas.microsoft.com/office/drawing/2014/main" id="{600E881A-3958-44A9-9EDB-D86F4E4144C0}"/>
               </a:ext>
             </a:extLst>
           </p:cNvPr>
@@ -3486,7 +3485,7 @@
           <p:cNvPr id="6" name="Slide Number Placeholder 5">
             <a:extLst>
               <a:ext uri="{FF2B5EF4-FFF2-40B4-BE49-F238E27FC236}">
-                <a16:creationId xmlns:a16="http://schemas.microsoft.com/office/drawing/2014/main" xmlns="" id="{CFEDBC4F-D9B8-4BFA-BE4F-D4B9B739D1BA}"/>
+                <a16:creationId xmlns="" xmlns:a16="http://schemas.microsoft.com/office/drawing/2014/main" id="{CFEDBC4F-D9B8-4BFA-BE4F-D4B9B739D1BA}"/>
               </a:ext>
             </a:extLst>
           </p:cNvPr>
@@ -3545,7 +3544,7 @@
           <p:cNvPr id="2" name="Title 1">
             <a:extLst>
               <a:ext uri="{FF2B5EF4-FFF2-40B4-BE49-F238E27FC236}">
-                <a16:creationId xmlns:a16="http://schemas.microsoft.com/office/drawing/2014/main" xmlns="" id="{2CDC8777-C460-4649-8822-CA943386D06D}"/>
+                <a16:creationId xmlns="" xmlns:a16="http://schemas.microsoft.com/office/drawing/2014/main" id="{2CDC8777-C460-4649-8822-CA943386D06D}"/>
               </a:ext>
             </a:extLst>
           </p:cNvPr>
@@ -3578,7 +3577,7 @@
           <p:cNvPr id="3" name="Content Placeholder 2">
             <a:extLst>
               <a:ext uri="{FF2B5EF4-FFF2-40B4-BE49-F238E27FC236}">
-                <a16:creationId xmlns:a16="http://schemas.microsoft.com/office/drawing/2014/main" xmlns="" id="{AFDF69E6-1094-437B-AA7E-0E21B7136CCA}"/>
+                <a16:creationId xmlns="" xmlns:a16="http://schemas.microsoft.com/office/drawing/2014/main" id="{AFDF69E6-1094-437B-AA7E-0E21B7136CCA}"/>
               </a:ext>
             </a:extLst>
           </p:cNvPr>
@@ -3640,7 +3639,7 @@
           <p:cNvPr id="4" name="Content Placeholder 3">
             <a:extLst>
               <a:ext uri="{FF2B5EF4-FFF2-40B4-BE49-F238E27FC236}">
-                <a16:creationId xmlns:a16="http://schemas.microsoft.com/office/drawing/2014/main" xmlns="" id="{C20BC963-4591-4BE3-AE63-4999A13C5054}"/>
+                <a16:creationId xmlns="" xmlns:a16="http://schemas.microsoft.com/office/drawing/2014/main" id="{C20BC963-4591-4BE3-AE63-4999A13C5054}"/>
               </a:ext>
             </a:extLst>
           </p:cNvPr>
@@ -3702,7 +3701,7 @@
           <p:cNvPr id="5" name="Date Placeholder 4">
             <a:extLst>
               <a:ext uri="{FF2B5EF4-FFF2-40B4-BE49-F238E27FC236}">
-                <a16:creationId xmlns:a16="http://schemas.microsoft.com/office/drawing/2014/main" xmlns="" id="{C504D5BB-DB84-4266-9B4F-E65CCFE5B310}"/>
+                <a16:creationId xmlns="" xmlns:a16="http://schemas.microsoft.com/office/drawing/2014/main" id="{C504D5BB-DB84-4266-9B4F-E65CCFE5B310}"/>
               </a:ext>
             </a:extLst>
           </p:cNvPr>
@@ -3720,7 +3719,7 @@
           <a:p>
             <a:fld id="{AA70F276-1833-4A75-9C1D-A56E2295A68D}" type="datetimeFigureOut">
               <a:rPr lang="en-US" smtClean="0"/>
-              <a:t>10/2/2021</a:t>
+              <a:t>10/4/2021</a:t>
             </a:fld>
             <a:endParaRPr lang="en-US"/>
           </a:p>
@@ -3731,7 +3730,7 @@
           <p:cNvPr id="6" name="Footer Placeholder 5">
             <a:extLst>
               <a:ext uri="{FF2B5EF4-FFF2-40B4-BE49-F238E27FC236}">
-                <a16:creationId xmlns:a16="http://schemas.microsoft.com/office/drawing/2014/main" xmlns="" id="{891A99B5-D493-4AB1-AF24-6660540D56AD}"/>
+                <a16:creationId xmlns="" xmlns:a16="http://schemas.microsoft.com/office/drawing/2014/main" id="{891A99B5-D493-4AB1-AF24-6660540D56AD}"/>
               </a:ext>
             </a:extLst>
           </p:cNvPr>
@@ -3756,7 +3755,7 @@
           <p:cNvPr id="7" name="Slide Number Placeholder 6">
             <a:extLst>
               <a:ext uri="{FF2B5EF4-FFF2-40B4-BE49-F238E27FC236}">
-                <a16:creationId xmlns:a16="http://schemas.microsoft.com/office/drawing/2014/main" xmlns="" id="{BFE178D0-5F1E-43FA-B447-53501EDD17C0}"/>
+                <a16:creationId xmlns="" xmlns:a16="http://schemas.microsoft.com/office/drawing/2014/main" id="{BFE178D0-5F1E-43FA-B447-53501EDD17C0}"/>
               </a:ext>
             </a:extLst>
           </p:cNvPr>
@@ -3815,7 +3814,7 @@
           <p:cNvPr id="2" name="Title 1">
             <a:extLst>
               <a:ext uri="{FF2B5EF4-FFF2-40B4-BE49-F238E27FC236}">
-                <a16:creationId xmlns:a16="http://schemas.microsoft.com/office/drawing/2014/main" xmlns="" id="{4DDC85CC-8D2B-4219-A2A4-1625A02DFECD}"/>
+                <a16:creationId xmlns="" xmlns:a16="http://schemas.microsoft.com/office/drawing/2014/main" id="{4DDC85CC-8D2B-4219-A2A4-1625A02DFECD}"/>
               </a:ext>
             </a:extLst>
           </p:cNvPr>
@@ -3848,7 +3847,7 @@
           <p:cNvPr id="3" name="Text Placeholder 2">
             <a:extLst>
               <a:ext uri="{FF2B5EF4-FFF2-40B4-BE49-F238E27FC236}">
-                <a16:creationId xmlns:a16="http://schemas.microsoft.com/office/drawing/2014/main" xmlns="" id="{DD6143C8-1CF7-440E-99A3-0527314598C6}"/>
+                <a16:creationId xmlns="" xmlns:a16="http://schemas.microsoft.com/office/drawing/2014/main" id="{DD6143C8-1CF7-440E-99A3-0527314598C6}"/>
               </a:ext>
             </a:extLst>
           </p:cNvPr>
@@ -3919,7 +3918,7 @@
           <p:cNvPr id="4" name="Content Placeholder 3">
             <a:extLst>
               <a:ext uri="{FF2B5EF4-FFF2-40B4-BE49-F238E27FC236}">
-                <a16:creationId xmlns:a16="http://schemas.microsoft.com/office/drawing/2014/main" xmlns="" id="{AEEFF5CA-4662-4430-80C7-99CD7D66C9CF}"/>
+                <a16:creationId xmlns="" xmlns:a16="http://schemas.microsoft.com/office/drawing/2014/main" id="{AEEFF5CA-4662-4430-80C7-99CD7D66C9CF}"/>
               </a:ext>
             </a:extLst>
           </p:cNvPr>
@@ -3981,7 +3980,7 @@
           <p:cNvPr id="5" name="Text Placeholder 4">
             <a:extLst>
               <a:ext uri="{FF2B5EF4-FFF2-40B4-BE49-F238E27FC236}">
-                <a16:creationId xmlns:a16="http://schemas.microsoft.com/office/drawing/2014/main" xmlns="" id="{876CB5B7-DC23-41CE-872B-E25BD64F84A5}"/>
+                <a16:creationId xmlns="" xmlns:a16="http://schemas.microsoft.com/office/drawing/2014/main" id="{876CB5B7-DC23-41CE-872B-E25BD64F84A5}"/>
               </a:ext>
             </a:extLst>
           </p:cNvPr>
@@ -4052,7 +4051,7 @@
           <p:cNvPr id="6" name="Content Placeholder 5">
             <a:extLst>
               <a:ext uri="{FF2B5EF4-FFF2-40B4-BE49-F238E27FC236}">
-                <a16:creationId xmlns:a16="http://schemas.microsoft.com/office/drawing/2014/main" xmlns="" id="{4DF7633C-C24D-4947-979C-132B3AC405A8}"/>
+                <a16:creationId xmlns="" xmlns:a16="http://schemas.microsoft.com/office/drawing/2014/main" id="{4DF7633C-C24D-4947-979C-132B3AC405A8}"/>
               </a:ext>
             </a:extLst>
           </p:cNvPr>
@@ -4114,7 +4113,7 @@
           <p:cNvPr id="7" name="Date Placeholder 6">
             <a:extLst>
               <a:ext uri="{FF2B5EF4-FFF2-40B4-BE49-F238E27FC236}">
-                <a16:creationId xmlns:a16="http://schemas.microsoft.com/office/drawing/2014/main" xmlns="" id="{CE8A46E1-3934-4807-900F-CA7A4D8D66B3}"/>
+                <a16:creationId xmlns="" xmlns:a16="http://schemas.microsoft.com/office/drawing/2014/main" id="{CE8A46E1-3934-4807-900F-CA7A4D8D66B3}"/>
               </a:ext>
             </a:extLst>
           </p:cNvPr>
@@ -4132,7 +4131,7 @@
           <a:p>
             <a:fld id="{AA70F276-1833-4A75-9C1D-A56E2295A68D}" type="datetimeFigureOut">
               <a:rPr lang="en-US" smtClean="0"/>
-              <a:t>10/2/2021</a:t>
+              <a:t>10/4/2021</a:t>
             </a:fld>
             <a:endParaRPr lang="en-US"/>
           </a:p>
@@ -4143,7 +4142,7 @@
           <p:cNvPr id="8" name="Footer Placeholder 7">
             <a:extLst>
               <a:ext uri="{FF2B5EF4-FFF2-40B4-BE49-F238E27FC236}">
-                <a16:creationId xmlns:a16="http://schemas.microsoft.com/office/drawing/2014/main" xmlns="" id="{4BC9C6EA-1549-4601-8226-E5C43469CAFE}"/>
+                <a16:creationId xmlns="" xmlns:a16="http://schemas.microsoft.com/office/drawing/2014/main" id="{4BC9C6EA-1549-4601-8226-E5C43469CAFE}"/>
               </a:ext>
             </a:extLst>
           </p:cNvPr>
@@ -4168,7 +4167,7 @@
           <p:cNvPr id="9" name="Slide Number Placeholder 8">
             <a:extLst>
               <a:ext uri="{FF2B5EF4-FFF2-40B4-BE49-F238E27FC236}">
-                <a16:creationId xmlns:a16="http://schemas.microsoft.com/office/drawing/2014/main" xmlns="" id="{F3658246-003D-4024-9F4B-BA3BD3FBFFBC}"/>
+                <a16:creationId xmlns="" xmlns:a16="http://schemas.microsoft.com/office/drawing/2014/main" id="{F3658246-003D-4024-9F4B-BA3BD3FBFFBC}"/>
               </a:ext>
             </a:extLst>
           </p:cNvPr>
@@ -4227,7 +4226,7 @@
           <p:cNvPr id="2" name="Title 1">
             <a:extLst>
               <a:ext uri="{FF2B5EF4-FFF2-40B4-BE49-F238E27FC236}">
-                <a16:creationId xmlns:a16="http://schemas.microsoft.com/office/drawing/2014/main" xmlns="" id="{1FB2DD4C-BFBC-4087-B94C-4DD0690E838E}"/>
+                <a16:creationId xmlns="" xmlns:a16="http://schemas.microsoft.com/office/drawing/2014/main" id="{1FB2DD4C-BFBC-4087-B94C-4DD0690E838E}"/>
               </a:ext>
             </a:extLst>
           </p:cNvPr>
@@ -4255,7 +4254,7 @@
           <p:cNvPr id="3" name="Date Placeholder 2">
             <a:extLst>
               <a:ext uri="{FF2B5EF4-FFF2-40B4-BE49-F238E27FC236}">
-                <a16:creationId xmlns:a16="http://schemas.microsoft.com/office/drawing/2014/main" xmlns="" id="{BEB9D434-8228-4C7F-B520-14121EBC903B}"/>
+                <a16:creationId xmlns="" xmlns:a16="http://schemas.microsoft.com/office/drawing/2014/main" id="{BEB9D434-8228-4C7F-B520-14121EBC903B}"/>
               </a:ext>
             </a:extLst>
           </p:cNvPr>
@@ -4273,7 +4272,7 @@
           <a:p>
             <a:fld id="{AA70F276-1833-4A75-9C1D-A56E2295A68D}" type="datetimeFigureOut">
               <a:rPr lang="en-US" smtClean="0"/>
-              <a:t>10/2/2021</a:t>
+              <a:t>10/4/2021</a:t>
             </a:fld>
             <a:endParaRPr lang="en-US"/>
           </a:p>
@@ -4284,7 +4283,7 @@
           <p:cNvPr id="4" name="Footer Placeholder 3">
             <a:extLst>
               <a:ext uri="{FF2B5EF4-FFF2-40B4-BE49-F238E27FC236}">
-                <a16:creationId xmlns:a16="http://schemas.microsoft.com/office/drawing/2014/main" xmlns="" id="{997B89BD-A70A-48D2-A3D9-DB2C0DB123B4}"/>
+                <a16:creationId xmlns="" xmlns:a16="http://schemas.microsoft.com/office/drawing/2014/main" id="{997B89BD-A70A-48D2-A3D9-DB2C0DB123B4}"/>
               </a:ext>
             </a:extLst>
           </p:cNvPr>
@@ -4309,7 +4308,7 @@
           <p:cNvPr id="5" name="Slide Number Placeholder 4">
             <a:extLst>
               <a:ext uri="{FF2B5EF4-FFF2-40B4-BE49-F238E27FC236}">
-                <a16:creationId xmlns:a16="http://schemas.microsoft.com/office/drawing/2014/main" xmlns="" id="{B4ACF4EF-5A2A-4A47-81DF-80CB513060F6}"/>
+                <a16:creationId xmlns="" xmlns:a16="http://schemas.microsoft.com/office/drawing/2014/main" id="{B4ACF4EF-5A2A-4A47-81DF-80CB513060F6}"/>
               </a:ext>
             </a:extLst>
           </p:cNvPr>
@@ -4368,7 +4367,7 @@
           <p:cNvPr id="2" name="Date Placeholder 1">
             <a:extLst>
               <a:ext uri="{FF2B5EF4-FFF2-40B4-BE49-F238E27FC236}">
-                <a16:creationId xmlns:a16="http://schemas.microsoft.com/office/drawing/2014/main" xmlns="" id="{118B9F00-8450-475B-B155-993BAF212AF6}"/>
+                <a16:creationId xmlns="" xmlns:a16="http://schemas.microsoft.com/office/drawing/2014/main" id="{118B9F00-8450-475B-B155-993BAF212AF6}"/>
               </a:ext>
             </a:extLst>
           </p:cNvPr>
@@ -4386,7 +4385,7 @@
           <a:p>
             <a:fld id="{AA70F276-1833-4A75-9C1D-A56E2295A68D}" type="datetimeFigureOut">
               <a:rPr lang="en-US" smtClean="0"/>
-              <a:t>10/2/2021</a:t>
+              <a:t>10/4/2021</a:t>
             </a:fld>
             <a:endParaRPr lang="en-US"/>
           </a:p>
@@ -4397,7 +4396,7 @@
           <p:cNvPr id="3" name="Footer Placeholder 2">
             <a:extLst>
               <a:ext uri="{FF2B5EF4-FFF2-40B4-BE49-F238E27FC236}">
-                <a16:creationId xmlns:a16="http://schemas.microsoft.com/office/drawing/2014/main" xmlns="" id="{5C0FDDA3-8E6F-42F7-BFBE-7FA9C647CA4E}"/>
+                <a16:creationId xmlns="" xmlns:a16="http://schemas.microsoft.com/office/drawing/2014/main" id="{5C0FDDA3-8E6F-42F7-BFBE-7FA9C647CA4E}"/>
               </a:ext>
             </a:extLst>
           </p:cNvPr>
@@ -4422,7 +4421,7 @@
           <p:cNvPr id="4" name="Slide Number Placeholder 3">
             <a:extLst>
               <a:ext uri="{FF2B5EF4-FFF2-40B4-BE49-F238E27FC236}">
-                <a16:creationId xmlns:a16="http://schemas.microsoft.com/office/drawing/2014/main" xmlns="" id="{B6C8E678-81B8-4356-9624-A0B999536312}"/>
+                <a16:creationId xmlns="" xmlns:a16="http://schemas.microsoft.com/office/drawing/2014/main" id="{B6C8E678-81B8-4356-9624-A0B999536312}"/>
               </a:ext>
             </a:extLst>
           </p:cNvPr>
@@ -4481,7 +4480,7 @@
           <p:cNvPr id="2" name="Title 1">
             <a:extLst>
               <a:ext uri="{FF2B5EF4-FFF2-40B4-BE49-F238E27FC236}">
-                <a16:creationId xmlns:a16="http://schemas.microsoft.com/office/drawing/2014/main" xmlns="" id="{B6010DAA-DDE3-4C9C-8171-385A3DAC81CF}"/>
+                <a16:creationId xmlns="" xmlns:a16="http://schemas.microsoft.com/office/drawing/2014/main" id="{B6010DAA-DDE3-4C9C-8171-385A3DAC81CF}"/>
               </a:ext>
             </a:extLst>
           </p:cNvPr>
@@ -4518,7 +4517,7 @@
           <p:cNvPr id="3" name="Content Placeholder 2">
             <a:extLst>
               <a:ext uri="{FF2B5EF4-FFF2-40B4-BE49-F238E27FC236}">
-                <a16:creationId xmlns:a16="http://schemas.microsoft.com/office/drawing/2014/main" xmlns="" id="{AAF73DB2-BD72-4F5E-9CA2-197343A0908A}"/>
+                <a16:creationId xmlns="" xmlns:a16="http://schemas.microsoft.com/office/drawing/2014/main" id="{AAF73DB2-BD72-4F5E-9CA2-197343A0908A}"/>
               </a:ext>
             </a:extLst>
           </p:cNvPr>
@@ -4608,7 +4607,7 @@
           <p:cNvPr id="4" name="Text Placeholder 3">
             <a:extLst>
               <a:ext uri="{FF2B5EF4-FFF2-40B4-BE49-F238E27FC236}">
-                <a16:creationId xmlns:a16="http://schemas.microsoft.com/office/drawing/2014/main" xmlns="" id="{71F01536-2B0A-42A2-827E-2EB2C324A5FE}"/>
+                <a16:creationId xmlns="" xmlns:a16="http://schemas.microsoft.com/office/drawing/2014/main" id="{71F01536-2B0A-42A2-827E-2EB2C324A5FE}"/>
               </a:ext>
             </a:extLst>
           </p:cNvPr>
@@ -4679,7 +4678,7 @@
           <p:cNvPr id="5" name="Date Placeholder 4">
             <a:extLst>
               <a:ext uri="{FF2B5EF4-FFF2-40B4-BE49-F238E27FC236}">
-                <a16:creationId xmlns:a16="http://schemas.microsoft.com/office/drawing/2014/main" xmlns="" id="{1722CD09-61EF-4733-831C-5B133DAE1F4C}"/>
+                <a16:creationId xmlns="" xmlns:a16="http://schemas.microsoft.com/office/drawing/2014/main" id="{1722CD09-61EF-4733-831C-5B133DAE1F4C}"/>
               </a:ext>
             </a:extLst>
           </p:cNvPr>
@@ -4697,7 +4696,7 @@
           <a:p>
             <a:fld id="{AA70F276-1833-4A75-9C1D-A56E2295A68D}" type="datetimeFigureOut">
               <a:rPr lang="en-US" smtClean="0"/>
-              <a:t>10/2/2021</a:t>
+              <a:t>10/4/2021</a:t>
             </a:fld>
             <a:endParaRPr lang="en-US"/>
           </a:p>
@@ -4708,7 +4707,7 @@
           <p:cNvPr id="6" name="Footer Placeholder 5">
             <a:extLst>
               <a:ext uri="{FF2B5EF4-FFF2-40B4-BE49-F238E27FC236}">
-                <a16:creationId xmlns:a16="http://schemas.microsoft.com/office/drawing/2014/main" xmlns="" id="{5B109FCF-96E4-4EBF-AAFB-5E9AD22A68AE}"/>
+                <a16:creationId xmlns="" xmlns:a16="http://schemas.microsoft.com/office/drawing/2014/main" id="{5B109FCF-96E4-4EBF-AAFB-5E9AD22A68AE}"/>
               </a:ext>
             </a:extLst>
           </p:cNvPr>
@@ -4733,7 +4732,7 @@
           <p:cNvPr id="7" name="Slide Number Placeholder 6">
             <a:extLst>
               <a:ext uri="{FF2B5EF4-FFF2-40B4-BE49-F238E27FC236}">
-                <a16:creationId xmlns:a16="http://schemas.microsoft.com/office/drawing/2014/main" xmlns="" id="{79E381A6-E580-49A4-989C-EF4A54F83B45}"/>
+                <a16:creationId xmlns="" xmlns:a16="http://schemas.microsoft.com/office/drawing/2014/main" id="{79E381A6-E580-49A4-989C-EF4A54F83B45}"/>
               </a:ext>
             </a:extLst>
           </p:cNvPr>
@@ -4792,7 +4791,7 @@
           <p:cNvPr id="2" name="Title 1">
             <a:extLst>
               <a:ext uri="{FF2B5EF4-FFF2-40B4-BE49-F238E27FC236}">
-                <a16:creationId xmlns:a16="http://schemas.microsoft.com/office/drawing/2014/main" xmlns="" id="{EBCCFA6E-F719-4613-8815-591471E722E5}"/>
+                <a16:creationId xmlns="" xmlns:a16="http://schemas.microsoft.com/office/drawing/2014/main" id="{EBCCFA6E-F719-4613-8815-591471E722E5}"/>
               </a:ext>
             </a:extLst>
           </p:cNvPr>
@@ -4829,7 +4828,7 @@
           <p:cNvPr id="3" name="Picture Placeholder 2">
             <a:extLst>
               <a:ext uri="{FF2B5EF4-FFF2-40B4-BE49-F238E27FC236}">
-                <a16:creationId xmlns:a16="http://schemas.microsoft.com/office/drawing/2014/main" xmlns="" id="{654384F3-CDE0-4329-B76D-45AAC94B04A8}"/>
+                <a16:creationId xmlns="" xmlns:a16="http://schemas.microsoft.com/office/drawing/2014/main" id="{654384F3-CDE0-4329-B76D-45AAC94B04A8}"/>
               </a:ext>
             </a:extLst>
           </p:cNvPr>
@@ -4899,7 +4898,7 @@
           <p:cNvPr id="4" name="Text Placeholder 3">
             <a:extLst>
               <a:ext uri="{FF2B5EF4-FFF2-40B4-BE49-F238E27FC236}">
-                <a16:creationId xmlns:a16="http://schemas.microsoft.com/office/drawing/2014/main" xmlns="" id="{79A9D7EB-40DA-460F-A48A-3E6D5E5612E7}"/>
+                <a16:creationId xmlns="" xmlns:a16="http://schemas.microsoft.com/office/drawing/2014/main" id="{79A9D7EB-40DA-460F-A48A-3E6D5E5612E7}"/>
               </a:ext>
             </a:extLst>
           </p:cNvPr>
@@ -4970,7 +4969,7 @@
           <p:cNvPr id="5" name="Date Placeholder 4">
             <a:extLst>
               <a:ext uri="{FF2B5EF4-FFF2-40B4-BE49-F238E27FC236}">
-                <a16:creationId xmlns:a16="http://schemas.microsoft.com/office/drawing/2014/main" xmlns="" id="{1E56944C-E229-457E-868E-C48FF47DA37A}"/>
+                <a16:creationId xmlns="" xmlns:a16="http://schemas.microsoft.com/office/drawing/2014/main" id="{1E56944C-E229-457E-868E-C48FF47DA37A}"/>
               </a:ext>
             </a:extLst>
           </p:cNvPr>
@@ -4988,7 +4987,7 @@
           <a:p>
             <a:fld id="{AA70F276-1833-4A75-9C1D-A56E2295A68D}" type="datetimeFigureOut">
               <a:rPr lang="en-US" smtClean="0"/>
-              <a:t>10/2/2021</a:t>
+              <a:t>10/4/2021</a:t>
             </a:fld>
             <a:endParaRPr lang="en-US"/>
           </a:p>
@@ -4999,7 +4998,7 @@
           <p:cNvPr id="6" name="Footer Placeholder 5">
             <a:extLst>
               <a:ext uri="{FF2B5EF4-FFF2-40B4-BE49-F238E27FC236}">
-                <a16:creationId xmlns:a16="http://schemas.microsoft.com/office/drawing/2014/main" xmlns="" id="{CC7115FE-359F-46EA-A3C8-0D18544E34AD}"/>
+                <a16:creationId xmlns="" xmlns:a16="http://schemas.microsoft.com/office/drawing/2014/main" id="{CC7115FE-359F-46EA-A3C8-0D18544E34AD}"/>
               </a:ext>
             </a:extLst>
           </p:cNvPr>
@@ -5024,7 +5023,7 @@
           <p:cNvPr id="7" name="Slide Number Placeholder 6">
             <a:extLst>
               <a:ext uri="{FF2B5EF4-FFF2-40B4-BE49-F238E27FC236}">
-                <a16:creationId xmlns:a16="http://schemas.microsoft.com/office/drawing/2014/main" xmlns="" id="{B5165D17-3010-4FF5-9071-5CCD3E6995D6}"/>
+                <a16:creationId xmlns="" xmlns:a16="http://schemas.microsoft.com/office/drawing/2014/main" id="{B5165D17-3010-4FF5-9071-5CCD3E6995D6}"/>
               </a:ext>
             </a:extLst>
           </p:cNvPr>
@@ -5088,7 +5087,7 @@
           <p:cNvPr id="8" name="Frame 7">
             <a:extLst>
               <a:ext uri="{FF2B5EF4-FFF2-40B4-BE49-F238E27FC236}">
-                <a16:creationId xmlns:a16="http://schemas.microsoft.com/office/drawing/2014/main" xmlns="" id="{DD7EAFE6-2BB9-41FB-9CF4-588CFC708774}"/>
+                <a16:creationId xmlns="" xmlns:a16="http://schemas.microsoft.com/office/drawing/2014/main" id="{DD7EAFE6-2BB9-41FB-9CF4-588CFC708774}"/>
               </a:ext>
             </a:extLst>
           </p:cNvPr>
@@ -5155,7 +5154,7 @@
           <p:cNvPr id="2" name="Title Placeholder 1">
             <a:extLst>
               <a:ext uri="{FF2B5EF4-FFF2-40B4-BE49-F238E27FC236}">
-                <a16:creationId xmlns:a16="http://schemas.microsoft.com/office/drawing/2014/main" xmlns="" id="{41447F1F-BFA8-4A56-894B-40120132EE48}"/>
+                <a16:creationId xmlns="" xmlns:a16="http://schemas.microsoft.com/office/drawing/2014/main" id="{41447F1F-BFA8-4A56-894B-40120132EE48}"/>
               </a:ext>
             </a:extLst>
           </p:cNvPr>
@@ -5194,7 +5193,7 @@
           <p:cNvPr id="3" name="Text Placeholder 2">
             <a:extLst>
               <a:ext uri="{FF2B5EF4-FFF2-40B4-BE49-F238E27FC236}">
-                <a16:creationId xmlns:a16="http://schemas.microsoft.com/office/drawing/2014/main" xmlns="" id="{2658FB99-0FA3-49F4-99A1-61919F942794}"/>
+                <a16:creationId xmlns="" xmlns:a16="http://schemas.microsoft.com/office/drawing/2014/main" id="{2658FB99-0FA3-49F4-99A1-61919F942794}"/>
               </a:ext>
             </a:extLst>
           </p:cNvPr>
@@ -5261,7 +5260,7 @@
           <p:cNvPr id="4" name="Date Placeholder 3">
             <a:extLst>
               <a:ext uri="{FF2B5EF4-FFF2-40B4-BE49-F238E27FC236}">
-                <a16:creationId xmlns:a16="http://schemas.microsoft.com/office/drawing/2014/main" xmlns="" id="{4CDCCAE5-4EB0-4174-BD15-4943899B0A29}"/>
+                <a16:creationId xmlns="" xmlns:a16="http://schemas.microsoft.com/office/drawing/2014/main" id="{4CDCCAE5-4EB0-4174-BD15-4943899B0A29}"/>
               </a:ext>
             </a:extLst>
           </p:cNvPr>
@@ -5296,7 +5295,7 @@
             <a:fld id="{AA70F276-1833-4A75-9C1D-A56E2295A68D}" type="datetimeFigureOut">
               <a:rPr lang="en-US" smtClean="0"/>
               <a:pPr/>
-              <a:t>10/2/2021</a:t>
+              <a:t>10/4/2021</a:t>
             </a:fld>
             <a:endParaRPr lang="en-US" dirty="0"/>
           </a:p>
@@ -5307,7 +5306,7 @@
           <p:cNvPr id="5" name="Footer Placeholder 4">
             <a:extLst>
               <a:ext uri="{FF2B5EF4-FFF2-40B4-BE49-F238E27FC236}">
-                <a16:creationId xmlns:a16="http://schemas.microsoft.com/office/drawing/2014/main" xmlns="" id="{26A4189E-43B2-4CEE-B13E-61A1FBBBD25D}"/>
+                <a16:creationId xmlns="" xmlns:a16="http://schemas.microsoft.com/office/drawing/2014/main" id="{26A4189E-43B2-4CEE-B13E-61A1FBBBD25D}"/>
               </a:ext>
             </a:extLst>
           </p:cNvPr>
@@ -5352,7 +5351,7 @@
           <p:cNvPr id="6" name="Slide Number Placeholder 5">
             <a:extLst>
               <a:ext uri="{FF2B5EF4-FFF2-40B4-BE49-F238E27FC236}">
-                <a16:creationId xmlns:a16="http://schemas.microsoft.com/office/drawing/2014/main" xmlns="" id="{EAA0530F-0BC8-46EF-A765-DD58B5367528}"/>
+                <a16:creationId xmlns="" xmlns:a16="http://schemas.microsoft.com/office/drawing/2014/main" id="{EAA0530F-0BC8-46EF-A765-DD58B5367528}"/>
               </a:ext>
             </a:extLst>
           </p:cNvPr>
@@ -5756,6 +5755,14 @@
 <file path=ppt/slides/slide1.xml><?xml version="1.0" encoding="utf-8"?>
 <p:sld xmlns:a="http://schemas.openxmlformats.org/drawingml/2006/main" xmlns:r="http://schemas.openxmlformats.org/officeDocument/2006/relationships" xmlns:p="http://schemas.openxmlformats.org/presentationml/2006/main">
   <p:cSld>
+    <p:bg>
+      <p:bgPr>
+        <a:solidFill>
+          <a:schemeClr val="bg1"/>
+        </a:solidFill>
+        <a:effectLst/>
+      </p:bgPr>
+    </p:bg>
     <p:spTree>
       <p:nvGrpSpPr>
         <p:cNvPr id="1" name=""/>
@@ -5772,14 +5779,20 @@
       </p:grpSpPr>
       <p:sp>
         <p:nvSpPr>
-          <p:cNvPr id="5" name="Rectangle 4"/>
+          <p:cNvPr id="8" name="Rectangle 7">
+            <a:extLst>
+              <a:ext uri="{FF2B5EF4-FFF2-40B4-BE49-F238E27FC236}">
+                <a16:creationId xmlns="" xmlns:a16="http://schemas.microsoft.com/office/drawing/2014/main" id="{714AF613-4E21-406B-9A8C-E161C7AB826B}"/>
+              </a:ext>
+            </a:extLst>
+          </p:cNvPr>
           <p:cNvSpPr/>
           <p:nvPr/>
         </p:nvSpPr>
         <p:spPr>
           <a:xfrm>
-            <a:off x="3482236" y="1094601"/>
-            <a:ext cx="1327758" cy="789140"/>
+            <a:off x="4162483" y="4246331"/>
+            <a:ext cx="3567843" cy="920010"/>
           </a:xfrm>
           <a:prstGeom prst="rect">
             <a:avLst/>
@@ -5806,143 +5819,29 @@
           <a:lstStyle/>
           <a:p>
             <a:pPr algn="ctr"/>
-            <a:endParaRPr lang="vi-VN"/>
-          </a:p>
-        </p:txBody>
-      </p:sp>
-      <p:sp>
-        <p:nvSpPr>
-          <p:cNvPr id="6" name="TextBox 5"/>
-          <p:cNvSpPr txBox="1"/>
+            <a:r>
+              <a:rPr lang="en-US" dirty="0"/>
+              <a:t>Login</a:t>
+            </a:r>
+          </a:p>
+        </p:txBody>
+      </p:sp>
+      <p:sp>
+        <p:nvSpPr>
+          <p:cNvPr id="10" name="Rectangle 9">
+            <a:extLst>
+              <a:ext uri="{FF2B5EF4-FFF2-40B4-BE49-F238E27FC236}">
+                <a16:creationId xmlns="" xmlns:a16="http://schemas.microsoft.com/office/drawing/2014/main" id="{5053F499-4BA8-4B08-8F6E-014B529DDEDC}"/>
+              </a:ext>
+            </a:extLst>
+          </p:cNvPr>
+          <p:cNvSpPr/>
           <p:nvPr/>
         </p:nvSpPr>
         <p:spPr>
           <a:xfrm>
-            <a:off x="3839226" y="1237410"/>
-            <a:ext cx="832981" cy="369332"/>
-          </a:xfrm>
-          <a:prstGeom prst="rect">
-            <a:avLst/>
-          </a:prstGeom>
-          <a:noFill/>
-        </p:spPr>
-        <p:txBody>
-          <a:bodyPr wrap="square" rtlCol="0">
-            <a:spAutoFit/>
-          </a:bodyPr>
-          <a:lstStyle/>
-          <a:p>
-            <a:r>
-              <a:rPr lang="en-US" dirty="0" err="1" smtClean="0"/>
-              <a:t>Dự</a:t>
-            </a:r>
-            <a:r>
-              <a:rPr lang="en-US" dirty="0" smtClean="0"/>
-              <a:t> </a:t>
-            </a:r>
-            <a:r>
-              <a:rPr lang="en-US" dirty="0" err="1" smtClean="0"/>
-              <a:t>án</a:t>
-            </a:r>
-            <a:endParaRPr lang="vi-VN" dirty="0"/>
-          </a:p>
-        </p:txBody>
-      </p:sp>
-      <p:sp>
-        <p:nvSpPr>
-          <p:cNvPr id="7" name="Rectangle 6"/>
-          <p:cNvSpPr/>
-          <p:nvPr/>
-        </p:nvSpPr>
-        <p:spPr>
-          <a:xfrm>
-            <a:off x="5337131" y="2950727"/>
-            <a:ext cx="1327758" cy="789140"/>
-          </a:xfrm>
-          <a:prstGeom prst="rect">
-            <a:avLst/>
-          </a:prstGeom>
-          <a:solidFill>
-            <a:srgbClr val="FFFF00"/>
-          </a:solidFill>
-        </p:spPr>
-        <p:style>
-          <a:lnRef idx="2">
-            <a:schemeClr val="accent1">
-              <a:shade val="50000"/>
-            </a:schemeClr>
-          </a:lnRef>
-          <a:fillRef idx="1">
-            <a:schemeClr val="accent1"/>
-          </a:fillRef>
-          <a:effectRef idx="0">
-            <a:schemeClr val="accent1"/>
-          </a:effectRef>
-          <a:fontRef idx="minor">
-            <a:schemeClr val="lt1"/>
-          </a:fontRef>
-        </p:style>
-        <p:txBody>
-          <a:bodyPr rtlCol="0" anchor="ctr"/>
-          <a:lstStyle/>
-          <a:p>
-            <a:pPr algn="ctr"/>
-            <a:endParaRPr lang="vi-VN">
-              <a:solidFill>
-                <a:srgbClr val="FFFF00"/>
-              </a:solidFill>
-            </a:endParaRPr>
-          </a:p>
-        </p:txBody>
-      </p:sp>
-      <p:sp>
-        <p:nvSpPr>
-          <p:cNvPr id="8" name="TextBox 7"/>
-          <p:cNvSpPr txBox="1"/>
-          <p:nvPr/>
-        </p:nvSpPr>
-        <p:spPr>
-          <a:xfrm>
-            <a:off x="5544333" y="3160631"/>
-            <a:ext cx="1080369" cy="369332"/>
-          </a:xfrm>
-          <a:prstGeom prst="rect">
-            <a:avLst/>
-          </a:prstGeom>
-          <a:noFill/>
-        </p:spPr>
-        <p:txBody>
-          <a:bodyPr wrap="square" rtlCol="0">
-            <a:spAutoFit/>
-          </a:bodyPr>
-          <a:lstStyle/>
-          <a:p>
-            <a:r>
-              <a:rPr lang="en-US" dirty="0" err="1" smtClean="0"/>
-              <a:t>Thiết</a:t>
-            </a:r>
-            <a:r>
-              <a:rPr lang="en-US" dirty="0" smtClean="0"/>
-              <a:t> </a:t>
-            </a:r>
-            <a:r>
-              <a:rPr lang="en-US" dirty="0" err="1" smtClean="0"/>
-              <a:t>bị</a:t>
-            </a:r>
-            <a:endParaRPr lang="vi-VN" dirty="0"/>
-          </a:p>
-        </p:txBody>
-      </p:sp>
-      <p:sp>
-        <p:nvSpPr>
-          <p:cNvPr id="9" name="Rectangle 8"/>
-          <p:cNvSpPr/>
-          <p:nvPr/>
-        </p:nvSpPr>
-        <p:spPr>
-          <a:xfrm>
-            <a:off x="2818357" y="2882361"/>
-            <a:ext cx="1327758" cy="789140"/>
+            <a:off x="5099323" y="2468319"/>
+            <a:ext cx="1694164" cy="577811"/>
           </a:xfrm>
           <a:prstGeom prst="rect">
             <a:avLst/>
@@ -5969,58 +5868,29 @@
           <a:lstStyle/>
           <a:p>
             <a:pPr algn="ctr"/>
-            <a:endParaRPr lang="vi-VN"/>
-          </a:p>
-        </p:txBody>
-      </p:sp>
-      <p:sp>
-        <p:nvSpPr>
-          <p:cNvPr id="10" name="TextBox 9"/>
-          <p:cNvSpPr txBox="1"/>
+            <a:r>
+              <a:rPr lang="en-US" dirty="0"/>
+              <a:t>User</a:t>
+            </a:r>
+          </a:p>
+        </p:txBody>
+      </p:sp>
+      <p:sp>
+        <p:nvSpPr>
+          <p:cNvPr id="18" name="Rectangle 17">
+            <a:extLst>
+              <a:ext uri="{FF2B5EF4-FFF2-40B4-BE49-F238E27FC236}">
+                <a16:creationId xmlns="" xmlns:a16="http://schemas.microsoft.com/office/drawing/2014/main" id="{ED52BD39-6C8E-40F8-9C8C-A34A268516D0}"/>
+              </a:ext>
+            </a:extLst>
+          </p:cNvPr>
+          <p:cNvSpPr/>
           <p:nvPr/>
         </p:nvSpPr>
         <p:spPr>
           <a:xfrm>
-            <a:off x="2915433" y="2993855"/>
-            <a:ext cx="1230682" cy="369332"/>
-          </a:xfrm>
-          <a:prstGeom prst="rect">
-            <a:avLst/>
-          </a:prstGeom>
-          <a:noFill/>
-        </p:spPr>
-        <p:txBody>
-          <a:bodyPr wrap="square" rtlCol="0">
-            <a:spAutoFit/>
-          </a:bodyPr>
-          <a:lstStyle/>
-          <a:p>
-            <a:r>
-              <a:rPr lang="en-US" dirty="0" err="1" smtClean="0"/>
-              <a:t>Hợp</a:t>
-            </a:r>
-            <a:r>
-              <a:rPr lang="en-US" dirty="0" smtClean="0"/>
-              <a:t> </a:t>
-            </a:r>
-            <a:r>
-              <a:rPr lang="en-US" dirty="0" err="1" smtClean="0"/>
-              <a:t>đồng</a:t>
-            </a:r>
-            <a:endParaRPr lang="vi-VN" dirty="0"/>
-          </a:p>
-        </p:txBody>
-      </p:sp>
-      <p:sp>
-        <p:nvSpPr>
-          <p:cNvPr id="11" name="Rectangle 10"/>
-          <p:cNvSpPr/>
-          <p:nvPr/>
-        </p:nvSpPr>
-        <p:spPr>
-          <a:xfrm>
-            <a:off x="7767180" y="2950727"/>
-            <a:ext cx="1327758" cy="789140"/>
+            <a:off x="5099323" y="3298572"/>
+            <a:ext cx="1694164" cy="577811"/>
           </a:xfrm>
           <a:prstGeom prst="rect">
             <a:avLst/>
@@ -6047,458 +5917,17 @@
           <a:lstStyle/>
           <a:p>
             <a:pPr algn="ctr"/>
-            <a:endParaRPr lang="vi-VN"/>
-          </a:p>
-        </p:txBody>
-      </p:sp>
-      <p:sp>
-        <p:nvSpPr>
-          <p:cNvPr id="12" name="TextBox 11"/>
-          <p:cNvSpPr txBox="1"/>
-          <p:nvPr/>
-        </p:nvSpPr>
-        <p:spPr>
-          <a:xfrm>
-            <a:off x="8014569" y="3160631"/>
-            <a:ext cx="1080369" cy="369332"/>
-          </a:xfrm>
-          <a:prstGeom prst="rect">
-            <a:avLst/>
-          </a:prstGeom>
-          <a:noFill/>
-        </p:spPr>
-        <p:txBody>
-          <a:bodyPr wrap="square" rtlCol="0">
-            <a:spAutoFit/>
-          </a:bodyPr>
-          <a:lstStyle/>
-          <a:p>
-            <a:r>
-              <a:rPr lang="en-US" dirty="0" err="1" smtClean="0"/>
-              <a:t>Đơn</a:t>
-            </a:r>
-            <a:r>
-              <a:rPr lang="en-US" dirty="0" smtClean="0"/>
-              <a:t> </a:t>
-            </a:r>
-            <a:r>
-              <a:rPr lang="en-US" dirty="0" err="1" smtClean="0"/>
-              <a:t>vị</a:t>
-            </a:r>
-            <a:endParaRPr lang="vi-VN" dirty="0"/>
-          </a:p>
-        </p:txBody>
-      </p:sp>
-      <p:sp>
-        <p:nvSpPr>
-          <p:cNvPr id="13" name="Rectangle 12"/>
-          <p:cNvSpPr/>
-          <p:nvPr/>
-        </p:nvSpPr>
-        <p:spPr>
-          <a:xfrm>
-            <a:off x="3344449" y="4908115"/>
-            <a:ext cx="1327758" cy="789140"/>
-          </a:xfrm>
-          <a:prstGeom prst="rect">
-            <a:avLst/>
-          </a:prstGeom>
-        </p:spPr>
-        <p:style>
-          <a:lnRef idx="2">
-            <a:schemeClr val="accent1">
-              <a:shade val="50000"/>
-            </a:schemeClr>
-          </a:lnRef>
-          <a:fillRef idx="1">
-            <a:schemeClr val="accent1"/>
-          </a:fillRef>
-          <a:effectRef idx="0">
-            <a:schemeClr val="accent1"/>
-          </a:effectRef>
-          <a:fontRef idx="minor">
-            <a:schemeClr val="lt1"/>
-          </a:fontRef>
-        </p:style>
-        <p:txBody>
-          <a:bodyPr rtlCol="0" anchor="ctr"/>
-          <a:lstStyle/>
-          <a:p>
-            <a:pPr algn="ctr"/>
-            <a:endParaRPr lang="vi-VN"/>
-          </a:p>
-        </p:txBody>
-      </p:sp>
-      <p:sp>
-        <p:nvSpPr>
-          <p:cNvPr id="14" name="TextBox 13"/>
-          <p:cNvSpPr txBox="1"/>
-          <p:nvPr/>
-        </p:nvSpPr>
-        <p:spPr>
-          <a:xfrm>
-            <a:off x="3591838" y="5019609"/>
-            <a:ext cx="1080369" cy="369332"/>
-          </a:xfrm>
-          <a:prstGeom prst="rect">
-            <a:avLst/>
-          </a:prstGeom>
-          <a:noFill/>
-        </p:spPr>
-        <p:txBody>
-          <a:bodyPr wrap="square" rtlCol="0">
-            <a:spAutoFit/>
-          </a:bodyPr>
-          <a:lstStyle/>
-          <a:p>
-            <a:r>
-              <a:rPr lang="en-US" dirty="0" smtClean="0"/>
-              <a:t>BBBG</a:t>
-            </a:r>
-            <a:endParaRPr lang="vi-VN" dirty="0"/>
-          </a:p>
-        </p:txBody>
-      </p:sp>
-      <p:sp>
-        <p:nvSpPr>
-          <p:cNvPr id="15" name="Rectangle 14"/>
-          <p:cNvSpPr/>
-          <p:nvPr/>
-        </p:nvSpPr>
-        <p:spPr>
-          <a:xfrm>
-            <a:off x="7103301" y="5064691"/>
-            <a:ext cx="1327758" cy="789140"/>
-          </a:xfrm>
-          <a:prstGeom prst="rect">
-            <a:avLst/>
-          </a:prstGeom>
-        </p:spPr>
-        <p:style>
-          <a:lnRef idx="2">
-            <a:schemeClr val="accent1">
-              <a:shade val="50000"/>
-            </a:schemeClr>
-          </a:lnRef>
-          <a:fillRef idx="1">
-            <a:schemeClr val="accent1"/>
-          </a:fillRef>
-          <a:effectRef idx="0">
-            <a:schemeClr val="accent1"/>
-          </a:effectRef>
-          <a:fontRef idx="minor">
-            <a:schemeClr val="lt1"/>
-          </a:fontRef>
-        </p:style>
-        <p:txBody>
-          <a:bodyPr rtlCol="0" anchor="ctr"/>
-          <a:lstStyle/>
-          <a:p>
-            <a:pPr algn="ctr"/>
-            <a:endParaRPr lang="vi-VN"/>
-          </a:p>
-        </p:txBody>
-      </p:sp>
-      <p:sp>
-        <p:nvSpPr>
-          <p:cNvPr id="16" name="TextBox 15"/>
-          <p:cNvSpPr txBox="1"/>
-          <p:nvPr/>
-        </p:nvSpPr>
-        <p:spPr>
-          <a:xfrm>
-            <a:off x="7154448" y="5176185"/>
-            <a:ext cx="1276611" cy="646331"/>
-          </a:xfrm>
-          <a:prstGeom prst="rect">
-            <a:avLst/>
-          </a:prstGeom>
-          <a:noFill/>
-        </p:spPr>
-        <p:txBody>
-          <a:bodyPr wrap="square" rtlCol="0">
-            <a:spAutoFit/>
-          </a:bodyPr>
-          <a:lstStyle/>
-          <a:p>
-            <a:pPr algn="ctr"/>
-            <a:r>
-              <a:rPr lang="en-US" dirty="0" err="1" smtClean="0"/>
-              <a:t>Danh</a:t>
-            </a:r>
-            <a:r>
-              <a:rPr lang="en-US" dirty="0" smtClean="0"/>
-              <a:t> </a:t>
-            </a:r>
-            <a:r>
-              <a:rPr lang="en-US" dirty="0" err="1" smtClean="0"/>
-              <a:t>mục</a:t>
-            </a:r>
-            <a:r>
-              <a:rPr lang="en-US" dirty="0" smtClean="0"/>
-              <a:t> HA</a:t>
-            </a:r>
-            <a:endParaRPr lang="vi-VN" dirty="0"/>
-          </a:p>
-        </p:txBody>
-      </p:sp>
-      <p:sp>
-        <p:nvSpPr>
-          <p:cNvPr id="17" name="Rectangle 16"/>
-          <p:cNvSpPr/>
-          <p:nvPr/>
-        </p:nvSpPr>
-        <p:spPr>
-          <a:xfrm>
-            <a:off x="7154448" y="1141459"/>
-            <a:ext cx="1327758" cy="789140"/>
-          </a:xfrm>
-          <a:prstGeom prst="rect">
-            <a:avLst/>
-          </a:prstGeom>
-        </p:spPr>
-        <p:style>
-          <a:lnRef idx="2">
-            <a:schemeClr val="accent1">
-              <a:shade val="50000"/>
-            </a:schemeClr>
-          </a:lnRef>
-          <a:fillRef idx="1">
-            <a:schemeClr val="accent1"/>
-          </a:fillRef>
-          <a:effectRef idx="0">
-            <a:schemeClr val="accent1"/>
-          </a:effectRef>
-          <a:fontRef idx="minor">
-            <a:schemeClr val="lt1"/>
-          </a:fontRef>
-        </p:style>
-        <p:txBody>
-          <a:bodyPr rtlCol="0" anchor="ctr"/>
-          <a:lstStyle/>
-          <a:p>
-            <a:pPr algn="ctr"/>
-            <a:endParaRPr lang="vi-VN"/>
-          </a:p>
-        </p:txBody>
-      </p:sp>
-      <p:sp>
-        <p:nvSpPr>
-          <p:cNvPr id="18" name="TextBox 17"/>
-          <p:cNvSpPr txBox="1"/>
-          <p:nvPr/>
-        </p:nvSpPr>
-        <p:spPr>
-          <a:xfrm>
-            <a:off x="7401837" y="1252953"/>
-            <a:ext cx="1080369" cy="369332"/>
-          </a:xfrm>
-          <a:prstGeom prst="rect">
-            <a:avLst/>
-          </a:prstGeom>
-          <a:noFill/>
-        </p:spPr>
-        <p:txBody>
-          <a:bodyPr wrap="square" rtlCol="0">
-            <a:spAutoFit/>
-          </a:bodyPr>
-          <a:lstStyle/>
-          <a:p>
-            <a:r>
-              <a:rPr lang="en-US" dirty="0" smtClean="0"/>
-              <a:t>Pool</a:t>
-            </a:r>
-            <a:endParaRPr lang="vi-VN" dirty="0"/>
-          </a:p>
-        </p:txBody>
-      </p:sp>
-      <p:cxnSp>
-        <p:nvCxnSpPr>
-          <p:cNvPr id="22" name="Straight Connector 21"/>
-          <p:cNvCxnSpPr/>
-          <p:nvPr/>
-        </p:nvCxnSpPr>
-        <p:spPr>
-          <a:xfrm>
-            <a:off x="4559474" y="1883741"/>
-            <a:ext cx="777657" cy="1110114"/>
-          </a:xfrm>
-          <a:prstGeom prst="line">
-            <a:avLst/>
-          </a:prstGeom>
-        </p:spPr>
-        <p:style>
-          <a:lnRef idx="1">
-            <a:schemeClr val="accent1"/>
-          </a:lnRef>
-          <a:fillRef idx="0">
-            <a:schemeClr val="accent1"/>
-          </a:fillRef>
-          <a:effectRef idx="0">
-            <a:schemeClr val="accent1"/>
-          </a:effectRef>
-          <a:fontRef idx="minor">
-            <a:schemeClr val="tx1"/>
-          </a:fontRef>
-        </p:style>
-      </p:cxnSp>
-      <p:cxnSp>
-        <p:nvCxnSpPr>
-          <p:cNvPr id="24" name="Straight Connector 23"/>
-          <p:cNvCxnSpPr/>
-          <p:nvPr/>
-        </p:nvCxnSpPr>
-        <p:spPr>
-          <a:xfrm flipV="1">
-            <a:off x="6490569" y="1827995"/>
-            <a:ext cx="860121" cy="1165860"/>
-          </a:xfrm>
-          <a:prstGeom prst="line">
-            <a:avLst/>
-          </a:prstGeom>
-        </p:spPr>
-        <p:style>
-          <a:lnRef idx="1">
-            <a:schemeClr val="accent1"/>
-          </a:lnRef>
-          <a:fillRef idx="0">
-            <a:schemeClr val="accent1"/>
-          </a:fillRef>
-          <a:effectRef idx="0">
-            <a:schemeClr val="accent1"/>
-          </a:effectRef>
-          <a:fontRef idx="minor">
-            <a:schemeClr val="tx1"/>
-          </a:fontRef>
-        </p:style>
-      </p:cxnSp>
-      <p:cxnSp>
-        <p:nvCxnSpPr>
-          <p:cNvPr id="26" name="Straight Connector 25"/>
-          <p:cNvCxnSpPr>
-            <a:stCxn id="7" idx="3"/>
-            <a:endCxn id="11" idx="1"/>
-          </p:cNvCxnSpPr>
-          <p:nvPr/>
-        </p:nvCxnSpPr>
-        <p:spPr>
-          <a:xfrm>
-            <a:off x="6664889" y="3345297"/>
-            <a:ext cx="1102291" cy="0"/>
-          </a:xfrm>
-          <a:prstGeom prst="line">
-            <a:avLst/>
-          </a:prstGeom>
-        </p:spPr>
-        <p:style>
-          <a:lnRef idx="1">
-            <a:schemeClr val="accent1"/>
-          </a:lnRef>
-          <a:fillRef idx="0">
-            <a:schemeClr val="accent1"/>
-          </a:fillRef>
-          <a:effectRef idx="0">
-            <a:schemeClr val="accent1"/>
-          </a:effectRef>
-          <a:fontRef idx="minor">
-            <a:schemeClr val="tx1"/>
-          </a:fontRef>
-        </p:style>
-      </p:cxnSp>
-      <p:cxnSp>
-        <p:nvCxnSpPr>
-          <p:cNvPr id="28" name="Straight Connector 27"/>
-          <p:cNvCxnSpPr/>
-          <p:nvPr/>
-        </p:nvCxnSpPr>
-        <p:spPr>
-          <a:xfrm>
-            <a:off x="6263014" y="3739867"/>
-            <a:ext cx="1087676" cy="1436318"/>
-          </a:xfrm>
-          <a:prstGeom prst="line">
-            <a:avLst/>
-          </a:prstGeom>
-        </p:spPr>
-        <p:style>
-          <a:lnRef idx="1">
-            <a:schemeClr val="accent1"/>
-          </a:lnRef>
-          <a:fillRef idx="0">
-            <a:schemeClr val="accent1"/>
-          </a:fillRef>
-          <a:effectRef idx="0">
-            <a:schemeClr val="accent1"/>
-          </a:effectRef>
-          <a:fontRef idx="minor">
-            <a:schemeClr val="tx1"/>
-          </a:fontRef>
-        </p:style>
-      </p:cxnSp>
-      <p:cxnSp>
-        <p:nvCxnSpPr>
-          <p:cNvPr id="30" name="Straight Connector 29"/>
-          <p:cNvCxnSpPr/>
-          <p:nvPr/>
-        </p:nvCxnSpPr>
-        <p:spPr>
-          <a:xfrm flipH="1">
-            <a:off x="4585048" y="3696739"/>
-            <a:ext cx="758868" cy="1247922"/>
-          </a:xfrm>
-          <a:prstGeom prst="line">
-            <a:avLst/>
-          </a:prstGeom>
-        </p:spPr>
-        <p:style>
-          <a:lnRef idx="1">
-            <a:schemeClr val="accent1"/>
-          </a:lnRef>
-          <a:fillRef idx="0">
-            <a:schemeClr val="accent1"/>
-          </a:fillRef>
-          <a:effectRef idx="0">
-            <a:schemeClr val="accent1"/>
-          </a:effectRef>
-          <a:fontRef idx="minor">
-            <a:schemeClr val="tx1"/>
-          </a:fontRef>
-        </p:style>
-      </p:cxnSp>
-      <p:cxnSp>
-        <p:nvCxnSpPr>
-          <p:cNvPr id="32" name="Straight Connector 31"/>
-          <p:cNvCxnSpPr/>
-          <p:nvPr/>
-        </p:nvCxnSpPr>
-        <p:spPr>
-          <a:xfrm flipH="1">
-            <a:off x="4146115" y="3285820"/>
-            <a:ext cx="1191016" cy="17961"/>
-          </a:xfrm>
-          <a:prstGeom prst="line">
-            <a:avLst/>
-          </a:prstGeom>
-        </p:spPr>
-        <p:style>
-          <a:lnRef idx="1">
-            <a:schemeClr val="accent1"/>
-          </a:lnRef>
-          <a:fillRef idx="0">
-            <a:schemeClr val="accent1"/>
-          </a:fillRef>
-          <a:effectRef idx="0">
-            <a:schemeClr val="accent1"/>
-          </a:effectRef>
-          <a:fontRef idx="minor">
-            <a:schemeClr val="tx1"/>
-          </a:fontRef>
-        </p:style>
-      </p:cxnSp>
+            <a:r>
+              <a:rPr lang="en-US" dirty="0"/>
+              <a:t>Pass</a:t>
+            </a:r>
+          </a:p>
+        </p:txBody>
+      </p:sp>
     </p:spTree>
     <p:extLst>
       <p:ext uri="{BB962C8B-B14F-4D97-AF65-F5344CB8AC3E}">
-        <p14:creationId xmlns:p14="http://schemas.microsoft.com/office/powerpoint/2010/main" val="3728065949"/>
+        <p14:creationId xmlns:p14="http://schemas.microsoft.com/office/powerpoint/2010/main" val="3085720496"/>
       </p:ext>
     </p:extLst>
   </p:cSld>
@@ -6538,7 +5967,7 @@
           <p:cNvPr id="2" name="Rectangle 1">
             <a:extLst>
               <a:ext uri="{FF2B5EF4-FFF2-40B4-BE49-F238E27FC236}">
-                <a16:creationId xmlns:a16="http://schemas.microsoft.com/office/drawing/2014/main" xmlns="" id="{114493F7-0131-4550-9EAE-D486FFFB3AA5}"/>
+                <a16:creationId xmlns="" xmlns:a16="http://schemas.microsoft.com/office/drawing/2014/main" id="{114493F7-0131-4550-9EAE-D486FFFB3AA5}"/>
               </a:ext>
             </a:extLst>
           </p:cNvPr>
@@ -6604,7 +6033,7 @@
           <p:cNvPr id="3" name="Rectangle 2">
             <a:extLst>
               <a:ext uri="{FF2B5EF4-FFF2-40B4-BE49-F238E27FC236}">
-                <a16:creationId xmlns:a16="http://schemas.microsoft.com/office/drawing/2014/main" xmlns="" id="{A407FECC-7A8C-496F-B95F-7820D77A7625}"/>
+                <a16:creationId xmlns="" xmlns:a16="http://schemas.microsoft.com/office/drawing/2014/main" id="{A407FECC-7A8C-496F-B95F-7820D77A7625}"/>
               </a:ext>
             </a:extLst>
           </p:cNvPr>
@@ -6670,7 +6099,7 @@
           <p:cNvPr id="4" name="Rectangle 3">
             <a:extLst>
               <a:ext uri="{FF2B5EF4-FFF2-40B4-BE49-F238E27FC236}">
-                <a16:creationId xmlns:a16="http://schemas.microsoft.com/office/drawing/2014/main" xmlns="" id="{6F7C379F-73B7-41B1-978E-D40D37AD1CA2}"/>
+                <a16:creationId xmlns="" xmlns:a16="http://schemas.microsoft.com/office/drawing/2014/main" id="{6F7C379F-73B7-41B1-978E-D40D37AD1CA2}"/>
               </a:ext>
             </a:extLst>
           </p:cNvPr>
@@ -6719,7 +6148,7 @@
           <p:cNvPr id="7" name="Straight Connector 6">
             <a:extLst>
               <a:ext uri="{FF2B5EF4-FFF2-40B4-BE49-F238E27FC236}">
-                <a16:creationId xmlns:a16="http://schemas.microsoft.com/office/drawing/2014/main" xmlns="" id="{7E87841E-6771-48D9-9337-874CA48DAE2A}"/>
+                <a16:creationId xmlns="" xmlns:a16="http://schemas.microsoft.com/office/drawing/2014/main" id="{7E87841E-6771-48D9-9337-874CA48DAE2A}"/>
               </a:ext>
             </a:extLst>
           </p:cNvPr>
@@ -6755,7 +6184,7 @@
           <p:cNvPr id="13" name="Rectangle 12">
             <a:extLst>
               <a:ext uri="{FF2B5EF4-FFF2-40B4-BE49-F238E27FC236}">
-                <a16:creationId xmlns:a16="http://schemas.microsoft.com/office/drawing/2014/main" xmlns="" id="{57CEB79F-2993-488D-A128-A557142D2723}"/>
+                <a16:creationId xmlns="" xmlns:a16="http://schemas.microsoft.com/office/drawing/2014/main" id="{57CEB79F-2993-488D-A128-A557142D2723}"/>
               </a:ext>
             </a:extLst>
           </p:cNvPr>
@@ -6817,7 +6246,7 @@
           <p:cNvPr id="17" name="Rectangle 16">
             <a:extLst>
               <a:ext uri="{FF2B5EF4-FFF2-40B4-BE49-F238E27FC236}">
-                <a16:creationId xmlns:a16="http://schemas.microsoft.com/office/drawing/2014/main" xmlns="" id="{F4C8519E-B0C4-4755-A01D-ED20ADB31053}"/>
+                <a16:creationId xmlns="" xmlns:a16="http://schemas.microsoft.com/office/drawing/2014/main" id="{F4C8519E-B0C4-4755-A01D-ED20ADB31053}"/>
               </a:ext>
             </a:extLst>
           </p:cNvPr>
@@ -6875,7 +6304,7 @@
           <p:cNvPr id="18" name="Rectangle 17">
             <a:extLst>
               <a:ext uri="{FF2B5EF4-FFF2-40B4-BE49-F238E27FC236}">
-                <a16:creationId xmlns:a16="http://schemas.microsoft.com/office/drawing/2014/main" xmlns="" id="{725BA441-C124-43CE-94BD-50DB91DDC2FA}"/>
+                <a16:creationId xmlns="" xmlns:a16="http://schemas.microsoft.com/office/drawing/2014/main" id="{725BA441-C124-43CE-94BD-50DB91DDC2FA}"/>
               </a:ext>
             </a:extLst>
           </p:cNvPr>
@@ -6933,7 +6362,7 @@
           <p:cNvPr id="20" name="Rectangle 19">
             <a:extLst>
               <a:ext uri="{FF2B5EF4-FFF2-40B4-BE49-F238E27FC236}">
-                <a16:creationId xmlns:a16="http://schemas.microsoft.com/office/drawing/2014/main" xmlns="" id="{E251C8AA-3D74-4314-8139-C333A402E137}"/>
+                <a16:creationId xmlns="" xmlns:a16="http://schemas.microsoft.com/office/drawing/2014/main" id="{E251C8AA-3D74-4314-8139-C333A402E137}"/>
               </a:ext>
             </a:extLst>
           </p:cNvPr>
@@ -6982,7 +6411,7 @@
           <p:cNvPr id="21" name="Rectangle 20">
             <a:extLst>
               <a:ext uri="{FF2B5EF4-FFF2-40B4-BE49-F238E27FC236}">
-                <a16:creationId xmlns:a16="http://schemas.microsoft.com/office/drawing/2014/main" xmlns="" id="{426E9989-6A49-45F9-95D0-7E425A99A9A2}"/>
+                <a16:creationId xmlns="" xmlns:a16="http://schemas.microsoft.com/office/drawing/2014/main" id="{426E9989-6A49-45F9-95D0-7E425A99A9A2}"/>
               </a:ext>
             </a:extLst>
           </p:cNvPr>
@@ -7043,7 +6472,7 @@
           <p:cNvPr id="29" name="Rectangle 28">
             <a:extLst>
               <a:ext uri="{FF2B5EF4-FFF2-40B4-BE49-F238E27FC236}">
-                <a16:creationId xmlns:a16="http://schemas.microsoft.com/office/drawing/2014/main" xmlns="" id="{73EDAE4F-9B7F-4FFB-8B0B-3F3525E42965}"/>
+                <a16:creationId xmlns="" xmlns:a16="http://schemas.microsoft.com/office/drawing/2014/main" id="{73EDAE4F-9B7F-4FFB-8B0B-3F3525E42965}"/>
               </a:ext>
             </a:extLst>
           </p:cNvPr>
@@ -7101,291 +6530,18 @@
             </a:r>
             <a:r>
               <a:rPr lang="en-US" dirty="0" err="1"/>
-              <a:t>đơn</a:t>
-            </a:r>
-            <a:r>
-              <a:rPr lang="en-US" dirty="0"/>
-              <a:t> </a:t>
-            </a:r>
-            <a:r>
-              <a:rPr lang="en-US" dirty="0" err="1"/>
-              <a:t>vị</a:t>
+              <a:t>BBBG</a:t>
             </a:r>
             <a:endParaRPr lang="en-US" dirty="0"/>
           </a:p>
         </p:txBody>
       </p:sp>
-      <p:graphicFrame>
-        <p:nvGraphicFramePr>
-          <p:cNvPr id="30" name="Table 4">
-            <a:extLst>
-              <a:ext uri="{FF2B5EF4-FFF2-40B4-BE49-F238E27FC236}">
-                <a16:creationId xmlns:a16="http://schemas.microsoft.com/office/drawing/2014/main" xmlns="" id="{F1F0B060-37A5-465C-AC9A-2769DA05A2DD}"/>
-              </a:ext>
-            </a:extLst>
-          </p:cNvPr>
-          <p:cNvGraphicFramePr>
-            <a:graphicFrameLocks/>
-          </p:cNvGraphicFramePr>
-          <p:nvPr>
-            <p:extLst>
-              <p:ext uri="{D42A27DB-BD31-4B8C-83A1-F6EECF244321}">
-                <p14:modId xmlns:p14="http://schemas.microsoft.com/office/powerpoint/2010/main" val="2529727603"/>
-              </p:ext>
-            </p:extLst>
-          </p:nvPr>
-        </p:nvGraphicFramePr>
-        <p:xfrm>
-          <a:off x="521712" y="1739778"/>
-          <a:ext cx="10804504" cy="1541964"/>
-        </p:xfrm>
-        <a:graphic>
-          <a:graphicData uri="http://schemas.openxmlformats.org/drawingml/2006/table">
-            <a:tbl>
-              <a:tblPr firstRow="1" bandRow="1">
-                <a:tableStyleId>{5C22544A-7EE6-4342-B048-85BDC9FD1C3A}</a:tableStyleId>
-              </a:tblPr>
-              <a:tblGrid>
-                <a:gridCol w="2701126">
-                  <a:extLst>
-                    <a:ext uri="{9D8B030D-6E8A-4147-A177-3AD203B41FA5}">
-                      <a16:colId xmlns:a16="http://schemas.microsoft.com/office/drawing/2014/main" xmlns="" val="512229332"/>
-                    </a:ext>
-                  </a:extLst>
-                </a:gridCol>
-                <a:gridCol w="2701126">
-                  <a:extLst>
-                    <a:ext uri="{9D8B030D-6E8A-4147-A177-3AD203B41FA5}">
-                      <a16:colId xmlns:a16="http://schemas.microsoft.com/office/drawing/2014/main" xmlns="" val="1132813609"/>
-                    </a:ext>
-                  </a:extLst>
-                </a:gridCol>
-                <a:gridCol w="2701126">
-                  <a:extLst>
-                    <a:ext uri="{9D8B030D-6E8A-4147-A177-3AD203B41FA5}">
-                      <a16:colId xmlns:a16="http://schemas.microsoft.com/office/drawing/2014/main" xmlns="" val="3928112175"/>
-                    </a:ext>
-                  </a:extLst>
-                </a:gridCol>
-                <a:gridCol w="2701126">
-                  <a:extLst>
-                    <a:ext uri="{9D8B030D-6E8A-4147-A177-3AD203B41FA5}">
-                      <a16:colId xmlns:a16="http://schemas.microsoft.com/office/drawing/2014/main" xmlns="" val="1695777817"/>
-                    </a:ext>
-                  </a:extLst>
-                </a:gridCol>
-              </a:tblGrid>
-              <a:tr h="714292">
-                <a:tc>
-                  <a:txBody>
-                    <a:bodyPr/>
-                    <a:lstStyle/>
-                    <a:p>
-                      <a:r>
-                        <a:rPr lang="en-US" dirty="0"/>
-                        <a:t>STT</a:t>
-                      </a:r>
-                    </a:p>
-                  </a:txBody>
-                  <a:tcPr/>
-                </a:tc>
-                <a:tc>
-                  <a:txBody>
-                    <a:bodyPr/>
-                    <a:lstStyle/>
-                    <a:p>
-                      <a:r>
-                        <a:rPr lang="en-US" dirty="0" err="1"/>
-                        <a:t>Mã</a:t>
-                      </a:r>
-                      <a:r>
-                        <a:rPr lang="en-US" dirty="0"/>
-                        <a:t> </a:t>
-                      </a:r>
-                      <a:r>
-                        <a:rPr lang="en-US" dirty="0" err="1"/>
-                        <a:t>đơn</a:t>
-                      </a:r>
-                      <a:r>
-                        <a:rPr lang="en-US" dirty="0"/>
-                        <a:t> </a:t>
-                      </a:r>
-                      <a:r>
-                        <a:rPr lang="en-US" dirty="0" err="1"/>
-                        <a:t>vị</a:t>
-                      </a:r>
-                      <a:endParaRPr lang="en-US" dirty="0"/>
-                    </a:p>
-                  </a:txBody>
-                  <a:tcPr/>
-                </a:tc>
-                <a:tc>
-                  <a:txBody>
-                    <a:bodyPr/>
-                    <a:lstStyle/>
-                    <a:p>
-                      <a:r>
-                        <a:rPr lang="en-US" dirty="0" err="1"/>
-                        <a:t>Đầu</a:t>
-                      </a:r>
-                      <a:r>
-                        <a:rPr lang="en-US" dirty="0"/>
-                        <a:t> </a:t>
-                      </a:r>
-                      <a:r>
-                        <a:rPr lang="en-US" dirty="0" err="1"/>
-                        <a:t>mối</a:t>
-                      </a:r>
-                      <a:r>
-                        <a:rPr lang="en-US" dirty="0"/>
-                        <a:t> </a:t>
-                      </a:r>
-                      <a:r>
-                        <a:rPr lang="en-US" dirty="0" err="1"/>
-                        <a:t>chính</a:t>
-                      </a:r>
-                      <a:endParaRPr lang="en-US" dirty="0"/>
-                    </a:p>
-                  </a:txBody>
-                  <a:tcPr/>
-                </a:tc>
-                <a:tc>
-                  <a:txBody>
-                    <a:bodyPr/>
-                    <a:lstStyle/>
-                    <a:p>
-                      <a:r>
-                        <a:rPr lang="en-US" dirty="0" err="1"/>
-                        <a:t>Ghi</a:t>
-                      </a:r>
-                      <a:r>
-                        <a:rPr lang="en-US" dirty="0"/>
-                        <a:t> </a:t>
-                      </a:r>
-                      <a:r>
-                        <a:rPr lang="en-US" dirty="0" err="1"/>
-                        <a:t>chú</a:t>
-                      </a:r>
-                      <a:endParaRPr lang="en-US" dirty="0"/>
-                    </a:p>
-                  </a:txBody>
-                  <a:tcPr/>
-                </a:tc>
-                <a:extLst>
-                  <a:ext uri="{0D108BD9-81ED-4DB2-BD59-A6C34878D82A}">
-                    <a16:rowId xmlns:a16="http://schemas.microsoft.com/office/drawing/2014/main" xmlns="" val="3361508462"/>
-                  </a:ext>
-                </a:extLst>
-              </a:tr>
-              <a:tr h="413836">
-                <a:tc>
-                  <a:txBody>
-                    <a:bodyPr/>
-                    <a:lstStyle/>
-                    <a:p>
-                      <a:endParaRPr lang="en-US" dirty="0"/>
-                    </a:p>
-                  </a:txBody>
-                  <a:tcPr/>
-                </a:tc>
-                <a:tc>
-                  <a:txBody>
-                    <a:bodyPr/>
-                    <a:lstStyle/>
-                    <a:p>
-                      <a:endParaRPr lang="en-US"/>
-                    </a:p>
-                  </a:txBody>
-                  <a:tcPr/>
-                </a:tc>
-                <a:tc>
-                  <a:txBody>
-                    <a:bodyPr/>
-                    <a:lstStyle/>
-                    <a:p>
-                      <a:pPr algn="l"/>
-                      <a:endParaRPr lang="en-US" dirty="0">
-                        <a:solidFill>
-                          <a:srgbClr val="002060"/>
-                        </a:solidFill>
-                      </a:endParaRPr>
-                    </a:p>
-                  </a:txBody>
-                  <a:tcPr/>
-                </a:tc>
-                <a:tc>
-                  <a:txBody>
-                    <a:bodyPr/>
-                    <a:lstStyle/>
-                    <a:p>
-                      <a:endParaRPr lang="en-US" dirty="0"/>
-                    </a:p>
-                  </a:txBody>
-                  <a:tcPr/>
-                </a:tc>
-                <a:extLst>
-                  <a:ext uri="{0D108BD9-81ED-4DB2-BD59-A6C34878D82A}">
-                    <a16:rowId xmlns:a16="http://schemas.microsoft.com/office/drawing/2014/main" xmlns="" val="3689370375"/>
-                  </a:ext>
-                </a:extLst>
-              </a:tr>
-              <a:tr h="413836">
-                <a:tc>
-                  <a:txBody>
-                    <a:bodyPr/>
-                    <a:lstStyle/>
-                    <a:p>
-                      <a:endParaRPr lang="en-US"/>
-                    </a:p>
-                  </a:txBody>
-                  <a:tcPr/>
-                </a:tc>
-                <a:tc>
-                  <a:txBody>
-                    <a:bodyPr/>
-                    <a:lstStyle/>
-                    <a:p>
-                      <a:endParaRPr lang="en-US"/>
-                    </a:p>
-                  </a:txBody>
-                  <a:tcPr/>
-                </a:tc>
-                <a:tc>
-                  <a:txBody>
-                    <a:bodyPr/>
-                    <a:lstStyle/>
-                    <a:p>
-                      <a:endParaRPr lang="en-US"/>
-                    </a:p>
-                  </a:txBody>
-                  <a:tcPr/>
-                </a:tc>
-                <a:tc>
-                  <a:txBody>
-                    <a:bodyPr/>
-                    <a:lstStyle/>
-                    <a:p>
-                      <a:endParaRPr lang="en-US" dirty="0"/>
-                    </a:p>
-                  </a:txBody>
-                  <a:tcPr/>
-                </a:tc>
-                <a:extLst>
-                  <a:ext uri="{0D108BD9-81ED-4DB2-BD59-A6C34878D82A}">
-                    <a16:rowId xmlns:a16="http://schemas.microsoft.com/office/drawing/2014/main" xmlns="" val="1713619182"/>
-                  </a:ext>
-                </a:extLst>
-              </a:tr>
-            </a:tbl>
-          </a:graphicData>
-        </a:graphic>
-      </p:graphicFrame>
       <p:sp>
         <p:nvSpPr>
           <p:cNvPr id="33" name="Rectangle 32">
             <a:extLst>
               <a:ext uri="{FF2B5EF4-FFF2-40B4-BE49-F238E27FC236}">
-                <a16:creationId xmlns:a16="http://schemas.microsoft.com/office/drawing/2014/main" xmlns="" id="{8375D373-578E-4146-A7EE-08591091E59A}"/>
+                <a16:creationId xmlns="" xmlns:a16="http://schemas.microsoft.com/office/drawing/2014/main" id="{8375D373-578E-4146-A7EE-08591091E59A}"/>
               </a:ext>
             </a:extLst>
           </p:cNvPr>
@@ -7446,7 +6602,7 @@
           <p:cNvPr id="34" name="Rectangle 33">
             <a:extLst>
               <a:ext uri="{FF2B5EF4-FFF2-40B4-BE49-F238E27FC236}">
-                <a16:creationId xmlns:a16="http://schemas.microsoft.com/office/drawing/2014/main" xmlns="" id="{13447C5C-5E48-4F26-96CF-340225DB0157}"/>
+                <a16:creationId xmlns="" xmlns:a16="http://schemas.microsoft.com/office/drawing/2014/main" id="{13447C5C-5E48-4F26-96CF-340225DB0157}"/>
               </a:ext>
             </a:extLst>
           </p:cNvPr>
@@ -7499,7 +6655,7 @@
           <p:cNvPr id="35" name="Rectangle 34">
             <a:extLst>
               <a:ext uri="{FF2B5EF4-FFF2-40B4-BE49-F238E27FC236}">
-                <a16:creationId xmlns:a16="http://schemas.microsoft.com/office/drawing/2014/main" xmlns="" id="{10B8CB01-DAF3-4DC0-BBCB-14B7FC25EA45}"/>
+                <a16:creationId xmlns="" xmlns:a16="http://schemas.microsoft.com/office/drawing/2014/main" id="{10B8CB01-DAF3-4DC0-BBCB-14B7FC25EA45}"/>
               </a:ext>
             </a:extLst>
           </p:cNvPr>
@@ -7552,7 +6708,7 @@
           <p:cNvPr id="36" name="Rectangle 35">
             <a:extLst>
               <a:ext uri="{FF2B5EF4-FFF2-40B4-BE49-F238E27FC236}">
-                <a16:creationId xmlns:a16="http://schemas.microsoft.com/office/drawing/2014/main" xmlns="" id="{9F71F038-1FC5-4952-B497-0AF22AD5DCC8}"/>
+                <a16:creationId xmlns="" xmlns:a16="http://schemas.microsoft.com/office/drawing/2014/main" id="{9F71F038-1FC5-4952-B497-0AF22AD5DCC8}"/>
               </a:ext>
             </a:extLst>
           </p:cNvPr>
@@ -7603,847 +6759,12 @@
           </a:p>
         </p:txBody>
       </p:sp>
-    </p:spTree>
-    <p:extLst>
-      <p:ext uri="{BB962C8B-B14F-4D97-AF65-F5344CB8AC3E}">
-        <p14:creationId xmlns:p14="http://schemas.microsoft.com/office/powerpoint/2010/main" val="2130360485"/>
-      </p:ext>
-    </p:extLst>
-  </p:cSld>
-  <p:clrMapOvr>
-    <a:masterClrMapping/>
-  </p:clrMapOvr>
-</p:sld>
-</file>
-
-<file path=ppt/slides/slide11.xml><?xml version="1.0" encoding="utf-8"?>
-<p:sld xmlns:a="http://schemas.openxmlformats.org/drawingml/2006/main" xmlns:r="http://schemas.openxmlformats.org/officeDocument/2006/relationships" xmlns:p="http://schemas.openxmlformats.org/presentationml/2006/main">
-  <p:cSld>
-    <p:bg>
-      <p:bgPr>
-        <a:solidFill>
-          <a:schemeClr val="bg1"/>
-        </a:solidFill>
-        <a:effectLst/>
-      </p:bgPr>
-    </p:bg>
-    <p:spTree>
-      <p:nvGrpSpPr>
-        <p:cNvPr id="1" name=""/>
-        <p:cNvGrpSpPr/>
-        <p:nvPr/>
-      </p:nvGrpSpPr>
-      <p:grpSpPr>
-        <a:xfrm>
-          <a:off x="0" y="0"/>
-          <a:ext cx="0" cy="0"/>
-          <a:chOff x="0" y="0"/>
-          <a:chExt cx="0" cy="0"/>
-        </a:xfrm>
-      </p:grpSpPr>
-      <p:sp>
-        <p:nvSpPr>
-          <p:cNvPr id="2" name="Rectangle 1">
-            <a:extLst>
-              <a:ext uri="{FF2B5EF4-FFF2-40B4-BE49-F238E27FC236}">
-                <a16:creationId xmlns:a16="http://schemas.microsoft.com/office/drawing/2014/main" xmlns="" id="{114493F7-0131-4550-9EAE-D486FFFB3AA5}"/>
-              </a:ext>
-            </a:extLst>
-          </p:cNvPr>
-          <p:cNvSpPr/>
-          <p:nvPr/>
-        </p:nvSpPr>
-        <p:spPr>
-          <a:xfrm>
-            <a:off x="521713" y="39269"/>
-            <a:ext cx="2204658" cy="409516"/>
-          </a:xfrm>
-          <a:prstGeom prst="rect">
-            <a:avLst/>
-          </a:prstGeom>
-        </p:spPr>
-        <p:style>
-          <a:lnRef idx="2">
-            <a:schemeClr val="accent1">
-              <a:shade val="50000"/>
-            </a:schemeClr>
-          </a:lnRef>
-          <a:fillRef idx="1">
-            <a:schemeClr val="accent1"/>
-          </a:fillRef>
-          <a:effectRef idx="0">
-            <a:schemeClr val="accent1"/>
-          </a:effectRef>
-          <a:fontRef idx="minor">
-            <a:schemeClr val="lt1"/>
-          </a:fontRef>
-        </p:style>
-        <p:txBody>
-          <a:bodyPr rtlCol="0" anchor="ctr"/>
-          <a:lstStyle/>
-          <a:p>
-            <a:pPr algn="ctr"/>
-            <a:r>
-              <a:rPr lang="en-US" dirty="0" err="1"/>
-              <a:t>Quản</a:t>
-            </a:r>
-            <a:r>
-              <a:rPr lang="en-US" dirty="0"/>
-              <a:t> </a:t>
-            </a:r>
-            <a:r>
-              <a:rPr lang="en-US" dirty="0" err="1"/>
-              <a:t>lý</a:t>
-            </a:r>
-            <a:r>
-              <a:rPr lang="en-US" dirty="0"/>
-              <a:t> cấp </a:t>
-            </a:r>
-            <a:r>
-              <a:rPr lang="en-US" dirty="0" err="1"/>
-              <a:t>phát</a:t>
-            </a:r>
-            <a:endParaRPr lang="en-US" dirty="0"/>
-          </a:p>
-        </p:txBody>
-      </p:sp>
-      <p:sp>
-        <p:nvSpPr>
-          <p:cNvPr id="3" name="Rectangle 2">
-            <a:extLst>
-              <a:ext uri="{FF2B5EF4-FFF2-40B4-BE49-F238E27FC236}">
-                <a16:creationId xmlns:a16="http://schemas.microsoft.com/office/drawing/2014/main" xmlns="" id="{A407FECC-7A8C-496F-B95F-7820D77A7625}"/>
-              </a:ext>
-            </a:extLst>
-          </p:cNvPr>
-          <p:cNvSpPr/>
-          <p:nvPr/>
-        </p:nvSpPr>
-        <p:spPr>
-          <a:xfrm>
-            <a:off x="577811" y="39269"/>
-            <a:ext cx="2204658" cy="409516"/>
-          </a:xfrm>
-          <a:prstGeom prst="rect">
-            <a:avLst/>
-          </a:prstGeom>
-        </p:spPr>
-        <p:style>
-          <a:lnRef idx="2">
-            <a:schemeClr val="accent1">
-              <a:shade val="50000"/>
-            </a:schemeClr>
-          </a:lnRef>
-          <a:fillRef idx="1">
-            <a:schemeClr val="accent1"/>
-          </a:fillRef>
-          <a:effectRef idx="0">
-            <a:schemeClr val="accent1"/>
-          </a:effectRef>
-          <a:fontRef idx="minor">
-            <a:schemeClr val="lt1"/>
-          </a:fontRef>
-        </p:style>
-        <p:txBody>
-          <a:bodyPr rtlCol="0" anchor="ctr"/>
-          <a:lstStyle/>
-          <a:p>
-            <a:pPr algn="ctr"/>
-            <a:r>
-              <a:rPr lang="en-US" dirty="0" err="1"/>
-              <a:t>Quản</a:t>
-            </a:r>
-            <a:r>
-              <a:rPr lang="en-US" dirty="0"/>
-              <a:t> </a:t>
-            </a:r>
-            <a:r>
-              <a:rPr lang="en-US" dirty="0" err="1"/>
-              <a:t>lý</a:t>
-            </a:r>
-            <a:r>
-              <a:rPr lang="en-US" dirty="0"/>
-              <a:t> cấp </a:t>
-            </a:r>
-            <a:r>
-              <a:rPr lang="en-US" dirty="0" err="1"/>
-              <a:t>phát</a:t>
-            </a:r>
-            <a:endParaRPr lang="en-US" dirty="0"/>
-          </a:p>
-        </p:txBody>
-      </p:sp>
-      <p:sp>
-        <p:nvSpPr>
-          <p:cNvPr id="4" name="Rectangle 3">
-            <a:extLst>
-              <a:ext uri="{FF2B5EF4-FFF2-40B4-BE49-F238E27FC236}">
-                <a16:creationId xmlns:a16="http://schemas.microsoft.com/office/drawing/2014/main" xmlns="" id="{6F7C379F-73B7-41B1-978E-D40D37AD1CA2}"/>
-              </a:ext>
-            </a:extLst>
-          </p:cNvPr>
-          <p:cNvSpPr/>
-          <p:nvPr/>
-        </p:nvSpPr>
-        <p:spPr>
-          <a:xfrm>
-            <a:off x="10585722" y="0"/>
-            <a:ext cx="1307087" cy="409516"/>
-          </a:xfrm>
-          <a:prstGeom prst="rect">
-            <a:avLst/>
-          </a:prstGeom>
-        </p:spPr>
-        <p:style>
-          <a:lnRef idx="2">
-            <a:schemeClr val="accent1">
-              <a:shade val="50000"/>
-            </a:schemeClr>
-          </a:lnRef>
-          <a:fillRef idx="1">
-            <a:schemeClr val="accent1"/>
-          </a:fillRef>
-          <a:effectRef idx="0">
-            <a:schemeClr val="accent1"/>
-          </a:effectRef>
-          <a:fontRef idx="minor">
-            <a:schemeClr val="lt1"/>
-          </a:fontRef>
-        </p:style>
-        <p:txBody>
-          <a:bodyPr rtlCol="0" anchor="ctr"/>
-          <a:lstStyle/>
-          <a:p>
-            <a:pPr algn="ctr"/>
-            <a:r>
-              <a:rPr lang="en-US" dirty="0"/>
-              <a:t>user</a:t>
-            </a:r>
-          </a:p>
-        </p:txBody>
-      </p:sp>
-      <p:cxnSp>
-        <p:nvCxnSpPr>
-          <p:cNvPr id="7" name="Straight Connector 6">
-            <a:extLst>
-              <a:ext uri="{FF2B5EF4-FFF2-40B4-BE49-F238E27FC236}">
-                <a16:creationId xmlns:a16="http://schemas.microsoft.com/office/drawing/2014/main" xmlns="" id="{7E87841E-6771-48D9-9337-874CA48DAE2A}"/>
-              </a:ext>
-            </a:extLst>
-          </p:cNvPr>
-          <p:cNvCxnSpPr/>
-          <p:nvPr/>
-        </p:nvCxnSpPr>
-        <p:spPr>
-          <a:xfrm flipV="1">
-            <a:off x="597852" y="1154855"/>
-            <a:ext cx="11102912" cy="66368"/>
-          </a:xfrm>
-          <a:prstGeom prst="line">
-            <a:avLst/>
-          </a:prstGeom>
-        </p:spPr>
-        <p:style>
-          <a:lnRef idx="1">
-            <a:schemeClr val="accent1"/>
-          </a:lnRef>
-          <a:fillRef idx="0">
-            <a:schemeClr val="accent1"/>
-          </a:fillRef>
-          <a:effectRef idx="0">
-            <a:schemeClr val="accent1"/>
-          </a:effectRef>
-          <a:fontRef idx="minor">
-            <a:schemeClr val="tx1"/>
-          </a:fontRef>
-        </p:style>
-      </p:cxnSp>
-      <p:sp>
-        <p:nvSpPr>
-          <p:cNvPr id="13" name="Rectangle 12">
-            <a:extLst>
-              <a:ext uri="{FF2B5EF4-FFF2-40B4-BE49-F238E27FC236}">
-                <a16:creationId xmlns:a16="http://schemas.microsoft.com/office/drawing/2014/main" xmlns="" id="{57CEB79F-2993-488D-A128-A557142D2723}"/>
-              </a:ext>
-            </a:extLst>
-          </p:cNvPr>
-          <p:cNvSpPr/>
-          <p:nvPr/>
-        </p:nvSpPr>
-        <p:spPr>
-          <a:xfrm>
-            <a:off x="597852" y="597310"/>
-            <a:ext cx="2285458" cy="511560"/>
-          </a:xfrm>
-          <a:prstGeom prst="rect">
-            <a:avLst/>
-          </a:prstGeom>
-          <a:solidFill>
-            <a:schemeClr val="accent1"/>
-          </a:solidFill>
-          <a:ln>
-            <a:solidFill>
-              <a:srgbClr val="C00000"/>
-            </a:solidFill>
-          </a:ln>
-        </p:spPr>
-        <p:style>
-          <a:lnRef idx="2">
-            <a:schemeClr val="accent1">
-              <a:shade val="50000"/>
-            </a:schemeClr>
-          </a:lnRef>
-          <a:fillRef idx="1">
-            <a:schemeClr val="accent1"/>
-          </a:fillRef>
-          <a:effectRef idx="0">
-            <a:schemeClr val="accent1"/>
-          </a:effectRef>
-          <a:fontRef idx="minor">
-            <a:schemeClr val="lt1"/>
-          </a:fontRef>
-        </p:style>
-        <p:txBody>
-          <a:bodyPr rtlCol="0" anchor="ctr"/>
-          <a:lstStyle/>
-          <a:p>
-            <a:pPr algn="ctr"/>
-            <a:r>
-              <a:rPr lang="en-US" dirty="0"/>
-              <a:t>Tổng </a:t>
-            </a:r>
-            <a:r>
-              <a:rPr lang="en-US" dirty="0" err="1"/>
-              <a:t>quan</a:t>
-            </a:r>
-            <a:endParaRPr lang="en-US" dirty="0"/>
-          </a:p>
-        </p:txBody>
-      </p:sp>
-      <p:sp>
-        <p:nvSpPr>
-          <p:cNvPr id="17" name="Rectangle 16">
-            <a:extLst>
-              <a:ext uri="{FF2B5EF4-FFF2-40B4-BE49-F238E27FC236}">
-                <a16:creationId xmlns:a16="http://schemas.microsoft.com/office/drawing/2014/main" xmlns="" id="{F4C8519E-B0C4-4755-A01D-ED20ADB31053}"/>
-              </a:ext>
-            </a:extLst>
-          </p:cNvPr>
-          <p:cNvSpPr/>
-          <p:nvPr/>
-        </p:nvSpPr>
-        <p:spPr>
-          <a:xfrm>
-            <a:off x="4284407" y="597310"/>
-            <a:ext cx="1253613" cy="511560"/>
-          </a:xfrm>
-          <a:prstGeom prst="rect">
-            <a:avLst/>
-          </a:prstGeom>
-        </p:spPr>
-        <p:style>
-          <a:lnRef idx="2">
-            <a:schemeClr val="accent1">
-              <a:shade val="50000"/>
-            </a:schemeClr>
-          </a:lnRef>
-          <a:fillRef idx="1">
-            <a:schemeClr val="accent1"/>
-          </a:fillRef>
-          <a:effectRef idx="0">
-            <a:schemeClr val="accent1"/>
-          </a:effectRef>
-          <a:fontRef idx="minor">
-            <a:schemeClr val="lt1"/>
-          </a:fontRef>
-        </p:style>
-        <p:txBody>
-          <a:bodyPr rtlCol="0" anchor="ctr"/>
-          <a:lstStyle/>
-          <a:p>
-            <a:pPr algn="ctr"/>
-            <a:r>
-              <a:rPr lang="en-US" dirty="0" err="1"/>
-              <a:t>Thiết</a:t>
-            </a:r>
-            <a:r>
-              <a:rPr lang="en-US" dirty="0"/>
-              <a:t> </a:t>
-            </a:r>
-            <a:r>
-              <a:rPr lang="en-US" dirty="0" err="1"/>
-              <a:t>bị</a:t>
-            </a:r>
-            <a:endParaRPr lang="en-US" dirty="0"/>
-          </a:p>
-        </p:txBody>
-      </p:sp>
-      <p:sp>
-        <p:nvSpPr>
-          <p:cNvPr id="18" name="Rectangle 17">
-            <a:extLst>
-              <a:ext uri="{FF2B5EF4-FFF2-40B4-BE49-F238E27FC236}">
-                <a16:creationId xmlns:a16="http://schemas.microsoft.com/office/drawing/2014/main" xmlns="" id="{725BA441-C124-43CE-94BD-50DB91DDC2FA}"/>
-              </a:ext>
-            </a:extLst>
-          </p:cNvPr>
-          <p:cNvSpPr/>
-          <p:nvPr/>
-        </p:nvSpPr>
-        <p:spPr>
-          <a:xfrm>
-            <a:off x="5538020" y="597310"/>
-            <a:ext cx="2027903" cy="511560"/>
-          </a:xfrm>
-          <a:prstGeom prst="rect">
-            <a:avLst/>
-          </a:prstGeom>
-        </p:spPr>
-        <p:style>
-          <a:lnRef idx="2">
-            <a:schemeClr val="accent1">
-              <a:shade val="50000"/>
-            </a:schemeClr>
-          </a:lnRef>
-          <a:fillRef idx="1">
-            <a:schemeClr val="accent1"/>
-          </a:fillRef>
-          <a:effectRef idx="0">
-            <a:schemeClr val="accent1"/>
-          </a:effectRef>
-          <a:fontRef idx="minor">
-            <a:schemeClr val="lt1"/>
-          </a:fontRef>
-        </p:style>
-        <p:txBody>
-          <a:bodyPr rtlCol="0" anchor="ctr"/>
-          <a:lstStyle/>
-          <a:p>
-            <a:pPr algn="ctr"/>
-            <a:r>
-              <a:rPr lang="en-US" dirty="0" err="1"/>
-              <a:t>Tạo</a:t>
-            </a:r>
-            <a:r>
-              <a:rPr lang="en-US" dirty="0"/>
-              <a:t> SR cấp </a:t>
-            </a:r>
-            <a:r>
-              <a:rPr lang="en-US" dirty="0" err="1"/>
-              <a:t>phát</a:t>
-            </a:r>
-            <a:endParaRPr lang="en-US" dirty="0"/>
-          </a:p>
-        </p:txBody>
-      </p:sp>
-      <p:sp>
-        <p:nvSpPr>
-          <p:cNvPr id="20" name="Rectangle 19">
-            <a:extLst>
-              <a:ext uri="{FF2B5EF4-FFF2-40B4-BE49-F238E27FC236}">
-                <a16:creationId xmlns:a16="http://schemas.microsoft.com/office/drawing/2014/main" xmlns="" id="{E251C8AA-3D74-4314-8139-C333A402E137}"/>
-              </a:ext>
-            </a:extLst>
-          </p:cNvPr>
-          <p:cNvSpPr/>
-          <p:nvPr/>
-        </p:nvSpPr>
-        <p:spPr>
-          <a:xfrm>
-            <a:off x="7565923" y="597310"/>
-            <a:ext cx="2027903" cy="511560"/>
-          </a:xfrm>
-          <a:prstGeom prst="rect">
-            <a:avLst/>
-          </a:prstGeom>
-        </p:spPr>
-        <p:style>
-          <a:lnRef idx="2">
-            <a:schemeClr val="accent1">
-              <a:shade val="50000"/>
-            </a:schemeClr>
-          </a:lnRef>
-          <a:fillRef idx="1">
-            <a:schemeClr val="accent1"/>
-          </a:fillRef>
-          <a:effectRef idx="0">
-            <a:schemeClr val="accent1"/>
-          </a:effectRef>
-          <a:fontRef idx="minor">
-            <a:schemeClr val="lt1"/>
-          </a:fontRef>
-        </p:style>
-        <p:txBody>
-          <a:bodyPr rtlCol="0" anchor="ctr"/>
-          <a:lstStyle/>
-          <a:p>
-            <a:pPr algn="ctr"/>
-            <a:r>
-              <a:rPr lang="en-US" dirty="0"/>
-              <a:t>Báo cáo</a:t>
-            </a:r>
-          </a:p>
-        </p:txBody>
-      </p:sp>
-      <p:sp>
-        <p:nvSpPr>
-          <p:cNvPr id="21" name="Rectangle 20">
-            <a:extLst>
-              <a:ext uri="{FF2B5EF4-FFF2-40B4-BE49-F238E27FC236}">
-                <a16:creationId xmlns:a16="http://schemas.microsoft.com/office/drawing/2014/main" xmlns="" id="{426E9989-6A49-45F9-95D0-7E425A99A9A2}"/>
-              </a:ext>
-            </a:extLst>
-          </p:cNvPr>
-          <p:cNvSpPr/>
-          <p:nvPr/>
-        </p:nvSpPr>
-        <p:spPr>
-          <a:xfrm>
-            <a:off x="2883310" y="602288"/>
-            <a:ext cx="1401097" cy="511560"/>
-          </a:xfrm>
-          <a:prstGeom prst="rect">
-            <a:avLst/>
-          </a:prstGeom>
-          <a:solidFill>
-            <a:srgbClr val="92D050"/>
-          </a:solidFill>
-        </p:spPr>
-        <p:style>
-          <a:lnRef idx="2">
-            <a:schemeClr val="accent1">
-              <a:shade val="50000"/>
-            </a:schemeClr>
-          </a:lnRef>
-          <a:fillRef idx="1">
-            <a:schemeClr val="accent1"/>
-          </a:fillRef>
-          <a:effectRef idx="0">
-            <a:schemeClr val="accent1"/>
-          </a:effectRef>
-          <a:fontRef idx="minor">
-            <a:schemeClr val="lt1"/>
-          </a:fontRef>
-        </p:style>
-        <p:txBody>
-          <a:bodyPr rtlCol="0" anchor="ctr"/>
-          <a:lstStyle/>
-          <a:p>
-            <a:pPr algn="ctr"/>
-            <a:r>
-              <a:rPr lang="en-US" dirty="0" err="1"/>
-              <a:t>Danh</a:t>
-            </a:r>
-            <a:r>
-              <a:rPr lang="en-US" dirty="0"/>
-              <a:t> </a:t>
-            </a:r>
-            <a:r>
-              <a:rPr lang="en-US" dirty="0" err="1"/>
-              <a:t>mục</a:t>
-            </a:r>
-            <a:endParaRPr lang="en-US" dirty="0"/>
-          </a:p>
-        </p:txBody>
-      </p:sp>
-      <p:sp>
-        <p:nvSpPr>
-          <p:cNvPr id="29" name="Rectangle 28">
-            <a:extLst>
-              <a:ext uri="{FF2B5EF4-FFF2-40B4-BE49-F238E27FC236}">
-                <a16:creationId xmlns:a16="http://schemas.microsoft.com/office/drawing/2014/main" xmlns="" id="{73EDAE4F-9B7F-4FFB-8B0B-3F3525E42965}"/>
-              </a:ext>
-            </a:extLst>
-          </p:cNvPr>
-          <p:cNvSpPr/>
-          <p:nvPr/>
-        </p:nvSpPr>
-        <p:spPr>
-          <a:xfrm>
-            <a:off x="597852" y="1221223"/>
-            <a:ext cx="2451263" cy="482762"/>
-          </a:xfrm>
-          <a:prstGeom prst="rect">
-            <a:avLst/>
-          </a:prstGeom>
-          <a:solidFill>
-            <a:srgbClr val="FFC000"/>
-          </a:solidFill>
-        </p:spPr>
-        <p:style>
-          <a:lnRef idx="2">
-            <a:schemeClr val="accent1">
-              <a:shade val="50000"/>
-            </a:schemeClr>
-          </a:lnRef>
-          <a:fillRef idx="1">
-            <a:schemeClr val="accent1"/>
-          </a:fillRef>
-          <a:effectRef idx="0">
-            <a:schemeClr val="accent1"/>
-          </a:effectRef>
-          <a:fontRef idx="minor">
-            <a:schemeClr val="lt1"/>
-          </a:fontRef>
-        </p:style>
-        <p:txBody>
-          <a:bodyPr rtlCol="0" anchor="ctr"/>
-          <a:lstStyle/>
-          <a:p>
-            <a:pPr algn="ctr"/>
-            <a:r>
-              <a:rPr lang="en-US" dirty="0" err="1"/>
-              <a:t>Danh</a:t>
-            </a:r>
-            <a:r>
-              <a:rPr lang="en-US" dirty="0"/>
-              <a:t> </a:t>
-            </a:r>
-            <a:r>
-              <a:rPr lang="en-US" dirty="0" err="1"/>
-              <a:t>mục</a:t>
-            </a:r>
-            <a:r>
-              <a:rPr lang="en-US" dirty="0"/>
-              <a:t> </a:t>
-            </a:r>
-            <a:r>
-              <a:rPr lang="en-US" dirty="0" err="1"/>
-              <a:t>BBBG</a:t>
-            </a:r>
-            <a:endParaRPr lang="en-US" dirty="0"/>
-          </a:p>
-        </p:txBody>
-      </p:sp>
-      <p:sp>
-        <p:nvSpPr>
-          <p:cNvPr id="33" name="Rectangle 32">
-            <a:extLst>
-              <a:ext uri="{FF2B5EF4-FFF2-40B4-BE49-F238E27FC236}">
-                <a16:creationId xmlns:a16="http://schemas.microsoft.com/office/drawing/2014/main" xmlns="" id="{8375D373-578E-4146-A7EE-08591091E59A}"/>
-              </a:ext>
-            </a:extLst>
-          </p:cNvPr>
-          <p:cNvSpPr/>
-          <p:nvPr/>
-        </p:nvSpPr>
-        <p:spPr>
-          <a:xfrm>
-            <a:off x="7707887" y="1182944"/>
-            <a:ext cx="1242755" cy="482762"/>
-          </a:xfrm>
-          <a:prstGeom prst="rect">
-            <a:avLst/>
-          </a:prstGeom>
-          <a:solidFill>
-            <a:srgbClr val="FFC000"/>
-          </a:solidFill>
-        </p:spPr>
-        <p:style>
-          <a:lnRef idx="2">
-            <a:schemeClr val="accent1">
-              <a:shade val="50000"/>
-            </a:schemeClr>
-          </a:lnRef>
-          <a:fillRef idx="1">
-            <a:schemeClr val="accent1"/>
-          </a:fillRef>
-          <a:effectRef idx="0">
-            <a:schemeClr val="accent1"/>
-          </a:effectRef>
-          <a:fontRef idx="minor">
-            <a:schemeClr val="lt1"/>
-          </a:fontRef>
-        </p:style>
-        <p:txBody>
-          <a:bodyPr rtlCol="0" anchor="ctr"/>
-          <a:lstStyle/>
-          <a:p>
-            <a:pPr algn="ctr"/>
-            <a:r>
-              <a:rPr lang="en-US" dirty="0" err="1"/>
-              <a:t>Thêm</a:t>
-            </a:r>
-            <a:r>
-              <a:rPr lang="en-US" dirty="0"/>
-              <a:t> </a:t>
-            </a:r>
-            <a:r>
-              <a:rPr lang="en-US" dirty="0" err="1"/>
-              <a:t>mới</a:t>
-            </a:r>
-            <a:endParaRPr lang="en-US" dirty="0"/>
-          </a:p>
-        </p:txBody>
-      </p:sp>
-      <p:sp>
-        <p:nvSpPr>
-          <p:cNvPr id="34" name="Rectangle 33">
-            <a:extLst>
-              <a:ext uri="{FF2B5EF4-FFF2-40B4-BE49-F238E27FC236}">
-                <a16:creationId xmlns:a16="http://schemas.microsoft.com/office/drawing/2014/main" xmlns="" id="{13447C5C-5E48-4F26-96CF-340225DB0157}"/>
-              </a:ext>
-            </a:extLst>
-          </p:cNvPr>
-          <p:cNvSpPr/>
-          <p:nvPr/>
-        </p:nvSpPr>
-        <p:spPr>
-          <a:xfrm>
-            <a:off x="8972449" y="1186837"/>
-            <a:ext cx="621378" cy="482762"/>
-          </a:xfrm>
-          <a:prstGeom prst="rect">
-            <a:avLst/>
-          </a:prstGeom>
-          <a:solidFill>
-            <a:srgbClr val="FFC000"/>
-          </a:solidFill>
-        </p:spPr>
-        <p:style>
-          <a:lnRef idx="2">
-            <a:schemeClr val="accent1">
-              <a:shade val="50000"/>
-            </a:schemeClr>
-          </a:lnRef>
-          <a:fillRef idx="1">
-            <a:schemeClr val="accent1"/>
-          </a:fillRef>
-          <a:effectRef idx="0">
-            <a:schemeClr val="accent1"/>
-          </a:effectRef>
-          <a:fontRef idx="minor">
-            <a:schemeClr val="lt1"/>
-          </a:fontRef>
-        </p:style>
-        <p:txBody>
-          <a:bodyPr rtlCol="0" anchor="ctr"/>
-          <a:lstStyle/>
-          <a:p>
-            <a:pPr algn="ctr"/>
-            <a:r>
-              <a:rPr lang="en-US" dirty="0" err="1"/>
-              <a:t>Sửa</a:t>
-            </a:r>
-            <a:endParaRPr lang="en-US" dirty="0"/>
-          </a:p>
-        </p:txBody>
-      </p:sp>
-      <p:sp>
-        <p:nvSpPr>
-          <p:cNvPr id="35" name="Rectangle 34">
-            <a:extLst>
-              <a:ext uri="{FF2B5EF4-FFF2-40B4-BE49-F238E27FC236}">
-                <a16:creationId xmlns:a16="http://schemas.microsoft.com/office/drawing/2014/main" xmlns="" id="{10B8CB01-DAF3-4DC0-BBCB-14B7FC25EA45}"/>
-              </a:ext>
-            </a:extLst>
-          </p:cNvPr>
-          <p:cNvSpPr/>
-          <p:nvPr/>
-        </p:nvSpPr>
-        <p:spPr>
-          <a:xfrm>
-            <a:off x="9615634" y="1202084"/>
-            <a:ext cx="621378" cy="482762"/>
-          </a:xfrm>
-          <a:prstGeom prst="rect">
-            <a:avLst/>
-          </a:prstGeom>
-          <a:solidFill>
-            <a:srgbClr val="FFC000"/>
-          </a:solidFill>
-        </p:spPr>
-        <p:style>
-          <a:lnRef idx="2">
-            <a:schemeClr val="accent1">
-              <a:shade val="50000"/>
-            </a:schemeClr>
-          </a:lnRef>
-          <a:fillRef idx="1">
-            <a:schemeClr val="accent1"/>
-          </a:fillRef>
-          <a:effectRef idx="0">
-            <a:schemeClr val="accent1"/>
-          </a:effectRef>
-          <a:fontRef idx="minor">
-            <a:schemeClr val="lt1"/>
-          </a:fontRef>
-        </p:style>
-        <p:txBody>
-          <a:bodyPr rtlCol="0" anchor="ctr"/>
-          <a:lstStyle/>
-          <a:p>
-            <a:pPr algn="ctr"/>
-            <a:r>
-              <a:rPr lang="en-US" dirty="0" err="1"/>
-              <a:t>Xóa</a:t>
-            </a:r>
-            <a:endParaRPr lang="en-US" dirty="0"/>
-          </a:p>
-        </p:txBody>
-      </p:sp>
-      <p:sp>
-        <p:nvSpPr>
-          <p:cNvPr id="36" name="Rectangle 35">
-            <a:extLst>
-              <a:ext uri="{FF2B5EF4-FFF2-40B4-BE49-F238E27FC236}">
-                <a16:creationId xmlns:a16="http://schemas.microsoft.com/office/drawing/2014/main" xmlns="" id="{9F71F038-1FC5-4952-B497-0AF22AD5DCC8}"/>
-              </a:ext>
-            </a:extLst>
-          </p:cNvPr>
-          <p:cNvSpPr/>
-          <p:nvPr/>
-        </p:nvSpPr>
-        <p:spPr>
-          <a:xfrm>
-            <a:off x="10258819" y="1206017"/>
-            <a:ext cx="1185821" cy="482762"/>
-          </a:xfrm>
-          <a:prstGeom prst="rect">
-            <a:avLst/>
-          </a:prstGeom>
-          <a:solidFill>
-            <a:srgbClr val="FFC000"/>
-          </a:solidFill>
-        </p:spPr>
-        <p:style>
-          <a:lnRef idx="2">
-            <a:schemeClr val="accent1">
-              <a:shade val="50000"/>
-            </a:schemeClr>
-          </a:lnRef>
-          <a:fillRef idx="1">
-            <a:schemeClr val="accent1"/>
-          </a:fillRef>
-          <a:effectRef idx="0">
-            <a:schemeClr val="accent1"/>
-          </a:effectRef>
-          <a:fontRef idx="minor">
-            <a:schemeClr val="lt1"/>
-          </a:fontRef>
-        </p:style>
-        <p:txBody>
-          <a:bodyPr rtlCol="0" anchor="ctr"/>
-          <a:lstStyle/>
-          <a:p>
-            <a:pPr algn="ctr"/>
-            <a:r>
-              <a:rPr lang="en-US" dirty="0" err="1"/>
-              <a:t>Xuất</a:t>
-            </a:r>
-            <a:r>
-              <a:rPr lang="en-US" dirty="0"/>
-              <a:t> file</a:t>
-            </a:r>
-          </a:p>
-        </p:txBody>
-      </p:sp>
       <p:graphicFrame>
         <p:nvGraphicFramePr>
           <p:cNvPr id="22" name="Table 4">
             <a:extLst>
               <a:ext uri="{FF2B5EF4-FFF2-40B4-BE49-F238E27FC236}">
-                <a16:creationId xmlns:a16="http://schemas.microsoft.com/office/drawing/2014/main" xmlns="" id="{02DB7F3E-46A5-45BF-A6FF-70130B300645}"/>
+                <a16:creationId xmlns="" xmlns:a16="http://schemas.microsoft.com/office/drawing/2014/main" id="{02DB7F3E-46A5-45BF-A6FF-70130B300645}"/>
               </a:ext>
             </a:extLst>
           </p:cNvPr>
@@ -8472,49 +6793,49 @@
                 <a:gridCol w="1537432">
                   <a:extLst>
                     <a:ext uri="{9D8B030D-6E8A-4147-A177-3AD203B41FA5}">
-                      <a16:colId xmlns:a16="http://schemas.microsoft.com/office/drawing/2014/main" xmlns="" val="1410941886"/>
+                      <a16:colId xmlns="" xmlns:a16="http://schemas.microsoft.com/office/drawing/2014/main" val="1410941886"/>
                     </a:ext>
                   </a:extLst>
                 </a:gridCol>
                 <a:gridCol w="1537432">
                   <a:extLst>
                     <a:ext uri="{9D8B030D-6E8A-4147-A177-3AD203B41FA5}">
-                      <a16:colId xmlns:a16="http://schemas.microsoft.com/office/drawing/2014/main" xmlns="" val="3369499448"/>
+                      <a16:colId xmlns="" xmlns:a16="http://schemas.microsoft.com/office/drawing/2014/main" val="3369499448"/>
                     </a:ext>
                   </a:extLst>
                 </a:gridCol>
                 <a:gridCol w="1537432">
                   <a:extLst>
                     <a:ext uri="{9D8B030D-6E8A-4147-A177-3AD203B41FA5}">
-                      <a16:colId xmlns:a16="http://schemas.microsoft.com/office/drawing/2014/main" xmlns="" val="2693475211"/>
+                      <a16:colId xmlns="" xmlns:a16="http://schemas.microsoft.com/office/drawing/2014/main" val="2693475211"/>
                     </a:ext>
                   </a:extLst>
                 </a:gridCol>
                 <a:gridCol w="1537432">
                   <a:extLst>
                     <a:ext uri="{9D8B030D-6E8A-4147-A177-3AD203B41FA5}">
-                      <a16:colId xmlns:a16="http://schemas.microsoft.com/office/drawing/2014/main" xmlns="" val="1408513609"/>
+                      <a16:colId xmlns="" xmlns:a16="http://schemas.microsoft.com/office/drawing/2014/main" val="1408513609"/>
                     </a:ext>
                   </a:extLst>
                 </a:gridCol>
                 <a:gridCol w="1537432">
                   <a:extLst>
                     <a:ext uri="{9D8B030D-6E8A-4147-A177-3AD203B41FA5}">
-                      <a16:colId xmlns:a16="http://schemas.microsoft.com/office/drawing/2014/main" xmlns="" val="3055393689"/>
+                      <a16:colId xmlns="" xmlns:a16="http://schemas.microsoft.com/office/drawing/2014/main" val="3055393689"/>
                     </a:ext>
                   </a:extLst>
                 </a:gridCol>
                 <a:gridCol w="1537432">
                   <a:extLst>
                     <a:ext uri="{9D8B030D-6E8A-4147-A177-3AD203B41FA5}">
-                      <a16:colId xmlns:a16="http://schemas.microsoft.com/office/drawing/2014/main" xmlns="" val="857812417"/>
+                      <a16:colId xmlns="" xmlns:a16="http://schemas.microsoft.com/office/drawing/2014/main" val="857812417"/>
                     </a:ext>
                   </a:extLst>
                 </a:gridCol>
                 <a:gridCol w="1537432">
                   <a:extLst>
                     <a:ext uri="{9D8B030D-6E8A-4147-A177-3AD203B41FA5}">
-                      <a16:colId xmlns:a16="http://schemas.microsoft.com/office/drawing/2014/main" xmlns="" val="1694679394"/>
+                      <a16:colId xmlns="" xmlns:a16="http://schemas.microsoft.com/office/drawing/2014/main" val="1694679394"/>
                     </a:ext>
                   </a:extLst>
                 </a:gridCol>
@@ -8711,7 +7032,7 @@
                 </a:tc>
                 <a:extLst>
                   <a:ext uri="{0D108BD9-81ED-4DB2-BD59-A6C34878D82A}">
-                    <a16:rowId xmlns:a16="http://schemas.microsoft.com/office/drawing/2014/main" xmlns="" val="3982731791"/>
+                    <a16:rowId xmlns="" xmlns:a16="http://schemas.microsoft.com/office/drawing/2014/main" val="3982731791"/>
                   </a:ext>
                 </a:extLst>
               </a:tr>
@@ -8788,7 +7109,7 @@
                 </a:tc>
                 <a:extLst>
                   <a:ext uri="{0D108BD9-81ED-4DB2-BD59-A6C34878D82A}">
-                    <a16:rowId xmlns:a16="http://schemas.microsoft.com/office/drawing/2014/main" xmlns="" val="2086569695"/>
+                    <a16:rowId xmlns="" xmlns:a16="http://schemas.microsoft.com/office/drawing/2014/main" val="2086569695"/>
                   </a:ext>
                 </a:extLst>
               </a:tr>
@@ -8865,7 +7186,7 @@
                 </a:tc>
                 <a:extLst>
                   <a:ext uri="{0D108BD9-81ED-4DB2-BD59-A6C34878D82A}">
-                    <a16:rowId xmlns:a16="http://schemas.microsoft.com/office/drawing/2014/main" xmlns="" val="3643088011"/>
+                    <a16:rowId xmlns="" xmlns:a16="http://schemas.microsoft.com/office/drawing/2014/main" val="3643088011"/>
                   </a:ext>
                 </a:extLst>
               </a:tr>
@@ -8886,7 +7207,7 @@
 </p:sld>
 </file>
 
-<file path=ppt/slides/slide12.xml><?xml version="1.0" encoding="utf-8"?>
+<file path=ppt/slides/slide11.xml><?xml version="1.0" encoding="utf-8"?>
 <p:sld xmlns:a="http://schemas.openxmlformats.org/drawingml/2006/main" xmlns:r="http://schemas.openxmlformats.org/officeDocument/2006/relationships" xmlns:p="http://schemas.openxmlformats.org/presentationml/2006/main">
   <p:cSld>
     <p:bg>
@@ -8916,7 +7237,7 @@
           <p:cNvPr id="2" name="Rectangle 1">
             <a:extLst>
               <a:ext uri="{FF2B5EF4-FFF2-40B4-BE49-F238E27FC236}">
-                <a16:creationId xmlns:a16="http://schemas.microsoft.com/office/drawing/2014/main" xmlns="" id="{114493F7-0131-4550-9EAE-D486FFFB3AA5}"/>
+                <a16:creationId xmlns="" xmlns:a16="http://schemas.microsoft.com/office/drawing/2014/main" id="{114493F7-0131-4550-9EAE-D486FFFB3AA5}"/>
               </a:ext>
             </a:extLst>
           </p:cNvPr>
@@ -8982,7 +7303,7 @@
           <p:cNvPr id="3" name="Rectangle 2">
             <a:extLst>
               <a:ext uri="{FF2B5EF4-FFF2-40B4-BE49-F238E27FC236}">
-                <a16:creationId xmlns:a16="http://schemas.microsoft.com/office/drawing/2014/main" xmlns="" id="{A407FECC-7A8C-496F-B95F-7820D77A7625}"/>
+                <a16:creationId xmlns="" xmlns:a16="http://schemas.microsoft.com/office/drawing/2014/main" id="{A407FECC-7A8C-496F-B95F-7820D77A7625}"/>
               </a:ext>
             </a:extLst>
           </p:cNvPr>
@@ -9048,7 +7369,7 @@
           <p:cNvPr id="4" name="Rectangle 3">
             <a:extLst>
               <a:ext uri="{FF2B5EF4-FFF2-40B4-BE49-F238E27FC236}">
-                <a16:creationId xmlns:a16="http://schemas.microsoft.com/office/drawing/2014/main" xmlns="" id="{6F7C379F-73B7-41B1-978E-D40D37AD1CA2}"/>
+                <a16:creationId xmlns="" xmlns:a16="http://schemas.microsoft.com/office/drawing/2014/main" id="{6F7C379F-73B7-41B1-978E-D40D37AD1CA2}"/>
               </a:ext>
             </a:extLst>
           </p:cNvPr>
@@ -9097,7 +7418,7 @@
           <p:cNvPr id="7" name="Straight Connector 6">
             <a:extLst>
               <a:ext uri="{FF2B5EF4-FFF2-40B4-BE49-F238E27FC236}">
-                <a16:creationId xmlns:a16="http://schemas.microsoft.com/office/drawing/2014/main" xmlns="" id="{7E87841E-6771-48D9-9337-874CA48DAE2A}"/>
+                <a16:creationId xmlns="" xmlns:a16="http://schemas.microsoft.com/office/drawing/2014/main" id="{7E87841E-6771-48D9-9337-874CA48DAE2A}"/>
               </a:ext>
             </a:extLst>
           </p:cNvPr>
@@ -9133,7 +7454,7 @@
           <p:cNvPr id="13" name="Rectangle 12">
             <a:extLst>
               <a:ext uri="{FF2B5EF4-FFF2-40B4-BE49-F238E27FC236}">
-                <a16:creationId xmlns:a16="http://schemas.microsoft.com/office/drawing/2014/main" xmlns="" id="{57CEB79F-2993-488D-A128-A557142D2723}"/>
+                <a16:creationId xmlns="" xmlns:a16="http://schemas.microsoft.com/office/drawing/2014/main" id="{57CEB79F-2993-488D-A128-A557142D2723}"/>
               </a:ext>
             </a:extLst>
           </p:cNvPr>
@@ -9195,7 +7516,7 @@
           <p:cNvPr id="17" name="Rectangle 16">
             <a:extLst>
               <a:ext uri="{FF2B5EF4-FFF2-40B4-BE49-F238E27FC236}">
-                <a16:creationId xmlns:a16="http://schemas.microsoft.com/office/drawing/2014/main" xmlns="" id="{F4C8519E-B0C4-4755-A01D-ED20ADB31053}"/>
+                <a16:creationId xmlns="" xmlns:a16="http://schemas.microsoft.com/office/drawing/2014/main" id="{F4C8519E-B0C4-4755-A01D-ED20ADB31053}"/>
               </a:ext>
             </a:extLst>
           </p:cNvPr>
@@ -9253,7 +7574,7 @@
           <p:cNvPr id="18" name="Rectangle 17">
             <a:extLst>
               <a:ext uri="{FF2B5EF4-FFF2-40B4-BE49-F238E27FC236}">
-                <a16:creationId xmlns:a16="http://schemas.microsoft.com/office/drawing/2014/main" xmlns="" id="{725BA441-C124-43CE-94BD-50DB91DDC2FA}"/>
+                <a16:creationId xmlns="" xmlns:a16="http://schemas.microsoft.com/office/drawing/2014/main" id="{725BA441-C124-43CE-94BD-50DB91DDC2FA}"/>
               </a:ext>
             </a:extLst>
           </p:cNvPr>
@@ -9311,7 +7632,7 @@
           <p:cNvPr id="20" name="Rectangle 19">
             <a:extLst>
               <a:ext uri="{FF2B5EF4-FFF2-40B4-BE49-F238E27FC236}">
-                <a16:creationId xmlns:a16="http://schemas.microsoft.com/office/drawing/2014/main" xmlns="" id="{E251C8AA-3D74-4314-8139-C333A402E137}"/>
+                <a16:creationId xmlns="" xmlns:a16="http://schemas.microsoft.com/office/drawing/2014/main" id="{E251C8AA-3D74-4314-8139-C333A402E137}"/>
               </a:ext>
             </a:extLst>
           </p:cNvPr>
@@ -9360,7 +7681,7 @@
           <p:cNvPr id="21" name="Rectangle 20">
             <a:extLst>
               <a:ext uri="{FF2B5EF4-FFF2-40B4-BE49-F238E27FC236}">
-                <a16:creationId xmlns:a16="http://schemas.microsoft.com/office/drawing/2014/main" xmlns="" id="{426E9989-6A49-45F9-95D0-7E425A99A9A2}"/>
+                <a16:creationId xmlns="" xmlns:a16="http://schemas.microsoft.com/office/drawing/2014/main" id="{426E9989-6A49-45F9-95D0-7E425A99A9A2}"/>
               </a:ext>
             </a:extLst>
           </p:cNvPr>
@@ -9421,7 +7742,7 @@
           <p:cNvPr id="29" name="Rectangle 28">
             <a:extLst>
               <a:ext uri="{FF2B5EF4-FFF2-40B4-BE49-F238E27FC236}">
-                <a16:creationId xmlns:a16="http://schemas.microsoft.com/office/drawing/2014/main" xmlns="" id="{73EDAE4F-9B7F-4FFB-8B0B-3F3525E42965}"/>
+                <a16:creationId xmlns="" xmlns:a16="http://schemas.microsoft.com/office/drawing/2014/main" id="{73EDAE4F-9B7F-4FFB-8B0B-3F3525E42965}"/>
               </a:ext>
             </a:extLst>
           </p:cNvPr>
@@ -9485,7 +7806,7 @@
           <p:cNvPr id="33" name="Rectangle 32">
             <a:extLst>
               <a:ext uri="{FF2B5EF4-FFF2-40B4-BE49-F238E27FC236}">
-                <a16:creationId xmlns:a16="http://schemas.microsoft.com/office/drawing/2014/main" xmlns="" id="{8375D373-578E-4146-A7EE-08591091E59A}"/>
+                <a16:creationId xmlns="" xmlns:a16="http://schemas.microsoft.com/office/drawing/2014/main" id="{8375D373-578E-4146-A7EE-08591091E59A}"/>
               </a:ext>
             </a:extLst>
           </p:cNvPr>
@@ -9546,7 +7867,7 @@
           <p:cNvPr id="34" name="Rectangle 33">
             <a:extLst>
               <a:ext uri="{FF2B5EF4-FFF2-40B4-BE49-F238E27FC236}">
-                <a16:creationId xmlns:a16="http://schemas.microsoft.com/office/drawing/2014/main" xmlns="" id="{13447C5C-5E48-4F26-96CF-340225DB0157}"/>
+                <a16:creationId xmlns="" xmlns:a16="http://schemas.microsoft.com/office/drawing/2014/main" id="{13447C5C-5E48-4F26-96CF-340225DB0157}"/>
               </a:ext>
             </a:extLst>
           </p:cNvPr>
@@ -9599,7 +7920,7 @@
           <p:cNvPr id="35" name="Rectangle 34">
             <a:extLst>
               <a:ext uri="{FF2B5EF4-FFF2-40B4-BE49-F238E27FC236}">
-                <a16:creationId xmlns:a16="http://schemas.microsoft.com/office/drawing/2014/main" xmlns="" id="{10B8CB01-DAF3-4DC0-BBCB-14B7FC25EA45}"/>
+                <a16:creationId xmlns="" xmlns:a16="http://schemas.microsoft.com/office/drawing/2014/main" id="{10B8CB01-DAF3-4DC0-BBCB-14B7FC25EA45}"/>
               </a:ext>
             </a:extLst>
           </p:cNvPr>
@@ -9652,7 +7973,7 @@
           <p:cNvPr id="36" name="Rectangle 35">
             <a:extLst>
               <a:ext uri="{FF2B5EF4-FFF2-40B4-BE49-F238E27FC236}">
-                <a16:creationId xmlns:a16="http://schemas.microsoft.com/office/drawing/2014/main" xmlns="" id="{9F71F038-1FC5-4952-B497-0AF22AD5DCC8}"/>
+                <a16:creationId xmlns="" xmlns:a16="http://schemas.microsoft.com/office/drawing/2014/main" id="{9F71F038-1FC5-4952-B497-0AF22AD5DCC8}"/>
               </a:ext>
             </a:extLst>
           </p:cNvPr>
@@ -9708,7 +8029,7 @@
           <p:cNvPr id="19" name="Table 4">
             <a:extLst>
               <a:ext uri="{FF2B5EF4-FFF2-40B4-BE49-F238E27FC236}">
-                <a16:creationId xmlns:a16="http://schemas.microsoft.com/office/drawing/2014/main" xmlns="" id="{45A03DDA-33A2-4AB8-9A05-7C35389AAEEB}"/>
+                <a16:creationId xmlns="" xmlns:a16="http://schemas.microsoft.com/office/drawing/2014/main" id="{45A03DDA-33A2-4AB8-9A05-7C35389AAEEB}"/>
               </a:ext>
             </a:extLst>
           </p:cNvPr>
@@ -9737,42 +8058,42 @@
                 <a:gridCol w="1236995">
                   <a:extLst>
                     <a:ext uri="{9D8B030D-6E8A-4147-A177-3AD203B41FA5}">
-                      <a16:colId xmlns:a16="http://schemas.microsoft.com/office/drawing/2014/main" xmlns="" val="741451262"/>
+                      <a16:colId xmlns="" xmlns:a16="http://schemas.microsoft.com/office/drawing/2014/main" val="741451262"/>
                     </a:ext>
                   </a:extLst>
                 </a:gridCol>
                 <a:gridCol w="2268205">
                   <a:extLst>
                     <a:ext uri="{9D8B030D-6E8A-4147-A177-3AD203B41FA5}">
-                      <a16:colId xmlns:a16="http://schemas.microsoft.com/office/drawing/2014/main" xmlns="" val="1923630927"/>
+                      <a16:colId xmlns="" xmlns:a16="http://schemas.microsoft.com/office/drawing/2014/main" val="1923630927"/>
                     </a:ext>
                   </a:extLst>
                 </a:gridCol>
                 <a:gridCol w="1752600">
                   <a:extLst>
                     <a:ext uri="{9D8B030D-6E8A-4147-A177-3AD203B41FA5}">
-                      <a16:colId xmlns:a16="http://schemas.microsoft.com/office/drawing/2014/main" xmlns="" val="1056606997"/>
+                      <a16:colId xmlns="" xmlns:a16="http://schemas.microsoft.com/office/drawing/2014/main" val="1056606997"/>
                     </a:ext>
                   </a:extLst>
                 </a:gridCol>
                 <a:gridCol w="1752600">
                   <a:extLst>
                     <a:ext uri="{9D8B030D-6E8A-4147-A177-3AD203B41FA5}">
-                      <a16:colId xmlns:a16="http://schemas.microsoft.com/office/drawing/2014/main" xmlns="" val="2616764113"/>
+                      <a16:colId xmlns="" xmlns:a16="http://schemas.microsoft.com/office/drawing/2014/main" val="2616764113"/>
                     </a:ext>
                   </a:extLst>
                 </a:gridCol>
                 <a:gridCol w="1752600">
                   <a:extLst>
                     <a:ext uri="{9D8B030D-6E8A-4147-A177-3AD203B41FA5}">
-                      <a16:colId xmlns:a16="http://schemas.microsoft.com/office/drawing/2014/main" xmlns="" val="1309673373"/>
+                      <a16:colId xmlns="" xmlns:a16="http://schemas.microsoft.com/office/drawing/2014/main" val="1309673373"/>
                     </a:ext>
                   </a:extLst>
                 </a:gridCol>
                 <a:gridCol w="1752600">
                   <a:extLst>
                     <a:ext uri="{9D8B030D-6E8A-4147-A177-3AD203B41FA5}">
-                      <a16:colId xmlns:a16="http://schemas.microsoft.com/office/drawing/2014/main" xmlns="" val="2416286769"/>
+                      <a16:colId xmlns="" xmlns:a16="http://schemas.microsoft.com/office/drawing/2014/main" val="2416286769"/>
                     </a:ext>
                   </a:extLst>
                 </a:gridCol>
@@ -9896,7 +8217,7 @@
                 </a:tc>
                 <a:extLst>
                   <a:ext uri="{0D108BD9-81ED-4DB2-BD59-A6C34878D82A}">
-                    <a16:rowId xmlns:a16="http://schemas.microsoft.com/office/drawing/2014/main" xmlns="" val="3507935506"/>
+                    <a16:rowId xmlns="" xmlns:a16="http://schemas.microsoft.com/office/drawing/2014/main" val="3507935506"/>
                   </a:ext>
                 </a:extLst>
               </a:tr>
@@ -10000,7 +8321,7 @@
                 </a:tc>
                 <a:extLst>
                   <a:ext uri="{0D108BD9-81ED-4DB2-BD59-A6C34878D82A}">
-                    <a16:rowId xmlns:a16="http://schemas.microsoft.com/office/drawing/2014/main" xmlns="" val="2720469086"/>
+                    <a16:rowId xmlns="" xmlns:a16="http://schemas.microsoft.com/office/drawing/2014/main" val="2720469086"/>
                   </a:ext>
                 </a:extLst>
               </a:tr>
@@ -10067,7 +8388,7 @@
                 </a:tc>
                 <a:extLst>
                   <a:ext uri="{0D108BD9-81ED-4DB2-BD59-A6C34878D82A}">
-                    <a16:rowId xmlns:a16="http://schemas.microsoft.com/office/drawing/2014/main" xmlns="" val="619426716"/>
+                    <a16:rowId xmlns="" xmlns:a16="http://schemas.microsoft.com/office/drawing/2014/main" val="619426716"/>
                   </a:ext>
                 </a:extLst>
               </a:tr>
@@ -10088,7 +8409,7 @@
 </p:sld>
 </file>
 
-<file path=ppt/slides/slide13.xml><?xml version="1.0" encoding="utf-8"?>
+<file path=ppt/slides/slide12.xml><?xml version="1.0" encoding="utf-8"?>
 <p:sld xmlns:a="http://schemas.openxmlformats.org/drawingml/2006/main" xmlns:r="http://schemas.openxmlformats.org/officeDocument/2006/relationships" xmlns:p="http://schemas.openxmlformats.org/presentationml/2006/main">
   <p:cSld>
     <p:bg>
@@ -10118,7 +8439,7 @@
           <p:cNvPr id="2" name="Rectangle 1">
             <a:extLst>
               <a:ext uri="{FF2B5EF4-FFF2-40B4-BE49-F238E27FC236}">
-                <a16:creationId xmlns:a16="http://schemas.microsoft.com/office/drawing/2014/main" xmlns="" id="{114493F7-0131-4550-9EAE-D486FFFB3AA5}"/>
+                <a16:creationId xmlns="" xmlns:a16="http://schemas.microsoft.com/office/drawing/2014/main" id="{114493F7-0131-4550-9EAE-D486FFFB3AA5}"/>
               </a:ext>
             </a:extLst>
           </p:cNvPr>
@@ -10184,7 +8505,7 @@
           <p:cNvPr id="3" name="Rectangle 2">
             <a:extLst>
               <a:ext uri="{FF2B5EF4-FFF2-40B4-BE49-F238E27FC236}">
-                <a16:creationId xmlns:a16="http://schemas.microsoft.com/office/drawing/2014/main" xmlns="" id="{A407FECC-7A8C-496F-B95F-7820D77A7625}"/>
+                <a16:creationId xmlns="" xmlns:a16="http://schemas.microsoft.com/office/drawing/2014/main" id="{A407FECC-7A8C-496F-B95F-7820D77A7625}"/>
               </a:ext>
             </a:extLst>
           </p:cNvPr>
@@ -10250,7 +8571,7 @@
           <p:cNvPr id="4" name="Rectangle 3">
             <a:extLst>
               <a:ext uri="{FF2B5EF4-FFF2-40B4-BE49-F238E27FC236}">
-                <a16:creationId xmlns:a16="http://schemas.microsoft.com/office/drawing/2014/main" xmlns="" id="{6F7C379F-73B7-41B1-978E-D40D37AD1CA2}"/>
+                <a16:creationId xmlns="" xmlns:a16="http://schemas.microsoft.com/office/drawing/2014/main" id="{6F7C379F-73B7-41B1-978E-D40D37AD1CA2}"/>
               </a:ext>
             </a:extLst>
           </p:cNvPr>
@@ -10299,7 +8620,7 @@
           <p:cNvPr id="7" name="Straight Connector 6">
             <a:extLst>
               <a:ext uri="{FF2B5EF4-FFF2-40B4-BE49-F238E27FC236}">
-                <a16:creationId xmlns:a16="http://schemas.microsoft.com/office/drawing/2014/main" xmlns="" id="{7E87841E-6771-48D9-9337-874CA48DAE2A}"/>
+                <a16:creationId xmlns="" xmlns:a16="http://schemas.microsoft.com/office/drawing/2014/main" id="{7E87841E-6771-48D9-9337-874CA48DAE2A}"/>
               </a:ext>
             </a:extLst>
           </p:cNvPr>
@@ -10335,7 +8656,7 @@
           <p:cNvPr id="13" name="Rectangle 12">
             <a:extLst>
               <a:ext uri="{FF2B5EF4-FFF2-40B4-BE49-F238E27FC236}">
-                <a16:creationId xmlns:a16="http://schemas.microsoft.com/office/drawing/2014/main" xmlns="" id="{57CEB79F-2993-488D-A128-A557142D2723}"/>
+                <a16:creationId xmlns="" xmlns:a16="http://schemas.microsoft.com/office/drawing/2014/main" id="{57CEB79F-2993-488D-A128-A557142D2723}"/>
               </a:ext>
             </a:extLst>
           </p:cNvPr>
@@ -10397,7 +8718,7 @@
           <p:cNvPr id="17" name="Rectangle 16">
             <a:extLst>
               <a:ext uri="{FF2B5EF4-FFF2-40B4-BE49-F238E27FC236}">
-                <a16:creationId xmlns:a16="http://schemas.microsoft.com/office/drawing/2014/main" xmlns="" id="{F4C8519E-B0C4-4755-A01D-ED20ADB31053}"/>
+                <a16:creationId xmlns="" xmlns:a16="http://schemas.microsoft.com/office/drawing/2014/main" id="{F4C8519E-B0C4-4755-A01D-ED20ADB31053}"/>
               </a:ext>
             </a:extLst>
           </p:cNvPr>
@@ -10455,7 +8776,7 @@
           <p:cNvPr id="18" name="Rectangle 17">
             <a:extLst>
               <a:ext uri="{FF2B5EF4-FFF2-40B4-BE49-F238E27FC236}">
-                <a16:creationId xmlns:a16="http://schemas.microsoft.com/office/drawing/2014/main" xmlns="" id="{725BA441-C124-43CE-94BD-50DB91DDC2FA}"/>
+                <a16:creationId xmlns="" xmlns:a16="http://schemas.microsoft.com/office/drawing/2014/main" id="{725BA441-C124-43CE-94BD-50DB91DDC2FA}"/>
               </a:ext>
             </a:extLst>
           </p:cNvPr>
@@ -10513,7 +8834,7 @@
           <p:cNvPr id="20" name="Rectangle 19">
             <a:extLst>
               <a:ext uri="{FF2B5EF4-FFF2-40B4-BE49-F238E27FC236}">
-                <a16:creationId xmlns:a16="http://schemas.microsoft.com/office/drawing/2014/main" xmlns="" id="{E251C8AA-3D74-4314-8139-C333A402E137}"/>
+                <a16:creationId xmlns="" xmlns:a16="http://schemas.microsoft.com/office/drawing/2014/main" id="{E251C8AA-3D74-4314-8139-C333A402E137}"/>
               </a:ext>
             </a:extLst>
           </p:cNvPr>
@@ -10562,7 +8883,7 @@
           <p:cNvPr id="21" name="Rectangle 20">
             <a:extLst>
               <a:ext uri="{FF2B5EF4-FFF2-40B4-BE49-F238E27FC236}">
-                <a16:creationId xmlns:a16="http://schemas.microsoft.com/office/drawing/2014/main" xmlns="" id="{426E9989-6A49-45F9-95D0-7E425A99A9A2}"/>
+                <a16:creationId xmlns="" xmlns:a16="http://schemas.microsoft.com/office/drawing/2014/main" id="{426E9989-6A49-45F9-95D0-7E425A99A9A2}"/>
               </a:ext>
             </a:extLst>
           </p:cNvPr>
@@ -10623,7 +8944,7 @@
           <p:cNvPr id="29" name="Rectangle 28">
             <a:extLst>
               <a:ext uri="{FF2B5EF4-FFF2-40B4-BE49-F238E27FC236}">
-                <a16:creationId xmlns:a16="http://schemas.microsoft.com/office/drawing/2014/main" xmlns="" id="{73EDAE4F-9B7F-4FFB-8B0B-3F3525E42965}"/>
+                <a16:creationId xmlns="" xmlns:a16="http://schemas.microsoft.com/office/drawing/2014/main" id="{73EDAE4F-9B7F-4FFB-8B0B-3F3525E42965}"/>
               </a:ext>
             </a:extLst>
           </p:cNvPr>
@@ -10700,7 +9021,7 @@
           <p:cNvPr id="33" name="Rectangle 32">
             <a:extLst>
               <a:ext uri="{FF2B5EF4-FFF2-40B4-BE49-F238E27FC236}">
-                <a16:creationId xmlns:a16="http://schemas.microsoft.com/office/drawing/2014/main" xmlns="" id="{8375D373-578E-4146-A7EE-08591091E59A}"/>
+                <a16:creationId xmlns="" xmlns:a16="http://schemas.microsoft.com/office/drawing/2014/main" id="{8375D373-578E-4146-A7EE-08591091E59A}"/>
               </a:ext>
             </a:extLst>
           </p:cNvPr>
@@ -10761,7 +9082,7 @@
           <p:cNvPr id="34" name="Rectangle 33">
             <a:extLst>
               <a:ext uri="{FF2B5EF4-FFF2-40B4-BE49-F238E27FC236}">
-                <a16:creationId xmlns:a16="http://schemas.microsoft.com/office/drawing/2014/main" xmlns="" id="{13447C5C-5E48-4F26-96CF-340225DB0157}"/>
+                <a16:creationId xmlns="" xmlns:a16="http://schemas.microsoft.com/office/drawing/2014/main" id="{13447C5C-5E48-4F26-96CF-340225DB0157}"/>
               </a:ext>
             </a:extLst>
           </p:cNvPr>
@@ -10814,7 +9135,7 @@
           <p:cNvPr id="35" name="Rectangle 34">
             <a:extLst>
               <a:ext uri="{FF2B5EF4-FFF2-40B4-BE49-F238E27FC236}">
-                <a16:creationId xmlns:a16="http://schemas.microsoft.com/office/drawing/2014/main" xmlns="" id="{10B8CB01-DAF3-4DC0-BBCB-14B7FC25EA45}"/>
+                <a16:creationId xmlns="" xmlns:a16="http://schemas.microsoft.com/office/drawing/2014/main" id="{10B8CB01-DAF3-4DC0-BBCB-14B7FC25EA45}"/>
               </a:ext>
             </a:extLst>
           </p:cNvPr>
@@ -10867,7 +9188,7 @@
           <p:cNvPr id="36" name="Rectangle 35">
             <a:extLst>
               <a:ext uri="{FF2B5EF4-FFF2-40B4-BE49-F238E27FC236}">
-                <a16:creationId xmlns:a16="http://schemas.microsoft.com/office/drawing/2014/main" xmlns="" id="{9F71F038-1FC5-4952-B497-0AF22AD5DCC8}"/>
+                <a16:creationId xmlns="" xmlns:a16="http://schemas.microsoft.com/office/drawing/2014/main" id="{9F71F038-1FC5-4952-B497-0AF22AD5DCC8}"/>
               </a:ext>
             </a:extLst>
           </p:cNvPr>
@@ -10923,7 +9244,7 @@
           <p:cNvPr id="19" name="Table 4">
             <a:extLst>
               <a:ext uri="{FF2B5EF4-FFF2-40B4-BE49-F238E27FC236}">
-                <a16:creationId xmlns:a16="http://schemas.microsoft.com/office/drawing/2014/main" xmlns="" id="{BCF96563-A3C0-48BC-8CD6-43D4564C7242}"/>
+                <a16:creationId xmlns="" xmlns:a16="http://schemas.microsoft.com/office/drawing/2014/main" id="{BCF96563-A3C0-48BC-8CD6-43D4564C7242}"/>
               </a:ext>
             </a:extLst>
           </p:cNvPr>
@@ -10952,28 +9273,28 @@
                 <a:gridCol w="2035465">
                   <a:extLst>
                     <a:ext uri="{9D8B030D-6E8A-4147-A177-3AD203B41FA5}">
-                      <a16:colId xmlns:a16="http://schemas.microsoft.com/office/drawing/2014/main" xmlns="" val="4201106212"/>
+                      <a16:colId xmlns="" xmlns:a16="http://schemas.microsoft.com/office/drawing/2014/main" val="4201106212"/>
                     </a:ext>
                   </a:extLst>
                 </a:gridCol>
                 <a:gridCol w="3241766">
                   <a:extLst>
                     <a:ext uri="{9D8B030D-6E8A-4147-A177-3AD203B41FA5}">
-                      <a16:colId xmlns:a16="http://schemas.microsoft.com/office/drawing/2014/main" xmlns="" val="120152006"/>
+                      <a16:colId xmlns="" xmlns:a16="http://schemas.microsoft.com/office/drawing/2014/main" val="120152006"/>
                     </a:ext>
                   </a:extLst>
                 </a:gridCol>
                 <a:gridCol w="2638616">
                   <a:extLst>
                     <a:ext uri="{9D8B030D-6E8A-4147-A177-3AD203B41FA5}">
-                      <a16:colId xmlns:a16="http://schemas.microsoft.com/office/drawing/2014/main" xmlns="" val="745783760"/>
+                      <a16:colId xmlns="" xmlns:a16="http://schemas.microsoft.com/office/drawing/2014/main" val="745783760"/>
                     </a:ext>
                   </a:extLst>
                 </a:gridCol>
                 <a:gridCol w="2638616">
                   <a:extLst>
                     <a:ext uri="{9D8B030D-6E8A-4147-A177-3AD203B41FA5}">
-                      <a16:colId xmlns:a16="http://schemas.microsoft.com/office/drawing/2014/main" xmlns="" val="2164637080"/>
+                      <a16:colId xmlns="" xmlns:a16="http://schemas.microsoft.com/office/drawing/2014/main" val="2164637080"/>
                     </a:ext>
                   </a:extLst>
                 </a:gridCol>
@@ -11051,7 +9372,7 @@
                 </a:tc>
                 <a:extLst>
                   <a:ext uri="{0D108BD9-81ED-4DB2-BD59-A6C34878D82A}">
-                    <a16:rowId xmlns:a16="http://schemas.microsoft.com/office/drawing/2014/main" xmlns="" val="2148122655"/>
+                    <a16:rowId xmlns="" xmlns:a16="http://schemas.microsoft.com/office/drawing/2014/main" val="2148122655"/>
                   </a:ext>
                 </a:extLst>
               </a:tr>
@@ -11098,7 +9419,7 @@
                 </a:tc>
                 <a:extLst>
                   <a:ext uri="{0D108BD9-81ED-4DB2-BD59-A6C34878D82A}">
-                    <a16:rowId xmlns:a16="http://schemas.microsoft.com/office/drawing/2014/main" xmlns="" val="1767170733"/>
+                    <a16:rowId xmlns="" xmlns:a16="http://schemas.microsoft.com/office/drawing/2014/main" val="1767170733"/>
                   </a:ext>
                 </a:extLst>
               </a:tr>
@@ -11145,7 +9466,7 @@
                 </a:tc>
                 <a:extLst>
                   <a:ext uri="{0D108BD9-81ED-4DB2-BD59-A6C34878D82A}">
-                    <a16:rowId xmlns:a16="http://schemas.microsoft.com/office/drawing/2014/main" xmlns="" val="623236530"/>
+                    <a16:rowId xmlns="" xmlns:a16="http://schemas.microsoft.com/office/drawing/2014/main" val="623236530"/>
                   </a:ext>
                 </a:extLst>
               </a:tr>
@@ -11166,7 +9487,7 @@
 </p:sld>
 </file>
 
-<file path=ppt/slides/slide14.xml><?xml version="1.0" encoding="utf-8"?>
+<file path=ppt/slides/slide13.xml><?xml version="1.0" encoding="utf-8"?>
 <p:sld xmlns:a="http://schemas.openxmlformats.org/drawingml/2006/main" xmlns:r="http://schemas.openxmlformats.org/officeDocument/2006/relationships" xmlns:p="http://schemas.openxmlformats.org/presentationml/2006/main">
   <p:cSld>
     <p:bg>
@@ -11196,7 +9517,7 @@
           <p:cNvPr id="2" name="Rectangle 1">
             <a:extLst>
               <a:ext uri="{FF2B5EF4-FFF2-40B4-BE49-F238E27FC236}">
-                <a16:creationId xmlns:a16="http://schemas.microsoft.com/office/drawing/2014/main" xmlns="" id="{114493F7-0131-4550-9EAE-D486FFFB3AA5}"/>
+                <a16:creationId xmlns="" xmlns:a16="http://schemas.microsoft.com/office/drawing/2014/main" id="{114493F7-0131-4550-9EAE-D486FFFB3AA5}"/>
               </a:ext>
             </a:extLst>
           </p:cNvPr>
@@ -11262,7 +9583,7 @@
           <p:cNvPr id="3" name="Rectangle 2">
             <a:extLst>
               <a:ext uri="{FF2B5EF4-FFF2-40B4-BE49-F238E27FC236}">
-                <a16:creationId xmlns:a16="http://schemas.microsoft.com/office/drawing/2014/main" xmlns="" id="{A407FECC-7A8C-496F-B95F-7820D77A7625}"/>
+                <a16:creationId xmlns="" xmlns:a16="http://schemas.microsoft.com/office/drawing/2014/main" id="{A407FECC-7A8C-496F-B95F-7820D77A7625}"/>
               </a:ext>
             </a:extLst>
           </p:cNvPr>
@@ -11328,7 +9649,7 @@
           <p:cNvPr id="4" name="Rectangle 3">
             <a:extLst>
               <a:ext uri="{FF2B5EF4-FFF2-40B4-BE49-F238E27FC236}">
-                <a16:creationId xmlns:a16="http://schemas.microsoft.com/office/drawing/2014/main" xmlns="" id="{6F7C379F-73B7-41B1-978E-D40D37AD1CA2}"/>
+                <a16:creationId xmlns="" xmlns:a16="http://schemas.microsoft.com/office/drawing/2014/main" id="{6F7C379F-73B7-41B1-978E-D40D37AD1CA2}"/>
               </a:ext>
             </a:extLst>
           </p:cNvPr>
@@ -11377,7 +9698,7 @@
           <p:cNvPr id="7" name="Straight Connector 6">
             <a:extLst>
               <a:ext uri="{FF2B5EF4-FFF2-40B4-BE49-F238E27FC236}">
-                <a16:creationId xmlns:a16="http://schemas.microsoft.com/office/drawing/2014/main" xmlns="" id="{7E87841E-6771-48D9-9337-874CA48DAE2A}"/>
+                <a16:creationId xmlns="" xmlns:a16="http://schemas.microsoft.com/office/drawing/2014/main" id="{7E87841E-6771-48D9-9337-874CA48DAE2A}"/>
               </a:ext>
             </a:extLst>
           </p:cNvPr>
@@ -11413,7 +9734,7 @@
           <p:cNvPr id="13" name="Rectangle 12">
             <a:extLst>
               <a:ext uri="{FF2B5EF4-FFF2-40B4-BE49-F238E27FC236}">
-                <a16:creationId xmlns:a16="http://schemas.microsoft.com/office/drawing/2014/main" xmlns="" id="{57CEB79F-2993-488D-A128-A557142D2723}"/>
+                <a16:creationId xmlns="" xmlns:a16="http://schemas.microsoft.com/office/drawing/2014/main" id="{57CEB79F-2993-488D-A128-A557142D2723}"/>
               </a:ext>
             </a:extLst>
           </p:cNvPr>
@@ -11475,7 +9796,7 @@
           <p:cNvPr id="17" name="Rectangle 16">
             <a:extLst>
               <a:ext uri="{FF2B5EF4-FFF2-40B4-BE49-F238E27FC236}">
-                <a16:creationId xmlns:a16="http://schemas.microsoft.com/office/drawing/2014/main" xmlns="" id="{F4C8519E-B0C4-4755-A01D-ED20ADB31053}"/>
+                <a16:creationId xmlns="" xmlns:a16="http://schemas.microsoft.com/office/drawing/2014/main" id="{F4C8519E-B0C4-4755-A01D-ED20ADB31053}"/>
               </a:ext>
             </a:extLst>
           </p:cNvPr>
@@ -11533,7 +9854,7 @@
           <p:cNvPr id="18" name="Rectangle 17">
             <a:extLst>
               <a:ext uri="{FF2B5EF4-FFF2-40B4-BE49-F238E27FC236}">
-                <a16:creationId xmlns:a16="http://schemas.microsoft.com/office/drawing/2014/main" xmlns="" id="{725BA441-C124-43CE-94BD-50DB91DDC2FA}"/>
+                <a16:creationId xmlns="" xmlns:a16="http://schemas.microsoft.com/office/drawing/2014/main" id="{725BA441-C124-43CE-94BD-50DB91DDC2FA}"/>
               </a:ext>
             </a:extLst>
           </p:cNvPr>
@@ -11591,7 +9912,7 @@
           <p:cNvPr id="20" name="Rectangle 19">
             <a:extLst>
               <a:ext uri="{FF2B5EF4-FFF2-40B4-BE49-F238E27FC236}">
-                <a16:creationId xmlns:a16="http://schemas.microsoft.com/office/drawing/2014/main" xmlns="" id="{E251C8AA-3D74-4314-8139-C333A402E137}"/>
+                <a16:creationId xmlns="" xmlns:a16="http://schemas.microsoft.com/office/drawing/2014/main" id="{E251C8AA-3D74-4314-8139-C333A402E137}"/>
               </a:ext>
             </a:extLst>
           </p:cNvPr>
@@ -11640,7 +9961,7 @@
           <p:cNvPr id="21" name="Rectangle 20">
             <a:extLst>
               <a:ext uri="{FF2B5EF4-FFF2-40B4-BE49-F238E27FC236}">
-                <a16:creationId xmlns:a16="http://schemas.microsoft.com/office/drawing/2014/main" xmlns="" id="{426E9989-6A49-45F9-95D0-7E425A99A9A2}"/>
+                <a16:creationId xmlns="" xmlns:a16="http://schemas.microsoft.com/office/drawing/2014/main" id="{426E9989-6A49-45F9-95D0-7E425A99A9A2}"/>
               </a:ext>
             </a:extLst>
           </p:cNvPr>
@@ -11701,7 +10022,7 @@
           <p:cNvPr id="29" name="Rectangle 28">
             <a:extLst>
               <a:ext uri="{FF2B5EF4-FFF2-40B4-BE49-F238E27FC236}">
-                <a16:creationId xmlns:a16="http://schemas.microsoft.com/office/drawing/2014/main" xmlns="" id="{73EDAE4F-9B7F-4FFB-8B0B-3F3525E42965}"/>
+                <a16:creationId xmlns="" xmlns:a16="http://schemas.microsoft.com/office/drawing/2014/main" id="{73EDAE4F-9B7F-4FFB-8B0B-3F3525E42965}"/>
               </a:ext>
             </a:extLst>
           </p:cNvPr>
@@ -11786,7 +10107,7 @@
           <p:cNvPr id="33" name="Rectangle 32">
             <a:extLst>
               <a:ext uri="{FF2B5EF4-FFF2-40B4-BE49-F238E27FC236}">
-                <a16:creationId xmlns:a16="http://schemas.microsoft.com/office/drawing/2014/main" xmlns="" id="{8375D373-578E-4146-A7EE-08591091E59A}"/>
+                <a16:creationId xmlns="" xmlns:a16="http://schemas.microsoft.com/office/drawing/2014/main" id="{8375D373-578E-4146-A7EE-08591091E59A}"/>
               </a:ext>
             </a:extLst>
           </p:cNvPr>
@@ -11847,7 +10168,7 @@
           <p:cNvPr id="34" name="Rectangle 33">
             <a:extLst>
               <a:ext uri="{FF2B5EF4-FFF2-40B4-BE49-F238E27FC236}">
-                <a16:creationId xmlns:a16="http://schemas.microsoft.com/office/drawing/2014/main" xmlns="" id="{13447C5C-5E48-4F26-96CF-340225DB0157}"/>
+                <a16:creationId xmlns="" xmlns:a16="http://schemas.microsoft.com/office/drawing/2014/main" id="{13447C5C-5E48-4F26-96CF-340225DB0157}"/>
               </a:ext>
             </a:extLst>
           </p:cNvPr>
@@ -11900,7 +10221,7 @@
           <p:cNvPr id="35" name="Rectangle 34">
             <a:extLst>
               <a:ext uri="{FF2B5EF4-FFF2-40B4-BE49-F238E27FC236}">
-                <a16:creationId xmlns:a16="http://schemas.microsoft.com/office/drawing/2014/main" xmlns="" id="{10B8CB01-DAF3-4DC0-BBCB-14B7FC25EA45}"/>
+                <a16:creationId xmlns="" xmlns:a16="http://schemas.microsoft.com/office/drawing/2014/main" id="{10B8CB01-DAF3-4DC0-BBCB-14B7FC25EA45}"/>
               </a:ext>
             </a:extLst>
           </p:cNvPr>
@@ -11953,7 +10274,7 @@
           <p:cNvPr id="36" name="Rectangle 35">
             <a:extLst>
               <a:ext uri="{FF2B5EF4-FFF2-40B4-BE49-F238E27FC236}">
-                <a16:creationId xmlns:a16="http://schemas.microsoft.com/office/drawing/2014/main" xmlns="" id="{9F71F038-1FC5-4952-B497-0AF22AD5DCC8}"/>
+                <a16:creationId xmlns="" xmlns:a16="http://schemas.microsoft.com/office/drawing/2014/main" id="{9F71F038-1FC5-4952-B497-0AF22AD5DCC8}"/>
               </a:ext>
             </a:extLst>
           </p:cNvPr>
@@ -12009,7 +10330,7 @@
           <p:cNvPr id="22" name="Table 4">
             <a:extLst>
               <a:ext uri="{FF2B5EF4-FFF2-40B4-BE49-F238E27FC236}">
-                <a16:creationId xmlns:a16="http://schemas.microsoft.com/office/drawing/2014/main" xmlns="" id="{02DB7F3E-46A5-45BF-A6FF-70130B300645}"/>
+                <a16:creationId xmlns="" xmlns:a16="http://schemas.microsoft.com/office/drawing/2014/main" id="{02DB7F3E-46A5-45BF-A6FF-70130B300645}"/>
               </a:ext>
             </a:extLst>
           </p:cNvPr>
@@ -12038,28 +10359,28 @@
                 <a:gridCol w="2625994">
                   <a:extLst>
                     <a:ext uri="{9D8B030D-6E8A-4147-A177-3AD203B41FA5}">
-                      <a16:colId xmlns:a16="http://schemas.microsoft.com/office/drawing/2014/main" xmlns="" val="1410941886"/>
+                      <a16:colId xmlns="" xmlns:a16="http://schemas.microsoft.com/office/drawing/2014/main" val="1410941886"/>
                     </a:ext>
                   </a:extLst>
                 </a:gridCol>
                 <a:gridCol w="2625994">
                   <a:extLst>
                     <a:ext uri="{9D8B030D-6E8A-4147-A177-3AD203B41FA5}">
-                      <a16:colId xmlns:a16="http://schemas.microsoft.com/office/drawing/2014/main" xmlns="" val="3369499448"/>
+                      <a16:colId xmlns="" xmlns:a16="http://schemas.microsoft.com/office/drawing/2014/main" val="3369499448"/>
                     </a:ext>
                   </a:extLst>
                 </a:gridCol>
                 <a:gridCol w="2625994">
                   <a:extLst>
                     <a:ext uri="{9D8B030D-6E8A-4147-A177-3AD203B41FA5}">
-                      <a16:colId xmlns:a16="http://schemas.microsoft.com/office/drawing/2014/main" xmlns="" val="2693475211"/>
+                      <a16:colId xmlns="" xmlns:a16="http://schemas.microsoft.com/office/drawing/2014/main" val="2693475211"/>
                     </a:ext>
                   </a:extLst>
                 </a:gridCol>
                 <a:gridCol w="2625994">
                   <a:extLst>
                     <a:ext uri="{9D8B030D-6E8A-4147-A177-3AD203B41FA5}">
-                      <a16:colId xmlns:a16="http://schemas.microsoft.com/office/drawing/2014/main" xmlns="" val="1694679394"/>
+                      <a16:colId xmlns="" xmlns:a16="http://schemas.microsoft.com/office/drawing/2014/main" val="1694679394"/>
                     </a:ext>
                   </a:extLst>
                 </a:gridCol>
@@ -12162,7 +10483,7 @@
                 </a:tc>
                 <a:extLst>
                   <a:ext uri="{0D108BD9-81ED-4DB2-BD59-A6C34878D82A}">
-                    <a16:rowId xmlns:a16="http://schemas.microsoft.com/office/drawing/2014/main" xmlns="" val="3982731791"/>
+                    <a16:rowId xmlns="" xmlns:a16="http://schemas.microsoft.com/office/drawing/2014/main" val="3982731791"/>
                   </a:ext>
                 </a:extLst>
               </a:tr>
@@ -12209,7 +10530,7 @@
                 </a:tc>
                 <a:extLst>
                   <a:ext uri="{0D108BD9-81ED-4DB2-BD59-A6C34878D82A}">
-                    <a16:rowId xmlns:a16="http://schemas.microsoft.com/office/drawing/2014/main" xmlns="" val="2086569695"/>
+                    <a16:rowId xmlns="" xmlns:a16="http://schemas.microsoft.com/office/drawing/2014/main" val="2086569695"/>
                   </a:ext>
                 </a:extLst>
               </a:tr>
@@ -12256,7 +10577,7 @@
                 </a:tc>
                 <a:extLst>
                   <a:ext uri="{0D108BD9-81ED-4DB2-BD59-A6C34878D82A}">
-                    <a16:rowId xmlns:a16="http://schemas.microsoft.com/office/drawing/2014/main" xmlns="" val="3643088011"/>
+                    <a16:rowId xmlns="" xmlns:a16="http://schemas.microsoft.com/office/drawing/2014/main" val="3643088011"/>
                   </a:ext>
                 </a:extLst>
               </a:tr>
@@ -12277,7 +10598,7 @@
 </p:sld>
 </file>
 
-<file path=ppt/slides/slide15.xml><?xml version="1.0" encoding="utf-8"?>
+<file path=ppt/slides/slide14.xml><?xml version="1.0" encoding="utf-8"?>
 <p:sld xmlns:a="http://schemas.openxmlformats.org/drawingml/2006/main" xmlns:r="http://schemas.openxmlformats.org/officeDocument/2006/relationships" xmlns:p="http://schemas.openxmlformats.org/presentationml/2006/main">
   <p:cSld>
     <p:spTree>
@@ -12299,7 +10620,7 @@
           <p:cNvPr id="3" name="Picture 2">
             <a:extLst>
               <a:ext uri="{FF2B5EF4-FFF2-40B4-BE49-F238E27FC236}">
-                <a16:creationId xmlns:a16="http://schemas.microsoft.com/office/drawing/2014/main" xmlns="" id="{9A38CA67-AD7C-4E59-8531-070BC30D499A}"/>
+                <a16:creationId xmlns="" xmlns:a16="http://schemas.microsoft.com/office/drawing/2014/main" id="{9A38CA67-AD7C-4E59-8531-070BC30D499A}"/>
               </a:ext>
             </a:extLst>
           </p:cNvPr>
@@ -12329,7 +10650,7 @@
           <p:cNvPr id="4" name="Title 3">
             <a:extLst>
               <a:ext uri="{FF2B5EF4-FFF2-40B4-BE49-F238E27FC236}">
-                <a16:creationId xmlns:a16="http://schemas.microsoft.com/office/drawing/2014/main" xmlns="" id="{20902BE8-A7EE-44C6-825E-FFAE9E88ECFC}"/>
+                <a16:creationId xmlns="" xmlns:a16="http://schemas.microsoft.com/office/drawing/2014/main" id="{20902BE8-A7EE-44C6-825E-FFAE9E88ECFC}"/>
               </a:ext>
             </a:extLst>
           </p:cNvPr>
@@ -12441,7 +10762,7 @@
 </p:sld>
 </file>
 
-<file path=ppt/slides/slide16.xml><?xml version="1.0" encoding="utf-8"?>
+<file path=ppt/slides/slide15.xml><?xml version="1.0" encoding="utf-8"?>
 <p:sld xmlns:a="http://schemas.openxmlformats.org/drawingml/2006/main" xmlns:r="http://schemas.openxmlformats.org/officeDocument/2006/relationships" xmlns:p="http://schemas.openxmlformats.org/presentationml/2006/main">
   <p:cSld>
     <p:bg>
@@ -12471,7 +10792,7 @@
           <p:cNvPr id="2" name="Rectangle 1">
             <a:extLst>
               <a:ext uri="{FF2B5EF4-FFF2-40B4-BE49-F238E27FC236}">
-                <a16:creationId xmlns:a16="http://schemas.microsoft.com/office/drawing/2014/main" xmlns="" id="{114493F7-0131-4550-9EAE-D486FFFB3AA5}"/>
+                <a16:creationId xmlns="" xmlns:a16="http://schemas.microsoft.com/office/drawing/2014/main" id="{114493F7-0131-4550-9EAE-D486FFFB3AA5}"/>
               </a:ext>
             </a:extLst>
           </p:cNvPr>
@@ -12537,7 +10858,7 @@
           <p:cNvPr id="3" name="Rectangle 2">
             <a:extLst>
               <a:ext uri="{FF2B5EF4-FFF2-40B4-BE49-F238E27FC236}">
-                <a16:creationId xmlns:a16="http://schemas.microsoft.com/office/drawing/2014/main" xmlns="" id="{A407FECC-7A8C-496F-B95F-7820D77A7625}"/>
+                <a16:creationId xmlns="" xmlns:a16="http://schemas.microsoft.com/office/drawing/2014/main" id="{A407FECC-7A8C-496F-B95F-7820D77A7625}"/>
               </a:ext>
             </a:extLst>
           </p:cNvPr>
@@ -12603,7 +10924,7 @@
           <p:cNvPr id="4" name="Rectangle 3">
             <a:extLst>
               <a:ext uri="{FF2B5EF4-FFF2-40B4-BE49-F238E27FC236}">
-                <a16:creationId xmlns:a16="http://schemas.microsoft.com/office/drawing/2014/main" xmlns="" id="{6F7C379F-73B7-41B1-978E-D40D37AD1CA2}"/>
+                <a16:creationId xmlns="" xmlns:a16="http://schemas.microsoft.com/office/drawing/2014/main" id="{6F7C379F-73B7-41B1-978E-D40D37AD1CA2}"/>
               </a:ext>
             </a:extLst>
           </p:cNvPr>
@@ -12652,7 +10973,7 @@
           <p:cNvPr id="7" name="Straight Connector 6">
             <a:extLst>
               <a:ext uri="{FF2B5EF4-FFF2-40B4-BE49-F238E27FC236}">
-                <a16:creationId xmlns:a16="http://schemas.microsoft.com/office/drawing/2014/main" xmlns="" id="{7E87841E-6771-48D9-9337-874CA48DAE2A}"/>
+                <a16:creationId xmlns="" xmlns:a16="http://schemas.microsoft.com/office/drawing/2014/main" id="{7E87841E-6771-48D9-9337-874CA48DAE2A}"/>
               </a:ext>
             </a:extLst>
           </p:cNvPr>
@@ -12688,7 +11009,7 @@
           <p:cNvPr id="13" name="Rectangle 12">
             <a:extLst>
               <a:ext uri="{FF2B5EF4-FFF2-40B4-BE49-F238E27FC236}">
-                <a16:creationId xmlns:a16="http://schemas.microsoft.com/office/drawing/2014/main" xmlns="" id="{57CEB79F-2993-488D-A128-A557142D2723}"/>
+                <a16:creationId xmlns="" xmlns:a16="http://schemas.microsoft.com/office/drawing/2014/main" id="{57CEB79F-2993-488D-A128-A557142D2723}"/>
               </a:ext>
             </a:extLst>
           </p:cNvPr>
@@ -12750,7 +11071,7 @@
           <p:cNvPr id="17" name="Rectangle 16">
             <a:extLst>
               <a:ext uri="{FF2B5EF4-FFF2-40B4-BE49-F238E27FC236}">
-                <a16:creationId xmlns:a16="http://schemas.microsoft.com/office/drawing/2014/main" xmlns="" id="{F4C8519E-B0C4-4755-A01D-ED20ADB31053}"/>
+                <a16:creationId xmlns="" xmlns:a16="http://schemas.microsoft.com/office/drawing/2014/main" id="{F4C8519E-B0C4-4755-A01D-ED20ADB31053}"/>
               </a:ext>
             </a:extLst>
           </p:cNvPr>
@@ -12811,7 +11132,7 @@
           <p:cNvPr id="18" name="Rectangle 17">
             <a:extLst>
               <a:ext uri="{FF2B5EF4-FFF2-40B4-BE49-F238E27FC236}">
-                <a16:creationId xmlns:a16="http://schemas.microsoft.com/office/drawing/2014/main" xmlns="" id="{725BA441-C124-43CE-94BD-50DB91DDC2FA}"/>
+                <a16:creationId xmlns="" xmlns:a16="http://schemas.microsoft.com/office/drawing/2014/main" id="{725BA441-C124-43CE-94BD-50DB91DDC2FA}"/>
               </a:ext>
             </a:extLst>
           </p:cNvPr>
@@ -12869,7 +11190,7 @@
           <p:cNvPr id="20" name="Rectangle 19">
             <a:extLst>
               <a:ext uri="{FF2B5EF4-FFF2-40B4-BE49-F238E27FC236}">
-                <a16:creationId xmlns:a16="http://schemas.microsoft.com/office/drawing/2014/main" xmlns="" id="{E251C8AA-3D74-4314-8139-C333A402E137}"/>
+                <a16:creationId xmlns="" xmlns:a16="http://schemas.microsoft.com/office/drawing/2014/main" id="{E251C8AA-3D74-4314-8139-C333A402E137}"/>
               </a:ext>
             </a:extLst>
           </p:cNvPr>
@@ -12918,7 +11239,7 @@
           <p:cNvPr id="21" name="Rectangle 20">
             <a:extLst>
               <a:ext uri="{FF2B5EF4-FFF2-40B4-BE49-F238E27FC236}">
-                <a16:creationId xmlns:a16="http://schemas.microsoft.com/office/drawing/2014/main" xmlns="" id="{426E9989-6A49-45F9-95D0-7E425A99A9A2}"/>
+                <a16:creationId xmlns="" xmlns:a16="http://schemas.microsoft.com/office/drawing/2014/main" id="{426E9989-6A49-45F9-95D0-7E425A99A9A2}"/>
               </a:ext>
             </a:extLst>
           </p:cNvPr>
@@ -12979,7 +11300,7 @@
           <p:cNvPr id="29" name="Rectangle 28">
             <a:extLst>
               <a:ext uri="{FF2B5EF4-FFF2-40B4-BE49-F238E27FC236}">
-                <a16:creationId xmlns:a16="http://schemas.microsoft.com/office/drawing/2014/main" xmlns="" id="{73EDAE4F-9B7F-4FFB-8B0B-3F3525E42965}"/>
+                <a16:creationId xmlns="" xmlns:a16="http://schemas.microsoft.com/office/drawing/2014/main" id="{73EDAE4F-9B7F-4FFB-8B0B-3F3525E42965}"/>
               </a:ext>
             </a:extLst>
           </p:cNvPr>
@@ -13072,7 +11393,7 @@
           <p:cNvPr id="33" name="Rectangle 32">
             <a:extLst>
               <a:ext uri="{FF2B5EF4-FFF2-40B4-BE49-F238E27FC236}">
-                <a16:creationId xmlns:a16="http://schemas.microsoft.com/office/drawing/2014/main" xmlns="" id="{8375D373-578E-4146-A7EE-08591091E59A}"/>
+                <a16:creationId xmlns="" xmlns:a16="http://schemas.microsoft.com/office/drawing/2014/main" id="{8375D373-578E-4146-A7EE-08591091E59A}"/>
               </a:ext>
             </a:extLst>
           </p:cNvPr>
@@ -13133,7 +11454,7 @@
           <p:cNvPr id="34" name="Rectangle 33">
             <a:extLst>
               <a:ext uri="{FF2B5EF4-FFF2-40B4-BE49-F238E27FC236}">
-                <a16:creationId xmlns:a16="http://schemas.microsoft.com/office/drawing/2014/main" xmlns="" id="{13447C5C-5E48-4F26-96CF-340225DB0157}"/>
+                <a16:creationId xmlns="" xmlns:a16="http://schemas.microsoft.com/office/drawing/2014/main" id="{13447C5C-5E48-4F26-96CF-340225DB0157}"/>
               </a:ext>
             </a:extLst>
           </p:cNvPr>
@@ -13186,7 +11507,7 @@
           <p:cNvPr id="35" name="Rectangle 34">
             <a:extLst>
               <a:ext uri="{FF2B5EF4-FFF2-40B4-BE49-F238E27FC236}">
-                <a16:creationId xmlns:a16="http://schemas.microsoft.com/office/drawing/2014/main" xmlns="" id="{10B8CB01-DAF3-4DC0-BBCB-14B7FC25EA45}"/>
+                <a16:creationId xmlns="" xmlns:a16="http://schemas.microsoft.com/office/drawing/2014/main" id="{10B8CB01-DAF3-4DC0-BBCB-14B7FC25EA45}"/>
               </a:ext>
             </a:extLst>
           </p:cNvPr>
@@ -13239,7 +11560,7 @@
           <p:cNvPr id="36" name="Rectangle 35">
             <a:extLst>
               <a:ext uri="{FF2B5EF4-FFF2-40B4-BE49-F238E27FC236}">
-                <a16:creationId xmlns:a16="http://schemas.microsoft.com/office/drawing/2014/main" xmlns="" id="{9F71F038-1FC5-4952-B497-0AF22AD5DCC8}"/>
+                <a16:creationId xmlns="" xmlns:a16="http://schemas.microsoft.com/office/drawing/2014/main" id="{9F71F038-1FC5-4952-B497-0AF22AD5DCC8}"/>
               </a:ext>
             </a:extLst>
           </p:cNvPr>
@@ -13295,7 +11616,7 @@
           <p:cNvPr id="5" name="Table 5">
             <a:extLst>
               <a:ext uri="{FF2B5EF4-FFF2-40B4-BE49-F238E27FC236}">
-                <a16:creationId xmlns:a16="http://schemas.microsoft.com/office/drawing/2014/main" xmlns="" id="{733089E0-3BBE-428F-9B29-B9CCFF08260F}"/>
+                <a16:creationId xmlns="" xmlns:a16="http://schemas.microsoft.com/office/drawing/2014/main" id="{733089E0-3BBE-428F-9B29-B9CCFF08260F}"/>
               </a:ext>
             </a:extLst>
           </p:cNvPr>
@@ -13324,35 +11645,35 @@
                 <a:gridCol w="1618062">
                   <a:extLst>
                     <a:ext uri="{9D8B030D-6E8A-4147-A177-3AD203B41FA5}">
-                      <a16:colId xmlns:a16="http://schemas.microsoft.com/office/drawing/2014/main" xmlns="" val="585116835"/>
+                      <a16:colId xmlns="" xmlns:a16="http://schemas.microsoft.com/office/drawing/2014/main" val="585116835"/>
                     </a:ext>
                   </a:extLst>
                 </a:gridCol>
                 <a:gridCol w="1618062">
                   <a:extLst>
                     <a:ext uri="{9D8B030D-6E8A-4147-A177-3AD203B41FA5}">
-                      <a16:colId xmlns:a16="http://schemas.microsoft.com/office/drawing/2014/main" xmlns="" val="1785818896"/>
+                      <a16:colId xmlns="" xmlns:a16="http://schemas.microsoft.com/office/drawing/2014/main" val="1785818896"/>
                     </a:ext>
                   </a:extLst>
                 </a:gridCol>
                 <a:gridCol w="1618062">
                   <a:extLst>
                     <a:ext uri="{9D8B030D-6E8A-4147-A177-3AD203B41FA5}">
-                      <a16:colId xmlns:a16="http://schemas.microsoft.com/office/drawing/2014/main" xmlns="" val="3287187435"/>
+                      <a16:colId xmlns="" xmlns:a16="http://schemas.microsoft.com/office/drawing/2014/main" val="3287187435"/>
                     </a:ext>
                   </a:extLst>
                 </a:gridCol>
                 <a:gridCol w="1618062">
                   <a:extLst>
                     <a:ext uri="{9D8B030D-6E8A-4147-A177-3AD203B41FA5}">
-                      <a16:colId xmlns:a16="http://schemas.microsoft.com/office/drawing/2014/main" xmlns="" val="1974027770"/>
+                      <a16:colId xmlns="" xmlns:a16="http://schemas.microsoft.com/office/drawing/2014/main" val="1974027770"/>
                     </a:ext>
                   </a:extLst>
                 </a:gridCol>
                 <a:gridCol w="1618062">
                   <a:extLst>
                     <a:ext uri="{9D8B030D-6E8A-4147-A177-3AD203B41FA5}">
-                      <a16:colId xmlns:a16="http://schemas.microsoft.com/office/drawing/2014/main" xmlns="" val="1190331449"/>
+                      <a16:colId xmlns="" xmlns:a16="http://schemas.microsoft.com/office/drawing/2014/main" val="1190331449"/>
                     </a:ext>
                   </a:extLst>
                 </a:gridCol>
@@ -13486,7 +11807,7 @@
                 </a:tc>
                 <a:extLst>
                   <a:ext uri="{0D108BD9-81ED-4DB2-BD59-A6C34878D82A}">
-                    <a16:rowId xmlns:a16="http://schemas.microsoft.com/office/drawing/2014/main" xmlns="" val="1253173155"/>
+                    <a16:rowId xmlns="" xmlns:a16="http://schemas.microsoft.com/office/drawing/2014/main" val="1253173155"/>
                   </a:ext>
                 </a:extLst>
               </a:tr>
@@ -13543,7 +11864,7 @@
                 </a:tc>
                 <a:extLst>
                   <a:ext uri="{0D108BD9-81ED-4DB2-BD59-A6C34878D82A}">
-                    <a16:rowId xmlns:a16="http://schemas.microsoft.com/office/drawing/2014/main" xmlns="" val="1960984304"/>
+                    <a16:rowId xmlns="" xmlns:a16="http://schemas.microsoft.com/office/drawing/2014/main" val="1960984304"/>
                   </a:ext>
                 </a:extLst>
               </a:tr>
@@ -13600,7 +11921,7 @@
                 </a:tc>
                 <a:extLst>
                   <a:ext uri="{0D108BD9-81ED-4DB2-BD59-A6C34878D82A}">
-                    <a16:rowId xmlns:a16="http://schemas.microsoft.com/office/drawing/2014/main" xmlns="" val="2143600817"/>
+                    <a16:rowId xmlns="" xmlns:a16="http://schemas.microsoft.com/office/drawing/2014/main" val="2143600817"/>
                   </a:ext>
                 </a:extLst>
               </a:tr>
@@ -13657,7 +11978,7 @@
                 </a:tc>
                 <a:extLst>
                   <a:ext uri="{0D108BD9-81ED-4DB2-BD59-A6C34878D82A}">
-                    <a16:rowId xmlns:a16="http://schemas.microsoft.com/office/drawing/2014/main" xmlns="" val="836599112"/>
+                    <a16:rowId xmlns="" xmlns:a16="http://schemas.microsoft.com/office/drawing/2014/main" val="836599112"/>
                   </a:ext>
                 </a:extLst>
               </a:tr>
@@ -13714,7 +12035,7 @@
                 </a:tc>
                 <a:extLst>
                   <a:ext uri="{0D108BD9-81ED-4DB2-BD59-A6C34878D82A}">
-                    <a16:rowId xmlns:a16="http://schemas.microsoft.com/office/drawing/2014/main" xmlns="" val="2181494138"/>
+                    <a16:rowId xmlns="" xmlns:a16="http://schemas.microsoft.com/office/drawing/2014/main" val="2181494138"/>
                   </a:ext>
                 </a:extLst>
               </a:tr>
@@ -13727,7 +12048,7 @@
           <p:cNvPr id="6" name="Rectangle 5">
             <a:extLst>
               <a:ext uri="{FF2B5EF4-FFF2-40B4-BE49-F238E27FC236}">
-                <a16:creationId xmlns:a16="http://schemas.microsoft.com/office/drawing/2014/main" xmlns="" id="{D83DA95F-A051-438F-8CDA-488E8864FF78}"/>
+                <a16:creationId xmlns="" xmlns:a16="http://schemas.microsoft.com/office/drawing/2014/main" id="{D83DA95F-A051-438F-8CDA-488E8864FF78}"/>
               </a:ext>
             </a:extLst>
           </p:cNvPr>
@@ -13785,7 +12106,7 @@
           <p:cNvPr id="22" name="Rectangle 21">
             <a:extLst>
               <a:ext uri="{FF2B5EF4-FFF2-40B4-BE49-F238E27FC236}">
-                <a16:creationId xmlns:a16="http://schemas.microsoft.com/office/drawing/2014/main" xmlns="" id="{A4C1F7D7-4D67-4140-9330-6575F2B8643F}"/>
+                <a16:creationId xmlns="" xmlns:a16="http://schemas.microsoft.com/office/drawing/2014/main" id="{A4C1F7D7-4D67-4140-9330-6575F2B8643F}"/>
               </a:ext>
             </a:extLst>
           </p:cNvPr>
@@ -13831,7 +12152,7 @@
           <p:cNvPr id="9" name="Picture 8">
             <a:extLst>
               <a:ext uri="{FF2B5EF4-FFF2-40B4-BE49-F238E27FC236}">
-                <a16:creationId xmlns:a16="http://schemas.microsoft.com/office/drawing/2014/main" xmlns="" id="{7560D7E6-5FAC-466C-B829-5C9A12971291}"/>
+                <a16:creationId xmlns="" xmlns:a16="http://schemas.microsoft.com/office/drawing/2014/main" id="{7560D7E6-5FAC-466C-B829-5C9A12971291}"/>
               </a:ext>
             </a:extLst>
           </p:cNvPr>
@@ -13981,13 +12302,13 @@
   </p:clrMapOvr>
   <p:extLst mod="1">
     <p:ext uri="{6950BFC3-D8DA-4A85-94F7-54DA5524770B}">
-      <p188:commentRel xmlns:p188="http://schemas.microsoft.com/office/powerpoint/2018/8/main" xmlns="" r:id="rId3"/>
+      <p188:commentRel xmlns="" xmlns:p188="http://schemas.microsoft.com/office/powerpoint/2018/8/main" r:id="rId3"/>
     </p:ext>
   </p:extLst>
 </p:sld>
 </file>
 
-<file path=ppt/slides/slide17.xml><?xml version="1.0" encoding="utf-8"?>
+<file path=ppt/slides/slide16.xml><?xml version="1.0" encoding="utf-8"?>
 <p:sld xmlns:a="http://schemas.openxmlformats.org/drawingml/2006/main" xmlns:r="http://schemas.openxmlformats.org/officeDocument/2006/relationships" xmlns:p="http://schemas.openxmlformats.org/presentationml/2006/main">
   <p:cSld>
     <p:bg>
@@ -14017,7 +12338,7 @@
           <p:cNvPr id="2" name="Rectangle 1">
             <a:extLst>
               <a:ext uri="{FF2B5EF4-FFF2-40B4-BE49-F238E27FC236}">
-                <a16:creationId xmlns:a16="http://schemas.microsoft.com/office/drawing/2014/main" xmlns="" id="{114493F7-0131-4550-9EAE-D486FFFB3AA5}"/>
+                <a16:creationId xmlns="" xmlns:a16="http://schemas.microsoft.com/office/drawing/2014/main" id="{114493F7-0131-4550-9EAE-D486FFFB3AA5}"/>
               </a:ext>
             </a:extLst>
           </p:cNvPr>
@@ -14083,7 +12404,7 @@
           <p:cNvPr id="3" name="Rectangle 2">
             <a:extLst>
               <a:ext uri="{FF2B5EF4-FFF2-40B4-BE49-F238E27FC236}">
-                <a16:creationId xmlns:a16="http://schemas.microsoft.com/office/drawing/2014/main" xmlns="" id="{A407FECC-7A8C-496F-B95F-7820D77A7625}"/>
+                <a16:creationId xmlns="" xmlns:a16="http://schemas.microsoft.com/office/drawing/2014/main" id="{A407FECC-7A8C-496F-B95F-7820D77A7625}"/>
               </a:ext>
             </a:extLst>
           </p:cNvPr>
@@ -14149,7 +12470,7 @@
           <p:cNvPr id="4" name="Rectangle 3">
             <a:extLst>
               <a:ext uri="{FF2B5EF4-FFF2-40B4-BE49-F238E27FC236}">
-                <a16:creationId xmlns:a16="http://schemas.microsoft.com/office/drawing/2014/main" xmlns="" id="{6F7C379F-73B7-41B1-978E-D40D37AD1CA2}"/>
+                <a16:creationId xmlns="" xmlns:a16="http://schemas.microsoft.com/office/drawing/2014/main" id="{6F7C379F-73B7-41B1-978E-D40D37AD1CA2}"/>
               </a:ext>
             </a:extLst>
           </p:cNvPr>
@@ -14198,7 +12519,7 @@
           <p:cNvPr id="7" name="Straight Connector 6">
             <a:extLst>
               <a:ext uri="{FF2B5EF4-FFF2-40B4-BE49-F238E27FC236}">
-                <a16:creationId xmlns:a16="http://schemas.microsoft.com/office/drawing/2014/main" xmlns="" id="{7E87841E-6771-48D9-9337-874CA48DAE2A}"/>
+                <a16:creationId xmlns="" xmlns:a16="http://schemas.microsoft.com/office/drawing/2014/main" id="{7E87841E-6771-48D9-9337-874CA48DAE2A}"/>
               </a:ext>
             </a:extLst>
           </p:cNvPr>
@@ -14234,7 +12555,7 @@
           <p:cNvPr id="13" name="Rectangle 12">
             <a:extLst>
               <a:ext uri="{FF2B5EF4-FFF2-40B4-BE49-F238E27FC236}">
-                <a16:creationId xmlns:a16="http://schemas.microsoft.com/office/drawing/2014/main" xmlns="" id="{57CEB79F-2993-488D-A128-A557142D2723}"/>
+                <a16:creationId xmlns="" xmlns:a16="http://schemas.microsoft.com/office/drawing/2014/main" id="{57CEB79F-2993-488D-A128-A557142D2723}"/>
               </a:ext>
             </a:extLst>
           </p:cNvPr>
@@ -14296,7 +12617,7 @@
           <p:cNvPr id="17" name="Rectangle 16">
             <a:extLst>
               <a:ext uri="{FF2B5EF4-FFF2-40B4-BE49-F238E27FC236}">
-                <a16:creationId xmlns:a16="http://schemas.microsoft.com/office/drawing/2014/main" xmlns="" id="{F4C8519E-B0C4-4755-A01D-ED20ADB31053}"/>
+                <a16:creationId xmlns="" xmlns:a16="http://schemas.microsoft.com/office/drawing/2014/main" id="{F4C8519E-B0C4-4755-A01D-ED20ADB31053}"/>
               </a:ext>
             </a:extLst>
           </p:cNvPr>
@@ -14357,7 +12678,7 @@
           <p:cNvPr id="18" name="Rectangle 17">
             <a:extLst>
               <a:ext uri="{FF2B5EF4-FFF2-40B4-BE49-F238E27FC236}">
-                <a16:creationId xmlns:a16="http://schemas.microsoft.com/office/drawing/2014/main" xmlns="" id="{725BA441-C124-43CE-94BD-50DB91DDC2FA}"/>
+                <a16:creationId xmlns="" xmlns:a16="http://schemas.microsoft.com/office/drawing/2014/main" id="{725BA441-C124-43CE-94BD-50DB91DDC2FA}"/>
               </a:ext>
             </a:extLst>
           </p:cNvPr>
@@ -14415,7 +12736,7 @@
           <p:cNvPr id="20" name="Rectangle 19">
             <a:extLst>
               <a:ext uri="{FF2B5EF4-FFF2-40B4-BE49-F238E27FC236}">
-                <a16:creationId xmlns:a16="http://schemas.microsoft.com/office/drawing/2014/main" xmlns="" id="{E251C8AA-3D74-4314-8139-C333A402E137}"/>
+                <a16:creationId xmlns="" xmlns:a16="http://schemas.microsoft.com/office/drawing/2014/main" id="{E251C8AA-3D74-4314-8139-C333A402E137}"/>
               </a:ext>
             </a:extLst>
           </p:cNvPr>
@@ -14464,7 +12785,7 @@
           <p:cNvPr id="21" name="Rectangle 20">
             <a:extLst>
               <a:ext uri="{FF2B5EF4-FFF2-40B4-BE49-F238E27FC236}">
-                <a16:creationId xmlns:a16="http://schemas.microsoft.com/office/drawing/2014/main" xmlns="" id="{426E9989-6A49-45F9-95D0-7E425A99A9A2}"/>
+                <a16:creationId xmlns="" xmlns:a16="http://schemas.microsoft.com/office/drawing/2014/main" id="{426E9989-6A49-45F9-95D0-7E425A99A9A2}"/>
               </a:ext>
             </a:extLst>
           </p:cNvPr>
@@ -14525,7 +12846,7 @@
           <p:cNvPr id="29" name="Rectangle 28">
             <a:extLst>
               <a:ext uri="{FF2B5EF4-FFF2-40B4-BE49-F238E27FC236}">
-                <a16:creationId xmlns:a16="http://schemas.microsoft.com/office/drawing/2014/main" xmlns="" id="{73EDAE4F-9B7F-4FFB-8B0B-3F3525E42965}"/>
+                <a16:creationId xmlns="" xmlns:a16="http://schemas.microsoft.com/office/drawing/2014/main" id="{73EDAE4F-9B7F-4FFB-8B0B-3F3525E42965}"/>
               </a:ext>
             </a:extLst>
           </p:cNvPr>
@@ -14618,7 +12939,7 @@
           <p:cNvPr id="33" name="Rectangle 32">
             <a:extLst>
               <a:ext uri="{FF2B5EF4-FFF2-40B4-BE49-F238E27FC236}">
-                <a16:creationId xmlns:a16="http://schemas.microsoft.com/office/drawing/2014/main" xmlns="" id="{8375D373-578E-4146-A7EE-08591091E59A}"/>
+                <a16:creationId xmlns="" xmlns:a16="http://schemas.microsoft.com/office/drawing/2014/main" id="{8375D373-578E-4146-A7EE-08591091E59A}"/>
               </a:ext>
             </a:extLst>
           </p:cNvPr>
@@ -14679,7 +13000,7 @@
           <p:cNvPr id="34" name="Rectangle 33">
             <a:extLst>
               <a:ext uri="{FF2B5EF4-FFF2-40B4-BE49-F238E27FC236}">
-                <a16:creationId xmlns:a16="http://schemas.microsoft.com/office/drawing/2014/main" xmlns="" id="{13447C5C-5E48-4F26-96CF-340225DB0157}"/>
+                <a16:creationId xmlns="" xmlns:a16="http://schemas.microsoft.com/office/drawing/2014/main" id="{13447C5C-5E48-4F26-96CF-340225DB0157}"/>
               </a:ext>
             </a:extLst>
           </p:cNvPr>
@@ -14732,7 +13053,7 @@
           <p:cNvPr id="35" name="Rectangle 34">
             <a:extLst>
               <a:ext uri="{FF2B5EF4-FFF2-40B4-BE49-F238E27FC236}">
-                <a16:creationId xmlns:a16="http://schemas.microsoft.com/office/drawing/2014/main" xmlns="" id="{10B8CB01-DAF3-4DC0-BBCB-14B7FC25EA45}"/>
+                <a16:creationId xmlns="" xmlns:a16="http://schemas.microsoft.com/office/drawing/2014/main" id="{10B8CB01-DAF3-4DC0-BBCB-14B7FC25EA45}"/>
               </a:ext>
             </a:extLst>
           </p:cNvPr>
@@ -14785,7 +13106,7 @@
           <p:cNvPr id="36" name="Rectangle 35">
             <a:extLst>
               <a:ext uri="{FF2B5EF4-FFF2-40B4-BE49-F238E27FC236}">
-                <a16:creationId xmlns:a16="http://schemas.microsoft.com/office/drawing/2014/main" xmlns="" id="{9F71F038-1FC5-4952-B497-0AF22AD5DCC8}"/>
+                <a16:creationId xmlns="" xmlns:a16="http://schemas.microsoft.com/office/drawing/2014/main" id="{9F71F038-1FC5-4952-B497-0AF22AD5DCC8}"/>
               </a:ext>
             </a:extLst>
           </p:cNvPr>
@@ -14841,7 +13162,7 @@
           <p:cNvPr id="10" name="Picture 9">
             <a:extLst>
               <a:ext uri="{FF2B5EF4-FFF2-40B4-BE49-F238E27FC236}">
-                <a16:creationId xmlns:a16="http://schemas.microsoft.com/office/drawing/2014/main" xmlns="" id="{01506E8A-4320-4C6E-8DC5-DB78D90008E9}"/>
+                <a16:creationId xmlns="" xmlns:a16="http://schemas.microsoft.com/office/drawing/2014/main" id="{01506E8A-4320-4C6E-8DC5-DB78D90008E9}"/>
               </a:ext>
             </a:extLst>
           </p:cNvPr>
@@ -14878,198 +13199,13 @@
   </p:clrMapOvr>
   <p:extLst>
     <p:ext uri="{6950BFC3-D8DA-4A85-94F7-54DA5524770B}">
-      <p188:commentRel xmlns:p188="http://schemas.microsoft.com/office/powerpoint/2018/8/main" xmlns="" r:id="rId3"/>
+      <p188:commentRel xmlns="" xmlns:p188="http://schemas.microsoft.com/office/powerpoint/2018/8/main" r:id="rId3"/>
     </p:ext>
   </p:extLst>
 </p:sld>
 </file>
 
 <file path=ppt/slides/slide2.xml><?xml version="1.0" encoding="utf-8"?>
-<p:sld xmlns:a="http://schemas.openxmlformats.org/drawingml/2006/main" xmlns:r="http://schemas.openxmlformats.org/officeDocument/2006/relationships" xmlns:p="http://schemas.openxmlformats.org/presentationml/2006/main">
-  <p:cSld>
-    <p:bg>
-      <p:bgPr>
-        <a:solidFill>
-          <a:schemeClr val="bg1"/>
-        </a:solidFill>
-        <a:effectLst/>
-      </p:bgPr>
-    </p:bg>
-    <p:spTree>
-      <p:nvGrpSpPr>
-        <p:cNvPr id="1" name=""/>
-        <p:cNvGrpSpPr/>
-        <p:nvPr/>
-      </p:nvGrpSpPr>
-      <p:grpSpPr>
-        <a:xfrm>
-          <a:off x="0" y="0"/>
-          <a:ext cx="0" cy="0"/>
-          <a:chOff x="0" y="0"/>
-          <a:chExt cx="0" cy="0"/>
-        </a:xfrm>
-      </p:grpSpPr>
-      <p:sp>
-        <p:nvSpPr>
-          <p:cNvPr id="8" name="Rectangle 7">
-            <a:extLst>
-              <a:ext uri="{FF2B5EF4-FFF2-40B4-BE49-F238E27FC236}">
-                <a16:creationId xmlns:a16="http://schemas.microsoft.com/office/drawing/2014/main" xmlns="" id="{714AF613-4E21-406B-9A8C-E161C7AB826B}"/>
-              </a:ext>
-            </a:extLst>
-          </p:cNvPr>
-          <p:cNvSpPr/>
-          <p:nvPr/>
-        </p:nvSpPr>
-        <p:spPr>
-          <a:xfrm>
-            <a:off x="4162483" y="4246331"/>
-            <a:ext cx="3567843" cy="920010"/>
-          </a:xfrm>
-          <a:prstGeom prst="rect">
-            <a:avLst/>
-          </a:prstGeom>
-        </p:spPr>
-        <p:style>
-          <a:lnRef idx="2">
-            <a:schemeClr val="accent1">
-              <a:shade val="50000"/>
-            </a:schemeClr>
-          </a:lnRef>
-          <a:fillRef idx="1">
-            <a:schemeClr val="accent1"/>
-          </a:fillRef>
-          <a:effectRef idx="0">
-            <a:schemeClr val="accent1"/>
-          </a:effectRef>
-          <a:fontRef idx="minor">
-            <a:schemeClr val="lt1"/>
-          </a:fontRef>
-        </p:style>
-        <p:txBody>
-          <a:bodyPr rtlCol="0" anchor="ctr"/>
-          <a:lstStyle/>
-          <a:p>
-            <a:pPr algn="ctr"/>
-            <a:r>
-              <a:rPr lang="en-US" dirty="0"/>
-              <a:t>Login</a:t>
-            </a:r>
-          </a:p>
-        </p:txBody>
-      </p:sp>
-      <p:sp>
-        <p:nvSpPr>
-          <p:cNvPr id="10" name="Rectangle 9">
-            <a:extLst>
-              <a:ext uri="{FF2B5EF4-FFF2-40B4-BE49-F238E27FC236}">
-                <a16:creationId xmlns:a16="http://schemas.microsoft.com/office/drawing/2014/main" xmlns="" id="{5053F499-4BA8-4B08-8F6E-014B529DDEDC}"/>
-              </a:ext>
-            </a:extLst>
-          </p:cNvPr>
-          <p:cNvSpPr/>
-          <p:nvPr/>
-        </p:nvSpPr>
-        <p:spPr>
-          <a:xfrm>
-            <a:off x="5099323" y="2468319"/>
-            <a:ext cx="1694164" cy="577811"/>
-          </a:xfrm>
-          <a:prstGeom prst="rect">
-            <a:avLst/>
-          </a:prstGeom>
-        </p:spPr>
-        <p:style>
-          <a:lnRef idx="2">
-            <a:schemeClr val="accent1">
-              <a:shade val="50000"/>
-            </a:schemeClr>
-          </a:lnRef>
-          <a:fillRef idx="1">
-            <a:schemeClr val="accent1"/>
-          </a:fillRef>
-          <a:effectRef idx="0">
-            <a:schemeClr val="accent1"/>
-          </a:effectRef>
-          <a:fontRef idx="minor">
-            <a:schemeClr val="lt1"/>
-          </a:fontRef>
-        </p:style>
-        <p:txBody>
-          <a:bodyPr rtlCol="0" anchor="ctr"/>
-          <a:lstStyle/>
-          <a:p>
-            <a:pPr algn="ctr"/>
-            <a:r>
-              <a:rPr lang="en-US" dirty="0"/>
-              <a:t>User</a:t>
-            </a:r>
-          </a:p>
-        </p:txBody>
-      </p:sp>
-      <p:sp>
-        <p:nvSpPr>
-          <p:cNvPr id="18" name="Rectangle 17">
-            <a:extLst>
-              <a:ext uri="{FF2B5EF4-FFF2-40B4-BE49-F238E27FC236}">
-                <a16:creationId xmlns:a16="http://schemas.microsoft.com/office/drawing/2014/main" xmlns="" id="{ED52BD39-6C8E-40F8-9C8C-A34A268516D0}"/>
-              </a:ext>
-            </a:extLst>
-          </p:cNvPr>
-          <p:cNvSpPr/>
-          <p:nvPr/>
-        </p:nvSpPr>
-        <p:spPr>
-          <a:xfrm>
-            <a:off x="5099323" y="3298572"/>
-            <a:ext cx="1694164" cy="577811"/>
-          </a:xfrm>
-          <a:prstGeom prst="rect">
-            <a:avLst/>
-          </a:prstGeom>
-        </p:spPr>
-        <p:style>
-          <a:lnRef idx="2">
-            <a:schemeClr val="accent1">
-              <a:shade val="50000"/>
-            </a:schemeClr>
-          </a:lnRef>
-          <a:fillRef idx="1">
-            <a:schemeClr val="accent1"/>
-          </a:fillRef>
-          <a:effectRef idx="0">
-            <a:schemeClr val="accent1"/>
-          </a:effectRef>
-          <a:fontRef idx="minor">
-            <a:schemeClr val="lt1"/>
-          </a:fontRef>
-        </p:style>
-        <p:txBody>
-          <a:bodyPr rtlCol="0" anchor="ctr"/>
-          <a:lstStyle/>
-          <a:p>
-            <a:pPr algn="ctr"/>
-            <a:r>
-              <a:rPr lang="en-US" dirty="0"/>
-              <a:t>Pass</a:t>
-            </a:r>
-          </a:p>
-        </p:txBody>
-      </p:sp>
-    </p:spTree>
-    <p:extLst>
-      <p:ext uri="{BB962C8B-B14F-4D97-AF65-F5344CB8AC3E}">
-        <p14:creationId xmlns:p14="http://schemas.microsoft.com/office/powerpoint/2010/main" val="3085720496"/>
-      </p:ext>
-    </p:extLst>
-  </p:cSld>
-  <p:clrMapOvr>
-    <a:masterClrMapping/>
-  </p:clrMapOvr>
-</p:sld>
-</file>
-
-<file path=ppt/slides/slide3.xml><?xml version="1.0" encoding="utf-8"?>
 <p:sld xmlns:a="http://schemas.openxmlformats.org/drawingml/2006/main" xmlns:r="http://schemas.openxmlformats.org/officeDocument/2006/relationships" xmlns:p="http://schemas.openxmlformats.org/presentationml/2006/main">
   <p:cSld>
     <p:spTree>
@@ -15091,7 +13227,7 @@
           <p:cNvPr id="2" name="Table 2">
             <a:extLst>
               <a:ext uri="{FF2B5EF4-FFF2-40B4-BE49-F238E27FC236}">
-                <a16:creationId xmlns:a16="http://schemas.microsoft.com/office/drawing/2014/main" xmlns="" id="{52C68065-5EF6-4EAE-A636-CB2D1267863F}"/>
+                <a16:creationId xmlns="" xmlns:a16="http://schemas.microsoft.com/office/drawing/2014/main" id="{52C68065-5EF6-4EAE-A636-CB2D1267863F}"/>
               </a:ext>
             </a:extLst>
           </p:cNvPr>
@@ -15120,35 +13256,35 @@
                 <a:gridCol w="1625600">
                   <a:extLst>
                     <a:ext uri="{9D8B030D-6E8A-4147-A177-3AD203B41FA5}">
-                      <a16:colId xmlns:a16="http://schemas.microsoft.com/office/drawing/2014/main" xmlns="" val="679083829"/>
+                      <a16:colId xmlns="" xmlns:a16="http://schemas.microsoft.com/office/drawing/2014/main" val="679083829"/>
                     </a:ext>
                   </a:extLst>
                 </a:gridCol>
                 <a:gridCol w="1625600">
                   <a:extLst>
                     <a:ext uri="{9D8B030D-6E8A-4147-A177-3AD203B41FA5}">
-                      <a16:colId xmlns:a16="http://schemas.microsoft.com/office/drawing/2014/main" xmlns="" val="2773577645"/>
+                      <a16:colId xmlns="" xmlns:a16="http://schemas.microsoft.com/office/drawing/2014/main" val="2773577645"/>
                     </a:ext>
                   </a:extLst>
                 </a:gridCol>
                 <a:gridCol w="1625600">
                   <a:extLst>
                     <a:ext uri="{9D8B030D-6E8A-4147-A177-3AD203B41FA5}">
-                      <a16:colId xmlns:a16="http://schemas.microsoft.com/office/drawing/2014/main" xmlns="" val="1350287319"/>
+                      <a16:colId xmlns="" xmlns:a16="http://schemas.microsoft.com/office/drawing/2014/main" val="1350287319"/>
                     </a:ext>
                   </a:extLst>
                 </a:gridCol>
                 <a:gridCol w="1625600">
                   <a:extLst>
                     <a:ext uri="{9D8B030D-6E8A-4147-A177-3AD203B41FA5}">
-                      <a16:colId xmlns:a16="http://schemas.microsoft.com/office/drawing/2014/main" xmlns="" val="2790188843"/>
+                      <a16:colId xmlns="" xmlns:a16="http://schemas.microsoft.com/office/drawing/2014/main" val="2790188843"/>
                     </a:ext>
                   </a:extLst>
                 </a:gridCol>
                 <a:gridCol w="1625600">
                   <a:extLst>
                     <a:ext uri="{9D8B030D-6E8A-4147-A177-3AD203B41FA5}">
-                      <a16:colId xmlns:a16="http://schemas.microsoft.com/office/drawing/2014/main" xmlns="" val="171559203"/>
+                      <a16:colId xmlns="" xmlns:a16="http://schemas.microsoft.com/office/drawing/2014/main" val="171559203"/>
                     </a:ext>
                   </a:extLst>
                 </a:gridCol>
@@ -15235,7 +13371,7 @@
                 </a:tc>
                 <a:extLst>
                   <a:ext uri="{0D108BD9-81ED-4DB2-BD59-A6C34878D82A}">
-                    <a16:rowId xmlns:a16="http://schemas.microsoft.com/office/drawing/2014/main" xmlns="" val="3325023044"/>
+                    <a16:rowId xmlns="" xmlns:a16="http://schemas.microsoft.com/office/drawing/2014/main" val="3325023044"/>
                   </a:ext>
                 </a:extLst>
               </a:tr>
@@ -15384,7 +13520,7 @@
                 </a:tc>
                 <a:extLst>
                   <a:ext uri="{0D108BD9-81ED-4DB2-BD59-A6C34878D82A}">
-                    <a16:rowId xmlns:a16="http://schemas.microsoft.com/office/drawing/2014/main" xmlns="" val="669348647"/>
+                    <a16:rowId xmlns="" xmlns:a16="http://schemas.microsoft.com/office/drawing/2014/main" val="669348647"/>
                   </a:ext>
                 </a:extLst>
               </a:tr>
@@ -15397,7 +13533,7 @@
           <p:cNvPr id="3" name="Title 2">
             <a:extLst>
               <a:ext uri="{FF2B5EF4-FFF2-40B4-BE49-F238E27FC236}">
-                <a16:creationId xmlns:a16="http://schemas.microsoft.com/office/drawing/2014/main" xmlns="" id="{6BC247B2-E4FA-4A31-B3B4-765C72D6C7BD}"/>
+                <a16:creationId xmlns="" xmlns:a16="http://schemas.microsoft.com/office/drawing/2014/main" id="{6BC247B2-E4FA-4A31-B3B4-765C72D6C7BD}"/>
               </a:ext>
             </a:extLst>
           </p:cNvPr>
@@ -15440,7 +13576,7 @@
 </p:sld>
 </file>
 
-<file path=ppt/slides/slide4.xml><?xml version="1.0" encoding="utf-8"?>
+<file path=ppt/slides/slide3.xml><?xml version="1.0" encoding="utf-8"?>
 <p:sld xmlns:a="http://schemas.openxmlformats.org/drawingml/2006/main" xmlns:r="http://schemas.openxmlformats.org/officeDocument/2006/relationships" xmlns:p="http://schemas.openxmlformats.org/presentationml/2006/main">
   <p:cSld>
     <p:bg>
@@ -15470,7 +13606,7 @@
           <p:cNvPr id="2" name="Rectangle 1">
             <a:extLst>
               <a:ext uri="{FF2B5EF4-FFF2-40B4-BE49-F238E27FC236}">
-                <a16:creationId xmlns:a16="http://schemas.microsoft.com/office/drawing/2014/main" xmlns="" id="{114493F7-0131-4550-9EAE-D486FFFB3AA5}"/>
+                <a16:creationId xmlns="" xmlns:a16="http://schemas.microsoft.com/office/drawing/2014/main" id="{114493F7-0131-4550-9EAE-D486FFFB3AA5}"/>
               </a:ext>
             </a:extLst>
           </p:cNvPr>
@@ -15536,7 +13672,7 @@
           <p:cNvPr id="3" name="Rectangle 2">
             <a:extLst>
               <a:ext uri="{FF2B5EF4-FFF2-40B4-BE49-F238E27FC236}">
-                <a16:creationId xmlns:a16="http://schemas.microsoft.com/office/drawing/2014/main" xmlns="" id="{A407FECC-7A8C-496F-B95F-7820D77A7625}"/>
+                <a16:creationId xmlns="" xmlns:a16="http://schemas.microsoft.com/office/drawing/2014/main" id="{A407FECC-7A8C-496F-B95F-7820D77A7625}"/>
               </a:ext>
             </a:extLst>
           </p:cNvPr>
@@ -15602,7 +13738,7 @@
           <p:cNvPr id="4" name="Rectangle 3">
             <a:extLst>
               <a:ext uri="{FF2B5EF4-FFF2-40B4-BE49-F238E27FC236}">
-                <a16:creationId xmlns:a16="http://schemas.microsoft.com/office/drawing/2014/main" xmlns="" id="{6F7C379F-73B7-41B1-978E-D40D37AD1CA2}"/>
+                <a16:creationId xmlns="" xmlns:a16="http://schemas.microsoft.com/office/drawing/2014/main" id="{6F7C379F-73B7-41B1-978E-D40D37AD1CA2}"/>
               </a:ext>
             </a:extLst>
           </p:cNvPr>
@@ -15651,7 +13787,7 @@
           <p:cNvPr id="7" name="Straight Connector 6">
             <a:extLst>
               <a:ext uri="{FF2B5EF4-FFF2-40B4-BE49-F238E27FC236}">
-                <a16:creationId xmlns:a16="http://schemas.microsoft.com/office/drawing/2014/main" xmlns="" id="{7E87841E-6771-48D9-9337-874CA48DAE2A}"/>
+                <a16:creationId xmlns="" xmlns:a16="http://schemas.microsoft.com/office/drawing/2014/main" id="{7E87841E-6771-48D9-9337-874CA48DAE2A}"/>
               </a:ext>
             </a:extLst>
           </p:cNvPr>
@@ -15687,7 +13823,7 @@
           <p:cNvPr id="10" name="Rectangle 9">
             <a:extLst>
               <a:ext uri="{FF2B5EF4-FFF2-40B4-BE49-F238E27FC236}">
-                <a16:creationId xmlns:a16="http://schemas.microsoft.com/office/drawing/2014/main" xmlns="" id="{7A7FB9A0-EA1D-40D6-B18C-C2C437D33328}"/>
+                <a16:creationId xmlns="" xmlns:a16="http://schemas.microsoft.com/office/drawing/2014/main" id="{7A7FB9A0-EA1D-40D6-B18C-C2C437D33328}"/>
               </a:ext>
             </a:extLst>
           </p:cNvPr>
@@ -15772,7 +13908,7 @@
           <p:cNvPr id="11" name="Rectangle 10">
             <a:extLst>
               <a:ext uri="{FF2B5EF4-FFF2-40B4-BE49-F238E27FC236}">
-                <a16:creationId xmlns:a16="http://schemas.microsoft.com/office/drawing/2014/main" xmlns="" id="{B5CA84C4-A036-42D7-B60A-73A12708012F}"/>
+                <a16:creationId xmlns="" xmlns:a16="http://schemas.microsoft.com/office/drawing/2014/main" id="{B5CA84C4-A036-42D7-B60A-73A12708012F}"/>
               </a:ext>
             </a:extLst>
           </p:cNvPr>
@@ -15829,7 +13965,7 @@
           <p:cNvPr id="12" name="Rectangle 11">
             <a:extLst>
               <a:ext uri="{FF2B5EF4-FFF2-40B4-BE49-F238E27FC236}">
-                <a16:creationId xmlns:a16="http://schemas.microsoft.com/office/drawing/2014/main" xmlns="" id="{D1976182-0A80-4D30-8E30-9753C0C58481}"/>
+                <a16:creationId xmlns="" xmlns:a16="http://schemas.microsoft.com/office/drawing/2014/main" id="{D1976182-0A80-4D30-8E30-9753C0C58481}"/>
               </a:ext>
             </a:extLst>
           </p:cNvPr>
@@ -15886,7 +14022,7 @@
           <p:cNvPr id="13" name="Rectangle 12">
             <a:extLst>
               <a:ext uri="{FF2B5EF4-FFF2-40B4-BE49-F238E27FC236}">
-                <a16:creationId xmlns:a16="http://schemas.microsoft.com/office/drawing/2014/main" xmlns="" id="{57CEB79F-2993-488D-A128-A557142D2723}"/>
+                <a16:creationId xmlns="" xmlns:a16="http://schemas.microsoft.com/office/drawing/2014/main" id="{57CEB79F-2993-488D-A128-A557142D2723}"/>
               </a:ext>
             </a:extLst>
           </p:cNvPr>
@@ -15943,7 +14079,7 @@
           <p:cNvPr id="14" name="Rectangle 13">
             <a:extLst>
               <a:ext uri="{FF2B5EF4-FFF2-40B4-BE49-F238E27FC236}">
-                <a16:creationId xmlns:a16="http://schemas.microsoft.com/office/drawing/2014/main" xmlns="" id="{5BF293A3-F73A-48EE-BCD6-7D1C58DC1A45}"/>
+                <a16:creationId xmlns="" xmlns:a16="http://schemas.microsoft.com/office/drawing/2014/main" id="{5BF293A3-F73A-48EE-BCD6-7D1C58DC1A45}"/>
               </a:ext>
             </a:extLst>
           </p:cNvPr>
@@ -16001,7 +14137,7 @@
           <p:cNvPr id="15" name="Rectangle 14">
             <a:extLst>
               <a:ext uri="{FF2B5EF4-FFF2-40B4-BE49-F238E27FC236}">
-                <a16:creationId xmlns:a16="http://schemas.microsoft.com/office/drawing/2014/main" xmlns="" id="{07601775-0ECB-4E15-B82B-0A8C1608ED5F}"/>
+                <a16:creationId xmlns="" xmlns:a16="http://schemas.microsoft.com/office/drawing/2014/main" id="{07601775-0ECB-4E15-B82B-0A8C1608ED5F}"/>
               </a:ext>
             </a:extLst>
           </p:cNvPr>
@@ -16059,7 +14195,7 @@
           <p:cNvPr id="16" name="Rectangle 15">
             <a:extLst>
               <a:ext uri="{FF2B5EF4-FFF2-40B4-BE49-F238E27FC236}">
-                <a16:creationId xmlns:a16="http://schemas.microsoft.com/office/drawing/2014/main" xmlns="" id="{1870E2BB-7891-4051-B976-00B0224E3024}"/>
+                <a16:creationId xmlns="" xmlns:a16="http://schemas.microsoft.com/office/drawing/2014/main" id="{1870E2BB-7891-4051-B976-00B0224E3024}"/>
               </a:ext>
             </a:extLst>
           </p:cNvPr>
@@ -16108,7 +14244,7 @@
           <p:cNvPr id="19" name="Picture 18">
             <a:extLst>
               <a:ext uri="{FF2B5EF4-FFF2-40B4-BE49-F238E27FC236}">
-                <a16:creationId xmlns:a16="http://schemas.microsoft.com/office/drawing/2014/main" xmlns="" id="{2D20F09A-D4DD-4FD7-A63F-1AACCED042A4}"/>
+                <a16:creationId xmlns="" xmlns:a16="http://schemas.microsoft.com/office/drawing/2014/main" id="{2D20F09A-D4DD-4FD7-A63F-1AACCED042A4}"/>
               </a:ext>
             </a:extLst>
           </p:cNvPr>
@@ -16138,7 +14274,7 @@
           <p:cNvPr id="17" name="Rectangle 16">
             <a:extLst>
               <a:ext uri="{FF2B5EF4-FFF2-40B4-BE49-F238E27FC236}">
-                <a16:creationId xmlns:a16="http://schemas.microsoft.com/office/drawing/2014/main" xmlns="" id="{70170B27-21D2-44B0-9FA7-9674A34A0E1B}"/>
+                <a16:creationId xmlns="" xmlns:a16="http://schemas.microsoft.com/office/drawing/2014/main" id="{70170B27-21D2-44B0-9FA7-9674A34A0E1B}"/>
               </a:ext>
             </a:extLst>
           </p:cNvPr>
@@ -16203,13 +14339,13 @@
   </p:clrMapOvr>
   <p:extLst>
     <p:ext uri="{6950BFC3-D8DA-4A85-94F7-54DA5524770B}">
-      <p188:commentRel xmlns:p188="http://schemas.microsoft.com/office/powerpoint/2018/8/main" xmlns="" r:id="rId3"/>
+      <p188:commentRel xmlns="" xmlns:p188="http://schemas.microsoft.com/office/powerpoint/2018/8/main" r:id="rId3"/>
     </p:ext>
   </p:extLst>
 </p:sld>
 </file>
 
-<file path=ppt/slides/slide5.xml><?xml version="1.0" encoding="utf-8"?>
+<file path=ppt/slides/slide4.xml><?xml version="1.0" encoding="utf-8"?>
 <p:sld xmlns:a="http://schemas.openxmlformats.org/drawingml/2006/main" xmlns:r="http://schemas.openxmlformats.org/officeDocument/2006/relationships" xmlns:p="http://schemas.openxmlformats.org/presentationml/2006/main">
   <p:cSld>
     <p:spTree>
@@ -16231,7 +14367,7 @@
           <p:cNvPr id="3" name="Picture 2">
             <a:extLst>
               <a:ext uri="{FF2B5EF4-FFF2-40B4-BE49-F238E27FC236}">
-                <a16:creationId xmlns:a16="http://schemas.microsoft.com/office/drawing/2014/main" xmlns="" id="{1721EDA5-7366-4395-805A-7FC22F0C1C2D}"/>
+                <a16:creationId xmlns="" xmlns:a16="http://schemas.microsoft.com/office/drawing/2014/main" id="{1721EDA5-7366-4395-805A-7FC22F0C1C2D}"/>
               </a:ext>
             </a:extLst>
           </p:cNvPr>
@@ -16268,7 +14404,1158 @@
   </p:clrMapOvr>
   <p:extLst>
     <p:ext uri="{6950BFC3-D8DA-4A85-94F7-54DA5524770B}">
-      <p188:commentRel xmlns:p188="http://schemas.microsoft.com/office/powerpoint/2018/8/main" xmlns="" r:id="rId3"/>
+      <p188:commentRel xmlns="" xmlns:p188="http://schemas.microsoft.com/office/powerpoint/2018/8/main" r:id="rId3"/>
+    </p:ext>
+  </p:extLst>
+</p:sld>
+</file>
+
+<file path=ppt/slides/slide5.xml><?xml version="1.0" encoding="utf-8"?>
+<p:sld xmlns:a="http://schemas.openxmlformats.org/drawingml/2006/main" xmlns:r="http://schemas.openxmlformats.org/officeDocument/2006/relationships" xmlns:p="http://schemas.openxmlformats.org/presentationml/2006/main">
+  <p:cSld>
+    <p:bg>
+      <p:bgPr>
+        <a:solidFill>
+          <a:schemeClr val="bg1"/>
+        </a:solidFill>
+        <a:effectLst/>
+      </p:bgPr>
+    </p:bg>
+    <p:spTree>
+      <p:nvGrpSpPr>
+        <p:cNvPr id="1" name=""/>
+        <p:cNvGrpSpPr/>
+        <p:nvPr/>
+      </p:nvGrpSpPr>
+      <p:grpSpPr>
+        <a:xfrm>
+          <a:off x="0" y="0"/>
+          <a:ext cx="0" cy="0"/>
+          <a:chOff x="0" y="0"/>
+          <a:chExt cx="0" cy="0"/>
+        </a:xfrm>
+      </p:grpSpPr>
+      <p:sp>
+        <p:nvSpPr>
+          <p:cNvPr id="2" name="Rectangle 1">
+            <a:extLst>
+              <a:ext uri="{FF2B5EF4-FFF2-40B4-BE49-F238E27FC236}">
+                <a16:creationId xmlns="" xmlns:a16="http://schemas.microsoft.com/office/drawing/2014/main" id="{114493F7-0131-4550-9EAE-D486FFFB3AA5}"/>
+              </a:ext>
+            </a:extLst>
+          </p:cNvPr>
+          <p:cNvSpPr/>
+          <p:nvPr/>
+        </p:nvSpPr>
+        <p:spPr>
+          <a:xfrm>
+            <a:off x="521713" y="39269"/>
+            <a:ext cx="2204658" cy="409516"/>
+          </a:xfrm>
+          <a:prstGeom prst="rect">
+            <a:avLst/>
+          </a:prstGeom>
+        </p:spPr>
+        <p:style>
+          <a:lnRef idx="2">
+            <a:schemeClr val="accent1">
+              <a:shade val="50000"/>
+            </a:schemeClr>
+          </a:lnRef>
+          <a:fillRef idx="1">
+            <a:schemeClr val="accent1"/>
+          </a:fillRef>
+          <a:effectRef idx="0">
+            <a:schemeClr val="accent1"/>
+          </a:effectRef>
+          <a:fontRef idx="minor">
+            <a:schemeClr val="lt1"/>
+          </a:fontRef>
+        </p:style>
+        <p:txBody>
+          <a:bodyPr rtlCol="0" anchor="ctr"/>
+          <a:lstStyle/>
+          <a:p>
+            <a:pPr algn="ctr"/>
+            <a:r>
+              <a:rPr lang="en-US" dirty="0" err="1"/>
+              <a:t>Quản</a:t>
+            </a:r>
+            <a:r>
+              <a:rPr lang="en-US" dirty="0"/>
+              <a:t> </a:t>
+            </a:r>
+            <a:r>
+              <a:rPr lang="en-US" dirty="0" err="1"/>
+              <a:t>lý</a:t>
+            </a:r>
+            <a:r>
+              <a:rPr lang="en-US" dirty="0"/>
+              <a:t> cấp </a:t>
+            </a:r>
+            <a:r>
+              <a:rPr lang="en-US" dirty="0" err="1"/>
+              <a:t>phát</a:t>
+            </a:r>
+            <a:endParaRPr lang="en-US" dirty="0"/>
+          </a:p>
+        </p:txBody>
+      </p:sp>
+      <p:sp>
+        <p:nvSpPr>
+          <p:cNvPr id="3" name="Rectangle 2">
+            <a:extLst>
+              <a:ext uri="{FF2B5EF4-FFF2-40B4-BE49-F238E27FC236}">
+                <a16:creationId xmlns="" xmlns:a16="http://schemas.microsoft.com/office/drawing/2014/main" id="{A407FECC-7A8C-496F-B95F-7820D77A7625}"/>
+              </a:ext>
+            </a:extLst>
+          </p:cNvPr>
+          <p:cNvSpPr/>
+          <p:nvPr/>
+        </p:nvSpPr>
+        <p:spPr>
+          <a:xfrm>
+            <a:off x="577811" y="39269"/>
+            <a:ext cx="2204658" cy="409516"/>
+          </a:xfrm>
+          <a:prstGeom prst="rect">
+            <a:avLst/>
+          </a:prstGeom>
+        </p:spPr>
+        <p:style>
+          <a:lnRef idx="2">
+            <a:schemeClr val="accent1">
+              <a:shade val="50000"/>
+            </a:schemeClr>
+          </a:lnRef>
+          <a:fillRef idx="1">
+            <a:schemeClr val="accent1"/>
+          </a:fillRef>
+          <a:effectRef idx="0">
+            <a:schemeClr val="accent1"/>
+          </a:effectRef>
+          <a:fontRef idx="minor">
+            <a:schemeClr val="lt1"/>
+          </a:fontRef>
+        </p:style>
+        <p:txBody>
+          <a:bodyPr rtlCol="0" anchor="ctr"/>
+          <a:lstStyle/>
+          <a:p>
+            <a:pPr algn="ctr"/>
+            <a:r>
+              <a:rPr lang="en-US" dirty="0" err="1"/>
+              <a:t>Quản</a:t>
+            </a:r>
+            <a:r>
+              <a:rPr lang="en-US" dirty="0"/>
+              <a:t> </a:t>
+            </a:r>
+            <a:r>
+              <a:rPr lang="en-US" dirty="0" err="1"/>
+              <a:t>lý</a:t>
+            </a:r>
+            <a:r>
+              <a:rPr lang="en-US" dirty="0"/>
+              <a:t> cấp </a:t>
+            </a:r>
+            <a:r>
+              <a:rPr lang="en-US" dirty="0" err="1"/>
+              <a:t>phát</a:t>
+            </a:r>
+            <a:endParaRPr lang="en-US" dirty="0"/>
+          </a:p>
+        </p:txBody>
+      </p:sp>
+      <p:sp>
+        <p:nvSpPr>
+          <p:cNvPr id="4" name="Rectangle 3">
+            <a:extLst>
+              <a:ext uri="{FF2B5EF4-FFF2-40B4-BE49-F238E27FC236}">
+                <a16:creationId xmlns="" xmlns:a16="http://schemas.microsoft.com/office/drawing/2014/main" id="{6F7C379F-73B7-41B1-978E-D40D37AD1CA2}"/>
+              </a:ext>
+            </a:extLst>
+          </p:cNvPr>
+          <p:cNvSpPr/>
+          <p:nvPr/>
+        </p:nvSpPr>
+        <p:spPr>
+          <a:xfrm>
+            <a:off x="10585722" y="0"/>
+            <a:ext cx="1307087" cy="409516"/>
+          </a:xfrm>
+          <a:prstGeom prst="rect">
+            <a:avLst/>
+          </a:prstGeom>
+        </p:spPr>
+        <p:style>
+          <a:lnRef idx="2">
+            <a:schemeClr val="accent1">
+              <a:shade val="50000"/>
+            </a:schemeClr>
+          </a:lnRef>
+          <a:fillRef idx="1">
+            <a:schemeClr val="accent1"/>
+          </a:fillRef>
+          <a:effectRef idx="0">
+            <a:schemeClr val="accent1"/>
+          </a:effectRef>
+          <a:fontRef idx="minor">
+            <a:schemeClr val="lt1"/>
+          </a:fontRef>
+        </p:style>
+        <p:txBody>
+          <a:bodyPr rtlCol="0" anchor="ctr"/>
+          <a:lstStyle/>
+          <a:p>
+            <a:pPr algn="ctr"/>
+            <a:r>
+              <a:rPr lang="en-US" dirty="0"/>
+              <a:t>user</a:t>
+            </a:r>
+          </a:p>
+        </p:txBody>
+      </p:sp>
+      <p:cxnSp>
+        <p:nvCxnSpPr>
+          <p:cNvPr id="7" name="Straight Connector 6">
+            <a:extLst>
+              <a:ext uri="{FF2B5EF4-FFF2-40B4-BE49-F238E27FC236}">
+                <a16:creationId xmlns="" xmlns:a16="http://schemas.microsoft.com/office/drawing/2014/main" id="{7E87841E-6771-48D9-9337-874CA48DAE2A}"/>
+              </a:ext>
+            </a:extLst>
+          </p:cNvPr>
+          <p:cNvCxnSpPr/>
+          <p:nvPr/>
+        </p:nvCxnSpPr>
+        <p:spPr>
+          <a:xfrm flipV="1">
+            <a:off x="597852" y="1154855"/>
+            <a:ext cx="11102912" cy="66368"/>
+          </a:xfrm>
+          <a:prstGeom prst="line">
+            <a:avLst/>
+          </a:prstGeom>
+        </p:spPr>
+        <p:style>
+          <a:lnRef idx="1">
+            <a:schemeClr val="accent1"/>
+          </a:lnRef>
+          <a:fillRef idx="0">
+            <a:schemeClr val="accent1"/>
+          </a:fillRef>
+          <a:effectRef idx="0">
+            <a:schemeClr val="accent1"/>
+          </a:effectRef>
+          <a:fontRef idx="minor">
+            <a:schemeClr val="tx1"/>
+          </a:fontRef>
+        </p:style>
+      </p:cxnSp>
+      <p:sp>
+        <p:nvSpPr>
+          <p:cNvPr id="13" name="Rectangle 12">
+            <a:extLst>
+              <a:ext uri="{FF2B5EF4-FFF2-40B4-BE49-F238E27FC236}">
+                <a16:creationId xmlns="" xmlns:a16="http://schemas.microsoft.com/office/drawing/2014/main" id="{57CEB79F-2993-488D-A128-A557142D2723}"/>
+              </a:ext>
+            </a:extLst>
+          </p:cNvPr>
+          <p:cNvSpPr/>
+          <p:nvPr/>
+        </p:nvSpPr>
+        <p:spPr>
+          <a:xfrm>
+            <a:off x="597852" y="597310"/>
+            <a:ext cx="2285458" cy="511560"/>
+          </a:xfrm>
+          <a:prstGeom prst="rect">
+            <a:avLst/>
+          </a:prstGeom>
+          <a:solidFill>
+            <a:schemeClr val="accent1"/>
+          </a:solidFill>
+          <a:ln>
+            <a:solidFill>
+              <a:srgbClr val="C00000"/>
+            </a:solidFill>
+          </a:ln>
+        </p:spPr>
+        <p:style>
+          <a:lnRef idx="2">
+            <a:schemeClr val="accent1">
+              <a:shade val="50000"/>
+            </a:schemeClr>
+          </a:lnRef>
+          <a:fillRef idx="1">
+            <a:schemeClr val="accent1"/>
+          </a:fillRef>
+          <a:effectRef idx="0">
+            <a:schemeClr val="accent1"/>
+          </a:effectRef>
+          <a:fontRef idx="minor">
+            <a:schemeClr val="lt1"/>
+          </a:fontRef>
+        </p:style>
+        <p:txBody>
+          <a:bodyPr rtlCol="0" anchor="ctr"/>
+          <a:lstStyle/>
+          <a:p>
+            <a:pPr algn="ctr"/>
+            <a:r>
+              <a:rPr lang="en-US" dirty="0"/>
+              <a:t>Tổng </a:t>
+            </a:r>
+            <a:r>
+              <a:rPr lang="en-US" dirty="0" err="1"/>
+              <a:t>quan</a:t>
+            </a:r>
+            <a:endParaRPr lang="en-US" dirty="0"/>
+          </a:p>
+        </p:txBody>
+      </p:sp>
+      <p:sp>
+        <p:nvSpPr>
+          <p:cNvPr id="17" name="Rectangle 16">
+            <a:extLst>
+              <a:ext uri="{FF2B5EF4-FFF2-40B4-BE49-F238E27FC236}">
+                <a16:creationId xmlns="" xmlns:a16="http://schemas.microsoft.com/office/drawing/2014/main" id="{F4C8519E-B0C4-4755-A01D-ED20ADB31053}"/>
+              </a:ext>
+            </a:extLst>
+          </p:cNvPr>
+          <p:cNvSpPr/>
+          <p:nvPr/>
+        </p:nvSpPr>
+        <p:spPr>
+          <a:xfrm>
+            <a:off x="4284407" y="597310"/>
+            <a:ext cx="1253613" cy="511560"/>
+          </a:xfrm>
+          <a:prstGeom prst="rect">
+            <a:avLst/>
+          </a:prstGeom>
+        </p:spPr>
+        <p:style>
+          <a:lnRef idx="2">
+            <a:schemeClr val="accent1">
+              <a:shade val="50000"/>
+            </a:schemeClr>
+          </a:lnRef>
+          <a:fillRef idx="1">
+            <a:schemeClr val="accent1"/>
+          </a:fillRef>
+          <a:effectRef idx="0">
+            <a:schemeClr val="accent1"/>
+          </a:effectRef>
+          <a:fontRef idx="minor">
+            <a:schemeClr val="lt1"/>
+          </a:fontRef>
+        </p:style>
+        <p:txBody>
+          <a:bodyPr rtlCol="0" anchor="ctr"/>
+          <a:lstStyle/>
+          <a:p>
+            <a:pPr algn="ctr"/>
+            <a:r>
+              <a:rPr lang="en-US" dirty="0" err="1"/>
+              <a:t>Thiết</a:t>
+            </a:r>
+            <a:r>
+              <a:rPr lang="en-US" dirty="0"/>
+              <a:t> </a:t>
+            </a:r>
+            <a:r>
+              <a:rPr lang="en-US" dirty="0" err="1"/>
+              <a:t>bị</a:t>
+            </a:r>
+            <a:endParaRPr lang="en-US" dirty="0"/>
+          </a:p>
+        </p:txBody>
+      </p:sp>
+      <p:sp>
+        <p:nvSpPr>
+          <p:cNvPr id="18" name="Rectangle 17">
+            <a:extLst>
+              <a:ext uri="{FF2B5EF4-FFF2-40B4-BE49-F238E27FC236}">
+                <a16:creationId xmlns="" xmlns:a16="http://schemas.microsoft.com/office/drawing/2014/main" id="{725BA441-C124-43CE-94BD-50DB91DDC2FA}"/>
+              </a:ext>
+            </a:extLst>
+          </p:cNvPr>
+          <p:cNvSpPr/>
+          <p:nvPr/>
+        </p:nvSpPr>
+        <p:spPr>
+          <a:xfrm>
+            <a:off x="5538020" y="597310"/>
+            <a:ext cx="2027903" cy="511560"/>
+          </a:xfrm>
+          <a:prstGeom prst="rect">
+            <a:avLst/>
+          </a:prstGeom>
+        </p:spPr>
+        <p:style>
+          <a:lnRef idx="2">
+            <a:schemeClr val="accent1">
+              <a:shade val="50000"/>
+            </a:schemeClr>
+          </a:lnRef>
+          <a:fillRef idx="1">
+            <a:schemeClr val="accent1"/>
+          </a:fillRef>
+          <a:effectRef idx="0">
+            <a:schemeClr val="accent1"/>
+          </a:effectRef>
+          <a:fontRef idx="minor">
+            <a:schemeClr val="lt1"/>
+          </a:fontRef>
+        </p:style>
+        <p:txBody>
+          <a:bodyPr rtlCol="0" anchor="ctr"/>
+          <a:lstStyle/>
+          <a:p>
+            <a:pPr algn="ctr"/>
+            <a:r>
+              <a:rPr lang="en-US" dirty="0" err="1"/>
+              <a:t>Tạo</a:t>
+            </a:r>
+            <a:r>
+              <a:rPr lang="en-US" dirty="0"/>
+              <a:t> SR cấp </a:t>
+            </a:r>
+            <a:r>
+              <a:rPr lang="en-US" dirty="0" err="1"/>
+              <a:t>phát</a:t>
+            </a:r>
+            <a:endParaRPr lang="en-US" dirty="0"/>
+          </a:p>
+        </p:txBody>
+      </p:sp>
+      <p:sp>
+        <p:nvSpPr>
+          <p:cNvPr id="20" name="Rectangle 19">
+            <a:extLst>
+              <a:ext uri="{FF2B5EF4-FFF2-40B4-BE49-F238E27FC236}">
+                <a16:creationId xmlns="" xmlns:a16="http://schemas.microsoft.com/office/drawing/2014/main" id="{E251C8AA-3D74-4314-8139-C333A402E137}"/>
+              </a:ext>
+            </a:extLst>
+          </p:cNvPr>
+          <p:cNvSpPr/>
+          <p:nvPr/>
+        </p:nvSpPr>
+        <p:spPr>
+          <a:xfrm>
+            <a:off x="7565923" y="597310"/>
+            <a:ext cx="2027903" cy="511560"/>
+          </a:xfrm>
+          <a:prstGeom prst="rect">
+            <a:avLst/>
+          </a:prstGeom>
+        </p:spPr>
+        <p:style>
+          <a:lnRef idx="2">
+            <a:schemeClr val="accent1">
+              <a:shade val="50000"/>
+            </a:schemeClr>
+          </a:lnRef>
+          <a:fillRef idx="1">
+            <a:schemeClr val="accent1"/>
+          </a:fillRef>
+          <a:effectRef idx="0">
+            <a:schemeClr val="accent1"/>
+          </a:effectRef>
+          <a:fontRef idx="minor">
+            <a:schemeClr val="lt1"/>
+          </a:fontRef>
+        </p:style>
+        <p:txBody>
+          <a:bodyPr rtlCol="0" anchor="ctr"/>
+          <a:lstStyle/>
+          <a:p>
+            <a:pPr algn="ctr"/>
+            <a:r>
+              <a:rPr lang="en-US" dirty="0"/>
+              <a:t>Báo cáo</a:t>
+            </a:r>
+          </a:p>
+        </p:txBody>
+      </p:sp>
+      <p:sp>
+        <p:nvSpPr>
+          <p:cNvPr id="21" name="Rectangle 20">
+            <a:extLst>
+              <a:ext uri="{FF2B5EF4-FFF2-40B4-BE49-F238E27FC236}">
+                <a16:creationId xmlns="" xmlns:a16="http://schemas.microsoft.com/office/drawing/2014/main" id="{426E9989-6A49-45F9-95D0-7E425A99A9A2}"/>
+              </a:ext>
+            </a:extLst>
+          </p:cNvPr>
+          <p:cNvSpPr/>
+          <p:nvPr/>
+        </p:nvSpPr>
+        <p:spPr>
+          <a:xfrm>
+            <a:off x="2883310" y="602288"/>
+            <a:ext cx="1401097" cy="511560"/>
+          </a:xfrm>
+          <a:prstGeom prst="rect">
+            <a:avLst/>
+          </a:prstGeom>
+          <a:solidFill>
+            <a:srgbClr val="92D050"/>
+          </a:solidFill>
+        </p:spPr>
+        <p:style>
+          <a:lnRef idx="2">
+            <a:schemeClr val="accent1">
+              <a:shade val="50000"/>
+            </a:schemeClr>
+          </a:lnRef>
+          <a:fillRef idx="1">
+            <a:schemeClr val="accent1"/>
+          </a:fillRef>
+          <a:effectRef idx="0">
+            <a:schemeClr val="accent1"/>
+          </a:effectRef>
+          <a:fontRef idx="minor">
+            <a:schemeClr val="lt1"/>
+          </a:fontRef>
+        </p:style>
+        <p:txBody>
+          <a:bodyPr rtlCol="0" anchor="ctr"/>
+          <a:lstStyle/>
+          <a:p>
+            <a:pPr algn="ctr"/>
+            <a:r>
+              <a:rPr lang="en-US" dirty="0" err="1"/>
+              <a:t>Danh</a:t>
+            </a:r>
+            <a:r>
+              <a:rPr lang="en-US" dirty="0"/>
+              <a:t> </a:t>
+            </a:r>
+            <a:r>
+              <a:rPr lang="en-US" dirty="0" err="1"/>
+              <a:t>mục</a:t>
+            </a:r>
+            <a:endParaRPr lang="en-US" dirty="0"/>
+          </a:p>
+        </p:txBody>
+      </p:sp>
+      <p:sp>
+        <p:nvSpPr>
+          <p:cNvPr id="5" name="Rectangle 4">
+            <a:extLst>
+              <a:ext uri="{FF2B5EF4-FFF2-40B4-BE49-F238E27FC236}">
+                <a16:creationId xmlns="" xmlns:a16="http://schemas.microsoft.com/office/drawing/2014/main" id="{E0E0382E-3C04-4D95-A8DA-CEE00AED2620}"/>
+              </a:ext>
+            </a:extLst>
+          </p:cNvPr>
+          <p:cNvSpPr/>
+          <p:nvPr/>
+        </p:nvSpPr>
+        <p:spPr>
+          <a:xfrm>
+            <a:off x="2485103" y="1627220"/>
+            <a:ext cx="2367116" cy="482762"/>
+          </a:xfrm>
+          <a:prstGeom prst="rect">
+            <a:avLst/>
+          </a:prstGeom>
+          <a:solidFill>
+            <a:srgbClr val="FFC000"/>
+          </a:solidFill>
+        </p:spPr>
+        <p:style>
+          <a:lnRef idx="2">
+            <a:schemeClr val="accent1">
+              <a:shade val="50000"/>
+            </a:schemeClr>
+          </a:lnRef>
+          <a:fillRef idx="1">
+            <a:schemeClr val="accent1"/>
+          </a:fillRef>
+          <a:effectRef idx="0">
+            <a:schemeClr val="accent1"/>
+          </a:effectRef>
+          <a:fontRef idx="minor">
+            <a:schemeClr val="lt1"/>
+          </a:fontRef>
+        </p:style>
+        <p:txBody>
+          <a:bodyPr rtlCol="0" anchor="ctr"/>
+          <a:lstStyle/>
+          <a:p>
+            <a:pPr algn="ctr"/>
+            <a:r>
+              <a:rPr lang="en-US" dirty="0" err="1"/>
+              <a:t>Danh</a:t>
+            </a:r>
+            <a:r>
+              <a:rPr lang="en-US" dirty="0"/>
+              <a:t> </a:t>
+            </a:r>
+            <a:r>
+              <a:rPr lang="en-US" dirty="0" err="1"/>
+              <a:t>mục</a:t>
+            </a:r>
+            <a:r>
+              <a:rPr lang="en-US" dirty="0"/>
+              <a:t> </a:t>
+            </a:r>
+            <a:r>
+              <a:rPr lang="en-US" dirty="0" err="1"/>
+              <a:t>dự</a:t>
+            </a:r>
+            <a:r>
+              <a:rPr lang="en-US" dirty="0"/>
+              <a:t> </a:t>
+            </a:r>
+            <a:r>
+              <a:rPr lang="en-US" dirty="0" err="1"/>
+              <a:t>án</a:t>
+            </a:r>
+            <a:endParaRPr lang="en-US" dirty="0"/>
+          </a:p>
+        </p:txBody>
+      </p:sp>
+      <p:sp>
+        <p:nvSpPr>
+          <p:cNvPr id="22" name="Rectangle 21">
+            <a:extLst>
+              <a:ext uri="{FF2B5EF4-FFF2-40B4-BE49-F238E27FC236}">
+                <a16:creationId xmlns="" xmlns:a16="http://schemas.microsoft.com/office/drawing/2014/main" id="{6A25AC54-1119-424D-8FDD-95668400DBF2}"/>
+              </a:ext>
+            </a:extLst>
+          </p:cNvPr>
+          <p:cNvSpPr/>
+          <p:nvPr/>
+        </p:nvSpPr>
+        <p:spPr>
+          <a:xfrm>
+            <a:off x="2485103" y="2434446"/>
+            <a:ext cx="2367116" cy="482762"/>
+          </a:xfrm>
+          <a:prstGeom prst="rect">
+            <a:avLst/>
+          </a:prstGeom>
+          <a:solidFill>
+            <a:srgbClr val="FFC000"/>
+          </a:solidFill>
+        </p:spPr>
+        <p:style>
+          <a:lnRef idx="2">
+            <a:schemeClr val="accent1">
+              <a:shade val="50000"/>
+            </a:schemeClr>
+          </a:lnRef>
+          <a:fillRef idx="1">
+            <a:schemeClr val="accent1"/>
+          </a:fillRef>
+          <a:effectRef idx="0">
+            <a:schemeClr val="accent1"/>
+          </a:effectRef>
+          <a:fontRef idx="minor">
+            <a:schemeClr val="lt1"/>
+          </a:fontRef>
+        </p:style>
+        <p:txBody>
+          <a:bodyPr rtlCol="0" anchor="ctr"/>
+          <a:lstStyle/>
+          <a:p>
+            <a:pPr algn="ctr"/>
+            <a:r>
+              <a:rPr lang="en-US" dirty="0" err="1"/>
+              <a:t>Danh</a:t>
+            </a:r>
+            <a:r>
+              <a:rPr lang="en-US" dirty="0"/>
+              <a:t> </a:t>
+            </a:r>
+            <a:r>
+              <a:rPr lang="en-US" dirty="0" err="1"/>
+              <a:t>mục</a:t>
+            </a:r>
+            <a:r>
+              <a:rPr lang="en-US" dirty="0"/>
+              <a:t> </a:t>
+            </a:r>
+            <a:r>
+              <a:rPr lang="en-US" dirty="0" err="1"/>
+              <a:t>thiết</a:t>
+            </a:r>
+            <a:r>
+              <a:rPr lang="en-US" dirty="0"/>
+              <a:t> </a:t>
+            </a:r>
+            <a:r>
+              <a:rPr lang="en-US" dirty="0" err="1"/>
+              <a:t>bị</a:t>
+            </a:r>
+            <a:endParaRPr lang="en-US" dirty="0"/>
+          </a:p>
+        </p:txBody>
+      </p:sp>
+      <p:sp>
+        <p:nvSpPr>
+          <p:cNvPr id="23" name="Rectangle 22">
+            <a:extLst>
+              <a:ext uri="{FF2B5EF4-FFF2-40B4-BE49-F238E27FC236}">
+                <a16:creationId xmlns="" xmlns:a16="http://schemas.microsoft.com/office/drawing/2014/main" id="{069D872E-271E-4648-99CD-D354551B4484}"/>
+              </a:ext>
+            </a:extLst>
+          </p:cNvPr>
+          <p:cNvSpPr/>
+          <p:nvPr/>
+        </p:nvSpPr>
+        <p:spPr>
+          <a:xfrm>
+            <a:off x="2477729" y="3241672"/>
+            <a:ext cx="2367116" cy="482762"/>
+          </a:xfrm>
+          <a:prstGeom prst="rect">
+            <a:avLst/>
+          </a:prstGeom>
+          <a:solidFill>
+            <a:srgbClr val="FFC000"/>
+          </a:solidFill>
+        </p:spPr>
+        <p:style>
+          <a:lnRef idx="2">
+            <a:schemeClr val="accent1">
+              <a:shade val="50000"/>
+            </a:schemeClr>
+          </a:lnRef>
+          <a:fillRef idx="1">
+            <a:schemeClr val="accent1"/>
+          </a:fillRef>
+          <a:effectRef idx="0">
+            <a:schemeClr val="accent1"/>
+          </a:effectRef>
+          <a:fontRef idx="minor">
+            <a:schemeClr val="lt1"/>
+          </a:fontRef>
+        </p:style>
+        <p:txBody>
+          <a:bodyPr rtlCol="0" anchor="ctr"/>
+          <a:lstStyle/>
+          <a:p>
+            <a:pPr algn="ctr"/>
+            <a:r>
+              <a:rPr lang="en-US" dirty="0" err="1"/>
+              <a:t>Danh</a:t>
+            </a:r>
+            <a:r>
+              <a:rPr lang="en-US" dirty="0"/>
+              <a:t> </a:t>
+            </a:r>
+            <a:r>
+              <a:rPr lang="en-US" dirty="0" err="1"/>
+              <a:t>mục</a:t>
+            </a:r>
+            <a:r>
+              <a:rPr lang="en-US" dirty="0"/>
+              <a:t> </a:t>
+            </a:r>
+            <a:r>
+              <a:rPr lang="en-US" dirty="0" err="1"/>
+              <a:t>hợp</a:t>
+            </a:r>
+            <a:r>
+              <a:rPr lang="en-US" dirty="0"/>
+              <a:t> </a:t>
+            </a:r>
+            <a:r>
+              <a:rPr lang="en-US" dirty="0" err="1"/>
+              <a:t>đồng</a:t>
+            </a:r>
+            <a:endParaRPr lang="en-US" dirty="0"/>
+          </a:p>
+        </p:txBody>
+      </p:sp>
+      <p:sp>
+        <p:nvSpPr>
+          <p:cNvPr id="24" name="Rectangle 23">
+            <a:extLst>
+              <a:ext uri="{FF2B5EF4-FFF2-40B4-BE49-F238E27FC236}">
+                <a16:creationId xmlns="" xmlns:a16="http://schemas.microsoft.com/office/drawing/2014/main" id="{699471BF-F626-4565-B290-78D980E82CB9}"/>
+              </a:ext>
+            </a:extLst>
+          </p:cNvPr>
+          <p:cNvSpPr/>
+          <p:nvPr/>
+        </p:nvSpPr>
+        <p:spPr>
+          <a:xfrm>
+            <a:off x="2477729" y="4133949"/>
+            <a:ext cx="2367116" cy="482762"/>
+          </a:xfrm>
+          <a:prstGeom prst="rect">
+            <a:avLst/>
+          </a:prstGeom>
+          <a:solidFill>
+            <a:srgbClr val="FFC000"/>
+          </a:solidFill>
+        </p:spPr>
+        <p:style>
+          <a:lnRef idx="2">
+            <a:schemeClr val="accent1">
+              <a:shade val="50000"/>
+            </a:schemeClr>
+          </a:lnRef>
+          <a:fillRef idx="1">
+            <a:schemeClr val="accent1"/>
+          </a:fillRef>
+          <a:effectRef idx="0">
+            <a:schemeClr val="accent1"/>
+          </a:effectRef>
+          <a:fontRef idx="minor">
+            <a:schemeClr val="lt1"/>
+          </a:fontRef>
+        </p:style>
+        <p:txBody>
+          <a:bodyPr rtlCol="0" anchor="ctr"/>
+          <a:lstStyle/>
+          <a:p>
+            <a:pPr algn="ctr"/>
+            <a:r>
+              <a:rPr lang="en-US" dirty="0" err="1"/>
+              <a:t>Danh</a:t>
+            </a:r>
+            <a:r>
+              <a:rPr lang="en-US" dirty="0"/>
+              <a:t> </a:t>
+            </a:r>
+            <a:r>
+              <a:rPr lang="en-US" dirty="0" err="1"/>
+              <a:t>mục</a:t>
+            </a:r>
+            <a:r>
+              <a:rPr lang="en-US" dirty="0"/>
+              <a:t> </a:t>
+            </a:r>
+            <a:r>
+              <a:rPr lang="en-US" dirty="0" err="1"/>
+              <a:t>đơn</a:t>
+            </a:r>
+            <a:r>
+              <a:rPr lang="en-US" dirty="0"/>
+              <a:t> </a:t>
+            </a:r>
+            <a:r>
+              <a:rPr lang="en-US" dirty="0" err="1"/>
+              <a:t>vị</a:t>
+            </a:r>
+            <a:endParaRPr lang="en-US" dirty="0"/>
+          </a:p>
+        </p:txBody>
+      </p:sp>
+      <p:sp>
+        <p:nvSpPr>
+          <p:cNvPr id="25" name="Rectangle 24">
+            <a:extLst>
+              <a:ext uri="{FF2B5EF4-FFF2-40B4-BE49-F238E27FC236}">
+                <a16:creationId xmlns="" xmlns:a16="http://schemas.microsoft.com/office/drawing/2014/main" id="{3FCEA585-2D3C-4B21-B4D7-51475FC2E886}"/>
+              </a:ext>
+            </a:extLst>
+          </p:cNvPr>
+          <p:cNvSpPr/>
+          <p:nvPr/>
+        </p:nvSpPr>
+        <p:spPr>
+          <a:xfrm>
+            <a:off x="6622026" y="1678858"/>
+            <a:ext cx="2367116" cy="482762"/>
+          </a:xfrm>
+          <a:prstGeom prst="rect">
+            <a:avLst/>
+          </a:prstGeom>
+          <a:solidFill>
+            <a:srgbClr val="FFC000"/>
+          </a:solidFill>
+        </p:spPr>
+        <p:style>
+          <a:lnRef idx="2">
+            <a:schemeClr val="accent1">
+              <a:shade val="50000"/>
+            </a:schemeClr>
+          </a:lnRef>
+          <a:fillRef idx="1">
+            <a:schemeClr val="accent1"/>
+          </a:fillRef>
+          <a:effectRef idx="0">
+            <a:schemeClr val="accent1"/>
+          </a:effectRef>
+          <a:fontRef idx="minor">
+            <a:schemeClr val="lt1"/>
+          </a:fontRef>
+        </p:style>
+        <p:txBody>
+          <a:bodyPr rtlCol="0" anchor="ctr"/>
+          <a:lstStyle/>
+          <a:p>
+            <a:pPr algn="ctr"/>
+            <a:r>
+              <a:rPr lang="en-US" dirty="0" err="1"/>
+              <a:t>Danh</a:t>
+            </a:r>
+            <a:r>
+              <a:rPr lang="en-US" dirty="0"/>
+              <a:t> </a:t>
+            </a:r>
+            <a:r>
+              <a:rPr lang="en-US" dirty="0" err="1"/>
+              <a:t>mục</a:t>
+            </a:r>
+            <a:r>
+              <a:rPr lang="en-US" dirty="0"/>
+              <a:t> </a:t>
+            </a:r>
+            <a:r>
+              <a:rPr lang="en-US" dirty="0" err="1"/>
+              <a:t>BBBG</a:t>
+            </a:r>
+            <a:endParaRPr lang="en-US" dirty="0"/>
+          </a:p>
+        </p:txBody>
+      </p:sp>
+      <p:sp>
+        <p:nvSpPr>
+          <p:cNvPr id="26" name="Rectangle 25">
+            <a:extLst>
+              <a:ext uri="{FF2B5EF4-FFF2-40B4-BE49-F238E27FC236}">
+                <a16:creationId xmlns="" xmlns:a16="http://schemas.microsoft.com/office/drawing/2014/main" id="{52C29FC4-887B-4479-8669-402541CB5BE0}"/>
+              </a:ext>
+            </a:extLst>
+          </p:cNvPr>
+          <p:cNvSpPr/>
+          <p:nvPr/>
+        </p:nvSpPr>
+        <p:spPr>
+          <a:xfrm>
+            <a:off x="6629400" y="2519497"/>
+            <a:ext cx="2367116" cy="482762"/>
+          </a:xfrm>
+          <a:prstGeom prst="rect">
+            <a:avLst/>
+          </a:prstGeom>
+          <a:solidFill>
+            <a:srgbClr val="FFC000"/>
+          </a:solidFill>
+        </p:spPr>
+        <p:style>
+          <a:lnRef idx="2">
+            <a:schemeClr val="accent1">
+              <a:shade val="50000"/>
+            </a:schemeClr>
+          </a:lnRef>
+          <a:fillRef idx="1">
+            <a:schemeClr val="accent1"/>
+          </a:fillRef>
+          <a:effectRef idx="0">
+            <a:schemeClr val="accent1"/>
+          </a:effectRef>
+          <a:fontRef idx="minor">
+            <a:schemeClr val="lt1"/>
+          </a:fontRef>
+        </p:style>
+        <p:txBody>
+          <a:bodyPr rtlCol="0" anchor="ctr"/>
+          <a:lstStyle/>
+          <a:p>
+            <a:pPr algn="ctr"/>
+            <a:r>
+              <a:rPr lang="en-US" dirty="0" err="1"/>
+              <a:t>Danh</a:t>
+            </a:r>
+            <a:r>
+              <a:rPr lang="en-US" dirty="0"/>
+              <a:t> </a:t>
+            </a:r>
+            <a:r>
+              <a:rPr lang="en-US" dirty="0" err="1"/>
+              <a:t>mục</a:t>
+            </a:r>
+            <a:r>
+              <a:rPr lang="en-US" dirty="0"/>
+              <a:t> HA</a:t>
+            </a:r>
+          </a:p>
+        </p:txBody>
+      </p:sp>
+      <p:sp>
+        <p:nvSpPr>
+          <p:cNvPr id="27" name="Rectangle 26">
+            <a:extLst>
+              <a:ext uri="{FF2B5EF4-FFF2-40B4-BE49-F238E27FC236}">
+                <a16:creationId xmlns="" xmlns:a16="http://schemas.microsoft.com/office/drawing/2014/main" id="{C59295D2-B6EF-4BD7-9849-9E1587EFBDD3}"/>
+              </a:ext>
+            </a:extLst>
+          </p:cNvPr>
+          <p:cNvSpPr/>
+          <p:nvPr/>
+        </p:nvSpPr>
+        <p:spPr>
+          <a:xfrm>
+            <a:off x="6629400" y="3326723"/>
+            <a:ext cx="2367116" cy="482762"/>
+          </a:xfrm>
+          <a:prstGeom prst="rect">
+            <a:avLst/>
+          </a:prstGeom>
+          <a:solidFill>
+            <a:srgbClr val="FFC000"/>
+          </a:solidFill>
+        </p:spPr>
+        <p:style>
+          <a:lnRef idx="2">
+            <a:schemeClr val="accent1">
+              <a:shade val="50000"/>
+            </a:schemeClr>
+          </a:lnRef>
+          <a:fillRef idx="1">
+            <a:schemeClr val="accent1"/>
+          </a:fillRef>
+          <a:effectRef idx="0">
+            <a:schemeClr val="accent1"/>
+          </a:effectRef>
+          <a:fontRef idx="minor">
+            <a:schemeClr val="lt1"/>
+          </a:fontRef>
+        </p:style>
+        <p:txBody>
+          <a:bodyPr rtlCol="0" anchor="ctr"/>
+          <a:lstStyle/>
+          <a:p>
+            <a:pPr algn="ctr"/>
+            <a:r>
+              <a:rPr lang="en-US" dirty="0" err="1"/>
+              <a:t>Danh</a:t>
+            </a:r>
+            <a:r>
+              <a:rPr lang="en-US" dirty="0"/>
+              <a:t> </a:t>
+            </a:r>
+            <a:r>
+              <a:rPr lang="en-US" dirty="0" err="1"/>
+              <a:t>mục</a:t>
+            </a:r>
+            <a:r>
+              <a:rPr lang="en-US" dirty="0"/>
+              <a:t> Pool </a:t>
+            </a:r>
+            <a:r>
+              <a:rPr lang="en-US" dirty="0" err="1"/>
+              <a:t>lưu</a:t>
+            </a:r>
+            <a:r>
+              <a:rPr lang="en-US" dirty="0"/>
+              <a:t> </a:t>
+            </a:r>
+            <a:r>
+              <a:rPr lang="en-US" dirty="0" err="1"/>
+              <a:t>trữ</a:t>
+            </a:r>
+            <a:endParaRPr lang="en-US" dirty="0"/>
+          </a:p>
+        </p:txBody>
+      </p:sp>
+      <p:sp>
+        <p:nvSpPr>
+          <p:cNvPr id="28" name="Rectangle 27">
+            <a:extLst>
+              <a:ext uri="{FF2B5EF4-FFF2-40B4-BE49-F238E27FC236}">
+                <a16:creationId xmlns="" xmlns:a16="http://schemas.microsoft.com/office/drawing/2014/main" id="{2C72CAEF-A294-4B7D-969A-AEE00E41E971}"/>
+              </a:ext>
+            </a:extLst>
+          </p:cNvPr>
+          <p:cNvSpPr/>
+          <p:nvPr/>
+        </p:nvSpPr>
+        <p:spPr>
+          <a:xfrm>
+            <a:off x="6622026" y="4133949"/>
+            <a:ext cx="2367116" cy="482762"/>
+          </a:xfrm>
+          <a:prstGeom prst="rect">
+            <a:avLst/>
+          </a:prstGeom>
+          <a:solidFill>
+            <a:srgbClr val="FFC000"/>
+          </a:solidFill>
+        </p:spPr>
+        <p:style>
+          <a:lnRef idx="2">
+            <a:schemeClr val="accent1">
+              <a:shade val="50000"/>
+            </a:schemeClr>
+          </a:lnRef>
+          <a:fillRef idx="1">
+            <a:schemeClr val="accent1"/>
+          </a:fillRef>
+          <a:effectRef idx="0">
+            <a:schemeClr val="accent1"/>
+          </a:effectRef>
+          <a:fontRef idx="minor">
+            <a:schemeClr val="lt1"/>
+          </a:fontRef>
+        </p:style>
+        <p:txBody>
+          <a:bodyPr rtlCol="0" anchor="ctr"/>
+          <a:lstStyle/>
+          <a:p>
+            <a:pPr algn="ctr"/>
+            <a:r>
+              <a:rPr lang="en-US" dirty="0" err="1"/>
+              <a:t>Danh</a:t>
+            </a:r>
+            <a:r>
+              <a:rPr lang="en-US" dirty="0"/>
+              <a:t> </a:t>
+            </a:r>
+            <a:r>
+              <a:rPr lang="en-US" dirty="0" err="1"/>
+              <a:t>mục</a:t>
+            </a:r>
+            <a:r>
+              <a:rPr lang="en-US" dirty="0"/>
+              <a:t> </a:t>
+            </a:r>
+            <a:r>
+              <a:rPr lang="en-US" dirty="0" err="1"/>
+              <a:t>trạng</a:t>
+            </a:r>
+            <a:r>
+              <a:rPr lang="en-US" dirty="0"/>
+              <a:t> </a:t>
+            </a:r>
+            <a:r>
+              <a:rPr lang="en-US" dirty="0" err="1"/>
+              <a:t>thái</a:t>
+            </a:r>
+            <a:r>
+              <a:rPr lang="en-US" dirty="0"/>
+              <a:t> </a:t>
+            </a:r>
+            <a:r>
+              <a:rPr lang="en-US" dirty="0" err="1"/>
+              <a:t>HĐ</a:t>
+            </a:r>
+            <a:endParaRPr lang="en-US" dirty="0"/>
+          </a:p>
+        </p:txBody>
+      </p:sp>
+    </p:spTree>
+    <p:extLst>
+      <p:ext uri="{BB962C8B-B14F-4D97-AF65-F5344CB8AC3E}">
+        <p14:creationId xmlns:p14="http://schemas.microsoft.com/office/powerpoint/2010/main" val="2561121911"/>
+      </p:ext>
+    </p:extLst>
+  </p:cSld>
+  <p:clrMapOvr>
+    <a:masterClrMapping/>
+  </p:clrMapOvr>
+  <p:extLst>
+    <p:ext uri="{6950BFC3-D8DA-4A85-94F7-54DA5524770B}">
+      <p188:commentRel xmlns="" xmlns:p188="http://schemas.microsoft.com/office/powerpoint/2018/8/main" r:id="rId2"/>
     </p:ext>
   </p:extLst>
 </p:sld>
@@ -16304,7 +15591,7 @@
           <p:cNvPr id="2" name="Rectangle 1">
             <a:extLst>
               <a:ext uri="{FF2B5EF4-FFF2-40B4-BE49-F238E27FC236}">
-                <a16:creationId xmlns:a16="http://schemas.microsoft.com/office/drawing/2014/main" xmlns="" id="{114493F7-0131-4550-9EAE-D486FFFB3AA5}"/>
+                <a16:creationId xmlns="" xmlns:a16="http://schemas.microsoft.com/office/drawing/2014/main" id="{114493F7-0131-4550-9EAE-D486FFFB3AA5}"/>
               </a:ext>
             </a:extLst>
           </p:cNvPr>
@@ -16370,7 +15657,7 @@
           <p:cNvPr id="3" name="Rectangle 2">
             <a:extLst>
               <a:ext uri="{FF2B5EF4-FFF2-40B4-BE49-F238E27FC236}">
-                <a16:creationId xmlns:a16="http://schemas.microsoft.com/office/drawing/2014/main" xmlns="" id="{A407FECC-7A8C-496F-B95F-7820D77A7625}"/>
+                <a16:creationId xmlns="" xmlns:a16="http://schemas.microsoft.com/office/drawing/2014/main" id="{A407FECC-7A8C-496F-B95F-7820D77A7625}"/>
               </a:ext>
             </a:extLst>
           </p:cNvPr>
@@ -16436,7 +15723,7 @@
           <p:cNvPr id="4" name="Rectangle 3">
             <a:extLst>
               <a:ext uri="{FF2B5EF4-FFF2-40B4-BE49-F238E27FC236}">
-                <a16:creationId xmlns:a16="http://schemas.microsoft.com/office/drawing/2014/main" xmlns="" id="{6F7C379F-73B7-41B1-978E-D40D37AD1CA2}"/>
+                <a16:creationId xmlns="" xmlns:a16="http://schemas.microsoft.com/office/drawing/2014/main" id="{6F7C379F-73B7-41B1-978E-D40D37AD1CA2}"/>
               </a:ext>
             </a:extLst>
           </p:cNvPr>
@@ -16485,7 +15772,7 @@
           <p:cNvPr id="7" name="Straight Connector 6">
             <a:extLst>
               <a:ext uri="{FF2B5EF4-FFF2-40B4-BE49-F238E27FC236}">
-                <a16:creationId xmlns:a16="http://schemas.microsoft.com/office/drawing/2014/main" xmlns="" id="{7E87841E-6771-48D9-9337-874CA48DAE2A}"/>
+                <a16:creationId xmlns="" xmlns:a16="http://schemas.microsoft.com/office/drawing/2014/main" id="{7E87841E-6771-48D9-9337-874CA48DAE2A}"/>
               </a:ext>
             </a:extLst>
           </p:cNvPr>
@@ -16521,7 +15808,7 @@
           <p:cNvPr id="13" name="Rectangle 12">
             <a:extLst>
               <a:ext uri="{FF2B5EF4-FFF2-40B4-BE49-F238E27FC236}">
-                <a16:creationId xmlns:a16="http://schemas.microsoft.com/office/drawing/2014/main" xmlns="" id="{57CEB79F-2993-488D-A128-A557142D2723}"/>
+                <a16:creationId xmlns="" xmlns:a16="http://schemas.microsoft.com/office/drawing/2014/main" id="{57CEB79F-2993-488D-A128-A557142D2723}"/>
               </a:ext>
             </a:extLst>
           </p:cNvPr>
@@ -16583,7 +15870,7 @@
           <p:cNvPr id="17" name="Rectangle 16">
             <a:extLst>
               <a:ext uri="{FF2B5EF4-FFF2-40B4-BE49-F238E27FC236}">
-                <a16:creationId xmlns:a16="http://schemas.microsoft.com/office/drawing/2014/main" xmlns="" id="{F4C8519E-B0C4-4755-A01D-ED20ADB31053}"/>
+                <a16:creationId xmlns="" xmlns:a16="http://schemas.microsoft.com/office/drawing/2014/main" id="{F4C8519E-B0C4-4755-A01D-ED20ADB31053}"/>
               </a:ext>
             </a:extLst>
           </p:cNvPr>
@@ -16641,7 +15928,7 @@
           <p:cNvPr id="18" name="Rectangle 17">
             <a:extLst>
               <a:ext uri="{FF2B5EF4-FFF2-40B4-BE49-F238E27FC236}">
-                <a16:creationId xmlns:a16="http://schemas.microsoft.com/office/drawing/2014/main" xmlns="" id="{725BA441-C124-43CE-94BD-50DB91DDC2FA}"/>
+                <a16:creationId xmlns="" xmlns:a16="http://schemas.microsoft.com/office/drawing/2014/main" id="{725BA441-C124-43CE-94BD-50DB91DDC2FA}"/>
               </a:ext>
             </a:extLst>
           </p:cNvPr>
@@ -16699,7 +15986,7 @@
           <p:cNvPr id="20" name="Rectangle 19">
             <a:extLst>
               <a:ext uri="{FF2B5EF4-FFF2-40B4-BE49-F238E27FC236}">
-                <a16:creationId xmlns:a16="http://schemas.microsoft.com/office/drawing/2014/main" xmlns="" id="{E251C8AA-3D74-4314-8139-C333A402E137}"/>
+                <a16:creationId xmlns="" xmlns:a16="http://schemas.microsoft.com/office/drawing/2014/main" id="{E251C8AA-3D74-4314-8139-C333A402E137}"/>
               </a:ext>
             </a:extLst>
           </p:cNvPr>
@@ -16748,7 +16035,7 @@
           <p:cNvPr id="21" name="Rectangle 20">
             <a:extLst>
               <a:ext uri="{FF2B5EF4-FFF2-40B4-BE49-F238E27FC236}">
-                <a16:creationId xmlns:a16="http://schemas.microsoft.com/office/drawing/2014/main" xmlns="" id="{426E9989-6A49-45F9-95D0-7E425A99A9A2}"/>
+                <a16:creationId xmlns="" xmlns:a16="http://schemas.microsoft.com/office/drawing/2014/main" id="{426E9989-6A49-45F9-95D0-7E425A99A9A2}"/>
               </a:ext>
             </a:extLst>
           </p:cNvPr>
@@ -16806,1161 +16093,10 @@
       </p:sp>
       <p:sp>
         <p:nvSpPr>
-          <p:cNvPr id="5" name="Rectangle 4">
-            <a:extLst>
-              <a:ext uri="{FF2B5EF4-FFF2-40B4-BE49-F238E27FC236}">
-                <a16:creationId xmlns:a16="http://schemas.microsoft.com/office/drawing/2014/main" xmlns="" id="{E0E0382E-3C04-4D95-A8DA-CEE00AED2620}"/>
-              </a:ext>
-            </a:extLst>
-          </p:cNvPr>
-          <p:cNvSpPr/>
-          <p:nvPr/>
-        </p:nvSpPr>
-        <p:spPr>
-          <a:xfrm>
-            <a:off x="2485103" y="1627220"/>
-            <a:ext cx="2367116" cy="482762"/>
-          </a:xfrm>
-          <a:prstGeom prst="rect">
-            <a:avLst/>
-          </a:prstGeom>
-          <a:solidFill>
-            <a:srgbClr val="FFC000"/>
-          </a:solidFill>
-        </p:spPr>
-        <p:style>
-          <a:lnRef idx="2">
-            <a:schemeClr val="accent1">
-              <a:shade val="50000"/>
-            </a:schemeClr>
-          </a:lnRef>
-          <a:fillRef idx="1">
-            <a:schemeClr val="accent1"/>
-          </a:fillRef>
-          <a:effectRef idx="0">
-            <a:schemeClr val="accent1"/>
-          </a:effectRef>
-          <a:fontRef idx="minor">
-            <a:schemeClr val="lt1"/>
-          </a:fontRef>
-        </p:style>
-        <p:txBody>
-          <a:bodyPr rtlCol="0" anchor="ctr"/>
-          <a:lstStyle/>
-          <a:p>
-            <a:pPr algn="ctr"/>
-            <a:r>
-              <a:rPr lang="en-US" dirty="0" err="1"/>
-              <a:t>Danh</a:t>
-            </a:r>
-            <a:r>
-              <a:rPr lang="en-US" dirty="0"/>
-              <a:t> </a:t>
-            </a:r>
-            <a:r>
-              <a:rPr lang="en-US" dirty="0" err="1"/>
-              <a:t>mục</a:t>
-            </a:r>
-            <a:r>
-              <a:rPr lang="en-US" dirty="0"/>
-              <a:t> </a:t>
-            </a:r>
-            <a:r>
-              <a:rPr lang="en-US" dirty="0" err="1"/>
-              <a:t>dự</a:t>
-            </a:r>
-            <a:r>
-              <a:rPr lang="en-US" dirty="0"/>
-              <a:t> </a:t>
-            </a:r>
-            <a:r>
-              <a:rPr lang="en-US" dirty="0" err="1"/>
-              <a:t>án</a:t>
-            </a:r>
-            <a:endParaRPr lang="en-US" dirty="0"/>
-          </a:p>
-        </p:txBody>
-      </p:sp>
-      <p:sp>
-        <p:nvSpPr>
-          <p:cNvPr id="22" name="Rectangle 21">
-            <a:extLst>
-              <a:ext uri="{FF2B5EF4-FFF2-40B4-BE49-F238E27FC236}">
-                <a16:creationId xmlns:a16="http://schemas.microsoft.com/office/drawing/2014/main" xmlns="" id="{6A25AC54-1119-424D-8FDD-95668400DBF2}"/>
-              </a:ext>
-            </a:extLst>
-          </p:cNvPr>
-          <p:cNvSpPr/>
-          <p:nvPr/>
-        </p:nvSpPr>
-        <p:spPr>
-          <a:xfrm>
-            <a:off x="2485103" y="2434446"/>
-            <a:ext cx="2367116" cy="482762"/>
-          </a:xfrm>
-          <a:prstGeom prst="rect">
-            <a:avLst/>
-          </a:prstGeom>
-          <a:solidFill>
-            <a:srgbClr val="FFC000"/>
-          </a:solidFill>
-        </p:spPr>
-        <p:style>
-          <a:lnRef idx="2">
-            <a:schemeClr val="accent1">
-              <a:shade val="50000"/>
-            </a:schemeClr>
-          </a:lnRef>
-          <a:fillRef idx="1">
-            <a:schemeClr val="accent1"/>
-          </a:fillRef>
-          <a:effectRef idx="0">
-            <a:schemeClr val="accent1"/>
-          </a:effectRef>
-          <a:fontRef idx="minor">
-            <a:schemeClr val="lt1"/>
-          </a:fontRef>
-        </p:style>
-        <p:txBody>
-          <a:bodyPr rtlCol="0" anchor="ctr"/>
-          <a:lstStyle/>
-          <a:p>
-            <a:pPr algn="ctr"/>
-            <a:r>
-              <a:rPr lang="en-US" dirty="0" err="1"/>
-              <a:t>Danh</a:t>
-            </a:r>
-            <a:r>
-              <a:rPr lang="en-US" dirty="0"/>
-              <a:t> </a:t>
-            </a:r>
-            <a:r>
-              <a:rPr lang="en-US" dirty="0" err="1"/>
-              <a:t>mục</a:t>
-            </a:r>
-            <a:r>
-              <a:rPr lang="en-US" dirty="0"/>
-              <a:t> </a:t>
-            </a:r>
-            <a:r>
-              <a:rPr lang="en-US" dirty="0" err="1"/>
-              <a:t>thiết</a:t>
-            </a:r>
-            <a:r>
-              <a:rPr lang="en-US" dirty="0"/>
-              <a:t> </a:t>
-            </a:r>
-            <a:r>
-              <a:rPr lang="en-US" dirty="0" err="1"/>
-              <a:t>bị</a:t>
-            </a:r>
-            <a:endParaRPr lang="en-US" dirty="0"/>
-          </a:p>
-        </p:txBody>
-      </p:sp>
-      <p:sp>
-        <p:nvSpPr>
-          <p:cNvPr id="23" name="Rectangle 22">
-            <a:extLst>
-              <a:ext uri="{FF2B5EF4-FFF2-40B4-BE49-F238E27FC236}">
-                <a16:creationId xmlns:a16="http://schemas.microsoft.com/office/drawing/2014/main" xmlns="" id="{069D872E-271E-4648-99CD-D354551B4484}"/>
-              </a:ext>
-            </a:extLst>
-          </p:cNvPr>
-          <p:cNvSpPr/>
-          <p:nvPr/>
-        </p:nvSpPr>
-        <p:spPr>
-          <a:xfrm>
-            <a:off x="2477729" y="3241672"/>
-            <a:ext cx="2367116" cy="482762"/>
-          </a:xfrm>
-          <a:prstGeom prst="rect">
-            <a:avLst/>
-          </a:prstGeom>
-          <a:solidFill>
-            <a:srgbClr val="FFC000"/>
-          </a:solidFill>
-        </p:spPr>
-        <p:style>
-          <a:lnRef idx="2">
-            <a:schemeClr val="accent1">
-              <a:shade val="50000"/>
-            </a:schemeClr>
-          </a:lnRef>
-          <a:fillRef idx="1">
-            <a:schemeClr val="accent1"/>
-          </a:fillRef>
-          <a:effectRef idx="0">
-            <a:schemeClr val="accent1"/>
-          </a:effectRef>
-          <a:fontRef idx="minor">
-            <a:schemeClr val="lt1"/>
-          </a:fontRef>
-        </p:style>
-        <p:txBody>
-          <a:bodyPr rtlCol="0" anchor="ctr"/>
-          <a:lstStyle/>
-          <a:p>
-            <a:pPr algn="ctr"/>
-            <a:r>
-              <a:rPr lang="en-US" dirty="0" err="1"/>
-              <a:t>Danh</a:t>
-            </a:r>
-            <a:r>
-              <a:rPr lang="en-US" dirty="0"/>
-              <a:t> </a:t>
-            </a:r>
-            <a:r>
-              <a:rPr lang="en-US" dirty="0" err="1"/>
-              <a:t>mục</a:t>
-            </a:r>
-            <a:r>
-              <a:rPr lang="en-US" dirty="0"/>
-              <a:t> </a:t>
-            </a:r>
-            <a:r>
-              <a:rPr lang="en-US" dirty="0" err="1"/>
-              <a:t>hợp</a:t>
-            </a:r>
-            <a:r>
-              <a:rPr lang="en-US" dirty="0"/>
-              <a:t> </a:t>
-            </a:r>
-            <a:r>
-              <a:rPr lang="en-US" dirty="0" err="1"/>
-              <a:t>đồng</a:t>
-            </a:r>
-            <a:endParaRPr lang="en-US" dirty="0"/>
-          </a:p>
-        </p:txBody>
-      </p:sp>
-      <p:sp>
-        <p:nvSpPr>
-          <p:cNvPr id="24" name="Rectangle 23">
-            <a:extLst>
-              <a:ext uri="{FF2B5EF4-FFF2-40B4-BE49-F238E27FC236}">
-                <a16:creationId xmlns:a16="http://schemas.microsoft.com/office/drawing/2014/main" xmlns="" id="{699471BF-F626-4565-B290-78D980E82CB9}"/>
-              </a:ext>
-            </a:extLst>
-          </p:cNvPr>
-          <p:cNvSpPr/>
-          <p:nvPr/>
-        </p:nvSpPr>
-        <p:spPr>
-          <a:xfrm>
-            <a:off x="2477729" y="4133949"/>
-            <a:ext cx="2367116" cy="482762"/>
-          </a:xfrm>
-          <a:prstGeom prst="rect">
-            <a:avLst/>
-          </a:prstGeom>
-          <a:solidFill>
-            <a:srgbClr val="FFC000"/>
-          </a:solidFill>
-        </p:spPr>
-        <p:style>
-          <a:lnRef idx="2">
-            <a:schemeClr val="accent1">
-              <a:shade val="50000"/>
-            </a:schemeClr>
-          </a:lnRef>
-          <a:fillRef idx="1">
-            <a:schemeClr val="accent1"/>
-          </a:fillRef>
-          <a:effectRef idx="0">
-            <a:schemeClr val="accent1"/>
-          </a:effectRef>
-          <a:fontRef idx="minor">
-            <a:schemeClr val="lt1"/>
-          </a:fontRef>
-        </p:style>
-        <p:txBody>
-          <a:bodyPr rtlCol="0" anchor="ctr"/>
-          <a:lstStyle/>
-          <a:p>
-            <a:pPr algn="ctr"/>
-            <a:r>
-              <a:rPr lang="en-US" dirty="0" err="1"/>
-              <a:t>Danh</a:t>
-            </a:r>
-            <a:r>
-              <a:rPr lang="en-US" dirty="0"/>
-              <a:t> </a:t>
-            </a:r>
-            <a:r>
-              <a:rPr lang="en-US" dirty="0" err="1"/>
-              <a:t>mục</a:t>
-            </a:r>
-            <a:r>
-              <a:rPr lang="en-US" dirty="0"/>
-              <a:t> </a:t>
-            </a:r>
-            <a:r>
-              <a:rPr lang="en-US" dirty="0" err="1"/>
-              <a:t>đơn</a:t>
-            </a:r>
-            <a:r>
-              <a:rPr lang="en-US" dirty="0"/>
-              <a:t> </a:t>
-            </a:r>
-            <a:r>
-              <a:rPr lang="en-US" dirty="0" err="1"/>
-              <a:t>vị</a:t>
-            </a:r>
-            <a:endParaRPr lang="en-US" dirty="0"/>
-          </a:p>
-        </p:txBody>
-      </p:sp>
-      <p:sp>
-        <p:nvSpPr>
-          <p:cNvPr id="25" name="Rectangle 24">
-            <a:extLst>
-              <a:ext uri="{FF2B5EF4-FFF2-40B4-BE49-F238E27FC236}">
-                <a16:creationId xmlns:a16="http://schemas.microsoft.com/office/drawing/2014/main" xmlns="" id="{3FCEA585-2D3C-4B21-B4D7-51475FC2E886}"/>
-              </a:ext>
-            </a:extLst>
-          </p:cNvPr>
-          <p:cNvSpPr/>
-          <p:nvPr/>
-        </p:nvSpPr>
-        <p:spPr>
-          <a:xfrm>
-            <a:off x="6622026" y="1678858"/>
-            <a:ext cx="2367116" cy="482762"/>
-          </a:xfrm>
-          <a:prstGeom prst="rect">
-            <a:avLst/>
-          </a:prstGeom>
-          <a:solidFill>
-            <a:srgbClr val="FFC000"/>
-          </a:solidFill>
-        </p:spPr>
-        <p:style>
-          <a:lnRef idx="2">
-            <a:schemeClr val="accent1">
-              <a:shade val="50000"/>
-            </a:schemeClr>
-          </a:lnRef>
-          <a:fillRef idx="1">
-            <a:schemeClr val="accent1"/>
-          </a:fillRef>
-          <a:effectRef idx="0">
-            <a:schemeClr val="accent1"/>
-          </a:effectRef>
-          <a:fontRef idx="minor">
-            <a:schemeClr val="lt1"/>
-          </a:fontRef>
-        </p:style>
-        <p:txBody>
-          <a:bodyPr rtlCol="0" anchor="ctr"/>
-          <a:lstStyle/>
-          <a:p>
-            <a:pPr algn="ctr"/>
-            <a:r>
-              <a:rPr lang="en-US" dirty="0" err="1"/>
-              <a:t>Danh</a:t>
-            </a:r>
-            <a:r>
-              <a:rPr lang="en-US" dirty="0"/>
-              <a:t> </a:t>
-            </a:r>
-            <a:r>
-              <a:rPr lang="en-US" dirty="0" err="1"/>
-              <a:t>mục</a:t>
-            </a:r>
-            <a:r>
-              <a:rPr lang="en-US" dirty="0"/>
-              <a:t> </a:t>
-            </a:r>
-            <a:r>
-              <a:rPr lang="en-US" dirty="0" err="1"/>
-              <a:t>BBBG</a:t>
-            </a:r>
-            <a:endParaRPr lang="en-US" dirty="0"/>
-          </a:p>
-        </p:txBody>
-      </p:sp>
-      <p:sp>
-        <p:nvSpPr>
-          <p:cNvPr id="26" name="Rectangle 25">
-            <a:extLst>
-              <a:ext uri="{FF2B5EF4-FFF2-40B4-BE49-F238E27FC236}">
-                <a16:creationId xmlns:a16="http://schemas.microsoft.com/office/drawing/2014/main" xmlns="" id="{52C29FC4-887B-4479-8669-402541CB5BE0}"/>
-              </a:ext>
-            </a:extLst>
-          </p:cNvPr>
-          <p:cNvSpPr/>
-          <p:nvPr/>
-        </p:nvSpPr>
-        <p:spPr>
-          <a:xfrm>
-            <a:off x="6629400" y="2519497"/>
-            <a:ext cx="2367116" cy="482762"/>
-          </a:xfrm>
-          <a:prstGeom prst="rect">
-            <a:avLst/>
-          </a:prstGeom>
-          <a:solidFill>
-            <a:srgbClr val="FFC000"/>
-          </a:solidFill>
-        </p:spPr>
-        <p:style>
-          <a:lnRef idx="2">
-            <a:schemeClr val="accent1">
-              <a:shade val="50000"/>
-            </a:schemeClr>
-          </a:lnRef>
-          <a:fillRef idx="1">
-            <a:schemeClr val="accent1"/>
-          </a:fillRef>
-          <a:effectRef idx="0">
-            <a:schemeClr val="accent1"/>
-          </a:effectRef>
-          <a:fontRef idx="minor">
-            <a:schemeClr val="lt1"/>
-          </a:fontRef>
-        </p:style>
-        <p:txBody>
-          <a:bodyPr rtlCol="0" anchor="ctr"/>
-          <a:lstStyle/>
-          <a:p>
-            <a:pPr algn="ctr"/>
-            <a:r>
-              <a:rPr lang="en-US" dirty="0" err="1"/>
-              <a:t>Danh</a:t>
-            </a:r>
-            <a:r>
-              <a:rPr lang="en-US" dirty="0"/>
-              <a:t> </a:t>
-            </a:r>
-            <a:r>
-              <a:rPr lang="en-US" dirty="0" err="1"/>
-              <a:t>mục</a:t>
-            </a:r>
-            <a:r>
-              <a:rPr lang="en-US" dirty="0"/>
-              <a:t> HA</a:t>
-            </a:r>
-          </a:p>
-        </p:txBody>
-      </p:sp>
-      <p:sp>
-        <p:nvSpPr>
-          <p:cNvPr id="27" name="Rectangle 26">
-            <a:extLst>
-              <a:ext uri="{FF2B5EF4-FFF2-40B4-BE49-F238E27FC236}">
-                <a16:creationId xmlns:a16="http://schemas.microsoft.com/office/drawing/2014/main" xmlns="" id="{C59295D2-B6EF-4BD7-9849-9E1587EFBDD3}"/>
-              </a:ext>
-            </a:extLst>
-          </p:cNvPr>
-          <p:cNvSpPr/>
-          <p:nvPr/>
-        </p:nvSpPr>
-        <p:spPr>
-          <a:xfrm>
-            <a:off x="6629400" y="3326723"/>
-            <a:ext cx="2367116" cy="482762"/>
-          </a:xfrm>
-          <a:prstGeom prst="rect">
-            <a:avLst/>
-          </a:prstGeom>
-          <a:solidFill>
-            <a:srgbClr val="FFC000"/>
-          </a:solidFill>
-        </p:spPr>
-        <p:style>
-          <a:lnRef idx="2">
-            <a:schemeClr val="accent1">
-              <a:shade val="50000"/>
-            </a:schemeClr>
-          </a:lnRef>
-          <a:fillRef idx="1">
-            <a:schemeClr val="accent1"/>
-          </a:fillRef>
-          <a:effectRef idx="0">
-            <a:schemeClr val="accent1"/>
-          </a:effectRef>
-          <a:fontRef idx="minor">
-            <a:schemeClr val="lt1"/>
-          </a:fontRef>
-        </p:style>
-        <p:txBody>
-          <a:bodyPr rtlCol="0" anchor="ctr"/>
-          <a:lstStyle/>
-          <a:p>
-            <a:pPr algn="ctr"/>
-            <a:r>
-              <a:rPr lang="en-US" dirty="0" err="1"/>
-              <a:t>Danh</a:t>
-            </a:r>
-            <a:r>
-              <a:rPr lang="en-US" dirty="0"/>
-              <a:t> </a:t>
-            </a:r>
-            <a:r>
-              <a:rPr lang="en-US" dirty="0" err="1"/>
-              <a:t>mục</a:t>
-            </a:r>
-            <a:r>
-              <a:rPr lang="en-US" dirty="0"/>
-              <a:t> Pool </a:t>
-            </a:r>
-            <a:r>
-              <a:rPr lang="en-US" dirty="0" err="1"/>
-              <a:t>lưu</a:t>
-            </a:r>
-            <a:r>
-              <a:rPr lang="en-US" dirty="0"/>
-              <a:t> </a:t>
-            </a:r>
-            <a:r>
-              <a:rPr lang="en-US" dirty="0" err="1"/>
-              <a:t>trữ</a:t>
-            </a:r>
-            <a:endParaRPr lang="en-US" dirty="0"/>
-          </a:p>
-        </p:txBody>
-      </p:sp>
-      <p:sp>
-        <p:nvSpPr>
-          <p:cNvPr id="28" name="Rectangle 27">
-            <a:extLst>
-              <a:ext uri="{FF2B5EF4-FFF2-40B4-BE49-F238E27FC236}">
-                <a16:creationId xmlns:a16="http://schemas.microsoft.com/office/drawing/2014/main" xmlns="" id="{2C72CAEF-A294-4B7D-969A-AEE00E41E971}"/>
-              </a:ext>
-            </a:extLst>
-          </p:cNvPr>
-          <p:cNvSpPr/>
-          <p:nvPr/>
-        </p:nvSpPr>
-        <p:spPr>
-          <a:xfrm>
-            <a:off x="6622026" y="4133949"/>
-            <a:ext cx="2367116" cy="482762"/>
-          </a:xfrm>
-          <a:prstGeom prst="rect">
-            <a:avLst/>
-          </a:prstGeom>
-          <a:solidFill>
-            <a:srgbClr val="FFC000"/>
-          </a:solidFill>
-        </p:spPr>
-        <p:style>
-          <a:lnRef idx="2">
-            <a:schemeClr val="accent1">
-              <a:shade val="50000"/>
-            </a:schemeClr>
-          </a:lnRef>
-          <a:fillRef idx="1">
-            <a:schemeClr val="accent1"/>
-          </a:fillRef>
-          <a:effectRef idx="0">
-            <a:schemeClr val="accent1"/>
-          </a:effectRef>
-          <a:fontRef idx="minor">
-            <a:schemeClr val="lt1"/>
-          </a:fontRef>
-        </p:style>
-        <p:txBody>
-          <a:bodyPr rtlCol="0" anchor="ctr"/>
-          <a:lstStyle/>
-          <a:p>
-            <a:pPr algn="ctr"/>
-            <a:r>
-              <a:rPr lang="en-US" dirty="0" err="1"/>
-              <a:t>Danh</a:t>
-            </a:r>
-            <a:r>
-              <a:rPr lang="en-US" dirty="0"/>
-              <a:t> </a:t>
-            </a:r>
-            <a:r>
-              <a:rPr lang="en-US" dirty="0" err="1"/>
-              <a:t>mục</a:t>
-            </a:r>
-            <a:r>
-              <a:rPr lang="en-US" dirty="0"/>
-              <a:t> </a:t>
-            </a:r>
-            <a:r>
-              <a:rPr lang="en-US" dirty="0" err="1"/>
-              <a:t>trạng</a:t>
-            </a:r>
-            <a:r>
-              <a:rPr lang="en-US" dirty="0"/>
-              <a:t> </a:t>
-            </a:r>
-            <a:r>
-              <a:rPr lang="en-US" dirty="0" err="1"/>
-              <a:t>thái</a:t>
-            </a:r>
-            <a:r>
-              <a:rPr lang="en-US" dirty="0"/>
-              <a:t> </a:t>
-            </a:r>
-            <a:r>
-              <a:rPr lang="en-US" dirty="0" err="1"/>
-              <a:t>HĐ</a:t>
-            </a:r>
-            <a:endParaRPr lang="en-US" dirty="0"/>
-          </a:p>
-        </p:txBody>
-      </p:sp>
-    </p:spTree>
-    <p:extLst>
-      <p:ext uri="{BB962C8B-B14F-4D97-AF65-F5344CB8AC3E}">
-        <p14:creationId xmlns:p14="http://schemas.microsoft.com/office/powerpoint/2010/main" val="2561121911"/>
-      </p:ext>
-    </p:extLst>
-  </p:cSld>
-  <p:clrMapOvr>
-    <a:masterClrMapping/>
-  </p:clrMapOvr>
-  <p:extLst>
-    <p:ext uri="{6950BFC3-D8DA-4A85-94F7-54DA5524770B}">
-      <p188:commentRel xmlns:p188="http://schemas.microsoft.com/office/powerpoint/2018/8/main" xmlns="" r:id="rId2"/>
-    </p:ext>
-  </p:extLst>
-</p:sld>
-</file>
-
-<file path=ppt/slides/slide7.xml><?xml version="1.0" encoding="utf-8"?>
-<p:sld xmlns:a="http://schemas.openxmlformats.org/drawingml/2006/main" xmlns:r="http://schemas.openxmlformats.org/officeDocument/2006/relationships" xmlns:p="http://schemas.openxmlformats.org/presentationml/2006/main">
-  <p:cSld>
-    <p:bg>
-      <p:bgPr>
-        <a:solidFill>
-          <a:schemeClr val="bg1"/>
-        </a:solidFill>
-        <a:effectLst/>
-      </p:bgPr>
-    </p:bg>
-    <p:spTree>
-      <p:nvGrpSpPr>
-        <p:cNvPr id="1" name=""/>
-        <p:cNvGrpSpPr/>
-        <p:nvPr/>
-      </p:nvGrpSpPr>
-      <p:grpSpPr>
-        <a:xfrm>
-          <a:off x="0" y="0"/>
-          <a:ext cx="0" cy="0"/>
-          <a:chOff x="0" y="0"/>
-          <a:chExt cx="0" cy="0"/>
-        </a:xfrm>
-      </p:grpSpPr>
-      <p:sp>
-        <p:nvSpPr>
-          <p:cNvPr id="2" name="Rectangle 1">
-            <a:extLst>
-              <a:ext uri="{FF2B5EF4-FFF2-40B4-BE49-F238E27FC236}">
-                <a16:creationId xmlns:a16="http://schemas.microsoft.com/office/drawing/2014/main" xmlns="" id="{114493F7-0131-4550-9EAE-D486FFFB3AA5}"/>
-              </a:ext>
-            </a:extLst>
-          </p:cNvPr>
-          <p:cNvSpPr/>
-          <p:nvPr/>
-        </p:nvSpPr>
-        <p:spPr>
-          <a:xfrm>
-            <a:off x="521713" y="39269"/>
-            <a:ext cx="2204658" cy="409516"/>
-          </a:xfrm>
-          <a:prstGeom prst="rect">
-            <a:avLst/>
-          </a:prstGeom>
-        </p:spPr>
-        <p:style>
-          <a:lnRef idx="2">
-            <a:schemeClr val="accent1">
-              <a:shade val="50000"/>
-            </a:schemeClr>
-          </a:lnRef>
-          <a:fillRef idx="1">
-            <a:schemeClr val="accent1"/>
-          </a:fillRef>
-          <a:effectRef idx="0">
-            <a:schemeClr val="accent1"/>
-          </a:effectRef>
-          <a:fontRef idx="minor">
-            <a:schemeClr val="lt1"/>
-          </a:fontRef>
-        </p:style>
-        <p:txBody>
-          <a:bodyPr rtlCol="0" anchor="ctr"/>
-          <a:lstStyle/>
-          <a:p>
-            <a:pPr algn="ctr"/>
-            <a:r>
-              <a:rPr lang="en-US" dirty="0" err="1"/>
-              <a:t>Quản</a:t>
-            </a:r>
-            <a:r>
-              <a:rPr lang="en-US" dirty="0"/>
-              <a:t> </a:t>
-            </a:r>
-            <a:r>
-              <a:rPr lang="en-US" dirty="0" err="1"/>
-              <a:t>lý</a:t>
-            </a:r>
-            <a:r>
-              <a:rPr lang="en-US" dirty="0"/>
-              <a:t> cấp </a:t>
-            </a:r>
-            <a:r>
-              <a:rPr lang="en-US" dirty="0" err="1"/>
-              <a:t>phát</a:t>
-            </a:r>
-            <a:endParaRPr lang="en-US" dirty="0"/>
-          </a:p>
-        </p:txBody>
-      </p:sp>
-      <p:sp>
-        <p:nvSpPr>
-          <p:cNvPr id="3" name="Rectangle 2">
-            <a:extLst>
-              <a:ext uri="{FF2B5EF4-FFF2-40B4-BE49-F238E27FC236}">
-                <a16:creationId xmlns:a16="http://schemas.microsoft.com/office/drawing/2014/main" xmlns="" id="{A407FECC-7A8C-496F-B95F-7820D77A7625}"/>
-              </a:ext>
-            </a:extLst>
-          </p:cNvPr>
-          <p:cNvSpPr/>
-          <p:nvPr/>
-        </p:nvSpPr>
-        <p:spPr>
-          <a:xfrm>
-            <a:off x="577811" y="39269"/>
-            <a:ext cx="2204658" cy="409516"/>
-          </a:xfrm>
-          <a:prstGeom prst="rect">
-            <a:avLst/>
-          </a:prstGeom>
-        </p:spPr>
-        <p:style>
-          <a:lnRef idx="2">
-            <a:schemeClr val="accent1">
-              <a:shade val="50000"/>
-            </a:schemeClr>
-          </a:lnRef>
-          <a:fillRef idx="1">
-            <a:schemeClr val="accent1"/>
-          </a:fillRef>
-          <a:effectRef idx="0">
-            <a:schemeClr val="accent1"/>
-          </a:effectRef>
-          <a:fontRef idx="minor">
-            <a:schemeClr val="lt1"/>
-          </a:fontRef>
-        </p:style>
-        <p:txBody>
-          <a:bodyPr rtlCol="0" anchor="ctr"/>
-          <a:lstStyle/>
-          <a:p>
-            <a:pPr algn="ctr"/>
-            <a:r>
-              <a:rPr lang="en-US" dirty="0" err="1"/>
-              <a:t>Quản</a:t>
-            </a:r>
-            <a:r>
-              <a:rPr lang="en-US" dirty="0"/>
-              <a:t> </a:t>
-            </a:r>
-            <a:r>
-              <a:rPr lang="en-US" dirty="0" err="1"/>
-              <a:t>lý</a:t>
-            </a:r>
-            <a:r>
-              <a:rPr lang="en-US" dirty="0"/>
-              <a:t> cấp </a:t>
-            </a:r>
-            <a:r>
-              <a:rPr lang="en-US" dirty="0" err="1"/>
-              <a:t>phát</a:t>
-            </a:r>
-            <a:endParaRPr lang="en-US" dirty="0"/>
-          </a:p>
-        </p:txBody>
-      </p:sp>
-      <p:sp>
-        <p:nvSpPr>
-          <p:cNvPr id="4" name="Rectangle 3">
-            <a:extLst>
-              <a:ext uri="{FF2B5EF4-FFF2-40B4-BE49-F238E27FC236}">
-                <a16:creationId xmlns:a16="http://schemas.microsoft.com/office/drawing/2014/main" xmlns="" id="{6F7C379F-73B7-41B1-978E-D40D37AD1CA2}"/>
-              </a:ext>
-            </a:extLst>
-          </p:cNvPr>
-          <p:cNvSpPr/>
-          <p:nvPr/>
-        </p:nvSpPr>
-        <p:spPr>
-          <a:xfrm>
-            <a:off x="10585722" y="0"/>
-            <a:ext cx="1307087" cy="409516"/>
-          </a:xfrm>
-          <a:prstGeom prst="rect">
-            <a:avLst/>
-          </a:prstGeom>
-        </p:spPr>
-        <p:style>
-          <a:lnRef idx="2">
-            <a:schemeClr val="accent1">
-              <a:shade val="50000"/>
-            </a:schemeClr>
-          </a:lnRef>
-          <a:fillRef idx="1">
-            <a:schemeClr val="accent1"/>
-          </a:fillRef>
-          <a:effectRef idx="0">
-            <a:schemeClr val="accent1"/>
-          </a:effectRef>
-          <a:fontRef idx="minor">
-            <a:schemeClr val="lt1"/>
-          </a:fontRef>
-        </p:style>
-        <p:txBody>
-          <a:bodyPr rtlCol="0" anchor="ctr"/>
-          <a:lstStyle/>
-          <a:p>
-            <a:pPr algn="ctr"/>
-            <a:r>
-              <a:rPr lang="en-US" dirty="0"/>
-              <a:t>user</a:t>
-            </a:r>
-          </a:p>
-        </p:txBody>
-      </p:sp>
-      <p:cxnSp>
-        <p:nvCxnSpPr>
-          <p:cNvPr id="7" name="Straight Connector 6">
-            <a:extLst>
-              <a:ext uri="{FF2B5EF4-FFF2-40B4-BE49-F238E27FC236}">
-                <a16:creationId xmlns:a16="http://schemas.microsoft.com/office/drawing/2014/main" xmlns="" id="{7E87841E-6771-48D9-9337-874CA48DAE2A}"/>
-              </a:ext>
-            </a:extLst>
-          </p:cNvPr>
-          <p:cNvCxnSpPr/>
-          <p:nvPr/>
-        </p:nvCxnSpPr>
-        <p:spPr>
-          <a:xfrm flipV="1">
-            <a:off x="597852" y="1154855"/>
-            <a:ext cx="11102912" cy="66368"/>
-          </a:xfrm>
-          <a:prstGeom prst="line">
-            <a:avLst/>
-          </a:prstGeom>
-        </p:spPr>
-        <p:style>
-          <a:lnRef idx="1">
-            <a:schemeClr val="accent1"/>
-          </a:lnRef>
-          <a:fillRef idx="0">
-            <a:schemeClr val="accent1"/>
-          </a:fillRef>
-          <a:effectRef idx="0">
-            <a:schemeClr val="accent1"/>
-          </a:effectRef>
-          <a:fontRef idx="minor">
-            <a:schemeClr val="tx1"/>
-          </a:fontRef>
-        </p:style>
-      </p:cxnSp>
-      <p:sp>
-        <p:nvSpPr>
-          <p:cNvPr id="13" name="Rectangle 12">
-            <a:extLst>
-              <a:ext uri="{FF2B5EF4-FFF2-40B4-BE49-F238E27FC236}">
-                <a16:creationId xmlns:a16="http://schemas.microsoft.com/office/drawing/2014/main" xmlns="" id="{57CEB79F-2993-488D-A128-A557142D2723}"/>
-              </a:ext>
-            </a:extLst>
-          </p:cNvPr>
-          <p:cNvSpPr/>
-          <p:nvPr/>
-        </p:nvSpPr>
-        <p:spPr>
-          <a:xfrm>
-            <a:off x="597852" y="597310"/>
-            <a:ext cx="2285458" cy="511560"/>
-          </a:xfrm>
-          <a:prstGeom prst="rect">
-            <a:avLst/>
-          </a:prstGeom>
-          <a:solidFill>
-            <a:schemeClr val="accent1"/>
-          </a:solidFill>
-          <a:ln>
-            <a:solidFill>
-              <a:srgbClr val="C00000"/>
-            </a:solidFill>
-          </a:ln>
-        </p:spPr>
-        <p:style>
-          <a:lnRef idx="2">
-            <a:schemeClr val="accent1">
-              <a:shade val="50000"/>
-            </a:schemeClr>
-          </a:lnRef>
-          <a:fillRef idx="1">
-            <a:schemeClr val="accent1"/>
-          </a:fillRef>
-          <a:effectRef idx="0">
-            <a:schemeClr val="accent1"/>
-          </a:effectRef>
-          <a:fontRef idx="minor">
-            <a:schemeClr val="lt1"/>
-          </a:fontRef>
-        </p:style>
-        <p:txBody>
-          <a:bodyPr rtlCol="0" anchor="ctr"/>
-          <a:lstStyle/>
-          <a:p>
-            <a:pPr algn="ctr"/>
-            <a:r>
-              <a:rPr lang="en-US" dirty="0"/>
-              <a:t>Tổng </a:t>
-            </a:r>
-            <a:r>
-              <a:rPr lang="en-US" dirty="0" err="1"/>
-              <a:t>quan</a:t>
-            </a:r>
-            <a:endParaRPr lang="en-US" dirty="0"/>
-          </a:p>
-        </p:txBody>
-      </p:sp>
-      <p:sp>
-        <p:nvSpPr>
-          <p:cNvPr id="17" name="Rectangle 16">
-            <a:extLst>
-              <a:ext uri="{FF2B5EF4-FFF2-40B4-BE49-F238E27FC236}">
-                <a16:creationId xmlns:a16="http://schemas.microsoft.com/office/drawing/2014/main" xmlns="" id="{F4C8519E-B0C4-4755-A01D-ED20ADB31053}"/>
-              </a:ext>
-            </a:extLst>
-          </p:cNvPr>
-          <p:cNvSpPr/>
-          <p:nvPr/>
-        </p:nvSpPr>
-        <p:spPr>
-          <a:xfrm>
-            <a:off x="4284407" y="597310"/>
-            <a:ext cx="1253613" cy="511560"/>
-          </a:xfrm>
-          <a:prstGeom prst="rect">
-            <a:avLst/>
-          </a:prstGeom>
-        </p:spPr>
-        <p:style>
-          <a:lnRef idx="2">
-            <a:schemeClr val="accent1">
-              <a:shade val="50000"/>
-            </a:schemeClr>
-          </a:lnRef>
-          <a:fillRef idx="1">
-            <a:schemeClr val="accent1"/>
-          </a:fillRef>
-          <a:effectRef idx="0">
-            <a:schemeClr val="accent1"/>
-          </a:effectRef>
-          <a:fontRef idx="minor">
-            <a:schemeClr val="lt1"/>
-          </a:fontRef>
-        </p:style>
-        <p:txBody>
-          <a:bodyPr rtlCol="0" anchor="ctr"/>
-          <a:lstStyle/>
-          <a:p>
-            <a:pPr algn="ctr"/>
-            <a:r>
-              <a:rPr lang="en-US" dirty="0" err="1"/>
-              <a:t>Thiết</a:t>
-            </a:r>
-            <a:r>
-              <a:rPr lang="en-US" dirty="0"/>
-              <a:t> </a:t>
-            </a:r>
-            <a:r>
-              <a:rPr lang="en-US" dirty="0" err="1"/>
-              <a:t>bị</a:t>
-            </a:r>
-            <a:endParaRPr lang="en-US" dirty="0"/>
-          </a:p>
-        </p:txBody>
-      </p:sp>
-      <p:sp>
-        <p:nvSpPr>
-          <p:cNvPr id="18" name="Rectangle 17">
-            <a:extLst>
-              <a:ext uri="{FF2B5EF4-FFF2-40B4-BE49-F238E27FC236}">
-                <a16:creationId xmlns:a16="http://schemas.microsoft.com/office/drawing/2014/main" xmlns="" id="{725BA441-C124-43CE-94BD-50DB91DDC2FA}"/>
-              </a:ext>
-            </a:extLst>
-          </p:cNvPr>
-          <p:cNvSpPr/>
-          <p:nvPr/>
-        </p:nvSpPr>
-        <p:spPr>
-          <a:xfrm>
-            <a:off x="5538020" y="597310"/>
-            <a:ext cx="2027903" cy="511560"/>
-          </a:xfrm>
-          <a:prstGeom prst="rect">
-            <a:avLst/>
-          </a:prstGeom>
-        </p:spPr>
-        <p:style>
-          <a:lnRef idx="2">
-            <a:schemeClr val="accent1">
-              <a:shade val="50000"/>
-            </a:schemeClr>
-          </a:lnRef>
-          <a:fillRef idx="1">
-            <a:schemeClr val="accent1"/>
-          </a:fillRef>
-          <a:effectRef idx="0">
-            <a:schemeClr val="accent1"/>
-          </a:effectRef>
-          <a:fontRef idx="minor">
-            <a:schemeClr val="lt1"/>
-          </a:fontRef>
-        </p:style>
-        <p:txBody>
-          <a:bodyPr rtlCol="0" anchor="ctr"/>
-          <a:lstStyle/>
-          <a:p>
-            <a:pPr algn="ctr"/>
-            <a:r>
-              <a:rPr lang="en-US" dirty="0" err="1"/>
-              <a:t>Tạo</a:t>
-            </a:r>
-            <a:r>
-              <a:rPr lang="en-US" dirty="0"/>
-              <a:t> SR cấp </a:t>
-            </a:r>
-            <a:r>
-              <a:rPr lang="en-US" dirty="0" err="1"/>
-              <a:t>phát</a:t>
-            </a:r>
-            <a:endParaRPr lang="en-US" dirty="0"/>
-          </a:p>
-        </p:txBody>
-      </p:sp>
-      <p:sp>
-        <p:nvSpPr>
-          <p:cNvPr id="20" name="Rectangle 19">
-            <a:extLst>
-              <a:ext uri="{FF2B5EF4-FFF2-40B4-BE49-F238E27FC236}">
-                <a16:creationId xmlns:a16="http://schemas.microsoft.com/office/drawing/2014/main" xmlns="" id="{E251C8AA-3D74-4314-8139-C333A402E137}"/>
-              </a:ext>
-            </a:extLst>
-          </p:cNvPr>
-          <p:cNvSpPr/>
-          <p:nvPr/>
-        </p:nvSpPr>
-        <p:spPr>
-          <a:xfrm>
-            <a:off x="7565923" y="597310"/>
-            <a:ext cx="2027903" cy="511560"/>
-          </a:xfrm>
-          <a:prstGeom prst="rect">
-            <a:avLst/>
-          </a:prstGeom>
-        </p:spPr>
-        <p:style>
-          <a:lnRef idx="2">
-            <a:schemeClr val="accent1">
-              <a:shade val="50000"/>
-            </a:schemeClr>
-          </a:lnRef>
-          <a:fillRef idx="1">
-            <a:schemeClr val="accent1"/>
-          </a:fillRef>
-          <a:effectRef idx="0">
-            <a:schemeClr val="accent1"/>
-          </a:effectRef>
-          <a:fontRef idx="minor">
-            <a:schemeClr val="lt1"/>
-          </a:fontRef>
-        </p:style>
-        <p:txBody>
-          <a:bodyPr rtlCol="0" anchor="ctr"/>
-          <a:lstStyle/>
-          <a:p>
-            <a:pPr algn="ctr"/>
-            <a:r>
-              <a:rPr lang="en-US" dirty="0"/>
-              <a:t>Báo cáo</a:t>
-            </a:r>
-          </a:p>
-        </p:txBody>
-      </p:sp>
-      <p:sp>
-        <p:nvSpPr>
-          <p:cNvPr id="21" name="Rectangle 20">
-            <a:extLst>
-              <a:ext uri="{FF2B5EF4-FFF2-40B4-BE49-F238E27FC236}">
-                <a16:creationId xmlns:a16="http://schemas.microsoft.com/office/drawing/2014/main" xmlns="" id="{426E9989-6A49-45F9-95D0-7E425A99A9A2}"/>
-              </a:ext>
-            </a:extLst>
-          </p:cNvPr>
-          <p:cNvSpPr/>
-          <p:nvPr/>
-        </p:nvSpPr>
-        <p:spPr>
-          <a:xfrm>
-            <a:off x="2883310" y="602288"/>
-            <a:ext cx="1401097" cy="511560"/>
-          </a:xfrm>
-          <a:prstGeom prst="rect">
-            <a:avLst/>
-          </a:prstGeom>
-          <a:solidFill>
-            <a:srgbClr val="92D050"/>
-          </a:solidFill>
-        </p:spPr>
-        <p:style>
-          <a:lnRef idx="2">
-            <a:schemeClr val="accent1">
-              <a:shade val="50000"/>
-            </a:schemeClr>
-          </a:lnRef>
-          <a:fillRef idx="1">
-            <a:schemeClr val="accent1"/>
-          </a:fillRef>
-          <a:effectRef idx="0">
-            <a:schemeClr val="accent1"/>
-          </a:effectRef>
-          <a:fontRef idx="minor">
-            <a:schemeClr val="lt1"/>
-          </a:fontRef>
-        </p:style>
-        <p:txBody>
-          <a:bodyPr rtlCol="0" anchor="ctr"/>
-          <a:lstStyle/>
-          <a:p>
-            <a:pPr algn="ctr"/>
-            <a:r>
-              <a:rPr lang="en-US" dirty="0" err="1"/>
-              <a:t>Danh</a:t>
-            </a:r>
-            <a:r>
-              <a:rPr lang="en-US" dirty="0"/>
-              <a:t> </a:t>
-            </a:r>
-            <a:r>
-              <a:rPr lang="en-US" dirty="0" err="1"/>
-              <a:t>mục</a:t>
-            </a:r>
-            <a:endParaRPr lang="en-US" dirty="0"/>
-          </a:p>
-        </p:txBody>
-      </p:sp>
-      <p:sp>
-        <p:nvSpPr>
           <p:cNvPr id="29" name="Rectangle 28">
             <a:extLst>
               <a:ext uri="{FF2B5EF4-FFF2-40B4-BE49-F238E27FC236}">
-                <a16:creationId xmlns:a16="http://schemas.microsoft.com/office/drawing/2014/main" xmlns="" id="{73EDAE4F-9B7F-4FFB-8B0B-3F3525E42965}"/>
+                <a16:creationId xmlns="" xmlns:a16="http://schemas.microsoft.com/office/drawing/2014/main" id="{73EDAE4F-9B7F-4FFB-8B0B-3F3525E42965}"/>
               </a:ext>
             </a:extLst>
           </p:cNvPr>
@@ -18037,7 +16173,7 @@
           <p:cNvPr id="30" name="Table 4">
             <a:extLst>
               <a:ext uri="{FF2B5EF4-FFF2-40B4-BE49-F238E27FC236}">
-                <a16:creationId xmlns:a16="http://schemas.microsoft.com/office/drawing/2014/main" xmlns="" id="{F1F0B060-37A5-465C-AC9A-2769DA05A2DD}"/>
+                <a16:creationId xmlns="" xmlns:a16="http://schemas.microsoft.com/office/drawing/2014/main" id="{F1F0B060-37A5-465C-AC9A-2769DA05A2DD}"/>
               </a:ext>
             </a:extLst>
           </p:cNvPr>
@@ -18066,49 +16202,49 @@
                 <a:gridCol w="1560418">
                   <a:extLst>
                     <a:ext uri="{9D8B030D-6E8A-4147-A177-3AD203B41FA5}">
-                      <a16:colId xmlns:a16="http://schemas.microsoft.com/office/drawing/2014/main" xmlns="" val="512229332"/>
+                      <a16:colId xmlns="" xmlns:a16="http://schemas.microsoft.com/office/drawing/2014/main" val="512229332"/>
                     </a:ext>
                   </a:extLst>
                 </a:gridCol>
                 <a:gridCol w="1560418">
                   <a:extLst>
                     <a:ext uri="{9D8B030D-6E8A-4147-A177-3AD203B41FA5}">
-                      <a16:colId xmlns:a16="http://schemas.microsoft.com/office/drawing/2014/main" xmlns="" val="1132813609"/>
+                      <a16:colId xmlns="" xmlns:a16="http://schemas.microsoft.com/office/drawing/2014/main" val="1132813609"/>
                     </a:ext>
                   </a:extLst>
                 </a:gridCol>
                 <a:gridCol w="1560418">
                   <a:extLst>
                     <a:ext uri="{9D8B030D-6E8A-4147-A177-3AD203B41FA5}">
-                      <a16:colId xmlns:a16="http://schemas.microsoft.com/office/drawing/2014/main" xmlns="" val="3928112175"/>
+                      <a16:colId xmlns="" xmlns:a16="http://schemas.microsoft.com/office/drawing/2014/main" val="3928112175"/>
                     </a:ext>
                   </a:extLst>
                 </a:gridCol>
                 <a:gridCol w="1560418">
                   <a:extLst>
                     <a:ext uri="{9D8B030D-6E8A-4147-A177-3AD203B41FA5}">
-                      <a16:colId xmlns:a16="http://schemas.microsoft.com/office/drawing/2014/main" xmlns="" val="917755201"/>
+                      <a16:colId xmlns="" xmlns:a16="http://schemas.microsoft.com/office/drawing/2014/main" val="917755201"/>
                     </a:ext>
                   </a:extLst>
                 </a:gridCol>
                 <a:gridCol w="1560418">
                   <a:extLst>
                     <a:ext uri="{9D8B030D-6E8A-4147-A177-3AD203B41FA5}">
-                      <a16:colId xmlns:a16="http://schemas.microsoft.com/office/drawing/2014/main" xmlns="" val="3605331289"/>
+                      <a16:colId xmlns="" xmlns:a16="http://schemas.microsoft.com/office/drawing/2014/main" val="3605331289"/>
                     </a:ext>
                   </a:extLst>
                 </a:gridCol>
                 <a:gridCol w="1560418">
                   <a:extLst>
                     <a:ext uri="{9D8B030D-6E8A-4147-A177-3AD203B41FA5}">
-                      <a16:colId xmlns:a16="http://schemas.microsoft.com/office/drawing/2014/main" xmlns="" val="855884488"/>
+                      <a16:colId xmlns="" xmlns:a16="http://schemas.microsoft.com/office/drawing/2014/main" val="855884488"/>
                     </a:ext>
                   </a:extLst>
                 </a:gridCol>
                 <a:gridCol w="1560418">
                   <a:extLst>
                     <a:ext uri="{9D8B030D-6E8A-4147-A177-3AD203B41FA5}">
-                      <a16:colId xmlns:a16="http://schemas.microsoft.com/office/drawing/2014/main" xmlns="" val="1695777817"/>
+                      <a16:colId xmlns="" xmlns:a16="http://schemas.microsoft.com/office/drawing/2014/main" val="1695777817"/>
                     </a:ext>
                   </a:extLst>
                 </a:gridCol>
@@ -18277,7 +16413,7 @@
                 </a:tc>
                 <a:extLst>
                   <a:ext uri="{0D108BD9-81ED-4DB2-BD59-A6C34878D82A}">
-                    <a16:rowId xmlns:a16="http://schemas.microsoft.com/office/drawing/2014/main" xmlns="" val="3361508462"/>
+                    <a16:rowId xmlns="" xmlns:a16="http://schemas.microsoft.com/office/drawing/2014/main" val="3361508462"/>
                   </a:ext>
                 </a:extLst>
               </a:tr>
@@ -18359,7 +16495,7 @@
                 </a:tc>
                 <a:extLst>
                   <a:ext uri="{0D108BD9-81ED-4DB2-BD59-A6C34878D82A}">
-                    <a16:rowId xmlns:a16="http://schemas.microsoft.com/office/drawing/2014/main" xmlns="" val="3689370375"/>
+                    <a16:rowId xmlns="" xmlns:a16="http://schemas.microsoft.com/office/drawing/2014/main" val="3689370375"/>
                   </a:ext>
                 </a:extLst>
               </a:tr>
@@ -18436,7 +16572,7 @@
                 </a:tc>
                 <a:extLst>
                   <a:ext uri="{0D108BD9-81ED-4DB2-BD59-A6C34878D82A}">
-                    <a16:rowId xmlns:a16="http://schemas.microsoft.com/office/drawing/2014/main" xmlns="" val="1713619182"/>
+                    <a16:rowId xmlns="" xmlns:a16="http://schemas.microsoft.com/office/drawing/2014/main" val="1713619182"/>
                   </a:ext>
                 </a:extLst>
               </a:tr>
@@ -18449,7 +16585,7 @@
           <p:cNvPr id="33" name="Rectangle 32">
             <a:extLst>
               <a:ext uri="{FF2B5EF4-FFF2-40B4-BE49-F238E27FC236}">
-                <a16:creationId xmlns:a16="http://schemas.microsoft.com/office/drawing/2014/main" xmlns="" id="{8375D373-578E-4146-A7EE-08591091E59A}"/>
+                <a16:creationId xmlns="" xmlns:a16="http://schemas.microsoft.com/office/drawing/2014/main" id="{8375D373-578E-4146-A7EE-08591091E59A}"/>
               </a:ext>
             </a:extLst>
           </p:cNvPr>
@@ -18510,7 +16646,7 @@
           <p:cNvPr id="34" name="Rectangle 33">
             <a:extLst>
               <a:ext uri="{FF2B5EF4-FFF2-40B4-BE49-F238E27FC236}">
-                <a16:creationId xmlns:a16="http://schemas.microsoft.com/office/drawing/2014/main" xmlns="" id="{13447C5C-5E48-4F26-96CF-340225DB0157}"/>
+                <a16:creationId xmlns="" xmlns:a16="http://schemas.microsoft.com/office/drawing/2014/main" id="{13447C5C-5E48-4F26-96CF-340225DB0157}"/>
               </a:ext>
             </a:extLst>
           </p:cNvPr>
@@ -18563,7 +16699,7 @@
           <p:cNvPr id="35" name="Rectangle 34">
             <a:extLst>
               <a:ext uri="{FF2B5EF4-FFF2-40B4-BE49-F238E27FC236}">
-                <a16:creationId xmlns:a16="http://schemas.microsoft.com/office/drawing/2014/main" xmlns="" id="{10B8CB01-DAF3-4DC0-BBCB-14B7FC25EA45}"/>
+                <a16:creationId xmlns="" xmlns:a16="http://schemas.microsoft.com/office/drawing/2014/main" id="{10B8CB01-DAF3-4DC0-BBCB-14B7FC25EA45}"/>
               </a:ext>
             </a:extLst>
           </p:cNvPr>
@@ -18616,7 +16752,7 @@
           <p:cNvPr id="36" name="Rectangle 35">
             <a:extLst>
               <a:ext uri="{FF2B5EF4-FFF2-40B4-BE49-F238E27FC236}">
-                <a16:creationId xmlns:a16="http://schemas.microsoft.com/office/drawing/2014/main" xmlns="" id="{9F71F038-1FC5-4952-B497-0AF22AD5DCC8}"/>
+                <a16:creationId xmlns="" xmlns:a16="http://schemas.microsoft.com/office/drawing/2014/main" id="{9F71F038-1FC5-4952-B497-0AF22AD5DCC8}"/>
               </a:ext>
             </a:extLst>
           </p:cNvPr>
@@ -18679,13 +16815,13 @@
   </p:clrMapOvr>
   <p:extLst>
     <p:ext uri="{6950BFC3-D8DA-4A85-94F7-54DA5524770B}">
-      <p188:commentRel xmlns:p188="http://schemas.microsoft.com/office/powerpoint/2018/8/main" xmlns="" r:id="rId2"/>
+      <p188:commentRel xmlns="" xmlns:p188="http://schemas.microsoft.com/office/powerpoint/2018/8/main" r:id="rId2"/>
     </p:ext>
   </p:extLst>
 </p:sld>
 </file>
 
-<file path=ppt/slides/slide8.xml><?xml version="1.0" encoding="utf-8"?>
+<file path=ppt/slides/slide7.xml><?xml version="1.0" encoding="utf-8"?>
 <p:sld xmlns:a="http://schemas.openxmlformats.org/drawingml/2006/main" xmlns:r="http://schemas.openxmlformats.org/officeDocument/2006/relationships" xmlns:p="http://schemas.openxmlformats.org/presentationml/2006/main">
   <p:cSld>
     <p:bg>
@@ -18715,7 +16851,7 @@
           <p:cNvPr id="2" name="Rectangle 1">
             <a:extLst>
               <a:ext uri="{FF2B5EF4-FFF2-40B4-BE49-F238E27FC236}">
-                <a16:creationId xmlns:a16="http://schemas.microsoft.com/office/drawing/2014/main" xmlns="" id="{114493F7-0131-4550-9EAE-D486FFFB3AA5}"/>
+                <a16:creationId xmlns="" xmlns:a16="http://schemas.microsoft.com/office/drawing/2014/main" id="{114493F7-0131-4550-9EAE-D486FFFB3AA5}"/>
               </a:ext>
             </a:extLst>
           </p:cNvPr>
@@ -18781,7 +16917,7 @@
           <p:cNvPr id="3" name="Rectangle 2">
             <a:extLst>
               <a:ext uri="{FF2B5EF4-FFF2-40B4-BE49-F238E27FC236}">
-                <a16:creationId xmlns:a16="http://schemas.microsoft.com/office/drawing/2014/main" xmlns="" id="{A407FECC-7A8C-496F-B95F-7820D77A7625}"/>
+                <a16:creationId xmlns="" xmlns:a16="http://schemas.microsoft.com/office/drawing/2014/main" id="{A407FECC-7A8C-496F-B95F-7820D77A7625}"/>
               </a:ext>
             </a:extLst>
           </p:cNvPr>
@@ -18847,7 +16983,7 @@
           <p:cNvPr id="4" name="Rectangle 3">
             <a:extLst>
               <a:ext uri="{FF2B5EF4-FFF2-40B4-BE49-F238E27FC236}">
-                <a16:creationId xmlns:a16="http://schemas.microsoft.com/office/drawing/2014/main" xmlns="" id="{6F7C379F-73B7-41B1-978E-D40D37AD1CA2}"/>
+                <a16:creationId xmlns="" xmlns:a16="http://schemas.microsoft.com/office/drawing/2014/main" id="{6F7C379F-73B7-41B1-978E-D40D37AD1CA2}"/>
               </a:ext>
             </a:extLst>
           </p:cNvPr>
@@ -18896,7 +17032,7 @@
           <p:cNvPr id="7" name="Straight Connector 6">
             <a:extLst>
               <a:ext uri="{FF2B5EF4-FFF2-40B4-BE49-F238E27FC236}">
-                <a16:creationId xmlns:a16="http://schemas.microsoft.com/office/drawing/2014/main" xmlns="" id="{7E87841E-6771-48D9-9337-874CA48DAE2A}"/>
+                <a16:creationId xmlns="" xmlns:a16="http://schemas.microsoft.com/office/drawing/2014/main" id="{7E87841E-6771-48D9-9337-874CA48DAE2A}"/>
               </a:ext>
             </a:extLst>
           </p:cNvPr>
@@ -18932,7 +17068,7 @@
           <p:cNvPr id="13" name="Rectangle 12">
             <a:extLst>
               <a:ext uri="{FF2B5EF4-FFF2-40B4-BE49-F238E27FC236}">
-                <a16:creationId xmlns:a16="http://schemas.microsoft.com/office/drawing/2014/main" xmlns="" id="{57CEB79F-2993-488D-A128-A557142D2723}"/>
+                <a16:creationId xmlns="" xmlns:a16="http://schemas.microsoft.com/office/drawing/2014/main" id="{57CEB79F-2993-488D-A128-A557142D2723}"/>
               </a:ext>
             </a:extLst>
           </p:cNvPr>
@@ -18994,7 +17130,7 @@
           <p:cNvPr id="17" name="Rectangle 16">
             <a:extLst>
               <a:ext uri="{FF2B5EF4-FFF2-40B4-BE49-F238E27FC236}">
-                <a16:creationId xmlns:a16="http://schemas.microsoft.com/office/drawing/2014/main" xmlns="" id="{F4C8519E-B0C4-4755-A01D-ED20ADB31053}"/>
+                <a16:creationId xmlns="" xmlns:a16="http://schemas.microsoft.com/office/drawing/2014/main" id="{F4C8519E-B0C4-4755-A01D-ED20ADB31053}"/>
               </a:ext>
             </a:extLst>
           </p:cNvPr>
@@ -19052,7 +17188,7 @@
           <p:cNvPr id="18" name="Rectangle 17">
             <a:extLst>
               <a:ext uri="{FF2B5EF4-FFF2-40B4-BE49-F238E27FC236}">
-                <a16:creationId xmlns:a16="http://schemas.microsoft.com/office/drawing/2014/main" xmlns="" id="{725BA441-C124-43CE-94BD-50DB91DDC2FA}"/>
+                <a16:creationId xmlns="" xmlns:a16="http://schemas.microsoft.com/office/drawing/2014/main" id="{725BA441-C124-43CE-94BD-50DB91DDC2FA}"/>
               </a:ext>
             </a:extLst>
           </p:cNvPr>
@@ -19110,7 +17246,7 @@
           <p:cNvPr id="20" name="Rectangle 19">
             <a:extLst>
               <a:ext uri="{FF2B5EF4-FFF2-40B4-BE49-F238E27FC236}">
-                <a16:creationId xmlns:a16="http://schemas.microsoft.com/office/drawing/2014/main" xmlns="" id="{E251C8AA-3D74-4314-8139-C333A402E137}"/>
+                <a16:creationId xmlns="" xmlns:a16="http://schemas.microsoft.com/office/drawing/2014/main" id="{E251C8AA-3D74-4314-8139-C333A402E137}"/>
               </a:ext>
             </a:extLst>
           </p:cNvPr>
@@ -19159,7 +17295,7 @@
           <p:cNvPr id="21" name="Rectangle 20">
             <a:extLst>
               <a:ext uri="{FF2B5EF4-FFF2-40B4-BE49-F238E27FC236}">
-                <a16:creationId xmlns:a16="http://schemas.microsoft.com/office/drawing/2014/main" xmlns="" id="{426E9989-6A49-45F9-95D0-7E425A99A9A2}"/>
+                <a16:creationId xmlns="" xmlns:a16="http://schemas.microsoft.com/office/drawing/2014/main" id="{426E9989-6A49-45F9-95D0-7E425A99A9A2}"/>
               </a:ext>
             </a:extLst>
           </p:cNvPr>
@@ -19220,7 +17356,7 @@
           <p:cNvPr id="29" name="Rectangle 28">
             <a:extLst>
               <a:ext uri="{FF2B5EF4-FFF2-40B4-BE49-F238E27FC236}">
-                <a16:creationId xmlns:a16="http://schemas.microsoft.com/office/drawing/2014/main" xmlns="" id="{73EDAE4F-9B7F-4FFB-8B0B-3F3525E42965}"/>
+                <a16:creationId xmlns="" xmlns:a16="http://schemas.microsoft.com/office/drawing/2014/main" id="{73EDAE4F-9B7F-4FFB-8B0B-3F3525E42965}"/>
               </a:ext>
             </a:extLst>
           </p:cNvPr>
@@ -19297,7 +17433,7 @@
           <p:cNvPr id="30" name="Table 4">
             <a:extLst>
               <a:ext uri="{FF2B5EF4-FFF2-40B4-BE49-F238E27FC236}">
-                <a16:creationId xmlns:a16="http://schemas.microsoft.com/office/drawing/2014/main" xmlns="" id="{F1F0B060-37A5-465C-AC9A-2769DA05A2DD}"/>
+                <a16:creationId xmlns="" xmlns:a16="http://schemas.microsoft.com/office/drawing/2014/main" id="{F1F0B060-37A5-465C-AC9A-2769DA05A2DD}"/>
               </a:ext>
             </a:extLst>
           </p:cNvPr>
@@ -19307,7 +17443,7 @@
           <p:nvPr>
             <p:extLst>
               <p:ext uri="{D42A27DB-BD31-4B8C-83A1-F6EECF244321}">
-                <p14:modId xmlns:p14="http://schemas.microsoft.com/office/powerpoint/2010/main" val="1907023112"/>
+                <p14:modId xmlns:p14="http://schemas.microsoft.com/office/powerpoint/2010/main" val="786875390"/>
               </p:ext>
             </p:extLst>
           </p:nvPr>
@@ -19326,105 +17462,105 @@
                 <a:gridCol w="728196">
                   <a:extLst>
                     <a:ext uri="{9D8B030D-6E8A-4147-A177-3AD203B41FA5}">
-                      <a16:colId xmlns:a16="http://schemas.microsoft.com/office/drawing/2014/main" xmlns="" val="512229332"/>
+                      <a16:colId xmlns="" xmlns:a16="http://schemas.microsoft.com/office/drawing/2014/main" val="512229332"/>
                     </a:ext>
                   </a:extLst>
                 </a:gridCol>
                 <a:gridCol w="728196">
                   <a:extLst>
                     <a:ext uri="{9D8B030D-6E8A-4147-A177-3AD203B41FA5}">
-                      <a16:colId xmlns:a16="http://schemas.microsoft.com/office/drawing/2014/main" xmlns="" val="1132813609"/>
+                      <a16:colId xmlns="" xmlns:a16="http://schemas.microsoft.com/office/drawing/2014/main" val="1132813609"/>
                     </a:ext>
                   </a:extLst>
                 </a:gridCol>
                 <a:gridCol w="728196">
                   <a:extLst>
                     <a:ext uri="{9D8B030D-6E8A-4147-A177-3AD203B41FA5}">
-                      <a16:colId xmlns:a16="http://schemas.microsoft.com/office/drawing/2014/main" xmlns="" val="3928112175"/>
+                      <a16:colId xmlns="" xmlns:a16="http://schemas.microsoft.com/office/drawing/2014/main" val="3928112175"/>
                     </a:ext>
                   </a:extLst>
                 </a:gridCol>
                 <a:gridCol w="728196">
                   <a:extLst>
                     <a:ext uri="{9D8B030D-6E8A-4147-A177-3AD203B41FA5}">
-                      <a16:colId xmlns:a16="http://schemas.microsoft.com/office/drawing/2014/main" xmlns="" val="917755201"/>
+                      <a16:colId xmlns="" xmlns:a16="http://schemas.microsoft.com/office/drawing/2014/main" val="917755201"/>
                     </a:ext>
                   </a:extLst>
                 </a:gridCol>
                 <a:gridCol w="728196">
                   <a:extLst>
                     <a:ext uri="{9D8B030D-6E8A-4147-A177-3AD203B41FA5}">
-                      <a16:colId xmlns:a16="http://schemas.microsoft.com/office/drawing/2014/main" xmlns="" val="3605331289"/>
+                      <a16:colId xmlns="" xmlns:a16="http://schemas.microsoft.com/office/drawing/2014/main" val="3605331289"/>
                     </a:ext>
                   </a:extLst>
                 </a:gridCol>
                 <a:gridCol w="728196">
                   <a:extLst>
                     <a:ext uri="{9D8B030D-6E8A-4147-A177-3AD203B41FA5}">
-                      <a16:colId xmlns:a16="http://schemas.microsoft.com/office/drawing/2014/main" xmlns="" val="855884488"/>
+                      <a16:colId xmlns="" xmlns:a16="http://schemas.microsoft.com/office/drawing/2014/main" val="855884488"/>
                     </a:ext>
                   </a:extLst>
                 </a:gridCol>
                 <a:gridCol w="728196">
                   <a:extLst>
                     <a:ext uri="{9D8B030D-6E8A-4147-A177-3AD203B41FA5}">
-                      <a16:colId xmlns:a16="http://schemas.microsoft.com/office/drawing/2014/main" xmlns="" val="3602532087"/>
+                      <a16:colId xmlns="" xmlns:a16="http://schemas.microsoft.com/office/drawing/2014/main" val="3602532087"/>
                     </a:ext>
                   </a:extLst>
                 </a:gridCol>
                 <a:gridCol w="728196">
                   <a:extLst>
                     <a:ext uri="{9D8B030D-6E8A-4147-A177-3AD203B41FA5}">
-                      <a16:colId xmlns:a16="http://schemas.microsoft.com/office/drawing/2014/main" xmlns="" val="1422446451"/>
+                      <a16:colId xmlns="" xmlns:a16="http://schemas.microsoft.com/office/drawing/2014/main" val="1422446451"/>
                     </a:ext>
                   </a:extLst>
                 </a:gridCol>
                 <a:gridCol w="728196">
                   <a:extLst>
                     <a:ext uri="{9D8B030D-6E8A-4147-A177-3AD203B41FA5}">
-                      <a16:colId xmlns:a16="http://schemas.microsoft.com/office/drawing/2014/main" xmlns="" val="2860568861"/>
+                      <a16:colId xmlns="" xmlns:a16="http://schemas.microsoft.com/office/drawing/2014/main" val="2860568861"/>
                     </a:ext>
                   </a:extLst>
                 </a:gridCol>
                 <a:gridCol w="728196">
                   <a:extLst>
                     <a:ext uri="{9D8B030D-6E8A-4147-A177-3AD203B41FA5}">
-                      <a16:colId xmlns:a16="http://schemas.microsoft.com/office/drawing/2014/main" xmlns="" val="3233255777"/>
+                      <a16:colId xmlns="" xmlns:a16="http://schemas.microsoft.com/office/drawing/2014/main" val="3233255777"/>
                     </a:ext>
                   </a:extLst>
                 </a:gridCol>
                 <a:gridCol w="728196">
                   <a:extLst>
                     <a:ext uri="{9D8B030D-6E8A-4147-A177-3AD203B41FA5}">
-                      <a16:colId xmlns:a16="http://schemas.microsoft.com/office/drawing/2014/main" xmlns="" val="3356492747"/>
+                      <a16:colId xmlns="" xmlns:a16="http://schemas.microsoft.com/office/drawing/2014/main" val="3356492747"/>
                     </a:ext>
                   </a:extLst>
                 </a:gridCol>
                 <a:gridCol w="728196">
                   <a:extLst>
                     <a:ext uri="{9D8B030D-6E8A-4147-A177-3AD203B41FA5}">
-                      <a16:colId xmlns:a16="http://schemas.microsoft.com/office/drawing/2014/main" xmlns="" val="3382912826"/>
+                      <a16:colId xmlns="" xmlns:a16="http://schemas.microsoft.com/office/drawing/2014/main" val="3382912826"/>
                     </a:ext>
                   </a:extLst>
                 </a:gridCol>
                 <a:gridCol w="728196">
                   <a:extLst>
                     <a:ext uri="{9D8B030D-6E8A-4147-A177-3AD203B41FA5}">
-                      <a16:colId xmlns:a16="http://schemas.microsoft.com/office/drawing/2014/main" xmlns="" val="3106774963"/>
+                      <a16:colId xmlns="" xmlns:a16="http://schemas.microsoft.com/office/drawing/2014/main" val="3106774963"/>
                     </a:ext>
                   </a:extLst>
                 </a:gridCol>
-                <a:gridCol w="728196">
+                <a:gridCol w="1082075">
                   <a:extLst>
                     <a:ext uri="{9D8B030D-6E8A-4147-A177-3AD203B41FA5}">
-                      <a16:colId xmlns:a16="http://schemas.microsoft.com/office/drawing/2014/main" xmlns="" val="3784580368"/>
+                      <a16:colId xmlns="" xmlns:a16="http://schemas.microsoft.com/office/drawing/2014/main" val="3784580368"/>
                     </a:ext>
                   </a:extLst>
                 </a:gridCol>
-                <a:gridCol w="728196">
+                <a:gridCol w="374317">
                   <a:extLst>
                     <a:ext uri="{9D8B030D-6E8A-4147-A177-3AD203B41FA5}">
-                      <a16:colId xmlns:a16="http://schemas.microsoft.com/office/drawing/2014/main" xmlns="" val="1695777817"/>
+                      <a16:colId xmlns="" xmlns:a16="http://schemas.microsoft.com/office/drawing/2014/main" val="1695777817"/>
                     </a:ext>
                   </a:extLst>
                 </a:gridCol>
@@ -19759,7 +17895,7 @@
                 </a:tc>
                 <a:extLst>
                   <a:ext uri="{0D108BD9-81ED-4DB2-BD59-A6C34878D82A}">
-                    <a16:rowId xmlns:a16="http://schemas.microsoft.com/office/drawing/2014/main" xmlns="" val="3361508462"/>
+                    <a16:rowId xmlns="" xmlns:a16="http://schemas.microsoft.com/office/drawing/2014/main" val="3361508462"/>
                   </a:ext>
                 </a:extLst>
               </a:tr>
@@ -19921,7 +18057,7 @@
                 </a:tc>
                 <a:extLst>
                   <a:ext uri="{0D108BD9-81ED-4DB2-BD59-A6C34878D82A}">
-                    <a16:rowId xmlns:a16="http://schemas.microsoft.com/office/drawing/2014/main" xmlns="" val="3689370375"/>
+                    <a16:rowId xmlns="" xmlns:a16="http://schemas.microsoft.com/office/drawing/2014/main" val="3689370375"/>
                   </a:ext>
                 </a:extLst>
               </a:tr>
@@ -20078,7 +18214,7 @@
                 </a:tc>
                 <a:extLst>
                   <a:ext uri="{0D108BD9-81ED-4DB2-BD59-A6C34878D82A}">
-                    <a16:rowId xmlns:a16="http://schemas.microsoft.com/office/drawing/2014/main" xmlns="" val="1713619182"/>
+                    <a16:rowId xmlns="" xmlns:a16="http://schemas.microsoft.com/office/drawing/2014/main" val="1713619182"/>
                   </a:ext>
                 </a:extLst>
               </a:tr>
@@ -20091,7 +18227,7 @@
           <p:cNvPr id="33" name="Rectangle 32">
             <a:extLst>
               <a:ext uri="{FF2B5EF4-FFF2-40B4-BE49-F238E27FC236}">
-                <a16:creationId xmlns:a16="http://schemas.microsoft.com/office/drawing/2014/main" xmlns="" id="{8375D373-578E-4146-A7EE-08591091E59A}"/>
+                <a16:creationId xmlns="" xmlns:a16="http://schemas.microsoft.com/office/drawing/2014/main" id="{8375D373-578E-4146-A7EE-08591091E59A}"/>
               </a:ext>
             </a:extLst>
           </p:cNvPr>
@@ -20152,7 +18288,7 @@
           <p:cNvPr id="34" name="Rectangle 33">
             <a:extLst>
               <a:ext uri="{FF2B5EF4-FFF2-40B4-BE49-F238E27FC236}">
-                <a16:creationId xmlns:a16="http://schemas.microsoft.com/office/drawing/2014/main" xmlns="" id="{13447C5C-5E48-4F26-96CF-340225DB0157}"/>
+                <a16:creationId xmlns="" xmlns:a16="http://schemas.microsoft.com/office/drawing/2014/main" id="{13447C5C-5E48-4F26-96CF-340225DB0157}"/>
               </a:ext>
             </a:extLst>
           </p:cNvPr>
@@ -20205,7 +18341,7 @@
           <p:cNvPr id="35" name="Rectangle 34">
             <a:extLst>
               <a:ext uri="{FF2B5EF4-FFF2-40B4-BE49-F238E27FC236}">
-                <a16:creationId xmlns:a16="http://schemas.microsoft.com/office/drawing/2014/main" xmlns="" id="{10B8CB01-DAF3-4DC0-BBCB-14B7FC25EA45}"/>
+                <a16:creationId xmlns="" xmlns:a16="http://schemas.microsoft.com/office/drawing/2014/main" id="{10B8CB01-DAF3-4DC0-BBCB-14B7FC25EA45}"/>
               </a:ext>
             </a:extLst>
           </p:cNvPr>
@@ -20258,7 +18394,7 @@
           <p:cNvPr id="36" name="Rectangle 35">
             <a:extLst>
               <a:ext uri="{FF2B5EF4-FFF2-40B4-BE49-F238E27FC236}">
-                <a16:creationId xmlns:a16="http://schemas.microsoft.com/office/drawing/2014/main" xmlns="" id="{9F71F038-1FC5-4952-B497-0AF22AD5DCC8}"/>
+                <a16:creationId xmlns="" xmlns:a16="http://schemas.microsoft.com/office/drawing/2014/main" id="{9F71F038-1FC5-4952-B497-0AF22AD5DCC8}"/>
               </a:ext>
             </a:extLst>
           </p:cNvPr>
@@ -20322,7 +18458,7 @@
 </p:sld>
 </file>
 
-<file path=ppt/slides/slide9.xml><?xml version="1.0" encoding="utf-8"?>
+<file path=ppt/slides/slide8.xml><?xml version="1.0" encoding="utf-8"?>
 <p:sld xmlns:a="http://schemas.openxmlformats.org/drawingml/2006/main" xmlns:r="http://schemas.openxmlformats.org/officeDocument/2006/relationships" xmlns:p="http://schemas.openxmlformats.org/presentationml/2006/main">
   <p:cSld>
     <p:bg>
@@ -20352,7 +18488,7 @@
           <p:cNvPr id="2" name="Rectangle 1">
             <a:extLst>
               <a:ext uri="{FF2B5EF4-FFF2-40B4-BE49-F238E27FC236}">
-                <a16:creationId xmlns:a16="http://schemas.microsoft.com/office/drawing/2014/main" xmlns="" id="{114493F7-0131-4550-9EAE-D486FFFB3AA5}"/>
+                <a16:creationId xmlns="" xmlns:a16="http://schemas.microsoft.com/office/drawing/2014/main" id="{114493F7-0131-4550-9EAE-D486FFFB3AA5}"/>
               </a:ext>
             </a:extLst>
           </p:cNvPr>
@@ -20418,7 +18554,7 @@
           <p:cNvPr id="3" name="Rectangle 2">
             <a:extLst>
               <a:ext uri="{FF2B5EF4-FFF2-40B4-BE49-F238E27FC236}">
-                <a16:creationId xmlns:a16="http://schemas.microsoft.com/office/drawing/2014/main" xmlns="" id="{A407FECC-7A8C-496F-B95F-7820D77A7625}"/>
+                <a16:creationId xmlns="" xmlns:a16="http://schemas.microsoft.com/office/drawing/2014/main" id="{A407FECC-7A8C-496F-B95F-7820D77A7625}"/>
               </a:ext>
             </a:extLst>
           </p:cNvPr>
@@ -20484,7 +18620,7 @@
           <p:cNvPr id="4" name="Rectangle 3">
             <a:extLst>
               <a:ext uri="{FF2B5EF4-FFF2-40B4-BE49-F238E27FC236}">
-                <a16:creationId xmlns:a16="http://schemas.microsoft.com/office/drawing/2014/main" xmlns="" id="{6F7C379F-73B7-41B1-978E-D40D37AD1CA2}"/>
+                <a16:creationId xmlns="" xmlns:a16="http://schemas.microsoft.com/office/drawing/2014/main" id="{6F7C379F-73B7-41B1-978E-D40D37AD1CA2}"/>
               </a:ext>
             </a:extLst>
           </p:cNvPr>
@@ -20533,7 +18669,7 @@
           <p:cNvPr id="7" name="Straight Connector 6">
             <a:extLst>
               <a:ext uri="{FF2B5EF4-FFF2-40B4-BE49-F238E27FC236}">
-                <a16:creationId xmlns:a16="http://schemas.microsoft.com/office/drawing/2014/main" xmlns="" id="{7E87841E-6771-48D9-9337-874CA48DAE2A}"/>
+                <a16:creationId xmlns="" xmlns:a16="http://schemas.microsoft.com/office/drawing/2014/main" id="{7E87841E-6771-48D9-9337-874CA48DAE2A}"/>
               </a:ext>
             </a:extLst>
           </p:cNvPr>
@@ -20569,7 +18705,7 @@
           <p:cNvPr id="13" name="Rectangle 12">
             <a:extLst>
               <a:ext uri="{FF2B5EF4-FFF2-40B4-BE49-F238E27FC236}">
-                <a16:creationId xmlns:a16="http://schemas.microsoft.com/office/drawing/2014/main" xmlns="" id="{57CEB79F-2993-488D-A128-A557142D2723}"/>
+                <a16:creationId xmlns="" xmlns:a16="http://schemas.microsoft.com/office/drawing/2014/main" id="{57CEB79F-2993-488D-A128-A557142D2723}"/>
               </a:ext>
             </a:extLst>
           </p:cNvPr>
@@ -20631,7 +18767,7 @@
           <p:cNvPr id="17" name="Rectangle 16">
             <a:extLst>
               <a:ext uri="{FF2B5EF4-FFF2-40B4-BE49-F238E27FC236}">
-                <a16:creationId xmlns:a16="http://schemas.microsoft.com/office/drawing/2014/main" xmlns="" id="{F4C8519E-B0C4-4755-A01D-ED20ADB31053}"/>
+                <a16:creationId xmlns="" xmlns:a16="http://schemas.microsoft.com/office/drawing/2014/main" id="{F4C8519E-B0C4-4755-A01D-ED20ADB31053}"/>
               </a:ext>
             </a:extLst>
           </p:cNvPr>
@@ -20689,7 +18825,7 @@
           <p:cNvPr id="18" name="Rectangle 17">
             <a:extLst>
               <a:ext uri="{FF2B5EF4-FFF2-40B4-BE49-F238E27FC236}">
-                <a16:creationId xmlns:a16="http://schemas.microsoft.com/office/drawing/2014/main" xmlns="" id="{725BA441-C124-43CE-94BD-50DB91DDC2FA}"/>
+                <a16:creationId xmlns="" xmlns:a16="http://schemas.microsoft.com/office/drawing/2014/main" id="{725BA441-C124-43CE-94BD-50DB91DDC2FA}"/>
               </a:ext>
             </a:extLst>
           </p:cNvPr>
@@ -20747,7 +18883,7 @@
           <p:cNvPr id="20" name="Rectangle 19">
             <a:extLst>
               <a:ext uri="{FF2B5EF4-FFF2-40B4-BE49-F238E27FC236}">
-                <a16:creationId xmlns:a16="http://schemas.microsoft.com/office/drawing/2014/main" xmlns="" id="{E251C8AA-3D74-4314-8139-C333A402E137}"/>
+                <a16:creationId xmlns="" xmlns:a16="http://schemas.microsoft.com/office/drawing/2014/main" id="{E251C8AA-3D74-4314-8139-C333A402E137}"/>
               </a:ext>
             </a:extLst>
           </p:cNvPr>
@@ -20796,7 +18932,7 @@
           <p:cNvPr id="21" name="Rectangle 20">
             <a:extLst>
               <a:ext uri="{FF2B5EF4-FFF2-40B4-BE49-F238E27FC236}">
-                <a16:creationId xmlns:a16="http://schemas.microsoft.com/office/drawing/2014/main" xmlns="" id="{426E9989-6A49-45F9-95D0-7E425A99A9A2}"/>
+                <a16:creationId xmlns="" xmlns:a16="http://schemas.microsoft.com/office/drawing/2014/main" id="{426E9989-6A49-45F9-95D0-7E425A99A9A2}"/>
               </a:ext>
             </a:extLst>
           </p:cNvPr>
@@ -20857,7 +18993,7 @@
           <p:cNvPr id="29" name="Rectangle 28">
             <a:extLst>
               <a:ext uri="{FF2B5EF4-FFF2-40B4-BE49-F238E27FC236}">
-                <a16:creationId xmlns:a16="http://schemas.microsoft.com/office/drawing/2014/main" xmlns="" id="{73EDAE4F-9B7F-4FFB-8B0B-3F3525E42965}"/>
+                <a16:creationId xmlns="" xmlns:a16="http://schemas.microsoft.com/office/drawing/2014/main" id="{73EDAE4F-9B7F-4FFB-8B0B-3F3525E42965}"/>
               </a:ext>
             </a:extLst>
           </p:cNvPr>
@@ -20934,7 +19070,7 @@
           <p:cNvPr id="33" name="Rectangle 32">
             <a:extLst>
               <a:ext uri="{FF2B5EF4-FFF2-40B4-BE49-F238E27FC236}">
-                <a16:creationId xmlns:a16="http://schemas.microsoft.com/office/drawing/2014/main" xmlns="" id="{8375D373-578E-4146-A7EE-08591091E59A}"/>
+                <a16:creationId xmlns="" xmlns:a16="http://schemas.microsoft.com/office/drawing/2014/main" id="{8375D373-578E-4146-A7EE-08591091E59A}"/>
               </a:ext>
             </a:extLst>
           </p:cNvPr>
@@ -20995,7 +19131,7 @@
           <p:cNvPr id="34" name="Rectangle 33">
             <a:extLst>
               <a:ext uri="{FF2B5EF4-FFF2-40B4-BE49-F238E27FC236}">
-                <a16:creationId xmlns:a16="http://schemas.microsoft.com/office/drawing/2014/main" xmlns="" id="{13447C5C-5E48-4F26-96CF-340225DB0157}"/>
+                <a16:creationId xmlns="" xmlns:a16="http://schemas.microsoft.com/office/drawing/2014/main" id="{13447C5C-5E48-4F26-96CF-340225DB0157}"/>
               </a:ext>
             </a:extLst>
           </p:cNvPr>
@@ -21048,7 +19184,7 @@
           <p:cNvPr id="35" name="Rectangle 34">
             <a:extLst>
               <a:ext uri="{FF2B5EF4-FFF2-40B4-BE49-F238E27FC236}">
-                <a16:creationId xmlns:a16="http://schemas.microsoft.com/office/drawing/2014/main" xmlns="" id="{10B8CB01-DAF3-4DC0-BBCB-14B7FC25EA45}"/>
+                <a16:creationId xmlns="" xmlns:a16="http://schemas.microsoft.com/office/drawing/2014/main" id="{10B8CB01-DAF3-4DC0-BBCB-14B7FC25EA45}"/>
               </a:ext>
             </a:extLst>
           </p:cNvPr>
@@ -21101,7 +19237,7 @@
           <p:cNvPr id="36" name="Rectangle 35">
             <a:extLst>
               <a:ext uri="{FF2B5EF4-FFF2-40B4-BE49-F238E27FC236}">
-                <a16:creationId xmlns:a16="http://schemas.microsoft.com/office/drawing/2014/main" xmlns="" id="{9F71F038-1FC5-4952-B497-0AF22AD5DCC8}"/>
+                <a16:creationId xmlns="" xmlns:a16="http://schemas.microsoft.com/office/drawing/2014/main" id="{9F71F038-1FC5-4952-B497-0AF22AD5DCC8}"/>
               </a:ext>
             </a:extLst>
           </p:cNvPr>
@@ -21157,7 +19293,7 @@
           <p:cNvPr id="22" name="Table 4">
             <a:extLst>
               <a:ext uri="{FF2B5EF4-FFF2-40B4-BE49-F238E27FC236}">
-                <a16:creationId xmlns:a16="http://schemas.microsoft.com/office/drawing/2014/main" xmlns="" id="{8BAB46F7-2880-4C55-ACE3-21A0FCCB9497}"/>
+                <a16:creationId xmlns="" xmlns:a16="http://schemas.microsoft.com/office/drawing/2014/main" id="{8BAB46F7-2880-4C55-ACE3-21A0FCCB9497}"/>
               </a:ext>
             </a:extLst>
           </p:cNvPr>
@@ -21186,49 +19322,49 @@
                 <a:gridCol w="1093887">
                   <a:extLst>
                     <a:ext uri="{9D8B030D-6E8A-4147-A177-3AD203B41FA5}">
-                      <a16:colId xmlns:a16="http://schemas.microsoft.com/office/drawing/2014/main" xmlns="" val="2709150820"/>
+                      <a16:colId xmlns="" xmlns:a16="http://schemas.microsoft.com/office/drawing/2014/main" val="2709150820"/>
                     </a:ext>
                   </a:extLst>
                 </a:gridCol>
                 <a:gridCol w="1943428">
                   <a:extLst>
                     <a:ext uri="{9D8B030D-6E8A-4147-A177-3AD203B41FA5}">
-                      <a16:colId xmlns:a16="http://schemas.microsoft.com/office/drawing/2014/main" xmlns="" val="945940747"/>
+                      <a16:colId xmlns="" xmlns:a16="http://schemas.microsoft.com/office/drawing/2014/main" val="945940747"/>
                     </a:ext>
                   </a:extLst>
                 </a:gridCol>
                 <a:gridCol w="1518657">
                   <a:extLst>
                     <a:ext uri="{9D8B030D-6E8A-4147-A177-3AD203B41FA5}">
-                      <a16:colId xmlns:a16="http://schemas.microsoft.com/office/drawing/2014/main" xmlns="" val="512786287"/>
+                      <a16:colId xmlns="" xmlns:a16="http://schemas.microsoft.com/office/drawing/2014/main" val="512786287"/>
                     </a:ext>
                   </a:extLst>
                 </a:gridCol>
                 <a:gridCol w="1518657">
                   <a:extLst>
                     <a:ext uri="{9D8B030D-6E8A-4147-A177-3AD203B41FA5}">
-                      <a16:colId xmlns:a16="http://schemas.microsoft.com/office/drawing/2014/main" xmlns="" val="1280919086"/>
+                      <a16:colId xmlns="" xmlns:a16="http://schemas.microsoft.com/office/drawing/2014/main" val="1280919086"/>
                     </a:ext>
                   </a:extLst>
                 </a:gridCol>
                 <a:gridCol w="1518657">
                   <a:extLst>
                     <a:ext uri="{9D8B030D-6E8A-4147-A177-3AD203B41FA5}">
-                      <a16:colId xmlns:a16="http://schemas.microsoft.com/office/drawing/2014/main" xmlns="" val="2114313522"/>
+                      <a16:colId xmlns="" xmlns:a16="http://schemas.microsoft.com/office/drawing/2014/main" val="2114313522"/>
                     </a:ext>
                   </a:extLst>
                 </a:gridCol>
                 <a:gridCol w="1518657">
                   <a:extLst>
                     <a:ext uri="{9D8B030D-6E8A-4147-A177-3AD203B41FA5}">
-                      <a16:colId xmlns:a16="http://schemas.microsoft.com/office/drawing/2014/main" xmlns="" val="3321869821"/>
+                      <a16:colId xmlns="" xmlns:a16="http://schemas.microsoft.com/office/drawing/2014/main" val="3321869821"/>
                     </a:ext>
                   </a:extLst>
                 </a:gridCol>
                 <a:gridCol w="1518657">
                   <a:extLst>
                     <a:ext uri="{9D8B030D-6E8A-4147-A177-3AD203B41FA5}">
-                      <a16:colId xmlns:a16="http://schemas.microsoft.com/office/drawing/2014/main" xmlns="" val="627398696"/>
+                      <a16:colId xmlns="" xmlns:a16="http://schemas.microsoft.com/office/drawing/2014/main" val="627398696"/>
                     </a:ext>
                   </a:extLst>
                 </a:gridCol>
@@ -21366,7 +19502,7 @@
                 </a:tc>
                 <a:extLst>
                   <a:ext uri="{0D108BD9-81ED-4DB2-BD59-A6C34878D82A}">
-                    <a16:rowId xmlns:a16="http://schemas.microsoft.com/office/drawing/2014/main" xmlns="" val="2147918820"/>
+                    <a16:rowId xmlns="" xmlns:a16="http://schemas.microsoft.com/office/drawing/2014/main" val="2147918820"/>
                   </a:ext>
                 </a:extLst>
               </a:tr>
@@ -21443,7 +19579,7 @@
                 </a:tc>
                 <a:extLst>
                   <a:ext uri="{0D108BD9-81ED-4DB2-BD59-A6C34878D82A}">
-                    <a16:rowId xmlns:a16="http://schemas.microsoft.com/office/drawing/2014/main" xmlns="" val="1636697103"/>
+                    <a16:rowId xmlns="" xmlns:a16="http://schemas.microsoft.com/office/drawing/2014/main" val="1636697103"/>
                   </a:ext>
                 </a:extLst>
               </a:tr>
@@ -21520,7 +19656,7 @@
                 </a:tc>
                 <a:extLst>
                   <a:ext uri="{0D108BD9-81ED-4DB2-BD59-A6C34878D82A}">
-                    <a16:rowId xmlns:a16="http://schemas.microsoft.com/office/drawing/2014/main" xmlns="" val="3809973164"/>
+                    <a16:rowId xmlns="" xmlns:a16="http://schemas.microsoft.com/office/drawing/2014/main" val="3809973164"/>
                   </a:ext>
                 </a:extLst>
               </a:tr>
@@ -21540,9 +19676,1117 @@
   </p:clrMapOvr>
   <p:extLst>
     <p:ext uri="{6950BFC3-D8DA-4A85-94F7-54DA5524770B}">
-      <p188:commentRel xmlns:p188="http://schemas.microsoft.com/office/powerpoint/2018/8/main" xmlns="" r:id="rId2"/>
+      <p188:commentRel xmlns="" xmlns:p188="http://schemas.microsoft.com/office/powerpoint/2018/8/main" r:id="rId2"/>
     </p:ext>
   </p:extLst>
+</p:sld>
+</file>
+
+<file path=ppt/slides/slide9.xml><?xml version="1.0" encoding="utf-8"?>
+<p:sld xmlns:a="http://schemas.openxmlformats.org/drawingml/2006/main" xmlns:r="http://schemas.openxmlformats.org/officeDocument/2006/relationships" xmlns:p="http://schemas.openxmlformats.org/presentationml/2006/main">
+  <p:cSld>
+    <p:bg>
+      <p:bgPr>
+        <a:solidFill>
+          <a:schemeClr val="bg1"/>
+        </a:solidFill>
+        <a:effectLst/>
+      </p:bgPr>
+    </p:bg>
+    <p:spTree>
+      <p:nvGrpSpPr>
+        <p:cNvPr id="1" name=""/>
+        <p:cNvGrpSpPr/>
+        <p:nvPr/>
+      </p:nvGrpSpPr>
+      <p:grpSpPr>
+        <a:xfrm>
+          <a:off x="0" y="0"/>
+          <a:ext cx="0" cy="0"/>
+          <a:chOff x="0" y="0"/>
+          <a:chExt cx="0" cy="0"/>
+        </a:xfrm>
+      </p:grpSpPr>
+      <p:sp>
+        <p:nvSpPr>
+          <p:cNvPr id="2" name="Rectangle 1">
+            <a:extLst>
+              <a:ext uri="{FF2B5EF4-FFF2-40B4-BE49-F238E27FC236}">
+                <a16:creationId xmlns="" xmlns:a16="http://schemas.microsoft.com/office/drawing/2014/main" id="{114493F7-0131-4550-9EAE-D486FFFB3AA5}"/>
+              </a:ext>
+            </a:extLst>
+          </p:cNvPr>
+          <p:cNvSpPr/>
+          <p:nvPr/>
+        </p:nvSpPr>
+        <p:spPr>
+          <a:xfrm>
+            <a:off x="521713" y="39269"/>
+            <a:ext cx="2204658" cy="409516"/>
+          </a:xfrm>
+          <a:prstGeom prst="rect">
+            <a:avLst/>
+          </a:prstGeom>
+        </p:spPr>
+        <p:style>
+          <a:lnRef idx="2">
+            <a:schemeClr val="accent1">
+              <a:shade val="50000"/>
+            </a:schemeClr>
+          </a:lnRef>
+          <a:fillRef idx="1">
+            <a:schemeClr val="accent1"/>
+          </a:fillRef>
+          <a:effectRef idx="0">
+            <a:schemeClr val="accent1"/>
+          </a:effectRef>
+          <a:fontRef idx="minor">
+            <a:schemeClr val="lt1"/>
+          </a:fontRef>
+        </p:style>
+        <p:txBody>
+          <a:bodyPr rtlCol="0" anchor="ctr"/>
+          <a:lstStyle/>
+          <a:p>
+            <a:pPr algn="ctr"/>
+            <a:r>
+              <a:rPr lang="en-US" dirty="0" err="1"/>
+              <a:t>Quản</a:t>
+            </a:r>
+            <a:r>
+              <a:rPr lang="en-US" dirty="0"/>
+              <a:t> </a:t>
+            </a:r>
+            <a:r>
+              <a:rPr lang="en-US" dirty="0" err="1"/>
+              <a:t>lý</a:t>
+            </a:r>
+            <a:r>
+              <a:rPr lang="en-US" dirty="0"/>
+              <a:t> cấp </a:t>
+            </a:r>
+            <a:r>
+              <a:rPr lang="en-US" dirty="0" err="1"/>
+              <a:t>phát</a:t>
+            </a:r>
+            <a:endParaRPr lang="en-US" dirty="0"/>
+          </a:p>
+        </p:txBody>
+      </p:sp>
+      <p:sp>
+        <p:nvSpPr>
+          <p:cNvPr id="3" name="Rectangle 2">
+            <a:extLst>
+              <a:ext uri="{FF2B5EF4-FFF2-40B4-BE49-F238E27FC236}">
+                <a16:creationId xmlns="" xmlns:a16="http://schemas.microsoft.com/office/drawing/2014/main" id="{A407FECC-7A8C-496F-B95F-7820D77A7625}"/>
+              </a:ext>
+            </a:extLst>
+          </p:cNvPr>
+          <p:cNvSpPr/>
+          <p:nvPr/>
+        </p:nvSpPr>
+        <p:spPr>
+          <a:xfrm>
+            <a:off x="577811" y="39269"/>
+            <a:ext cx="2204658" cy="409516"/>
+          </a:xfrm>
+          <a:prstGeom prst="rect">
+            <a:avLst/>
+          </a:prstGeom>
+        </p:spPr>
+        <p:style>
+          <a:lnRef idx="2">
+            <a:schemeClr val="accent1">
+              <a:shade val="50000"/>
+            </a:schemeClr>
+          </a:lnRef>
+          <a:fillRef idx="1">
+            <a:schemeClr val="accent1"/>
+          </a:fillRef>
+          <a:effectRef idx="0">
+            <a:schemeClr val="accent1"/>
+          </a:effectRef>
+          <a:fontRef idx="minor">
+            <a:schemeClr val="lt1"/>
+          </a:fontRef>
+        </p:style>
+        <p:txBody>
+          <a:bodyPr rtlCol="0" anchor="ctr"/>
+          <a:lstStyle/>
+          <a:p>
+            <a:pPr algn="ctr"/>
+            <a:r>
+              <a:rPr lang="en-US" dirty="0" err="1"/>
+              <a:t>Quản</a:t>
+            </a:r>
+            <a:r>
+              <a:rPr lang="en-US" dirty="0"/>
+              <a:t> </a:t>
+            </a:r>
+            <a:r>
+              <a:rPr lang="en-US" dirty="0" err="1"/>
+              <a:t>lý</a:t>
+            </a:r>
+            <a:r>
+              <a:rPr lang="en-US" dirty="0"/>
+              <a:t> cấp </a:t>
+            </a:r>
+            <a:r>
+              <a:rPr lang="en-US" dirty="0" err="1"/>
+              <a:t>phát</a:t>
+            </a:r>
+            <a:endParaRPr lang="en-US" dirty="0"/>
+          </a:p>
+        </p:txBody>
+      </p:sp>
+      <p:sp>
+        <p:nvSpPr>
+          <p:cNvPr id="4" name="Rectangle 3">
+            <a:extLst>
+              <a:ext uri="{FF2B5EF4-FFF2-40B4-BE49-F238E27FC236}">
+                <a16:creationId xmlns="" xmlns:a16="http://schemas.microsoft.com/office/drawing/2014/main" id="{6F7C379F-73B7-41B1-978E-D40D37AD1CA2}"/>
+              </a:ext>
+            </a:extLst>
+          </p:cNvPr>
+          <p:cNvSpPr/>
+          <p:nvPr/>
+        </p:nvSpPr>
+        <p:spPr>
+          <a:xfrm>
+            <a:off x="10585722" y="0"/>
+            <a:ext cx="1307087" cy="409516"/>
+          </a:xfrm>
+          <a:prstGeom prst="rect">
+            <a:avLst/>
+          </a:prstGeom>
+        </p:spPr>
+        <p:style>
+          <a:lnRef idx="2">
+            <a:schemeClr val="accent1">
+              <a:shade val="50000"/>
+            </a:schemeClr>
+          </a:lnRef>
+          <a:fillRef idx="1">
+            <a:schemeClr val="accent1"/>
+          </a:fillRef>
+          <a:effectRef idx="0">
+            <a:schemeClr val="accent1"/>
+          </a:effectRef>
+          <a:fontRef idx="minor">
+            <a:schemeClr val="lt1"/>
+          </a:fontRef>
+        </p:style>
+        <p:txBody>
+          <a:bodyPr rtlCol="0" anchor="ctr"/>
+          <a:lstStyle/>
+          <a:p>
+            <a:pPr algn="ctr"/>
+            <a:r>
+              <a:rPr lang="en-US" dirty="0"/>
+              <a:t>user</a:t>
+            </a:r>
+          </a:p>
+        </p:txBody>
+      </p:sp>
+      <p:cxnSp>
+        <p:nvCxnSpPr>
+          <p:cNvPr id="7" name="Straight Connector 6">
+            <a:extLst>
+              <a:ext uri="{FF2B5EF4-FFF2-40B4-BE49-F238E27FC236}">
+                <a16:creationId xmlns="" xmlns:a16="http://schemas.microsoft.com/office/drawing/2014/main" id="{7E87841E-6771-48D9-9337-874CA48DAE2A}"/>
+              </a:ext>
+            </a:extLst>
+          </p:cNvPr>
+          <p:cNvCxnSpPr/>
+          <p:nvPr/>
+        </p:nvCxnSpPr>
+        <p:spPr>
+          <a:xfrm flipV="1">
+            <a:off x="597852" y="1154855"/>
+            <a:ext cx="11102912" cy="66368"/>
+          </a:xfrm>
+          <a:prstGeom prst="line">
+            <a:avLst/>
+          </a:prstGeom>
+        </p:spPr>
+        <p:style>
+          <a:lnRef idx="1">
+            <a:schemeClr val="accent1"/>
+          </a:lnRef>
+          <a:fillRef idx="0">
+            <a:schemeClr val="accent1"/>
+          </a:fillRef>
+          <a:effectRef idx="0">
+            <a:schemeClr val="accent1"/>
+          </a:effectRef>
+          <a:fontRef idx="minor">
+            <a:schemeClr val="tx1"/>
+          </a:fontRef>
+        </p:style>
+      </p:cxnSp>
+      <p:sp>
+        <p:nvSpPr>
+          <p:cNvPr id="13" name="Rectangle 12">
+            <a:extLst>
+              <a:ext uri="{FF2B5EF4-FFF2-40B4-BE49-F238E27FC236}">
+                <a16:creationId xmlns="" xmlns:a16="http://schemas.microsoft.com/office/drawing/2014/main" id="{57CEB79F-2993-488D-A128-A557142D2723}"/>
+              </a:ext>
+            </a:extLst>
+          </p:cNvPr>
+          <p:cNvSpPr/>
+          <p:nvPr/>
+        </p:nvSpPr>
+        <p:spPr>
+          <a:xfrm>
+            <a:off x="597852" y="597310"/>
+            <a:ext cx="2285458" cy="511560"/>
+          </a:xfrm>
+          <a:prstGeom prst="rect">
+            <a:avLst/>
+          </a:prstGeom>
+          <a:solidFill>
+            <a:schemeClr val="accent1"/>
+          </a:solidFill>
+          <a:ln>
+            <a:solidFill>
+              <a:srgbClr val="C00000"/>
+            </a:solidFill>
+          </a:ln>
+        </p:spPr>
+        <p:style>
+          <a:lnRef idx="2">
+            <a:schemeClr val="accent1">
+              <a:shade val="50000"/>
+            </a:schemeClr>
+          </a:lnRef>
+          <a:fillRef idx="1">
+            <a:schemeClr val="accent1"/>
+          </a:fillRef>
+          <a:effectRef idx="0">
+            <a:schemeClr val="accent1"/>
+          </a:effectRef>
+          <a:fontRef idx="minor">
+            <a:schemeClr val="lt1"/>
+          </a:fontRef>
+        </p:style>
+        <p:txBody>
+          <a:bodyPr rtlCol="0" anchor="ctr"/>
+          <a:lstStyle/>
+          <a:p>
+            <a:pPr algn="ctr"/>
+            <a:r>
+              <a:rPr lang="en-US" dirty="0"/>
+              <a:t>Tổng </a:t>
+            </a:r>
+            <a:r>
+              <a:rPr lang="en-US" dirty="0" err="1"/>
+              <a:t>quan</a:t>
+            </a:r>
+            <a:endParaRPr lang="en-US" dirty="0"/>
+          </a:p>
+        </p:txBody>
+      </p:sp>
+      <p:sp>
+        <p:nvSpPr>
+          <p:cNvPr id="17" name="Rectangle 16">
+            <a:extLst>
+              <a:ext uri="{FF2B5EF4-FFF2-40B4-BE49-F238E27FC236}">
+                <a16:creationId xmlns="" xmlns:a16="http://schemas.microsoft.com/office/drawing/2014/main" id="{F4C8519E-B0C4-4755-A01D-ED20ADB31053}"/>
+              </a:ext>
+            </a:extLst>
+          </p:cNvPr>
+          <p:cNvSpPr/>
+          <p:nvPr/>
+        </p:nvSpPr>
+        <p:spPr>
+          <a:xfrm>
+            <a:off x="4284407" y="597310"/>
+            <a:ext cx="1253613" cy="511560"/>
+          </a:xfrm>
+          <a:prstGeom prst="rect">
+            <a:avLst/>
+          </a:prstGeom>
+        </p:spPr>
+        <p:style>
+          <a:lnRef idx="2">
+            <a:schemeClr val="accent1">
+              <a:shade val="50000"/>
+            </a:schemeClr>
+          </a:lnRef>
+          <a:fillRef idx="1">
+            <a:schemeClr val="accent1"/>
+          </a:fillRef>
+          <a:effectRef idx="0">
+            <a:schemeClr val="accent1"/>
+          </a:effectRef>
+          <a:fontRef idx="minor">
+            <a:schemeClr val="lt1"/>
+          </a:fontRef>
+        </p:style>
+        <p:txBody>
+          <a:bodyPr rtlCol="0" anchor="ctr"/>
+          <a:lstStyle/>
+          <a:p>
+            <a:pPr algn="ctr"/>
+            <a:r>
+              <a:rPr lang="en-US" dirty="0" err="1"/>
+              <a:t>Thiết</a:t>
+            </a:r>
+            <a:r>
+              <a:rPr lang="en-US" dirty="0"/>
+              <a:t> </a:t>
+            </a:r>
+            <a:r>
+              <a:rPr lang="en-US" dirty="0" err="1"/>
+              <a:t>bị</a:t>
+            </a:r>
+            <a:endParaRPr lang="en-US" dirty="0"/>
+          </a:p>
+        </p:txBody>
+      </p:sp>
+      <p:sp>
+        <p:nvSpPr>
+          <p:cNvPr id="18" name="Rectangle 17">
+            <a:extLst>
+              <a:ext uri="{FF2B5EF4-FFF2-40B4-BE49-F238E27FC236}">
+                <a16:creationId xmlns="" xmlns:a16="http://schemas.microsoft.com/office/drawing/2014/main" id="{725BA441-C124-43CE-94BD-50DB91DDC2FA}"/>
+              </a:ext>
+            </a:extLst>
+          </p:cNvPr>
+          <p:cNvSpPr/>
+          <p:nvPr/>
+        </p:nvSpPr>
+        <p:spPr>
+          <a:xfrm>
+            <a:off x="5538020" y="597310"/>
+            <a:ext cx="2027903" cy="511560"/>
+          </a:xfrm>
+          <a:prstGeom prst="rect">
+            <a:avLst/>
+          </a:prstGeom>
+        </p:spPr>
+        <p:style>
+          <a:lnRef idx="2">
+            <a:schemeClr val="accent1">
+              <a:shade val="50000"/>
+            </a:schemeClr>
+          </a:lnRef>
+          <a:fillRef idx="1">
+            <a:schemeClr val="accent1"/>
+          </a:fillRef>
+          <a:effectRef idx="0">
+            <a:schemeClr val="accent1"/>
+          </a:effectRef>
+          <a:fontRef idx="minor">
+            <a:schemeClr val="lt1"/>
+          </a:fontRef>
+        </p:style>
+        <p:txBody>
+          <a:bodyPr rtlCol="0" anchor="ctr"/>
+          <a:lstStyle/>
+          <a:p>
+            <a:pPr algn="ctr"/>
+            <a:r>
+              <a:rPr lang="en-US" dirty="0" err="1"/>
+              <a:t>Tạo</a:t>
+            </a:r>
+            <a:r>
+              <a:rPr lang="en-US" dirty="0"/>
+              <a:t> SR cấp </a:t>
+            </a:r>
+            <a:r>
+              <a:rPr lang="en-US" dirty="0" err="1"/>
+              <a:t>phát</a:t>
+            </a:r>
+            <a:endParaRPr lang="en-US" dirty="0"/>
+          </a:p>
+        </p:txBody>
+      </p:sp>
+      <p:sp>
+        <p:nvSpPr>
+          <p:cNvPr id="20" name="Rectangle 19">
+            <a:extLst>
+              <a:ext uri="{FF2B5EF4-FFF2-40B4-BE49-F238E27FC236}">
+                <a16:creationId xmlns="" xmlns:a16="http://schemas.microsoft.com/office/drawing/2014/main" id="{E251C8AA-3D74-4314-8139-C333A402E137}"/>
+              </a:ext>
+            </a:extLst>
+          </p:cNvPr>
+          <p:cNvSpPr/>
+          <p:nvPr/>
+        </p:nvSpPr>
+        <p:spPr>
+          <a:xfrm>
+            <a:off x="7565923" y="597310"/>
+            <a:ext cx="2027903" cy="511560"/>
+          </a:xfrm>
+          <a:prstGeom prst="rect">
+            <a:avLst/>
+          </a:prstGeom>
+        </p:spPr>
+        <p:style>
+          <a:lnRef idx="2">
+            <a:schemeClr val="accent1">
+              <a:shade val="50000"/>
+            </a:schemeClr>
+          </a:lnRef>
+          <a:fillRef idx="1">
+            <a:schemeClr val="accent1"/>
+          </a:fillRef>
+          <a:effectRef idx="0">
+            <a:schemeClr val="accent1"/>
+          </a:effectRef>
+          <a:fontRef idx="minor">
+            <a:schemeClr val="lt1"/>
+          </a:fontRef>
+        </p:style>
+        <p:txBody>
+          <a:bodyPr rtlCol="0" anchor="ctr"/>
+          <a:lstStyle/>
+          <a:p>
+            <a:pPr algn="ctr"/>
+            <a:r>
+              <a:rPr lang="en-US" dirty="0"/>
+              <a:t>Báo cáo</a:t>
+            </a:r>
+          </a:p>
+        </p:txBody>
+      </p:sp>
+      <p:sp>
+        <p:nvSpPr>
+          <p:cNvPr id="21" name="Rectangle 20">
+            <a:extLst>
+              <a:ext uri="{FF2B5EF4-FFF2-40B4-BE49-F238E27FC236}">
+                <a16:creationId xmlns="" xmlns:a16="http://schemas.microsoft.com/office/drawing/2014/main" id="{426E9989-6A49-45F9-95D0-7E425A99A9A2}"/>
+              </a:ext>
+            </a:extLst>
+          </p:cNvPr>
+          <p:cNvSpPr/>
+          <p:nvPr/>
+        </p:nvSpPr>
+        <p:spPr>
+          <a:xfrm>
+            <a:off x="2883310" y="602288"/>
+            <a:ext cx="1401097" cy="511560"/>
+          </a:xfrm>
+          <a:prstGeom prst="rect">
+            <a:avLst/>
+          </a:prstGeom>
+          <a:solidFill>
+            <a:srgbClr val="92D050"/>
+          </a:solidFill>
+        </p:spPr>
+        <p:style>
+          <a:lnRef idx="2">
+            <a:schemeClr val="accent1">
+              <a:shade val="50000"/>
+            </a:schemeClr>
+          </a:lnRef>
+          <a:fillRef idx="1">
+            <a:schemeClr val="accent1"/>
+          </a:fillRef>
+          <a:effectRef idx="0">
+            <a:schemeClr val="accent1"/>
+          </a:effectRef>
+          <a:fontRef idx="minor">
+            <a:schemeClr val="lt1"/>
+          </a:fontRef>
+        </p:style>
+        <p:txBody>
+          <a:bodyPr rtlCol="0" anchor="ctr"/>
+          <a:lstStyle/>
+          <a:p>
+            <a:pPr algn="ctr"/>
+            <a:r>
+              <a:rPr lang="en-US" dirty="0" err="1"/>
+              <a:t>Danh</a:t>
+            </a:r>
+            <a:r>
+              <a:rPr lang="en-US" dirty="0"/>
+              <a:t> </a:t>
+            </a:r>
+            <a:r>
+              <a:rPr lang="en-US" dirty="0" err="1"/>
+              <a:t>mục</a:t>
+            </a:r>
+            <a:endParaRPr lang="en-US" dirty="0"/>
+          </a:p>
+        </p:txBody>
+      </p:sp>
+      <p:sp>
+        <p:nvSpPr>
+          <p:cNvPr id="29" name="Rectangle 28">
+            <a:extLst>
+              <a:ext uri="{FF2B5EF4-FFF2-40B4-BE49-F238E27FC236}">
+                <a16:creationId xmlns="" xmlns:a16="http://schemas.microsoft.com/office/drawing/2014/main" id="{73EDAE4F-9B7F-4FFB-8B0B-3F3525E42965}"/>
+              </a:ext>
+            </a:extLst>
+          </p:cNvPr>
+          <p:cNvSpPr/>
+          <p:nvPr/>
+        </p:nvSpPr>
+        <p:spPr>
+          <a:xfrm>
+            <a:off x="597852" y="1221223"/>
+            <a:ext cx="2451263" cy="482762"/>
+          </a:xfrm>
+          <a:prstGeom prst="rect">
+            <a:avLst/>
+          </a:prstGeom>
+          <a:solidFill>
+            <a:srgbClr val="FFC000"/>
+          </a:solidFill>
+        </p:spPr>
+        <p:style>
+          <a:lnRef idx="2">
+            <a:schemeClr val="accent1">
+              <a:shade val="50000"/>
+            </a:schemeClr>
+          </a:lnRef>
+          <a:fillRef idx="1">
+            <a:schemeClr val="accent1"/>
+          </a:fillRef>
+          <a:effectRef idx="0">
+            <a:schemeClr val="accent1"/>
+          </a:effectRef>
+          <a:fontRef idx="minor">
+            <a:schemeClr val="lt1"/>
+          </a:fontRef>
+        </p:style>
+        <p:txBody>
+          <a:bodyPr rtlCol="0" anchor="ctr"/>
+          <a:lstStyle/>
+          <a:p>
+            <a:pPr algn="ctr"/>
+            <a:r>
+              <a:rPr lang="en-US" dirty="0" err="1"/>
+              <a:t>Danh</a:t>
+            </a:r>
+            <a:r>
+              <a:rPr lang="en-US" dirty="0"/>
+              <a:t> </a:t>
+            </a:r>
+            <a:r>
+              <a:rPr lang="en-US" dirty="0" err="1"/>
+              <a:t>mục</a:t>
+            </a:r>
+            <a:r>
+              <a:rPr lang="en-US" dirty="0"/>
+              <a:t> </a:t>
+            </a:r>
+            <a:r>
+              <a:rPr lang="en-US" dirty="0" err="1"/>
+              <a:t>đơn</a:t>
+            </a:r>
+            <a:r>
+              <a:rPr lang="en-US" dirty="0"/>
+              <a:t> </a:t>
+            </a:r>
+            <a:r>
+              <a:rPr lang="en-US" dirty="0" err="1"/>
+              <a:t>vị</a:t>
+            </a:r>
+            <a:endParaRPr lang="en-US" dirty="0"/>
+          </a:p>
+        </p:txBody>
+      </p:sp>
+      <p:graphicFrame>
+        <p:nvGraphicFramePr>
+          <p:cNvPr id="30" name="Table 4">
+            <a:extLst>
+              <a:ext uri="{FF2B5EF4-FFF2-40B4-BE49-F238E27FC236}">
+                <a16:creationId xmlns="" xmlns:a16="http://schemas.microsoft.com/office/drawing/2014/main" id="{F1F0B060-37A5-465C-AC9A-2769DA05A2DD}"/>
+              </a:ext>
+            </a:extLst>
+          </p:cNvPr>
+          <p:cNvGraphicFramePr>
+            <a:graphicFrameLocks/>
+          </p:cNvGraphicFramePr>
+          <p:nvPr>
+            <p:extLst>
+              <p:ext uri="{D42A27DB-BD31-4B8C-83A1-F6EECF244321}">
+                <p14:modId xmlns:p14="http://schemas.microsoft.com/office/powerpoint/2010/main" val="2529727603"/>
+              </p:ext>
+            </p:extLst>
+          </p:nvPr>
+        </p:nvGraphicFramePr>
+        <p:xfrm>
+          <a:off x="521712" y="1739778"/>
+          <a:ext cx="10804504" cy="1541964"/>
+        </p:xfrm>
+        <a:graphic>
+          <a:graphicData uri="http://schemas.openxmlformats.org/drawingml/2006/table">
+            <a:tbl>
+              <a:tblPr firstRow="1" bandRow="1">
+                <a:tableStyleId>{5C22544A-7EE6-4342-B048-85BDC9FD1C3A}</a:tableStyleId>
+              </a:tblPr>
+              <a:tblGrid>
+                <a:gridCol w="2701126">
+                  <a:extLst>
+                    <a:ext uri="{9D8B030D-6E8A-4147-A177-3AD203B41FA5}">
+                      <a16:colId xmlns="" xmlns:a16="http://schemas.microsoft.com/office/drawing/2014/main" val="512229332"/>
+                    </a:ext>
+                  </a:extLst>
+                </a:gridCol>
+                <a:gridCol w="2701126">
+                  <a:extLst>
+                    <a:ext uri="{9D8B030D-6E8A-4147-A177-3AD203B41FA5}">
+                      <a16:colId xmlns="" xmlns:a16="http://schemas.microsoft.com/office/drawing/2014/main" val="1132813609"/>
+                    </a:ext>
+                  </a:extLst>
+                </a:gridCol>
+                <a:gridCol w="2701126">
+                  <a:extLst>
+                    <a:ext uri="{9D8B030D-6E8A-4147-A177-3AD203B41FA5}">
+                      <a16:colId xmlns="" xmlns:a16="http://schemas.microsoft.com/office/drawing/2014/main" val="3928112175"/>
+                    </a:ext>
+                  </a:extLst>
+                </a:gridCol>
+                <a:gridCol w="2701126">
+                  <a:extLst>
+                    <a:ext uri="{9D8B030D-6E8A-4147-A177-3AD203B41FA5}">
+                      <a16:colId xmlns="" xmlns:a16="http://schemas.microsoft.com/office/drawing/2014/main" val="1695777817"/>
+                    </a:ext>
+                  </a:extLst>
+                </a:gridCol>
+              </a:tblGrid>
+              <a:tr h="714292">
+                <a:tc>
+                  <a:txBody>
+                    <a:bodyPr/>
+                    <a:lstStyle/>
+                    <a:p>
+                      <a:r>
+                        <a:rPr lang="en-US" dirty="0"/>
+                        <a:t>STT</a:t>
+                      </a:r>
+                    </a:p>
+                  </a:txBody>
+                  <a:tcPr/>
+                </a:tc>
+                <a:tc>
+                  <a:txBody>
+                    <a:bodyPr/>
+                    <a:lstStyle/>
+                    <a:p>
+                      <a:r>
+                        <a:rPr lang="en-US" dirty="0" err="1"/>
+                        <a:t>Mã</a:t>
+                      </a:r>
+                      <a:r>
+                        <a:rPr lang="en-US" dirty="0"/>
+                        <a:t> </a:t>
+                      </a:r>
+                      <a:r>
+                        <a:rPr lang="en-US" dirty="0" err="1"/>
+                        <a:t>đơn</a:t>
+                      </a:r>
+                      <a:r>
+                        <a:rPr lang="en-US" dirty="0"/>
+                        <a:t> </a:t>
+                      </a:r>
+                      <a:r>
+                        <a:rPr lang="en-US" dirty="0" err="1"/>
+                        <a:t>vị</a:t>
+                      </a:r>
+                      <a:endParaRPr lang="en-US" dirty="0"/>
+                    </a:p>
+                  </a:txBody>
+                  <a:tcPr/>
+                </a:tc>
+                <a:tc>
+                  <a:txBody>
+                    <a:bodyPr/>
+                    <a:lstStyle/>
+                    <a:p>
+                      <a:r>
+                        <a:rPr lang="en-US" dirty="0" err="1"/>
+                        <a:t>Đầu</a:t>
+                      </a:r>
+                      <a:r>
+                        <a:rPr lang="en-US" dirty="0"/>
+                        <a:t> </a:t>
+                      </a:r>
+                      <a:r>
+                        <a:rPr lang="en-US" dirty="0" err="1"/>
+                        <a:t>mối</a:t>
+                      </a:r>
+                      <a:r>
+                        <a:rPr lang="en-US" dirty="0"/>
+                        <a:t> </a:t>
+                      </a:r>
+                      <a:r>
+                        <a:rPr lang="en-US" dirty="0" err="1"/>
+                        <a:t>chính</a:t>
+                      </a:r>
+                      <a:endParaRPr lang="en-US" dirty="0"/>
+                    </a:p>
+                  </a:txBody>
+                  <a:tcPr/>
+                </a:tc>
+                <a:tc>
+                  <a:txBody>
+                    <a:bodyPr/>
+                    <a:lstStyle/>
+                    <a:p>
+                      <a:r>
+                        <a:rPr lang="en-US" dirty="0" err="1"/>
+                        <a:t>Ghi</a:t>
+                      </a:r>
+                      <a:r>
+                        <a:rPr lang="en-US" dirty="0"/>
+                        <a:t> </a:t>
+                      </a:r>
+                      <a:r>
+                        <a:rPr lang="en-US" dirty="0" err="1"/>
+                        <a:t>chú</a:t>
+                      </a:r>
+                      <a:endParaRPr lang="en-US" dirty="0"/>
+                    </a:p>
+                  </a:txBody>
+                  <a:tcPr/>
+                </a:tc>
+                <a:extLst>
+                  <a:ext uri="{0D108BD9-81ED-4DB2-BD59-A6C34878D82A}">
+                    <a16:rowId xmlns="" xmlns:a16="http://schemas.microsoft.com/office/drawing/2014/main" val="3361508462"/>
+                  </a:ext>
+                </a:extLst>
+              </a:tr>
+              <a:tr h="413836">
+                <a:tc>
+                  <a:txBody>
+                    <a:bodyPr/>
+                    <a:lstStyle/>
+                    <a:p>
+                      <a:endParaRPr lang="en-US" dirty="0"/>
+                    </a:p>
+                  </a:txBody>
+                  <a:tcPr/>
+                </a:tc>
+                <a:tc>
+                  <a:txBody>
+                    <a:bodyPr/>
+                    <a:lstStyle/>
+                    <a:p>
+                      <a:endParaRPr lang="en-US"/>
+                    </a:p>
+                  </a:txBody>
+                  <a:tcPr/>
+                </a:tc>
+                <a:tc>
+                  <a:txBody>
+                    <a:bodyPr/>
+                    <a:lstStyle/>
+                    <a:p>
+                      <a:pPr algn="l"/>
+                      <a:endParaRPr lang="en-US" dirty="0">
+                        <a:solidFill>
+                          <a:srgbClr val="002060"/>
+                        </a:solidFill>
+                      </a:endParaRPr>
+                    </a:p>
+                  </a:txBody>
+                  <a:tcPr/>
+                </a:tc>
+                <a:tc>
+                  <a:txBody>
+                    <a:bodyPr/>
+                    <a:lstStyle/>
+                    <a:p>
+                      <a:endParaRPr lang="en-US" dirty="0"/>
+                    </a:p>
+                  </a:txBody>
+                  <a:tcPr/>
+                </a:tc>
+                <a:extLst>
+                  <a:ext uri="{0D108BD9-81ED-4DB2-BD59-A6C34878D82A}">
+                    <a16:rowId xmlns="" xmlns:a16="http://schemas.microsoft.com/office/drawing/2014/main" val="3689370375"/>
+                  </a:ext>
+                </a:extLst>
+              </a:tr>
+              <a:tr h="413836">
+                <a:tc>
+                  <a:txBody>
+                    <a:bodyPr/>
+                    <a:lstStyle/>
+                    <a:p>
+                      <a:endParaRPr lang="en-US"/>
+                    </a:p>
+                  </a:txBody>
+                  <a:tcPr/>
+                </a:tc>
+                <a:tc>
+                  <a:txBody>
+                    <a:bodyPr/>
+                    <a:lstStyle/>
+                    <a:p>
+                      <a:endParaRPr lang="en-US"/>
+                    </a:p>
+                  </a:txBody>
+                  <a:tcPr/>
+                </a:tc>
+                <a:tc>
+                  <a:txBody>
+                    <a:bodyPr/>
+                    <a:lstStyle/>
+                    <a:p>
+                      <a:endParaRPr lang="en-US"/>
+                    </a:p>
+                  </a:txBody>
+                  <a:tcPr/>
+                </a:tc>
+                <a:tc>
+                  <a:txBody>
+                    <a:bodyPr/>
+                    <a:lstStyle/>
+                    <a:p>
+                      <a:endParaRPr lang="en-US" dirty="0"/>
+                    </a:p>
+                  </a:txBody>
+                  <a:tcPr/>
+                </a:tc>
+                <a:extLst>
+                  <a:ext uri="{0D108BD9-81ED-4DB2-BD59-A6C34878D82A}">
+                    <a16:rowId xmlns="" xmlns:a16="http://schemas.microsoft.com/office/drawing/2014/main" val="1713619182"/>
+                  </a:ext>
+                </a:extLst>
+              </a:tr>
+            </a:tbl>
+          </a:graphicData>
+        </a:graphic>
+      </p:graphicFrame>
+      <p:sp>
+        <p:nvSpPr>
+          <p:cNvPr id="33" name="Rectangle 32">
+            <a:extLst>
+              <a:ext uri="{FF2B5EF4-FFF2-40B4-BE49-F238E27FC236}">
+                <a16:creationId xmlns="" xmlns:a16="http://schemas.microsoft.com/office/drawing/2014/main" id="{8375D373-578E-4146-A7EE-08591091E59A}"/>
+              </a:ext>
+            </a:extLst>
+          </p:cNvPr>
+          <p:cNvSpPr/>
+          <p:nvPr/>
+        </p:nvSpPr>
+        <p:spPr>
+          <a:xfrm>
+            <a:off x="7707887" y="1182944"/>
+            <a:ext cx="1242755" cy="482762"/>
+          </a:xfrm>
+          <a:prstGeom prst="rect">
+            <a:avLst/>
+          </a:prstGeom>
+          <a:solidFill>
+            <a:srgbClr val="FFC000"/>
+          </a:solidFill>
+        </p:spPr>
+        <p:style>
+          <a:lnRef idx="2">
+            <a:schemeClr val="accent1">
+              <a:shade val="50000"/>
+            </a:schemeClr>
+          </a:lnRef>
+          <a:fillRef idx="1">
+            <a:schemeClr val="accent1"/>
+          </a:fillRef>
+          <a:effectRef idx="0">
+            <a:schemeClr val="accent1"/>
+          </a:effectRef>
+          <a:fontRef idx="minor">
+            <a:schemeClr val="lt1"/>
+          </a:fontRef>
+        </p:style>
+        <p:txBody>
+          <a:bodyPr rtlCol="0" anchor="ctr"/>
+          <a:lstStyle/>
+          <a:p>
+            <a:pPr algn="ctr"/>
+            <a:r>
+              <a:rPr lang="en-US" dirty="0" err="1"/>
+              <a:t>Thêm</a:t>
+            </a:r>
+            <a:r>
+              <a:rPr lang="en-US" dirty="0"/>
+              <a:t> </a:t>
+            </a:r>
+            <a:r>
+              <a:rPr lang="en-US" dirty="0" err="1"/>
+              <a:t>mới</a:t>
+            </a:r>
+            <a:endParaRPr lang="en-US" dirty="0"/>
+          </a:p>
+        </p:txBody>
+      </p:sp>
+      <p:sp>
+        <p:nvSpPr>
+          <p:cNvPr id="34" name="Rectangle 33">
+            <a:extLst>
+              <a:ext uri="{FF2B5EF4-FFF2-40B4-BE49-F238E27FC236}">
+                <a16:creationId xmlns="" xmlns:a16="http://schemas.microsoft.com/office/drawing/2014/main" id="{13447C5C-5E48-4F26-96CF-340225DB0157}"/>
+              </a:ext>
+            </a:extLst>
+          </p:cNvPr>
+          <p:cNvSpPr/>
+          <p:nvPr/>
+        </p:nvSpPr>
+        <p:spPr>
+          <a:xfrm>
+            <a:off x="8972449" y="1186837"/>
+            <a:ext cx="621378" cy="482762"/>
+          </a:xfrm>
+          <a:prstGeom prst="rect">
+            <a:avLst/>
+          </a:prstGeom>
+          <a:solidFill>
+            <a:srgbClr val="FFC000"/>
+          </a:solidFill>
+        </p:spPr>
+        <p:style>
+          <a:lnRef idx="2">
+            <a:schemeClr val="accent1">
+              <a:shade val="50000"/>
+            </a:schemeClr>
+          </a:lnRef>
+          <a:fillRef idx="1">
+            <a:schemeClr val="accent1"/>
+          </a:fillRef>
+          <a:effectRef idx="0">
+            <a:schemeClr val="accent1"/>
+          </a:effectRef>
+          <a:fontRef idx="minor">
+            <a:schemeClr val="lt1"/>
+          </a:fontRef>
+        </p:style>
+        <p:txBody>
+          <a:bodyPr rtlCol="0" anchor="ctr"/>
+          <a:lstStyle/>
+          <a:p>
+            <a:pPr algn="ctr"/>
+            <a:r>
+              <a:rPr lang="en-US" dirty="0" err="1"/>
+              <a:t>Sửa</a:t>
+            </a:r>
+            <a:endParaRPr lang="en-US" dirty="0"/>
+          </a:p>
+        </p:txBody>
+      </p:sp>
+      <p:sp>
+        <p:nvSpPr>
+          <p:cNvPr id="35" name="Rectangle 34">
+            <a:extLst>
+              <a:ext uri="{FF2B5EF4-FFF2-40B4-BE49-F238E27FC236}">
+                <a16:creationId xmlns="" xmlns:a16="http://schemas.microsoft.com/office/drawing/2014/main" id="{10B8CB01-DAF3-4DC0-BBCB-14B7FC25EA45}"/>
+              </a:ext>
+            </a:extLst>
+          </p:cNvPr>
+          <p:cNvSpPr/>
+          <p:nvPr/>
+        </p:nvSpPr>
+        <p:spPr>
+          <a:xfrm>
+            <a:off x="9615634" y="1202084"/>
+            <a:ext cx="621378" cy="482762"/>
+          </a:xfrm>
+          <a:prstGeom prst="rect">
+            <a:avLst/>
+          </a:prstGeom>
+          <a:solidFill>
+            <a:srgbClr val="FFC000"/>
+          </a:solidFill>
+        </p:spPr>
+        <p:style>
+          <a:lnRef idx="2">
+            <a:schemeClr val="accent1">
+              <a:shade val="50000"/>
+            </a:schemeClr>
+          </a:lnRef>
+          <a:fillRef idx="1">
+            <a:schemeClr val="accent1"/>
+          </a:fillRef>
+          <a:effectRef idx="0">
+            <a:schemeClr val="accent1"/>
+          </a:effectRef>
+          <a:fontRef idx="minor">
+            <a:schemeClr val="lt1"/>
+          </a:fontRef>
+        </p:style>
+        <p:txBody>
+          <a:bodyPr rtlCol="0" anchor="ctr"/>
+          <a:lstStyle/>
+          <a:p>
+            <a:pPr algn="ctr"/>
+            <a:r>
+              <a:rPr lang="en-US" dirty="0" err="1"/>
+              <a:t>Xóa</a:t>
+            </a:r>
+            <a:endParaRPr lang="en-US" dirty="0"/>
+          </a:p>
+        </p:txBody>
+      </p:sp>
+      <p:sp>
+        <p:nvSpPr>
+          <p:cNvPr id="36" name="Rectangle 35">
+            <a:extLst>
+              <a:ext uri="{FF2B5EF4-FFF2-40B4-BE49-F238E27FC236}">
+                <a16:creationId xmlns="" xmlns:a16="http://schemas.microsoft.com/office/drawing/2014/main" id="{9F71F038-1FC5-4952-B497-0AF22AD5DCC8}"/>
+              </a:ext>
+            </a:extLst>
+          </p:cNvPr>
+          <p:cNvSpPr/>
+          <p:nvPr/>
+        </p:nvSpPr>
+        <p:spPr>
+          <a:xfrm>
+            <a:off x="10258819" y="1206017"/>
+            <a:ext cx="1185821" cy="482762"/>
+          </a:xfrm>
+          <a:prstGeom prst="rect">
+            <a:avLst/>
+          </a:prstGeom>
+          <a:solidFill>
+            <a:srgbClr val="FFC000"/>
+          </a:solidFill>
+        </p:spPr>
+        <p:style>
+          <a:lnRef idx="2">
+            <a:schemeClr val="accent1">
+              <a:shade val="50000"/>
+            </a:schemeClr>
+          </a:lnRef>
+          <a:fillRef idx="1">
+            <a:schemeClr val="accent1"/>
+          </a:fillRef>
+          <a:effectRef idx="0">
+            <a:schemeClr val="accent1"/>
+          </a:effectRef>
+          <a:fontRef idx="minor">
+            <a:schemeClr val="lt1"/>
+          </a:fontRef>
+        </p:style>
+        <p:txBody>
+          <a:bodyPr rtlCol="0" anchor="ctr"/>
+          <a:lstStyle/>
+          <a:p>
+            <a:pPr algn="ctr"/>
+            <a:r>
+              <a:rPr lang="en-US" dirty="0" err="1"/>
+              <a:t>Xuất</a:t>
+            </a:r>
+            <a:r>
+              <a:rPr lang="en-US" dirty="0"/>
+              <a:t> file</a:t>
+            </a:r>
+          </a:p>
+        </p:txBody>
+      </p:sp>
+    </p:spTree>
+    <p:extLst>
+      <p:ext uri="{BB962C8B-B14F-4D97-AF65-F5344CB8AC3E}">
+        <p14:creationId xmlns:p14="http://schemas.microsoft.com/office/powerpoint/2010/main" val="2130360485"/>
+      </p:ext>
+    </p:extLst>
+  </p:cSld>
+  <p:clrMapOvr>
+    <a:masterClrMapping/>
+  </p:clrMapOvr>
 </p:sld>
 </file>
 
